--- a/documents/projectmanagement/Praesentationen/Vorstellung_Zwischenpräsentation - Kopie.pptx
+++ b/documents/projectmanagement/Praesentationen/Vorstellung_Zwischenpräsentation - Kopie.pptx
@@ -9548,13 +9548,20 @@
         <a:lstStyle/>
         <a:p>
           <a:r>
-            <a:rPr lang="de-DE" dirty="0" err="1"/>
-            <a:t>Materializecss</a:t>
+            <a:rPr lang="de-DE" b="0" i="0" dirty="0" err="1"/>
+            <a:t>responsives</a:t>
           </a:r>
           <a:r>
-            <a:rPr lang="de-DE" dirty="0"/>
-            <a:t> (JS,CSS)</a:t>
+            <a:rPr lang="de-DE" b="0" i="0" dirty="0"/>
+            <a:t> Front-End-Framework, basierend auf Material Design</a:t>
           </a:r>
+        </a:p>
+        <a:p>
+          <a:r>
+            <a:rPr lang="de-DE" b="0" i="0" dirty="0"/>
+            <a:t>(JS,CSS)</a:t>
+          </a:r>
+          <a:endParaRPr lang="de-DE" dirty="0"/>
         </a:p>
       </dgm:t>
     </dgm:pt>
@@ -9803,23 +9810,23 @@
     </dgm:pt>
   </dgm:ptLst>
   <dgm:cxnLst>
+    <dgm:cxn modelId="{B665B2CF-FD84-44E6-9A1E-5111052DB219}" type="presOf" srcId="{04418C5E-07F4-4786-8630-DDCDC51FB261}" destId="{A1EA949C-6E29-404A-BC50-3004A9B81BD3}" srcOrd="0" destOrd="0" presId="urn:microsoft.com/office/officeart/2005/8/layout/target2"/>
+    <dgm:cxn modelId="{ACCB774A-AFDC-4220-981C-49446735CC62}" type="presOf" srcId="{C7F98C24-8E50-44F0-93FC-32D2CBFF812C}" destId="{D4E31A17-81D1-48BC-8E33-501E17B1DBDF}" srcOrd="0" destOrd="0" presId="urn:microsoft.com/office/officeart/2005/8/layout/target2"/>
+    <dgm:cxn modelId="{4BE0FA27-4227-4356-8DD8-AC55CE39C40F}" srcId="{C7C0D5F7-4502-4629-9019-68371D372FE3}" destId="{04418C5E-07F4-4786-8630-DDCDC51FB261}" srcOrd="1" destOrd="0" parTransId="{63EE041E-6038-4A50-9C6B-267020A64512}" sibTransId="{EB50AFAE-7730-458D-A8CE-3011BCA1F570}"/>
+    <dgm:cxn modelId="{ED001893-B576-4FBA-BC4D-3DC4DD2C9457}" type="presOf" srcId="{C7C0D5F7-4502-4629-9019-68371D372FE3}" destId="{83455F29-C0EA-4397-8961-65A4ACEFEE26}" srcOrd="0" destOrd="0" presId="urn:microsoft.com/office/officeart/2005/8/layout/target2"/>
+    <dgm:cxn modelId="{A304A21E-3FFF-4EB7-93CB-DDD2EDFB4014}" type="presOf" srcId="{6C37A7D0-9B1C-4924-9E06-DE68133B5564}" destId="{603BE0C7-6DD5-4F69-9C9C-08A7B235F526}" srcOrd="0" destOrd="0" presId="urn:microsoft.com/office/officeart/2005/8/layout/target2"/>
     <dgm:cxn modelId="{8263AE13-44B3-404D-8E38-2B2993A09EE0}" srcId="{C5FBD94E-0966-49B1-9995-54B070E93CDD}" destId="{C7C0D5F7-4502-4629-9019-68371D372FE3}" srcOrd="1" destOrd="0" parTransId="{8DF560E9-083C-4C61-BFC2-4969ACA9C73D}" sibTransId="{67AB60C1-7083-4FD7-899A-34942F242AE2}"/>
-    <dgm:cxn modelId="{4BE0FA27-4227-4356-8DD8-AC55CE39C40F}" srcId="{C7C0D5F7-4502-4629-9019-68371D372FE3}" destId="{04418C5E-07F4-4786-8630-DDCDC51FB261}" srcOrd="1" destOrd="0" parTransId="{63EE041E-6038-4A50-9C6B-267020A64512}" sibTransId="{EB50AFAE-7730-458D-A8CE-3011BCA1F570}"/>
+    <dgm:cxn modelId="{FA83676F-1C8F-4BC9-BF75-E9F6A498ACDC}" type="presOf" srcId="{C5FBD94E-0966-49B1-9995-54B070E93CDD}" destId="{C24C3AE7-0124-4DB9-BE00-A2E82517C890}" srcOrd="0" destOrd="0" presId="urn:microsoft.com/office/officeart/2005/8/layout/target2"/>
+    <dgm:cxn modelId="{1BD5CA35-28B6-45AA-8431-77FF5E92D48C}" srcId="{6C37A7D0-9B1C-4924-9E06-DE68133B5564}" destId="{1BC56F04-AB5A-401E-BBF2-971D0C0EB910}" srcOrd="0" destOrd="0" parTransId="{8E0720AB-5855-4298-B43F-C1BA986F453B}" sibTransId="{1DA5918E-67A4-4DF0-A564-E86911581867}"/>
+    <dgm:cxn modelId="{E793DDB6-EAE7-4115-895F-D74C2BC0891C}" type="presOf" srcId="{A372D3C9-1958-41E3-875A-8DF922E18B75}" destId="{603BE0C7-6DD5-4F69-9C9C-08A7B235F526}" srcOrd="0" destOrd="2" presId="urn:microsoft.com/office/officeart/2005/8/layout/target2"/>
+    <dgm:cxn modelId="{4C1F6341-70CA-42D1-BAAC-C4FCB53EBDF8}" type="presOf" srcId="{F7E3CB20-95CC-49DC-8A3F-4D5199D86A27}" destId="{01DCAD39-E031-41B7-A305-54F651094E62}" srcOrd="0" destOrd="0" presId="urn:microsoft.com/office/officeart/2005/8/layout/target2"/>
+    <dgm:cxn modelId="{6BBE8F18-DE4E-468E-AF8E-E346F5E2DFBE}" srcId="{C5FBD94E-0966-49B1-9995-54B070E93CDD}" destId="{C7F98C24-8E50-44F0-93FC-32D2CBFF812C}" srcOrd="0" destOrd="0" parTransId="{272117EE-208F-4F7B-A882-FE9B72CE8C29}" sibTransId="{AF0C1763-7F5F-4878-AB0C-ADCB627B57A0}"/>
+    <dgm:cxn modelId="{97744CEF-B340-44B0-B5D5-18BC44922349}" srcId="{8D62B4F2-72D2-472F-844A-04BBA64D10C1}" destId="{F7E3CB20-95CC-49DC-8A3F-4D5199D86A27}" srcOrd="0" destOrd="0" parTransId="{340A6CEB-190D-4A3B-9902-3222F9D76511}" sibTransId="{98B77434-4B16-4BDB-B9D7-52884E85293B}"/>
+    <dgm:cxn modelId="{89B4F5A9-CABA-4AE1-AAAF-ABB469E41B5F}" srcId="{C7C0D5F7-4502-4629-9019-68371D372FE3}" destId="{6C37A7D0-9B1C-4924-9E06-DE68133B5564}" srcOrd="0" destOrd="0" parTransId="{83C743FA-608D-4B2F-AD21-D3E15DAE7F71}" sibTransId="{79CFC3DD-A414-4752-8C8B-900F5F88FFAB}"/>
+    <dgm:cxn modelId="{F8A4EB70-397C-487C-96CB-14C82DDB3D82}" type="presOf" srcId="{8D62B4F2-72D2-472F-844A-04BBA64D10C1}" destId="{5D49FD03-92C7-4D17-8DA2-C0D117DB0584}" srcOrd="0" destOrd="0" presId="urn:microsoft.com/office/officeart/2005/8/layout/target2"/>
+    <dgm:cxn modelId="{C143EAEA-C6E4-4383-96D5-A975CAE0D3E0}" srcId="{6C37A7D0-9B1C-4924-9E06-DE68133B5564}" destId="{A372D3C9-1958-41E3-875A-8DF922E18B75}" srcOrd="1" destOrd="0" parTransId="{818120D1-4C55-46E5-B5C7-00BD8F2E5BCF}" sibTransId="{92200760-0C27-4350-8B83-2858E8A0DFAC}"/>
+    <dgm:cxn modelId="{4A55610D-AC96-419D-86B4-7A6F210AF798}" srcId="{C5FBD94E-0966-49B1-9995-54B070E93CDD}" destId="{8D62B4F2-72D2-472F-844A-04BBA64D10C1}" srcOrd="2" destOrd="0" parTransId="{AFD4845E-7DD3-44BA-9745-BA409387CE8A}" sibTransId="{8519D5F5-8839-44E0-ACAC-C2AFA2B8E0F2}"/>
     <dgm:cxn modelId="{F6D7526D-C216-43CF-B364-C044BA42042A}" type="presOf" srcId="{1BC56F04-AB5A-401E-BBF2-971D0C0EB910}" destId="{603BE0C7-6DD5-4F69-9C9C-08A7B235F526}" srcOrd="0" destOrd="1" presId="urn:microsoft.com/office/officeart/2005/8/layout/target2"/>
-    <dgm:cxn modelId="{FA83676F-1C8F-4BC9-BF75-E9F6A498ACDC}" type="presOf" srcId="{C5FBD94E-0966-49B1-9995-54B070E93CDD}" destId="{C24C3AE7-0124-4DB9-BE00-A2E82517C890}" srcOrd="0" destOrd="0" presId="urn:microsoft.com/office/officeart/2005/8/layout/target2"/>
-    <dgm:cxn modelId="{A304A21E-3FFF-4EB7-93CB-DDD2EDFB4014}" type="presOf" srcId="{6C37A7D0-9B1C-4924-9E06-DE68133B5564}" destId="{603BE0C7-6DD5-4F69-9C9C-08A7B235F526}" srcOrd="0" destOrd="0" presId="urn:microsoft.com/office/officeart/2005/8/layout/target2"/>
-    <dgm:cxn modelId="{E793DDB6-EAE7-4115-895F-D74C2BC0891C}" type="presOf" srcId="{A372D3C9-1958-41E3-875A-8DF922E18B75}" destId="{603BE0C7-6DD5-4F69-9C9C-08A7B235F526}" srcOrd="0" destOrd="2" presId="urn:microsoft.com/office/officeart/2005/8/layout/target2"/>
-    <dgm:cxn modelId="{89B4F5A9-CABA-4AE1-AAAF-ABB469E41B5F}" srcId="{C7C0D5F7-4502-4629-9019-68371D372FE3}" destId="{6C37A7D0-9B1C-4924-9E06-DE68133B5564}" srcOrd="0" destOrd="0" parTransId="{83C743FA-608D-4B2F-AD21-D3E15DAE7F71}" sibTransId="{79CFC3DD-A414-4752-8C8B-900F5F88FFAB}"/>
-    <dgm:cxn modelId="{C143EAEA-C6E4-4383-96D5-A975CAE0D3E0}" srcId="{6C37A7D0-9B1C-4924-9E06-DE68133B5564}" destId="{A372D3C9-1958-41E3-875A-8DF922E18B75}" srcOrd="1" destOrd="0" parTransId="{818120D1-4C55-46E5-B5C7-00BD8F2E5BCF}" sibTransId="{92200760-0C27-4350-8B83-2858E8A0DFAC}"/>
-    <dgm:cxn modelId="{4C1F6341-70CA-42D1-BAAC-C4FCB53EBDF8}" type="presOf" srcId="{F7E3CB20-95CC-49DC-8A3F-4D5199D86A27}" destId="{01DCAD39-E031-41B7-A305-54F651094E62}" srcOrd="0" destOrd="0" presId="urn:microsoft.com/office/officeart/2005/8/layout/target2"/>
-    <dgm:cxn modelId="{ACCB774A-AFDC-4220-981C-49446735CC62}" type="presOf" srcId="{C7F98C24-8E50-44F0-93FC-32D2CBFF812C}" destId="{D4E31A17-81D1-48BC-8E33-501E17B1DBDF}" srcOrd="0" destOrd="0" presId="urn:microsoft.com/office/officeart/2005/8/layout/target2"/>
-    <dgm:cxn modelId="{B665B2CF-FD84-44E6-9A1E-5111052DB219}" type="presOf" srcId="{04418C5E-07F4-4786-8630-DDCDC51FB261}" destId="{A1EA949C-6E29-404A-BC50-3004A9B81BD3}" srcOrd="0" destOrd="0" presId="urn:microsoft.com/office/officeart/2005/8/layout/target2"/>
-    <dgm:cxn modelId="{F8A4EB70-397C-487C-96CB-14C82DDB3D82}" type="presOf" srcId="{8D62B4F2-72D2-472F-844A-04BBA64D10C1}" destId="{5D49FD03-92C7-4D17-8DA2-C0D117DB0584}" srcOrd="0" destOrd="0" presId="urn:microsoft.com/office/officeart/2005/8/layout/target2"/>
-    <dgm:cxn modelId="{6BBE8F18-DE4E-468E-AF8E-E346F5E2DFBE}" srcId="{C5FBD94E-0966-49B1-9995-54B070E93CDD}" destId="{C7F98C24-8E50-44F0-93FC-32D2CBFF812C}" srcOrd="0" destOrd="0" parTransId="{272117EE-208F-4F7B-A882-FE9B72CE8C29}" sibTransId="{AF0C1763-7F5F-4878-AB0C-ADCB627B57A0}"/>
-    <dgm:cxn modelId="{4A55610D-AC96-419D-86B4-7A6F210AF798}" srcId="{C5FBD94E-0966-49B1-9995-54B070E93CDD}" destId="{8D62B4F2-72D2-472F-844A-04BBA64D10C1}" srcOrd="2" destOrd="0" parTransId="{AFD4845E-7DD3-44BA-9745-BA409387CE8A}" sibTransId="{8519D5F5-8839-44E0-ACAC-C2AFA2B8E0F2}"/>
-    <dgm:cxn modelId="{ED001893-B576-4FBA-BC4D-3DC4DD2C9457}" type="presOf" srcId="{C7C0D5F7-4502-4629-9019-68371D372FE3}" destId="{83455F29-C0EA-4397-8961-65A4ACEFEE26}" srcOrd="0" destOrd="0" presId="urn:microsoft.com/office/officeart/2005/8/layout/target2"/>
-    <dgm:cxn modelId="{1BD5CA35-28B6-45AA-8431-77FF5E92D48C}" srcId="{6C37A7D0-9B1C-4924-9E06-DE68133B5564}" destId="{1BC56F04-AB5A-401E-BBF2-971D0C0EB910}" srcOrd="0" destOrd="0" parTransId="{8E0720AB-5855-4298-B43F-C1BA986F453B}" sibTransId="{1DA5918E-67A4-4DF0-A564-E86911581867}"/>
-    <dgm:cxn modelId="{97744CEF-B340-44B0-B5D5-18BC44922349}" srcId="{8D62B4F2-72D2-472F-844A-04BBA64D10C1}" destId="{F7E3CB20-95CC-49DC-8A3F-4D5199D86A27}" srcOrd="0" destOrd="0" parTransId="{340A6CEB-190D-4A3B-9902-3222F9D76511}" sibTransId="{98B77434-4B16-4BDB-B9D7-52884E85293B}"/>
     <dgm:cxn modelId="{8705C8B7-94C5-4B6B-86C6-D3AD4310AB68}" type="presParOf" srcId="{C24C3AE7-0124-4DB9-BE00-A2E82517C890}" destId="{508AF8B0-012F-4B3C-917E-E05CF74D5040}" srcOrd="0" destOrd="0" presId="urn:microsoft.com/office/officeart/2005/8/layout/target2"/>
     <dgm:cxn modelId="{37263B1A-89C4-4DF4-BCBA-D14EE77C5DAF}" type="presParOf" srcId="{508AF8B0-012F-4B3C-917E-E05CF74D5040}" destId="{D4E31A17-81D1-48BC-8E33-501E17B1DBDF}" srcOrd="0" destOrd="0" presId="urn:microsoft.com/office/officeart/2005/8/layout/target2"/>
     <dgm:cxn modelId="{B92E71E5-5A90-4E4F-B672-D81653EB6596}" type="presParOf" srcId="{508AF8B0-012F-4B3C-917E-E05CF74D5040}" destId="{470568D5-657B-4036-AD03-50A58AB44960}" srcOrd="1" destOrd="0" presId="urn:microsoft.com/office/officeart/2005/8/layout/target2"/>
@@ -10416,21 +10423,21 @@
     </dgm:pt>
   </dgm:ptLst>
   <dgm:cxnLst>
-    <dgm:cxn modelId="{850F2AF4-9E0C-4B6D-BEC2-EBFCB38F10C1}" type="presOf" srcId="{3142E19D-54ED-4D5F-B1C8-751D212DB0FB}" destId="{C893210D-4879-4DD5-B088-5D8E5992D57B}" srcOrd="0" destOrd="0" presId="urn:microsoft.com/office/officeart/2005/8/layout/radial4"/>
     <dgm:cxn modelId="{44C56E3F-36B0-4030-AA3C-D88BC78AF595}" type="presOf" srcId="{86DB323A-73DC-4D24-A083-62E001995050}" destId="{35C2A99A-00D9-4873-BF91-57CC5CDD6420}" srcOrd="0" destOrd="0" presId="urn:microsoft.com/office/officeart/2005/8/layout/radial4"/>
-    <dgm:cxn modelId="{3DCC5B69-02D3-424C-93D2-6136BAD4C4A2}" srcId="{86DB323A-73DC-4D24-A083-62E001995050}" destId="{B7247DFC-D355-448B-9214-6AA0E881009C}" srcOrd="0" destOrd="0" parTransId="{F8A5DA11-9B74-489C-A302-07D714D9CD5B}" sibTransId="{52D7B1D1-5A0E-4AA5-9DD4-1AFC8D56C813}"/>
-    <dgm:cxn modelId="{1298C251-7E4A-4B07-B619-5F579856FDB5}" srcId="{86DB323A-73DC-4D24-A083-62E001995050}" destId="{3349D365-30DD-46AC-9A03-A8D9A349A53E}" srcOrd="3" destOrd="0" parTransId="{3142E19D-54ED-4D5F-B1C8-751D212DB0FB}" sibTransId="{D9B85E9A-5C03-4B03-A981-2FB9DB12BCBE}"/>
     <dgm:cxn modelId="{8EEFC20C-60BA-4D7F-9C94-258E82EA25BE}" type="presOf" srcId="{408FBC27-3C08-474B-96FC-24A7BAF44899}" destId="{068D7405-A6C9-45DD-A710-1DEB6B3AB9DA}" srcOrd="0" destOrd="0" presId="urn:microsoft.com/office/officeart/2005/8/layout/radial4"/>
     <dgm:cxn modelId="{A9954CE5-562C-4280-9B91-0CEFCF670A2B}" type="presOf" srcId="{12C43100-EEF3-4FE1-AF2F-1BFF73DD3DB9}" destId="{FB4358FC-C359-4CA7-8DC8-E68F921B6C35}" srcOrd="0" destOrd="0" presId="urn:microsoft.com/office/officeart/2005/8/layout/radial4"/>
+    <dgm:cxn modelId="{8D1EF1AB-79A4-478B-B770-55D66312AEAE}" srcId="{85D3EFA7-8BDB-4A5A-882A-EDBF94BF3494}" destId="{86DB323A-73DC-4D24-A083-62E001995050}" srcOrd="0" destOrd="0" parTransId="{1598B80F-D235-4DD7-8B2C-88306356BAA1}" sibTransId="{194954D0-B6E5-4F2C-81EB-002B2BB93D55}"/>
+    <dgm:cxn modelId="{4CE2F67E-3E30-4454-B48D-03235F5DAEF8}" type="presOf" srcId="{B7247DFC-D355-448B-9214-6AA0E881009C}" destId="{3E011A6B-79B3-4D46-95F0-A0F03807531F}" srcOrd="0" destOrd="0" presId="urn:microsoft.com/office/officeart/2005/8/layout/radial4"/>
+    <dgm:cxn modelId="{850F2AF4-9E0C-4B6D-BEC2-EBFCB38F10C1}" type="presOf" srcId="{3142E19D-54ED-4D5F-B1C8-751D212DB0FB}" destId="{C893210D-4879-4DD5-B088-5D8E5992D57B}" srcOrd="0" destOrd="0" presId="urn:microsoft.com/office/officeart/2005/8/layout/radial4"/>
+    <dgm:cxn modelId="{AB5F8FDB-9F37-41C2-83A5-57BDA5977CF2}" type="presOf" srcId="{7AAA3B19-FAC3-4C62-9309-B2DD2BE4A6BC}" destId="{E44501EB-77DB-44A8-9500-C483F073DCB5}" srcOrd="0" destOrd="0" presId="urn:microsoft.com/office/officeart/2005/8/layout/radial4"/>
+    <dgm:cxn modelId="{DBEB4342-59D7-4AFB-92E3-AE5121EE78D4}" type="presOf" srcId="{85D3EFA7-8BDB-4A5A-882A-EDBF94BF3494}" destId="{E0431947-E99A-4790-BD89-FBCD5D78E100}" srcOrd="0" destOrd="0" presId="urn:microsoft.com/office/officeart/2005/8/layout/radial4"/>
+    <dgm:cxn modelId="{271925B9-B006-4FBB-AF8C-D8E63A32A165}" srcId="{86DB323A-73DC-4D24-A083-62E001995050}" destId="{7AAA3B19-FAC3-4C62-9309-B2DD2BE4A6BC}" srcOrd="1" destOrd="0" parTransId="{12C43100-EEF3-4FE1-AF2F-1BFF73DD3DB9}" sibTransId="{F2515C0F-FC73-44BE-A318-8DC9050BDBC3}"/>
+    <dgm:cxn modelId="{1298C251-7E4A-4B07-B619-5F579856FDB5}" srcId="{86DB323A-73DC-4D24-A083-62E001995050}" destId="{3349D365-30DD-46AC-9A03-A8D9A349A53E}" srcOrd="3" destOrd="0" parTransId="{3142E19D-54ED-4D5F-B1C8-751D212DB0FB}" sibTransId="{D9B85E9A-5C03-4B03-A981-2FB9DB12BCBE}"/>
     <dgm:cxn modelId="{09FA4538-A37D-45CF-ABE7-F72A988FA6C8}" type="presOf" srcId="{69A049EF-51F8-4472-AB1D-9DD24EA9510C}" destId="{BD417E97-5549-4F53-AAFC-AE0DAE8D6740}" srcOrd="0" destOrd="0" presId="urn:microsoft.com/office/officeart/2005/8/layout/radial4"/>
-    <dgm:cxn modelId="{4CE2F67E-3E30-4454-B48D-03235F5DAEF8}" type="presOf" srcId="{B7247DFC-D355-448B-9214-6AA0E881009C}" destId="{3E011A6B-79B3-4D46-95F0-A0F03807531F}" srcOrd="0" destOrd="0" presId="urn:microsoft.com/office/officeart/2005/8/layout/radial4"/>
-    <dgm:cxn modelId="{DBEB4342-59D7-4AFB-92E3-AE5121EE78D4}" type="presOf" srcId="{85D3EFA7-8BDB-4A5A-882A-EDBF94BF3494}" destId="{E0431947-E99A-4790-BD89-FBCD5D78E100}" srcOrd="0" destOrd="0" presId="urn:microsoft.com/office/officeart/2005/8/layout/radial4"/>
-    <dgm:cxn modelId="{8D1EF1AB-79A4-478B-B770-55D66312AEAE}" srcId="{85D3EFA7-8BDB-4A5A-882A-EDBF94BF3494}" destId="{86DB323A-73DC-4D24-A083-62E001995050}" srcOrd="0" destOrd="0" parTransId="{1598B80F-D235-4DD7-8B2C-88306356BAA1}" sibTransId="{194954D0-B6E5-4F2C-81EB-002B2BB93D55}"/>
+    <dgm:cxn modelId="{F3A3C72E-D9AC-4A08-9938-81F7E4BC44ED}" type="presOf" srcId="{F8A5DA11-9B74-489C-A302-07D714D9CD5B}" destId="{D40C343F-E9CC-4AE5-8A3B-5C8E2B9D3B89}" srcOrd="0" destOrd="0" presId="urn:microsoft.com/office/officeart/2005/8/layout/radial4"/>
+    <dgm:cxn modelId="{3DCC5B69-02D3-424C-93D2-6136BAD4C4A2}" srcId="{86DB323A-73DC-4D24-A083-62E001995050}" destId="{B7247DFC-D355-448B-9214-6AA0E881009C}" srcOrd="0" destOrd="0" parTransId="{F8A5DA11-9B74-489C-A302-07D714D9CD5B}" sibTransId="{52D7B1D1-5A0E-4AA5-9DD4-1AFC8D56C813}"/>
     <dgm:cxn modelId="{6B01D823-465C-4A8C-9BF1-B5C07707C5B9}" srcId="{86DB323A-73DC-4D24-A083-62E001995050}" destId="{69A049EF-51F8-4472-AB1D-9DD24EA9510C}" srcOrd="2" destOrd="0" parTransId="{408FBC27-3C08-474B-96FC-24A7BAF44899}" sibTransId="{FFBC999E-A277-4A3B-AD02-C85FC1C1DF44}"/>
-    <dgm:cxn modelId="{F3A3C72E-D9AC-4A08-9938-81F7E4BC44ED}" type="presOf" srcId="{F8A5DA11-9B74-489C-A302-07D714D9CD5B}" destId="{D40C343F-E9CC-4AE5-8A3B-5C8E2B9D3B89}" srcOrd="0" destOrd="0" presId="urn:microsoft.com/office/officeart/2005/8/layout/radial4"/>
     <dgm:cxn modelId="{CB570A2F-4AC4-4DFF-BD1F-18A57C9ADFCE}" type="presOf" srcId="{3349D365-30DD-46AC-9A03-A8D9A349A53E}" destId="{D8484C4E-C79B-412F-9987-C2485DB65F27}" srcOrd="0" destOrd="0" presId="urn:microsoft.com/office/officeart/2005/8/layout/radial4"/>
-    <dgm:cxn modelId="{271925B9-B006-4FBB-AF8C-D8E63A32A165}" srcId="{86DB323A-73DC-4D24-A083-62E001995050}" destId="{7AAA3B19-FAC3-4C62-9309-B2DD2BE4A6BC}" srcOrd="1" destOrd="0" parTransId="{12C43100-EEF3-4FE1-AF2F-1BFF73DD3DB9}" sibTransId="{F2515C0F-FC73-44BE-A318-8DC9050BDBC3}"/>
-    <dgm:cxn modelId="{AB5F8FDB-9F37-41C2-83A5-57BDA5977CF2}" type="presOf" srcId="{7AAA3B19-FAC3-4C62-9309-B2DD2BE4A6BC}" destId="{E44501EB-77DB-44A8-9500-C483F073DCB5}" srcOrd="0" destOrd="0" presId="urn:microsoft.com/office/officeart/2005/8/layout/radial4"/>
     <dgm:cxn modelId="{69E4204F-7204-47A3-8ACB-1BF93741FCE3}" type="presParOf" srcId="{E0431947-E99A-4790-BD89-FBCD5D78E100}" destId="{35C2A99A-00D9-4873-BF91-57CC5CDD6420}" srcOrd="0" destOrd="0" presId="urn:microsoft.com/office/officeart/2005/8/layout/radial4"/>
     <dgm:cxn modelId="{A92947EF-2D05-44EA-BFAD-67E7614504ED}" type="presParOf" srcId="{E0431947-E99A-4790-BD89-FBCD5D78E100}" destId="{D40C343F-E9CC-4AE5-8A3B-5C8E2B9D3B89}" srcOrd="1" destOrd="0" presId="urn:microsoft.com/office/officeart/2005/8/layout/radial4"/>
     <dgm:cxn modelId="{9795D822-FF72-455E-BEE9-E38DC6473993}" type="presParOf" srcId="{E0431947-E99A-4790-BD89-FBCD5D78E100}" destId="{3E011A6B-79B3-4D46-95F0-A0F03807531F}" srcOrd="2" destOrd="0" presId="urn:microsoft.com/office/officeart/2005/8/layout/radial4"/>
@@ -14167,13 +14174,32 @@
             <a:buNone/>
           </a:pPr>
           <a:r>
-            <a:rPr lang="de-DE" sz="1800" kern="1200" dirty="0" err="1"/>
-            <a:t>Materializecss</a:t>
+            <a:rPr lang="de-DE" sz="1800" b="0" i="0" kern="1200" dirty="0" err="1"/>
+            <a:t>responsives</a:t>
           </a:r>
           <a:r>
-            <a:rPr lang="de-DE" sz="1800" kern="1200" dirty="0"/>
-            <a:t> (JS,CSS)</a:t>
+            <a:rPr lang="de-DE" sz="1800" b="0" i="0" kern="1200" dirty="0"/>
+            <a:t> Front-End-Framework, basierend auf Material Design</a:t>
           </a:r>
+        </a:p>
+        <a:p>
+          <a:pPr marL="0" lvl="0" indent="0" algn="ctr" defTabSz="800100">
+            <a:lnSpc>
+              <a:spcPct val="90000"/>
+            </a:lnSpc>
+            <a:spcBef>
+              <a:spcPct val="0"/>
+            </a:spcBef>
+            <a:spcAft>
+              <a:spcPct val="35000"/>
+            </a:spcAft>
+            <a:buNone/>
+          </a:pPr>
+          <a:r>
+            <a:rPr lang="de-DE" sz="1800" b="0" i="0" kern="1200" dirty="0"/>
+            <a:t>(JS,CSS)</a:t>
+          </a:r>
+          <a:endParaRPr lang="de-DE" sz="1800" kern="1200" dirty="0"/>
         </a:p>
       </dsp:txBody>
       <dsp:txXfrm>
@@ -38638,7 +38664,7 @@
             <p:ph idx="1"/>
             <p:extLst>
               <p:ext uri="{D42A27DB-BD31-4B8C-83A1-F6EECF244321}">
-                <p14:modId xmlns:p14="http://schemas.microsoft.com/office/powerpoint/2010/main" val="555000911"/>
+                <p14:modId xmlns:p14="http://schemas.microsoft.com/office/powerpoint/2010/main" val="169264216"/>
               </p:ext>
             </p:extLst>
           </p:nvPr>

--- a/documents/projectmanagement/Praesentationen/Vorstellung_Zwischenpräsentation - Kopie.pptx
+++ b/documents/projectmanagement/Praesentationen/Vorstellung_Zwischenpräsentation - Kopie.pptx
@@ -2,10 +2,10 @@
 <file path=ppt/presentation.xml><?xml version="1.0" encoding="utf-8"?>
 <p:presentation xmlns:a="http://schemas.openxmlformats.org/drawingml/2006/main" xmlns:r="http://schemas.openxmlformats.org/officeDocument/2006/relationships" xmlns:p="http://schemas.openxmlformats.org/presentationml/2006/main" saveSubsetFonts="1">
   <p:sldMasterIdLst>
-    <p:sldMasterId id="2147483648" r:id="rId1"/>
+    <p:sldMasterId id="2147483660" r:id="rId1"/>
   </p:sldMasterIdLst>
   <p:notesMasterIdLst>
-    <p:notesMasterId r:id="rId22"/>
+    <p:notesMasterId r:id="rId26"/>
   </p:notesMasterIdLst>
   <p:sldIdLst>
     <p:sldId id="256" r:id="rId2"/>
@@ -27,15 +27,19 @@
     <p:sldId id="283" r:id="rId18"/>
     <p:sldId id="300" r:id="rId19"/>
     <p:sldId id="301" r:id="rId20"/>
-    <p:sldId id="303" r:id="rId21"/>
+    <p:sldId id="306" r:id="rId21"/>
+    <p:sldId id="307" r:id="rId22"/>
+    <p:sldId id="304" r:id="rId23"/>
+    <p:sldId id="303" r:id="rId24"/>
+    <p:sldId id="305" r:id="rId25"/>
   </p:sldIdLst>
   <p:sldSz cx="12192000" cy="6858000"/>
   <p:notesSz cx="6858000" cy="9144000"/>
   <p:defaultTextStyle>
     <a:defPPr>
-      <a:defRPr lang="de-DE"/>
+      <a:defRPr lang="en-US"/>
     </a:defPPr>
-    <a:lvl1pPr marL="0" algn="l" defTabSz="914400" rtl="0" eaLnBrk="1" latinLnBrk="0" hangingPunct="1">
+    <a:lvl1pPr marL="0" algn="l" defTabSz="457200" rtl="0" eaLnBrk="1" latinLnBrk="0" hangingPunct="1">
       <a:defRPr sz="1800" kern="1200">
         <a:solidFill>
           <a:schemeClr val="tx1"/>
@@ -45,7 +49,7 @@
         <a:cs typeface="+mn-cs"/>
       </a:defRPr>
     </a:lvl1pPr>
-    <a:lvl2pPr marL="457200" algn="l" defTabSz="914400" rtl="0" eaLnBrk="1" latinLnBrk="0" hangingPunct="1">
+    <a:lvl2pPr marL="457200" algn="l" defTabSz="457200" rtl="0" eaLnBrk="1" latinLnBrk="0" hangingPunct="1">
       <a:defRPr sz="1800" kern="1200">
         <a:solidFill>
           <a:schemeClr val="tx1"/>
@@ -55,7 +59,7 @@
         <a:cs typeface="+mn-cs"/>
       </a:defRPr>
     </a:lvl2pPr>
-    <a:lvl3pPr marL="914400" algn="l" defTabSz="914400" rtl="0" eaLnBrk="1" latinLnBrk="0" hangingPunct="1">
+    <a:lvl3pPr marL="914400" algn="l" defTabSz="457200" rtl="0" eaLnBrk="1" latinLnBrk="0" hangingPunct="1">
       <a:defRPr sz="1800" kern="1200">
         <a:solidFill>
           <a:schemeClr val="tx1"/>
@@ -65,7 +69,7 @@
         <a:cs typeface="+mn-cs"/>
       </a:defRPr>
     </a:lvl3pPr>
-    <a:lvl4pPr marL="1371600" algn="l" defTabSz="914400" rtl="0" eaLnBrk="1" latinLnBrk="0" hangingPunct="1">
+    <a:lvl4pPr marL="1371600" algn="l" defTabSz="457200" rtl="0" eaLnBrk="1" latinLnBrk="0" hangingPunct="1">
       <a:defRPr sz="1800" kern="1200">
         <a:solidFill>
           <a:schemeClr val="tx1"/>
@@ -75,7 +79,7 @@
         <a:cs typeface="+mn-cs"/>
       </a:defRPr>
     </a:lvl4pPr>
-    <a:lvl5pPr marL="1828800" algn="l" defTabSz="914400" rtl="0" eaLnBrk="1" latinLnBrk="0" hangingPunct="1">
+    <a:lvl5pPr marL="1828800" algn="l" defTabSz="457200" rtl="0" eaLnBrk="1" latinLnBrk="0" hangingPunct="1">
       <a:defRPr sz="1800" kern="1200">
         <a:solidFill>
           <a:schemeClr val="tx1"/>
@@ -85,7 +89,7 @@
         <a:cs typeface="+mn-cs"/>
       </a:defRPr>
     </a:lvl5pPr>
-    <a:lvl6pPr marL="2286000" algn="l" defTabSz="914400" rtl="0" eaLnBrk="1" latinLnBrk="0" hangingPunct="1">
+    <a:lvl6pPr marL="2286000" algn="l" defTabSz="457200" rtl="0" eaLnBrk="1" latinLnBrk="0" hangingPunct="1">
       <a:defRPr sz="1800" kern="1200">
         <a:solidFill>
           <a:schemeClr val="tx1"/>
@@ -95,7 +99,7 @@
         <a:cs typeface="+mn-cs"/>
       </a:defRPr>
     </a:lvl6pPr>
-    <a:lvl7pPr marL="2743200" algn="l" defTabSz="914400" rtl="0" eaLnBrk="1" latinLnBrk="0" hangingPunct="1">
+    <a:lvl7pPr marL="2743200" algn="l" defTabSz="457200" rtl="0" eaLnBrk="1" latinLnBrk="0" hangingPunct="1">
       <a:defRPr sz="1800" kern="1200">
         <a:solidFill>
           <a:schemeClr val="tx1"/>
@@ -105,7 +109,7 @@
         <a:cs typeface="+mn-cs"/>
       </a:defRPr>
     </a:lvl7pPr>
-    <a:lvl8pPr marL="3200400" algn="l" defTabSz="914400" rtl="0" eaLnBrk="1" latinLnBrk="0" hangingPunct="1">
+    <a:lvl8pPr marL="3200400" algn="l" defTabSz="457200" rtl="0" eaLnBrk="1" latinLnBrk="0" hangingPunct="1">
       <a:defRPr sz="1800" kern="1200">
         <a:solidFill>
           <a:schemeClr val="tx1"/>
@@ -115,7 +119,7 @@
         <a:cs typeface="+mn-cs"/>
       </a:defRPr>
     </a:lvl8pPr>
-    <a:lvl9pPr marL="3657600" algn="l" defTabSz="914400" rtl="0" eaLnBrk="1" latinLnBrk="0" hangingPunct="1">
+    <a:lvl9pPr marL="3657600" algn="l" defTabSz="457200" rtl="0" eaLnBrk="1" latinLnBrk="0" hangingPunct="1">
       <a:defRPr sz="1800" kern="1200">
         <a:solidFill>
           <a:schemeClr val="tx1"/>
@@ -848,788 +852,6 @@
     <dgm:fillClrLst meth="repeat">
       <a:schemeClr val="accent1">
         <a:tint val="60000"/>
-      </a:schemeClr>
-    </dgm:fillClrLst>
-    <dgm:linClrLst meth="repeat">
-      <a:schemeClr val="lt1"/>
-    </dgm:linClrLst>
-    <dgm:effectClrLst/>
-    <dgm:txLinClrLst/>
-    <dgm:txFillClrLst meth="repeat">
-      <a:schemeClr val="dk1"/>
-    </dgm:txFillClrLst>
-    <dgm:txEffectClrLst/>
-  </dgm:styleLbl>
-  <dgm:styleLbl name="revTx">
-    <dgm:fillClrLst meth="repeat">
-      <a:schemeClr val="lt1">
-        <a:alpha val="0"/>
-      </a:schemeClr>
-    </dgm:fillClrLst>
-    <dgm:linClrLst meth="repeat">
-      <a:schemeClr val="dk1">
-        <a:alpha val="0"/>
-      </a:schemeClr>
-    </dgm:linClrLst>
-    <dgm:effectClrLst/>
-    <dgm:txLinClrLst/>
-    <dgm:txFillClrLst meth="repeat">
-      <a:schemeClr val="tx1"/>
-    </dgm:txFillClrLst>
-    <dgm:txEffectClrLst/>
-  </dgm:styleLbl>
-</dgm:colorsDef>
-</file>
-
-<file path=ppt/diagrams/colors10.xml><?xml version="1.0" encoding="utf-8"?>
-<dgm:colorsDef xmlns:dgm="http://schemas.openxmlformats.org/drawingml/2006/diagram" xmlns:a="http://schemas.openxmlformats.org/drawingml/2006/main" uniqueId="urn:microsoft.com/office/officeart/2005/8/colors/colorful5">
-  <dgm:title val=""/>
-  <dgm:desc val=""/>
-  <dgm:catLst>
-    <dgm:cat type="colorful" pri="10500"/>
-  </dgm:catLst>
-  <dgm:styleLbl name="node0">
-    <dgm:fillClrLst meth="repeat">
-      <a:schemeClr val="accent4"/>
-    </dgm:fillClrLst>
-    <dgm:linClrLst meth="repeat">
-      <a:schemeClr val="lt1"/>
-    </dgm:linClrLst>
-    <dgm:effectClrLst/>
-    <dgm:txLinClrLst/>
-    <dgm:txFillClrLst/>
-    <dgm:txEffectClrLst/>
-  </dgm:styleLbl>
-  <dgm:styleLbl name="node1">
-    <dgm:fillClrLst>
-      <a:schemeClr val="accent5"/>
-      <a:schemeClr val="accent6"/>
-    </dgm:fillClrLst>
-    <dgm:linClrLst meth="repeat">
-      <a:schemeClr val="lt1"/>
-    </dgm:linClrLst>
-    <dgm:effectClrLst/>
-    <dgm:txLinClrLst/>
-    <dgm:txFillClrLst/>
-    <dgm:txEffectClrLst/>
-  </dgm:styleLbl>
-  <dgm:styleLbl name="alignNode1">
-    <dgm:fillClrLst>
-      <a:schemeClr val="accent5"/>
-      <a:schemeClr val="accent6"/>
-    </dgm:fillClrLst>
-    <dgm:linClrLst>
-      <a:schemeClr val="accent5"/>
-      <a:schemeClr val="accent6"/>
-    </dgm:linClrLst>
-    <dgm:effectClrLst/>
-    <dgm:txLinClrLst/>
-    <dgm:txFillClrLst/>
-    <dgm:txEffectClrLst/>
-  </dgm:styleLbl>
-  <dgm:styleLbl name="lnNode1">
-    <dgm:fillClrLst>
-      <a:schemeClr val="accent5"/>
-      <a:schemeClr val="accent6"/>
-    </dgm:fillClrLst>
-    <dgm:linClrLst meth="repeat">
-      <a:schemeClr val="lt1"/>
-    </dgm:linClrLst>
-    <dgm:effectClrLst/>
-    <dgm:txLinClrLst/>
-    <dgm:txFillClrLst/>
-    <dgm:txEffectClrLst/>
-  </dgm:styleLbl>
-  <dgm:styleLbl name="vennNode1">
-    <dgm:fillClrLst>
-      <a:schemeClr val="accent5">
-        <a:alpha val="50000"/>
-      </a:schemeClr>
-      <a:schemeClr val="accent6">
-        <a:alpha val="50000"/>
-      </a:schemeClr>
-    </dgm:fillClrLst>
-    <dgm:linClrLst meth="repeat">
-      <a:schemeClr val="lt1"/>
-    </dgm:linClrLst>
-    <dgm:effectClrLst/>
-    <dgm:txLinClrLst/>
-    <dgm:txFillClrLst/>
-    <dgm:txEffectClrLst/>
-  </dgm:styleLbl>
-  <dgm:styleLbl name="node2">
-    <dgm:fillClrLst>
-      <a:schemeClr val="accent6"/>
-    </dgm:fillClrLst>
-    <dgm:linClrLst meth="repeat">
-      <a:schemeClr val="lt1"/>
-    </dgm:linClrLst>
-    <dgm:effectClrLst/>
-    <dgm:txLinClrLst/>
-    <dgm:txFillClrLst/>
-    <dgm:txEffectClrLst/>
-  </dgm:styleLbl>
-  <dgm:styleLbl name="node3">
-    <dgm:fillClrLst>
-      <a:schemeClr val="accent1"/>
-    </dgm:fillClrLst>
-    <dgm:linClrLst meth="repeat">
-      <a:schemeClr val="lt1"/>
-    </dgm:linClrLst>
-    <dgm:effectClrLst/>
-    <dgm:txLinClrLst/>
-    <dgm:txFillClrLst/>
-    <dgm:txEffectClrLst/>
-  </dgm:styleLbl>
-  <dgm:styleLbl name="node4">
-    <dgm:fillClrLst>
-      <a:schemeClr val="accent2"/>
-    </dgm:fillClrLst>
-    <dgm:linClrLst meth="repeat">
-      <a:schemeClr val="lt1"/>
-    </dgm:linClrLst>
-    <dgm:effectClrLst/>
-    <dgm:txLinClrLst/>
-    <dgm:txFillClrLst/>
-    <dgm:txEffectClrLst/>
-  </dgm:styleLbl>
-  <dgm:styleLbl name="fgImgPlace1">
-    <dgm:fillClrLst>
-      <a:schemeClr val="accent5">
-        <a:tint val="50000"/>
-      </a:schemeClr>
-      <a:schemeClr val="accent6">
-        <a:tint val="50000"/>
-      </a:schemeClr>
-    </dgm:fillClrLst>
-    <dgm:linClrLst meth="repeat">
-      <a:schemeClr val="lt1"/>
-    </dgm:linClrLst>
-    <dgm:effectClrLst/>
-    <dgm:txLinClrLst/>
-    <dgm:txFillClrLst meth="repeat">
-      <a:schemeClr val="lt1"/>
-    </dgm:txFillClrLst>
-    <dgm:txEffectClrLst/>
-  </dgm:styleLbl>
-  <dgm:styleLbl name="alignImgPlace1">
-    <dgm:fillClrLst>
-      <a:schemeClr val="accent5">
-        <a:tint val="50000"/>
-      </a:schemeClr>
-      <a:schemeClr val="accent6">
-        <a:tint val="20000"/>
-      </a:schemeClr>
-    </dgm:fillClrLst>
-    <dgm:linClrLst meth="repeat">
-      <a:schemeClr val="lt1"/>
-    </dgm:linClrLst>
-    <dgm:effectClrLst/>
-    <dgm:txLinClrLst/>
-    <dgm:txFillClrLst meth="repeat">
-      <a:schemeClr val="lt1"/>
-    </dgm:txFillClrLst>
-    <dgm:txEffectClrLst/>
-  </dgm:styleLbl>
-  <dgm:styleLbl name="bgImgPlace1">
-    <dgm:fillClrLst>
-      <a:schemeClr val="accent5">
-        <a:tint val="50000"/>
-      </a:schemeClr>
-      <a:schemeClr val="accent6">
-        <a:tint val="20000"/>
-      </a:schemeClr>
-    </dgm:fillClrLst>
-    <dgm:linClrLst meth="repeat">
-      <a:schemeClr val="lt1"/>
-    </dgm:linClrLst>
-    <dgm:effectClrLst/>
-    <dgm:txLinClrLst/>
-    <dgm:txFillClrLst meth="repeat">
-      <a:schemeClr val="lt1"/>
-    </dgm:txFillClrLst>
-    <dgm:txEffectClrLst/>
-  </dgm:styleLbl>
-  <dgm:styleLbl name="sibTrans2D1">
-    <dgm:fillClrLst>
-      <a:schemeClr val="accent5"/>
-      <a:schemeClr val="accent6"/>
-    </dgm:fillClrLst>
-    <dgm:linClrLst meth="repeat">
-      <a:schemeClr val="lt1"/>
-    </dgm:linClrLst>
-    <dgm:effectClrLst/>
-    <dgm:txLinClrLst/>
-    <dgm:txFillClrLst/>
-    <dgm:txEffectClrLst/>
-  </dgm:styleLbl>
-  <dgm:styleLbl name="fgSibTrans2D1">
-    <dgm:fillClrLst>
-      <a:schemeClr val="accent5"/>
-      <a:schemeClr val="accent6"/>
-    </dgm:fillClrLst>
-    <dgm:linClrLst meth="repeat">
-      <a:schemeClr val="lt1"/>
-    </dgm:linClrLst>
-    <dgm:effectClrLst/>
-    <dgm:txLinClrLst/>
-    <dgm:txFillClrLst meth="repeat">
-      <a:schemeClr val="lt1"/>
-    </dgm:txFillClrLst>
-    <dgm:txEffectClrLst/>
-  </dgm:styleLbl>
-  <dgm:styleLbl name="bgSibTrans2D1">
-    <dgm:fillClrLst>
-      <a:schemeClr val="accent5"/>
-      <a:schemeClr val="accent6"/>
-    </dgm:fillClrLst>
-    <dgm:linClrLst meth="repeat">
-      <a:schemeClr val="lt1"/>
-    </dgm:linClrLst>
-    <dgm:effectClrLst/>
-    <dgm:txLinClrLst/>
-    <dgm:txFillClrLst meth="repeat">
-      <a:schemeClr val="lt1"/>
-    </dgm:txFillClrLst>
-    <dgm:txEffectClrLst/>
-  </dgm:styleLbl>
-  <dgm:styleLbl name="sibTrans1D1">
-    <dgm:fillClrLst/>
-    <dgm:linClrLst>
-      <a:schemeClr val="accent5"/>
-      <a:schemeClr val="accent6"/>
-    </dgm:linClrLst>
-    <dgm:effectClrLst/>
-    <dgm:txLinClrLst/>
-    <dgm:txFillClrLst meth="repeat">
-      <a:schemeClr val="tx1"/>
-    </dgm:txFillClrLst>
-    <dgm:txEffectClrLst/>
-  </dgm:styleLbl>
-  <dgm:styleLbl name="callout">
-    <dgm:fillClrLst meth="repeat">
-      <a:schemeClr val="accent5"/>
-    </dgm:fillClrLst>
-    <dgm:linClrLst meth="repeat">
-      <a:schemeClr val="accent5">
-        <a:tint val="50000"/>
-      </a:schemeClr>
-    </dgm:linClrLst>
-    <dgm:effectClrLst/>
-    <dgm:txLinClrLst/>
-    <dgm:txFillClrLst meth="repeat">
-      <a:schemeClr val="tx1"/>
-    </dgm:txFillClrLst>
-    <dgm:txEffectClrLst/>
-  </dgm:styleLbl>
-  <dgm:styleLbl name="asst0">
-    <dgm:fillClrLst meth="repeat">
-      <a:schemeClr val="accent5"/>
-    </dgm:fillClrLst>
-    <dgm:linClrLst meth="repeat">
-      <a:schemeClr val="lt1">
-        <a:shade val="80000"/>
-      </a:schemeClr>
-    </dgm:linClrLst>
-    <dgm:effectClrLst/>
-    <dgm:txLinClrLst/>
-    <dgm:txFillClrLst/>
-    <dgm:txEffectClrLst/>
-  </dgm:styleLbl>
-  <dgm:styleLbl name="asst1">
-    <dgm:fillClrLst meth="repeat">
-      <a:schemeClr val="accent6"/>
-    </dgm:fillClrLst>
-    <dgm:linClrLst meth="repeat">
-      <a:schemeClr val="lt1">
-        <a:shade val="80000"/>
-      </a:schemeClr>
-    </dgm:linClrLst>
-    <dgm:effectClrLst/>
-    <dgm:txLinClrLst/>
-    <dgm:txFillClrLst/>
-    <dgm:txEffectClrLst/>
-  </dgm:styleLbl>
-  <dgm:styleLbl name="asst2">
-    <dgm:fillClrLst>
-      <a:schemeClr val="accent1"/>
-    </dgm:fillClrLst>
-    <dgm:linClrLst meth="repeat">
-      <a:schemeClr val="lt1"/>
-    </dgm:linClrLst>
-    <dgm:effectClrLst/>
-    <dgm:txLinClrLst/>
-    <dgm:txFillClrLst/>
-    <dgm:txEffectClrLst/>
-  </dgm:styleLbl>
-  <dgm:styleLbl name="asst3">
-    <dgm:fillClrLst>
-      <a:schemeClr val="accent2"/>
-    </dgm:fillClrLst>
-    <dgm:linClrLst meth="repeat">
-      <a:schemeClr val="lt1"/>
-    </dgm:linClrLst>
-    <dgm:effectClrLst/>
-    <dgm:txLinClrLst/>
-    <dgm:txFillClrLst/>
-    <dgm:txEffectClrLst/>
-  </dgm:styleLbl>
-  <dgm:styleLbl name="asst4">
-    <dgm:fillClrLst>
-      <a:schemeClr val="accent3"/>
-    </dgm:fillClrLst>
-    <dgm:linClrLst meth="repeat">
-      <a:schemeClr val="lt1"/>
-    </dgm:linClrLst>
-    <dgm:effectClrLst/>
-    <dgm:txLinClrLst/>
-    <dgm:txFillClrLst/>
-    <dgm:txEffectClrLst/>
-  </dgm:styleLbl>
-  <dgm:styleLbl name="parChTrans2D1">
-    <dgm:fillClrLst meth="repeat">
-      <a:schemeClr val="accent5"/>
-    </dgm:fillClrLst>
-    <dgm:linClrLst meth="repeat">
-      <a:schemeClr val="lt1"/>
-    </dgm:linClrLst>
-    <dgm:effectClrLst/>
-    <dgm:txLinClrLst/>
-    <dgm:txFillClrLst meth="repeat">
-      <a:schemeClr val="lt1"/>
-    </dgm:txFillClrLst>
-    <dgm:txEffectClrLst/>
-  </dgm:styleLbl>
-  <dgm:styleLbl name="parChTrans2D2">
-    <dgm:fillClrLst meth="repeat">
-      <a:schemeClr val="accent6"/>
-    </dgm:fillClrLst>
-    <dgm:linClrLst meth="repeat">
-      <a:schemeClr val="lt1"/>
-    </dgm:linClrLst>
-    <dgm:effectClrLst/>
-    <dgm:txLinClrLst/>
-    <dgm:txFillClrLst/>
-    <dgm:txEffectClrLst/>
-  </dgm:styleLbl>
-  <dgm:styleLbl name="parChTrans2D3">
-    <dgm:fillClrLst meth="repeat">
-      <a:schemeClr val="accent6"/>
-    </dgm:fillClrLst>
-    <dgm:linClrLst meth="repeat">
-      <a:schemeClr val="lt1"/>
-    </dgm:linClrLst>
-    <dgm:effectClrLst/>
-    <dgm:txLinClrLst/>
-    <dgm:txFillClrLst/>
-    <dgm:txEffectClrLst/>
-  </dgm:styleLbl>
-  <dgm:styleLbl name="parChTrans2D4">
-    <dgm:fillClrLst meth="repeat">
-      <a:schemeClr val="accent1"/>
-    </dgm:fillClrLst>
-    <dgm:linClrLst meth="repeat">
-      <a:schemeClr val="lt1"/>
-    </dgm:linClrLst>
-    <dgm:effectClrLst/>
-    <dgm:txLinClrLst/>
-    <dgm:txFillClrLst meth="repeat">
-      <a:schemeClr val="lt1"/>
-    </dgm:txFillClrLst>
-    <dgm:txEffectClrLst/>
-  </dgm:styleLbl>
-  <dgm:styleLbl name="parChTrans1D1">
-    <dgm:fillClrLst meth="repeat">
-      <a:schemeClr val="accent5"/>
-    </dgm:fillClrLst>
-    <dgm:linClrLst meth="repeat">
-      <a:schemeClr val="accent5"/>
-    </dgm:linClrLst>
-    <dgm:effectClrLst/>
-    <dgm:txLinClrLst/>
-    <dgm:txFillClrLst meth="repeat">
-      <a:schemeClr val="tx1"/>
-    </dgm:txFillClrLst>
-    <dgm:txEffectClrLst/>
-  </dgm:styleLbl>
-  <dgm:styleLbl name="parChTrans1D2">
-    <dgm:fillClrLst meth="repeat">
-      <a:schemeClr val="accent6">
-        <a:tint val="90000"/>
-      </a:schemeClr>
-    </dgm:fillClrLst>
-    <dgm:linClrLst meth="repeat">
-      <a:schemeClr val="accent6"/>
-    </dgm:linClrLst>
-    <dgm:effectClrLst/>
-    <dgm:txLinClrLst/>
-    <dgm:txFillClrLst meth="repeat">
-      <a:schemeClr val="tx1"/>
-    </dgm:txFillClrLst>
-    <dgm:txEffectClrLst/>
-  </dgm:styleLbl>
-  <dgm:styleLbl name="parChTrans1D3">
-    <dgm:fillClrLst meth="repeat">
-      <a:schemeClr val="accent6">
-        <a:tint val="70000"/>
-      </a:schemeClr>
-    </dgm:fillClrLst>
-    <dgm:linClrLst meth="repeat">
-      <a:schemeClr val="accent1"/>
-    </dgm:linClrLst>
-    <dgm:effectClrLst/>
-    <dgm:txLinClrLst/>
-    <dgm:txFillClrLst meth="repeat">
-      <a:schemeClr val="tx1"/>
-    </dgm:txFillClrLst>
-    <dgm:txEffectClrLst/>
-  </dgm:styleLbl>
-  <dgm:styleLbl name="parChTrans1D4">
-    <dgm:fillClrLst meth="repeat">
-      <a:schemeClr val="accent6">
-        <a:tint val="50000"/>
-      </a:schemeClr>
-    </dgm:fillClrLst>
-    <dgm:linClrLst meth="repeat">
-      <a:schemeClr val="accent2"/>
-    </dgm:linClrLst>
-    <dgm:effectClrLst/>
-    <dgm:txLinClrLst/>
-    <dgm:txFillClrLst meth="repeat">
-      <a:schemeClr val="tx1"/>
-    </dgm:txFillClrLst>
-    <dgm:txEffectClrLst/>
-  </dgm:styleLbl>
-  <dgm:styleLbl name="fgAcc1">
-    <dgm:fillClrLst meth="repeat">
-      <a:schemeClr val="lt1">
-        <a:alpha val="90000"/>
-      </a:schemeClr>
-    </dgm:fillClrLst>
-    <dgm:linClrLst>
-      <a:schemeClr val="accent5"/>
-      <a:schemeClr val="accent6"/>
-    </dgm:linClrLst>
-    <dgm:effectClrLst/>
-    <dgm:txLinClrLst/>
-    <dgm:txFillClrLst meth="repeat">
-      <a:schemeClr val="dk1"/>
-    </dgm:txFillClrLst>
-    <dgm:txEffectClrLst/>
-  </dgm:styleLbl>
-  <dgm:styleLbl name="conFgAcc1">
-    <dgm:fillClrLst meth="repeat">
-      <a:schemeClr val="lt1">
-        <a:alpha val="90000"/>
-      </a:schemeClr>
-    </dgm:fillClrLst>
-    <dgm:linClrLst>
-      <a:schemeClr val="accent5"/>
-      <a:schemeClr val="accent6"/>
-    </dgm:linClrLst>
-    <dgm:effectClrLst/>
-    <dgm:txLinClrLst/>
-    <dgm:txFillClrLst meth="repeat">
-      <a:schemeClr val="dk1"/>
-    </dgm:txFillClrLst>
-    <dgm:txEffectClrLst/>
-  </dgm:styleLbl>
-  <dgm:styleLbl name="alignAcc1">
-    <dgm:fillClrLst meth="repeat">
-      <a:schemeClr val="lt1">
-        <a:alpha val="90000"/>
-      </a:schemeClr>
-    </dgm:fillClrLst>
-    <dgm:linClrLst>
-      <a:schemeClr val="accent5"/>
-      <a:schemeClr val="accent6"/>
-    </dgm:linClrLst>
-    <dgm:effectClrLst/>
-    <dgm:txLinClrLst/>
-    <dgm:txFillClrLst meth="repeat">
-      <a:schemeClr val="dk1"/>
-    </dgm:txFillClrLst>
-    <dgm:txEffectClrLst/>
-  </dgm:styleLbl>
-  <dgm:styleLbl name="trAlignAcc1">
-    <dgm:fillClrLst meth="repeat">
-      <a:schemeClr val="lt1">
-        <a:alpha val="40000"/>
-      </a:schemeClr>
-    </dgm:fillClrLst>
-    <dgm:linClrLst meth="repeat">
-      <a:schemeClr val="accent5"/>
-    </dgm:linClrLst>
-    <dgm:effectClrLst/>
-    <dgm:txLinClrLst/>
-    <dgm:txFillClrLst meth="repeat">
-      <a:schemeClr val="dk1"/>
-    </dgm:txFillClrLst>
-    <dgm:txEffectClrLst/>
-  </dgm:styleLbl>
-  <dgm:styleLbl name="bgAcc1">
-    <dgm:fillClrLst meth="repeat">
-      <a:schemeClr val="lt1">
-        <a:alpha val="90000"/>
-      </a:schemeClr>
-    </dgm:fillClrLst>
-    <dgm:linClrLst>
-      <a:schemeClr val="accent5"/>
-      <a:schemeClr val="accent6"/>
-    </dgm:linClrLst>
-    <dgm:effectClrLst/>
-    <dgm:txLinClrLst/>
-    <dgm:txFillClrLst meth="repeat">
-      <a:schemeClr val="dk1"/>
-    </dgm:txFillClrLst>
-    <dgm:txEffectClrLst/>
-  </dgm:styleLbl>
-  <dgm:styleLbl name="solidFgAcc1">
-    <dgm:fillClrLst meth="repeat">
-      <a:schemeClr val="lt1"/>
-    </dgm:fillClrLst>
-    <dgm:linClrLst>
-      <a:schemeClr val="accent5"/>
-      <a:schemeClr val="accent6"/>
-    </dgm:linClrLst>
-    <dgm:effectClrLst/>
-    <dgm:txLinClrLst/>
-    <dgm:txFillClrLst meth="repeat">
-      <a:schemeClr val="dk1"/>
-    </dgm:txFillClrLst>
-    <dgm:txEffectClrLst/>
-  </dgm:styleLbl>
-  <dgm:styleLbl name="solidAlignAcc1">
-    <dgm:fillClrLst meth="repeat">
-      <a:schemeClr val="lt1"/>
-    </dgm:fillClrLst>
-    <dgm:linClrLst>
-      <a:schemeClr val="accent5"/>
-      <a:schemeClr val="accent6"/>
-    </dgm:linClrLst>
-    <dgm:effectClrLst/>
-    <dgm:txLinClrLst/>
-    <dgm:txFillClrLst meth="repeat">
-      <a:schemeClr val="dk1"/>
-    </dgm:txFillClrLst>
-    <dgm:txEffectClrLst/>
-  </dgm:styleLbl>
-  <dgm:styleLbl name="solidBgAcc1">
-    <dgm:fillClrLst meth="repeat">
-      <a:schemeClr val="lt1"/>
-    </dgm:fillClrLst>
-    <dgm:linClrLst>
-      <a:schemeClr val="accent5"/>
-      <a:schemeClr val="accent6"/>
-    </dgm:linClrLst>
-    <dgm:effectClrLst/>
-    <dgm:txLinClrLst/>
-    <dgm:txFillClrLst meth="repeat">
-      <a:schemeClr val="dk1"/>
-    </dgm:txFillClrLst>
-    <dgm:txEffectClrLst/>
-  </dgm:styleLbl>
-  <dgm:styleLbl name="fgAccFollowNode1">
-    <dgm:fillClrLst>
-      <a:schemeClr val="accent5">
-        <a:tint val="40000"/>
-        <a:alpha val="90000"/>
-      </a:schemeClr>
-      <a:schemeClr val="accent6">
-        <a:tint val="40000"/>
-        <a:alpha val="90000"/>
-      </a:schemeClr>
-    </dgm:fillClrLst>
-    <dgm:linClrLst>
-      <a:schemeClr val="accent5">
-        <a:tint val="40000"/>
-        <a:alpha val="90000"/>
-      </a:schemeClr>
-      <a:schemeClr val="accent5">
-        <a:tint val="40000"/>
-        <a:alpha val="90000"/>
-      </a:schemeClr>
-    </dgm:linClrLst>
-    <dgm:effectClrLst/>
-    <dgm:txLinClrLst/>
-    <dgm:txFillClrLst meth="repeat">
-      <a:schemeClr val="dk1"/>
-    </dgm:txFillClrLst>
-    <dgm:txEffectClrLst/>
-  </dgm:styleLbl>
-  <dgm:styleLbl name="alignAccFollowNode1">
-    <dgm:fillClrLst>
-      <a:schemeClr val="accent5">
-        <a:tint val="40000"/>
-        <a:alpha val="90000"/>
-      </a:schemeClr>
-      <a:schemeClr val="accent6">
-        <a:tint val="40000"/>
-        <a:alpha val="90000"/>
-      </a:schemeClr>
-    </dgm:fillClrLst>
-    <dgm:linClrLst>
-      <a:schemeClr val="accent5">
-        <a:tint val="40000"/>
-        <a:alpha val="90000"/>
-      </a:schemeClr>
-      <a:schemeClr val="accent6">
-        <a:tint val="40000"/>
-        <a:alpha val="90000"/>
-      </a:schemeClr>
-    </dgm:linClrLst>
-    <dgm:effectClrLst/>
-    <dgm:txLinClrLst/>
-    <dgm:txFillClrLst meth="repeat">
-      <a:schemeClr val="dk1"/>
-    </dgm:txFillClrLst>
-    <dgm:txEffectClrLst/>
-  </dgm:styleLbl>
-  <dgm:styleLbl name="bgAccFollowNode1">
-    <dgm:fillClrLst>
-      <a:schemeClr val="accent5">
-        <a:tint val="40000"/>
-        <a:alpha val="90000"/>
-      </a:schemeClr>
-      <a:schemeClr val="accent6">
-        <a:tint val="40000"/>
-        <a:alpha val="90000"/>
-      </a:schemeClr>
-    </dgm:fillClrLst>
-    <dgm:linClrLst>
-      <a:schemeClr val="accent5">
-        <a:tint val="40000"/>
-        <a:alpha val="90000"/>
-      </a:schemeClr>
-      <a:schemeClr val="accent6">
-        <a:tint val="40000"/>
-        <a:alpha val="90000"/>
-      </a:schemeClr>
-    </dgm:linClrLst>
-    <dgm:effectClrLst/>
-    <dgm:txLinClrLst/>
-    <dgm:txFillClrLst meth="repeat">
-      <a:schemeClr val="dk1"/>
-    </dgm:txFillClrLst>
-    <dgm:txEffectClrLst/>
-  </dgm:styleLbl>
-  <dgm:styleLbl name="fgAcc0">
-    <dgm:fillClrLst meth="repeat">
-      <a:schemeClr val="lt1">
-        <a:alpha val="90000"/>
-      </a:schemeClr>
-    </dgm:fillClrLst>
-    <dgm:linClrLst>
-      <a:schemeClr val="accent4"/>
-    </dgm:linClrLst>
-    <dgm:effectClrLst/>
-    <dgm:txLinClrLst/>
-    <dgm:txFillClrLst meth="repeat">
-      <a:schemeClr val="dk1"/>
-    </dgm:txFillClrLst>
-    <dgm:txEffectClrLst/>
-  </dgm:styleLbl>
-  <dgm:styleLbl name="fgAcc2">
-    <dgm:fillClrLst meth="repeat">
-      <a:schemeClr val="lt1">
-        <a:alpha val="90000"/>
-      </a:schemeClr>
-    </dgm:fillClrLst>
-    <dgm:linClrLst>
-      <a:schemeClr val="accent6"/>
-    </dgm:linClrLst>
-    <dgm:effectClrLst/>
-    <dgm:txLinClrLst/>
-    <dgm:txFillClrLst meth="repeat">
-      <a:schemeClr val="dk1"/>
-    </dgm:txFillClrLst>
-    <dgm:txEffectClrLst/>
-  </dgm:styleLbl>
-  <dgm:styleLbl name="fgAcc3">
-    <dgm:fillClrLst meth="repeat">
-      <a:schemeClr val="lt1">
-        <a:alpha val="90000"/>
-      </a:schemeClr>
-    </dgm:fillClrLst>
-    <dgm:linClrLst>
-      <a:schemeClr val="accent1"/>
-    </dgm:linClrLst>
-    <dgm:effectClrLst/>
-    <dgm:txLinClrLst/>
-    <dgm:txFillClrLst meth="repeat">
-      <a:schemeClr val="dk1"/>
-    </dgm:txFillClrLst>
-    <dgm:txEffectClrLst/>
-  </dgm:styleLbl>
-  <dgm:styleLbl name="fgAcc4">
-    <dgm:fillClrLst meth="repeat">
-      <a:schemeClr val="lt1">
-        <a:alpha val="90000"/>
-      </a:schemeClr>
-    </dgm:fillClrLst>
-    <dgm:linClrLst>
-      <a:schemeClr val="accent2"/>
-    </dgm:linClrLst>
-    <dgm:effectClrLst/>
-    <dgm:txLinClrLst/>
-    <dgm:txFillClrLst meth="repeat">
-      <a:schemeClr val="dk1"/>
-    </dgm:txFillClrLst>
-    <dgm:txEffectClrLst/>
-  </dgm:styleLbl>
-  <dgm:styleLbl name="bgShp">
-    <dgm:fillClrLst meth="repeat">
-      <a:schemeClr val="accent5">
-        <a:tint val="40000"/>
-      </a:schemeClr>
-    </dgm:fillClrLst>
-    <dgm:linClrLst meth="repeat">
-      <a:schemeClr val="dk1"/>
-    </dgm:linClrLst>
-    <dgm:effectClrLst/>
-    <dgm:txLinClrLst/>
-    <dgm:txFillClrLst meth="repeat">
-      <a:schemeClr val="dk1"/>
-    </dgm:txFillClrLst>
-    <dgm:txEffectClrLst/>
-  </dgm:styleLbl>
-  <dgm:styleLbl name="dkBgShp">
-    <dgm:fillClrLst meth="repeat">
-      <a:schemeClr val="accent5">
-        <a:shade val="90000"/>
-      </a:schemeClr>
-    </dgm:fillClrLst>
-    <dgm:linClrLst meth="repeat">
-      <a:schemeClr val="dk1"/>
-    </dgm:linClrLst>
-    <dgm:effectClrLst/>
-    <dgm:txLinClrLst/>
-    <dgm:txFillClrLst meth="repeat">
-      <a:schemeClr val="lt1"/>
-    </dgm:txFillClrLst>
-    <dgm:txEffectClrLst/>
-  </dgm:styleLbl>
-  <dgm:styleLbl name="trBgShp">
-    <dgm:fillClrLst meth="repeat">
-      <a:schemeClr val="accent5">
-        <a:tint val="50000"/>
-        <a:alpha val="40000"/>
-      </a:schemeClr>
-    </dgm:fillClrLst>
-    <dgm:linClrLst meth="repeat">
-      <a:schemeClr val="accent5"/>
-    </dgm:linClrLst>
-    <dgm:effectClrLst/>
-    <dgm:txLinClrLst/>
-    <dgm:txFillClrLst meth="repeat">
-      <a:schemeClr val="lt1"/>
-    </dgm:txFillClrLst>
-    <dgm:txEffectClrLst/>
-  </dgm:styleLbl>
-  <dgm:styleLbl name="fgShp">
-    <dgm:fillClrLst meth="repeat">
-      <a:schemeClr val="accent5">
-        <a:tint val="40000"/>
       </a:schemeClr>
     </dgm:fillClrLst>
     <dgm:linClrLst meth="repeat">
@@ -9407,439 +8629,6 @@
     <dgm:cxn modelId="{F699B714-90D2-4BB7-BA21-198C94F4A4BA}" type="presParOf" srcId="{C40108FC-0137-4712-8F9F-42015DBCBBE6}" destId="{50C78DB7-7513-4002-90E1-B86A6572163A}" srcOrd="1" destOrd="0" presId="urn:microsoft.com/office/officeart/2008/layout/NameandTitleOrganizationalChart"/>
     <dgm:cxn modelId="{28AAAF49-4398-4BC2-9CA9-FC77CF3B7F1E}" type="presParOf" srcId="{C40108FC-0137-4712-8F9F-42015DBCBBE6}" destId="{2BE1F965-5B25-4813-B23C-6B441C0E0FBF}" srcOrd="2" destOrd="0" presId="urn:microsoft.com/office/officeart/2008/layout/NameandTitleOrganizationalChart"/>
     <dgm:cxn modelId="{7FC6236E-5A4B-44A2-BB5B-E6FB095B2A17}" type="presParOf" srcId="{BB20D88C-7D7D-4EF2-AF1B-221070122E98}" destId="{FDEECDE7-27B6-4789-A6C6-217DEC139BEE}" srcOrd="2" destOrd="0" presId="urn:microsoft.com/office/officeart/2008/layout/NameandTitleOrganizationalChart"/>
-  </dgm:cxnLst>
-  <dgm:bg/>
-  <dgm:whole/>
-  <dgm:extLst>
-    <a:ext uri="http://schemas.microsoft.com/office/drawing/2008/diagram">
-      <dsp:dataModelExt xmlns:dsp="http://schemas.microsoft.com/office/drawing/2008/diagram" relId="rId6" minVer="http://schemas.openxmlformats.org/drawingml/2006/diagram"/>
-    </a:ext>
-  </dgm:extLst>
-</dgm:dataModel>
-</file>
-
-<file path=ppt/diagrams/data10.xml><?xml version="1.0" encoding="utf-8"?>
-<dgm:dataModel xmlns:dgm="http://schemas.openxmlformats.org/drawingml/2006/diagram" xmlns:a="http://schemas.openxmlformats.org/drawingml/2006/main">
-  <dgm:ptLst>
-    <dgm:pt modelId="{C5FBD94E-0966-49B1-9995-54B070E93CDD}" type="doc">
-      <dgm:prSet loTypeId="urn:microsoft.com/office/officeart/2005/8/layout/target2" loCatId="relationship" qsTypeId="urn:microsoft.com/office/officeart/2005/8/quickstyle/simple1" qsCatId="simple" csTypeId="urn:microsoft.com/office/officeart/2005/8/colors/colorful5" csCatId="colorful" phldr="1"/>
-      <dgm:spPr/>
-      <dgm:t>
-        <a:bodyPr/>
-        <a:lstStyle/>
-        <a:p>
-          <a:endParaRPr lang="de-DE"/>
-        </a:p>
-      </dgm:t>
-    </dgm:pt>
-    <dgm:pt modelId="{C7F98C24-8E50-44F0-93FC-32D2CBFF812C}">
-      <dgm:prSet phldrT="[Text]"/>
-      <dgm:spPr/>
-      <dgm:t>
-        <a:bodyPr/>
-        <a:lstStyle/>
-        <a:p>
-          <a:r>
-            <a:rPr lang="de-DE" dirty="0"/>
-            <a:t>PAMS</a:t>
-          </a:r>
-        </a:p>
-      </dgm:t>
-    </dgm:pt>
-    <dgm:pt modelId="{272117EE-208F-4F7B-A882-FE9B72CE8C29}" type="parTrans" cxnId="{6BBE8F18-DE4E-468E-AF8E-E346F5E2DFBE}">
-      <dgm:prSet/>
-      <dgm:spPr/>
-      <dgm:t>
-        <a:bodyPr/>
-        <a:lstStyle/>
-        <a:p>
-          <a:endParaRPr lang="de-DE"/>
-        </a:p>
-      </dgm:t>
-    </dgm:pt>
-    <dgm:pt modelId="{AF0C1763-7F5F-4878-AB0C-ADCB627B57A0}" type="sibTrans" cxnId="{6BBE8F18-DE4E-468E-AF8E-E346F5E2DFBE}">
-      <dgm:prSet/>
-      <dgm:spPr/>
-      <dgm:t>
-        <a:bodyPr/>
-        <a:lstStyle/>
-        <a:p>
-          <a:endParaRPr lang="de-DE"/>
-        </a:p>
-      </dgm:t>
-    </dgm:pt>
-    <dgm:pt modelId="{6C37A7D0-9B1C-4924-9E06-DE68133B5564}">
-      <dgm:prSet phldrT="[Text]"/>
-      <dgm:spPr/>
-      <dgm:t>
-        <a:bodyPr/>
-        <a:lstStyle/>
-        <a:p>
-          <a:r>
-            <a:rPr lang="de-DE" dirty="0"/>
-            <a:t>PHP</a:t>
-          </a:r>
-        </a:p>
-      </dgm:t>
-    </dgm:pt>
-    <dgm:pt modelId="{83C743FA-608D-4B2F-AD21-D3E15DAE7F71}" type="parTrans" cxnId="{89B4F5A9-CABA-4AE1-AAAF-ABB469E41B5F}">
-      <dgm:prSet/>
-      <dgm:spPr/>
-      <dgm:t>
-        <a:bodyPr/>
-        <a:lstStyle/>
-        <a:p>
-          <a:endParaRPr lang="de-DE"/>
-        </a:p>
-      </dgm:t>
-    </dgm:pt>
-    <dgm:pt modelId="{79CFC3DD-A414-4752-8C8B-900F5F88FFAB}" type="sibTrans" cxnId="{89B4F5A9-CABA-4AE1-AAAF-ABB469E41B5F}">
-      <dgm:prSet/>
-      <dgm:spPr/>
-      <dgm:t>
-        <a:bodyPr/>
-        <a:lstStyle/>
-        <a:p>
-          <a:endParaRPr lang="de-DE"/>
-        </a:p>
-      </dgm:t>
-    </dgm:pt>
-    <dgm:pt modelId="{8D62B4F2-72D2-472F-844A-04BBA64D10C1}">
-      <dgm:prSet phldrT="[Text]"/>
-      <dgm:spPr/>
-      <dgm:t>
-        <a:bodyPr/>
-        <a:lstStyle/>
-        <a:p>
-          <a:r>
-            <a:rPr lang="de-DE" dirty="0"/>
-            <a:t>Frontend</a:t>
-          </a:r>
-        </a:p>
-      </dgm:t>
-    </dgm:pt>
-    <dgm:pt modelId="{AFD4845E-7DD3-44BA-9745-BA409387CE8A}" type="parTrans" cxnId="{4A55610D-AC96-419D-86B4-7A6F210AF798}">
-      <dgm:prSet/>
-      <dgm:spPr/>
-      <dgm:t>
-        <a:bodyPr/>
-        <a:lstStyle/>
-        <a:p>
-          <a:endParaRPr lang="de-DE"/>
-        </a:p>
-      </dgm:t>
-    </dgm:pt>
-    <dgm:pt modelId="{8519D5F5-8839-44E0-ACAC-C2AFA2B8E0F2}" type="sibTrans" cxnId="{4A55610D-AC96-419D-86B4-7A6F210AF798}">
-      <dgm:prSet/>
-      <dgm:spPr/>
-      <dgm:t>
-        <a:bodyPr/>
-        <a:lstStyle/>
-        <a:p>
-          <a:endParaRPr lang="de-DE"/>
-        </a:p>
-      </dgm:t>
-    </dgm:pt>
-    <dgm:pt modelId="{F7E3CB20-95CC-49DC-8A3F-4D5199D86A27}">
-      <dgm:prSet phldrT="[Text]"/>
-      <dgm:spPr/>
-      <dgm:t>
-        <a:bodyPr/>
-        <a:lstStyle/>
-        <a:p>
-          <a:r>
-            <a:rPr lang="de-DE" b="0" i="0" dirty="0" err="1"/>
-            <a:t>responsives</a:t>
-          </a:r>
-          <a:r>
-            <a:rPr lang="de-DE" b="0" i="0" dirty="0"/>
-            <a:t> Front-End-Framework, basierend auf Material Design</a:t>
-          </a:r>
-        </a:p>
-        <a:p>
-          <a:r>
-            <a:rPr lang="de-DE" b="0" i="0" dirty="0"/>
-            <a:t>(JS,CSS)</a:t>
-          </a:r>
-          <a:endParaRPr lang="de-DE" dirty="0"/>
-        </a:p>
-      </dgm:t>
-    </dgm:pt>
-    <dgm:pt modelId="{340A6CEB-190D-4A3B-9902-3222F9D76511}" type="parTrans" cxnId="{97744CEF-B340-44B0-B5D5-18BC44922349}">
-      <dgm:prSet/>
-      <dgm:spPr/>
-      <dgm:t>
-        <a:bodyPr/>
-        <a:lstStyle/>
-        <a:p>
-          <a:endParaRPr lang="de-DE"/>
-        </a:p>
-      </dgm:t>
-    </dgm:pt>
-    <dgm:pt modelId="{98B77434-4B16-4BDB-B9D7-52884E85293B}" type="sibTrans" cxnId="{97744CEF-B340-44B0-B5D5-18BC44922349}">
-      <dgm:prSet/>
-      <dgm:spPr/>
-      <dgm:t>
-        <a:bodyPr/>
-        <a:lstStyle/>
-        <a:p>
-          <a:endParaRPr lang="de-DE"/>
-        </a:p>
-      </dgm:t>
-    </dgm:pt>
-    <dgm:pt modelId="{04418C5E-07F4-4786-8630-DDCDC51FB261}">
-      <dgm:prSet phldrT="[Text]"/>
-      <dgm:spPr/>
-      <dgm:t>
-        <a:bodyPr/>
-        <a:lstStyle/>
-        <a:p>
-          <a:r>
-            <a:rPr lang="de-DE" dirty="0"/>
-            <a:t>MySQL</a:t>
-          </a:r>
-        </a:p>
-      </dgm:t>
-    </dgm:pt>
-    <dgm:pt modelId="{63EE041E-6038-4A50-9C6B-267020A64512}" type="parTrans" cxnId="{4BE0FA27-4227-4356-8DD8-AC55CE39C40F}">
-      <dgm:prSet/>
-      <dgm:spPr/>
-      <dgm:t>
-        <a:bodyPr/>
-        <a:lstStyle/>
-        <a:p>
-          <a:endParaRPr lang="de-DE"/>
-        </a:p>
-      </dgm:t>
-    </dgm:pt>
-    <dgm:pt modelId="{EB50AFAE-7730-458D-A8CE-3011BCA1F570}" type="sibTrans" cxnId="{4BE0FA27-4227-4356-8DD8-AC55CE39C40F}">
-      <dgm:prSet/>
-      <dgm:spPr/>
-      <dgm:t>
-        <a:bodyPr/>
-        <a:lstStyle/>
-        <a:p>
-          <a:endParaRPr lang="de-DE"/>
-        </a:p>
-      </dgm:t>
-    </dgm:pt>
-    <dgm:pt modelId="{C7C0D5F7-4502-4629-9019-68371D372FE3}">
-      <dgm:prSet phldrT="[Text]"/>
-      <dgm:spPr/>
-      <dgm:t>
-        <a:bodyPr/>
-        <a:lstStyle/>
-        <a:p>
-          <a:r>
-            <a:rPr lang="de-DE" dirty="0"/>
-            <a:t>Backend</a:t>
-          </a:r>
-        </a:p>
-      </dgm:t>
-    </dgm:pt>
-    <dgm:pt modelId="{8DF560E9-083C-4C61-BFC2-4969ACA9C73D}" type="parTrans" cxnId="{8263AE13-44B3-404D-8E38-2B2993A09EE0}">
-      <dgm:prSet/>
-      <dgm:spPr/>
-      <dgm:t>
-        <a:bodyPr/>
-        <a:lstStyle/>
-        <a:p>
-          <a:endParaRPr lang="de-DE"/>
-        </a:p>
-      </dgm:t>
-    </dgm:pt>
-    <dgm:pt modelId="{67AB60C1-7083-4FD7-899A-34942F242AE2}" type="sibTrans" cxnId="{8263AE13-44B3-404D-8E38-2B2993A09EE0}">
-      <dgm:prSet/>
-      <dgm:spPr/>
-      <dgm:t>
-        <a:bodyPr/>
-        <a:lstStyle/>
-        <a:p>
-          <a:endParaRPr lang="de-DE"/>
-        </a:p>
-      </dgm:t>
-    </dgm:pt>
-    <dgm:pt modelId="{1BC56F04-AB5A-401E-BBF2-971D0C0EB910}">
-      <dgm:prSet phldrT="[Text]"/>
-      <dgm:spPr/>
-      <dgm:t>
-        <a:bodyPr/>
-        <a:lstStyle/>
-        <a:p>
-          <a:r>
-            <a:rPr lang="de-DE" dirty="0"/>
-            <a:t>Eigenes MVC Framework</a:t>
-          </a:r>
-        </a:p>
-      </dgm:t>
-    </dgm:pt>
-    <dgm:pt modelId="{8E0720AB-5855-4298-B43F-C1BA986F453B}" type="parTrans" cxnId="{1BD5CA35-28B6-45AA-8431-77FF5E92D48C}">
-      <dgm:prSet/>
-      <dgm:spPr/>
-      <dgm:t>
-        <a:bodyPr/>
-        <a:lstStyle/>
-        <a:p>
-          <a:endParaRPr lang="de-DE"/>
-        </a:p>
-      </dgm:t>
-    </dgm:pt>
-    <dgm:pt modelId="{1DA5918E-67A4-4DF0-A564-E86911581867}" type="sibTrans" cxnId="{1BD5CA35-28B6-45AA-8431-77FF5E92D48C}">
-      <dgm:prSet/>
-      <dgm:spPr/>
-      <dgm:t>
-        <a:bodyPr/>
-        <a:lstStyle/>
-        <a:p>
-          <a:endParaRPr lang="de-DE"/>
-        </a:p>
-      </dgm:t>
-    </dgm:pt>
-    <dgm:pt modelId="{A372D3C9-1958-41E3-875A-8DF922E18B75}">
-      <dgm:prSet phldrT="[Text]"/>
-      <dgm:spPr/>
-      <dgm:t>
-        <a:bodyPr/>
-        <a:lstStyle/>
-        <a:p>
-          <a:r>
-            <a:rPr lang="de-DE"/>
-            <a:t>Smarty</a:t>
-          </a:r>
-          <a:endParaRPr lang="de-DE" dirty="0"/>
-        </a:p>
-      </dgm:t>
-    </dgm:pt>
-    <dgm:pt modelId="{818120D1-4C55-46E5-B5C7-00BD8F2E5BCF}" type="parTrans" cxnId="{C143EAEA-C6E4-4383-96D5-A975CAE0D3E0}">
-      <dgm:prSet/>
-      <dgm:spPr/>
-      <dgm:t>
-        <a:bodyPr/>
-        <a:lstStyle/>
-        <a:p>
-          <a:endParaRPr lang="de-DE"/>
-        </a:p>
-      </dgm:t>
-    </dgm:pt>
-    <dgm:pt modelId="{92200760-0C27-4350-8B83-2858E8A0DFAC}" type="sibTrans" cxnId="{C143EAEA-C6E4-4383-96D5-A975CAE0D3E0}">
-      <dgm:prSet/>
-      <dgm:spPr/>
-      <dgm:t>
-        <a:bodyPr/>
-        <a:lstStyle/>
-        <a:p>
-          <a:endParaRPr lang="de-DE"/>
-        </a:p>
-      </dgm:t>
-    </dgm:pt>
-    <dgm:pt modelId="{C24C3AE7-0124-4DB9-BE00-A2E82517C890}" type="pres">
-      <dgm:prSet presAssocID="{C5FBD94E-0966-49B1-9995-54B070E93CDD}" presName="Name0" presStyleCnt="0">
-        <dgm:presLayoutVars>
-          <dgm:chMax val="3"/>
-          <dgm:chPref val="1"/>
-          <dgm:dir/>
-          <dgm:animLvl val="lvl"/>
-          <dgm:resizeHandles/>
-        </dgm:presLayoutVars>
-      </dgm:prSet>
-      <dgm:spPr/>
-    </dgm:pt>
-    <dgm:pt modelId="{508AF8B0-012F-4B3C-917E-E05CF74D5040}" type="pres">
-      <dgm:prSet presAssocID="{C5FBD94E-0966-49B1-9995-54B070E93CDD}" presName="outerBox" presStyleCnt="0"/>
-      <dgm:spPr/>
-    </dgm:pt>
-    <dgm:pt modelId="{D4E31A17-81D1-48BC-8E33-501E17B1DBDF}" type="pres">
-      <dgm:prSet presAssocID="{C5FBD94E-0966-49B1-9995-54B070E93CDD}" presName="outerBoxParent" presStyleLbl="node1" presStyleIdx="0" presStyleCnt="3" custLinFactNeighborX="-524" custLinFactNeighborY="10976"/>
-      <dgm:spPr/>
-    </dgm:pt>
-    <dgm:pt modelId="{470568D5-657B-4036-AD03-50A58AB44960}" type="pres">
-      <dgm:prSet presAssocID="{C5FBD94E-0966-49B1-9995-54B070E93CDD}" presName="outerBoxChildren" presStyleCnt="0"/>
-      <dgm:spPr/>
-    </dgm:pt>
-    <dgm:pt modelId="{09491084-B32E-4C0B-8F6E-6930A402DEC0}" type="pres">
-      <dgm:prSet presAssocID="{C5FBD94E-0966-49B1-9995-54B070E93CDD}" presName="middleBox" presStyleCnt="0"/>
-      <dgm:spPr/>
-    </dgm:pt>
-    <dgm:pt modelId="{83455F29-C0EA-4397-8961-65A4ACEFEE26}" type="pres">
-      <dgm:prSet presAssocID="{C5FBD94E-0966-49B1-9995-54B070E93CDD}" presName="middleBoxParent" presStyleLbl="node1" presStyleIdx="1" presStyleCnt="3"/>
-      <dgm:spPr/>
-    </dgm:pt>
-    <dgm:pt modelId="{DF9DC971-D0D5-4759-8B3A-E80CBA2D90C1}" type="pres">
-      <dgm:prSet presAssocID="{C5FBD94E-0966-49B1-9995-54B070E93CDD}" presName="middleBoxChildren" presStyleCnt="0"/>
-      <dgm:spPr/>
-    </dgm:pt>
-    <dgm:pt modelId="{603BE0C7-6DD5-4F69-9C9C-08A7B235F526}" type="pres">
-      <dgm:prSet presAssocID="{6C37A7D0-9B1C-4924-9E06-DE68133B5564}" presName="mChild" presStyleLbl="fgAcc1" presStyleIdx="0" presStyleCnt="3">
-        <dgm:presLayoutVars>
-          <dgm:bulletEnabled val="1"/>
-        </dgm:presLayoutVars>
-      </dgm:prSet>
-      <dgm:spPr/>
-    </dgm:pt>
-    <dgm:pt modelId="{B9FC3B95-8B1A-4B22-84ED-99DD55A38E76}" type="pres">
-      <dgm:prSet presAssocID="{79CFC3DD-A414-4752-8C8B-900F5F88FFAB}" presName="middleSibTrans" presStyleCnt="0"/>
-      <dgm:spPr/>
-    </dgm:pt>
-    <dgm:pt modelId="{A1EA949C-6E29-404A-BC50-3004A9B81BD3}" type="pres">
-      <dgm:prSet presAssocID="{04418C5E-07F4-4786-8630-DDCDC51FB261}" presName="mChild" presStyleLbl="fgAcc1" presStyleIdx="1" presStyleCnt="3">
-        <dgm:presLayoutVars>
-          <dgm:bulletEnabled val="1"/>
-        </dgm:presLayoutVars>
-      </dgm:prSet>
-      <dgm:spPr/>
-    </dgm:pt>
-    <dgm:pt modelId="{05963C64-201A-4450-8DE1-C92D34298EBA}" type="pres">
-      <dgm:prSet presAssocID="{C5FBD94E-0966-49B1-9995-54B070E93CDD}" presName="centerBox" presStyleCnt="0"/>
-      <dgm:spPr/>
-    </dgm:pt>
-    <dgm:pt modelId="{5D49FD03-92C7-4D17-8DA2-C0D117DB0584}" type="pres">
-      <dgm:prSet presAssocID="{C5FBD94E-0966-49B1-9995-54B070E93CDD}" presName="centerBoxParent" presStyleLbl="node1" presStyleIdx="2" presStyleCnt="3"/>
-      <dgm:spPr/>
-    </dgm:pt>
-    <dgm:pt modelId="{606060B9-E74C-4966-B26E-7F5BF3C09107}" type="pres">
-      <dgm:prSet presAssocID="{C5FBD94E-0966-49B1-9995-54B070E93CDD}" presName="centerBoxChildren" presStyleCnt="0"/>
-      <dgm:spPr/>
-    </dgm:pt>
-    <dgm:pt modelId="{01DCAD39-E031-41B7-A305-54F651094E62}" type="pres">
-      <dgm:prSet presAssocID="{F7E3CB20-95CC-49DC-8A3F-4D5199D86A27}" presName="cChild" presStyleLbl="fgAcc1" presStyleIdx="2" presStyleCnt="3">
-        <dgm:presLayoutVars>
-          <dgm:bulletEnabled val="1"/>
-        </dgm:presLayoutVars>
-      </dgm:prSet>
-      <dgm:spPr/>
-    </dgm:pt>
-  </dgm:ptLst>
-  <dgm:cxnLst>
-    <dgm:cxn modelId="{B665B2CF-FD84-44E6-9A1E-5111052DB219}" type="presOf" srcId="{04418C5E-07F4-4786-8630-DDCDC51FB261}" destId="{A1EA949C-6E29-404A-BC50-3004A9B81BD3}" srcOrd="0" destOrd="0" presId="urn:microsoft.com/office/officeart/2005/8/layout/target2"/>
-    <dgm:cxn modelId="{ACCB774A-AFDC-4220-981C-49446735CC62}" type="presOf" srcId="{C7F98C24-8E50-44F0-93FC-32D2CBFF812C}" destId="{D4E31A17-81D1-48BC-8E33-501E17B1DBDF}" srcOrd="0" destOrd="0" presId="urn:microsoft.com/office/officeart/2005/8/layout/target2"/>
-    <dgm:cxn modelId="{4BE0FA27-4227-4356-8DD8-AC55CE39C40F}" srcId="{C7C0D5F7-4502-4629-9019-68371D372FE3}" destId="{04418C5E-07F4-4786-8630-DDCDC51FB261}" srcOrd="1" destOrd="0" parTransId="{63EE041E-6038-4A50-9C6B-267020A64512}" sibTransId="{EB50AFAE-7730-458D-A8CE-3011BCA1F570}"/>
-    <dgm:cxn modelId="{ED001893-B576-4FBA-BC4D-3DC4DD2C9457}" type="presOf" srcId="{C7C0D5F7-4502-4629-9019-68371D372FE3}" destId="{83455F29-C0EA-4397-8961-65A4ACEFEE26}" srcOrd="0" destOrd="0" presId="urn:microsoft.com/office/officeart/2005/8/layout/target2"/>
-    <dgm:cxn modelId="{A304A21E-3FFF-4EB7-93CB-DDD2EDFB4014}" type="presOf" srcId="{6C37A7D0-9B1C-4924-9E06-DE68133B5564}" destId="{603BE0C7-6DD5-4F69-9C9C-08A7B235F526}" srcOrd="0" destOrd="0" presId="urn:microsoft.com/office/officeart/2005/8/layout/target2"/>
-    <dgm:cxn modelId="{8263AE13-44B3-404D-8E38-2B2993A09EE0}" srcId="{C5FBD94E-0966-49B1-9995-54B070E93CDD}" destId="{C7C0D5F7-4502-4629-9019-68371D372FE3}" srcOrd="1" destOrd="0" parTransId="{8DF560E9-083C-4C61-BFC2-4969ACA9C73D}" sibTransId="{67AB60C1-7083-4FD7-899A-34942F242AE2}"/>
-    <dgm:cxn modelId="{FA83676F-1C8F-4BC9-BF75-E9F6A498ACDC}" type="presOf" srcId="{C5FBD94E-0966-49B1-9995-54B070E93CDD}" destId="{C24C3AE7-0124-4DB9-BE00-A2E82517C890}" srcOrd="0" destOrd="0" presId="urn:microsoft.com/office/officeart/2005/8/layout/target2"/>
-    <dgm:cxn modelId="{1BD5CA35-28B6-45AA-8431-77FF5E92D48C}" srcId="{6C37A7D0-9B1C-4924-9E06-DE68133B5564}" destId="{1BC56F04-AB5A-401E-BBF2-971D0C0EB910}" srcOrd="0" destOrd="0" parTransId="{8E0720AB-5855-4298-B43F-C1BA986F453B}" sibTransId="{1DA5918E-67A4-4DF0-A564-E86911581867}"/>
-    <dgm:cxn modelId="{E793DDB6-EAE7-4115-895F-D74C2BC0891C}" type="presOf" srcId="{A372D3C9-1958-41E3-875A-8DF922E18B75}" destId="{603BE0C7-6DD5-4F69-9C9C-08A7B235F526}" srcOrd="0" destOrd="2" presId="urn:microsoft.com/office/officeart/2005/8/layout/target2"/>
-    <dgm:cxn modelId="{4C1F6341-70CA-42D1-BAAC-C4FCB53EBDF8}" type="presOf" srcId="{F7E3CB20-95CC-49DC-8A3F-4D5199D86A27}" destId="{01DCAD39-E031-41B7-A305-54F651094E62}" srcOrd="0" destOrd="0" presId="urn:microsoft.com/office/officeart/2005/8/layout/target2"/>
-    <dgm:cxn modelId="{6BBE8F18-DE4E-468E-AF8E-E346F5E2DFBE}" srcId="{C5FBD94E-0966-49B1-9995-54B070E93CDD}" destId="{C7F98C24-8E50-44F0-93FC-32D2CBFF812C}" srcOrd="0" destOrd="0" parTransId="{272117EE-208F-4F7B-A882-FE9B72CE8C29}" sibTransId="{AF0C1763-7F5F-4878-AB0C-ADCB627B57A0}"/>
-    <dgm:cxn modelId="{97744CEF-B340-44B0-B5D5-18BC44922349}" srcId="{8D62B4F2-72D2-472F-844A-04BBA64D10C1}" destId="{F7E3CB20-95CC-49DC-8A3F-4D5199D86A27}" srcOrd="0" destOrd="0" parTransId="{340A6CEB-190D-4A3B-9902-3222F9D76511}" sibTransId="{98B77434-4B16-4BDB-B9D7-52884E85293B}"/>
-    <dgm:cxn modelId="{89B4F5A9-CABA-4AE1-AAAF-ABB469E41B5F}" srcId="{C7C0D5F7-4502-4629-9019-68371D372FE3}" destId="{6C37A7D0-9B1C-4924-9E06-DE68133B5564}" srcOrd="0" destOrd="0" parTransId="{83C743FA-608D-4B2F-AD21-D3E15DAE7F71}" sibTransId="{79CFC3DD-A414-4752-8C8B-900F5F88FFAB}"/>
-    <dgm:cxn modelId="{F8A4EB70-397C-487C-96CB-14C82DDB3D82}" type="presOf" srcId="{8D62B4F2-72D2-472F-844A-04BBA64D10C1}" destId="{5D49FD03-92C7-4D17-8DA2-C0D117DB0584}" srcOrd="0" destOrd="0" presId="urn:microsoft.com/office/officeart/2005/8/layout/target2"/>
-    <dgm:cxn modelId="{C143EAEA-C6E4-4383-96D5-A975CAE0D3E0}" srcId="{6C37A7D0-9B1C-4924-9E06-DE68133B5564}" destId="{A372D3C9-1958-41E3-875A-8DF922E18B75}" srcOrd="1" destOrd="0" parTransId="{818120D1-4C55-46E5-B5C7-00BD8F2E5BCF}" sibTransId="{92200760-0C27-4350-8B83-2858E8A0DFAC}"/>
-    <dgm:cxn modelId="{4A55610D-AC96-419D-86B4-7A6F210AF798}" srcId="{C5FBD94E-0966-49B1-9995-54B070E93CDD}" destId="{8D62B4F2-72D2-472F-844A-04BBA64D10C1}" srcOrd="2" destOrd="0" parTransId="{AFD4845E-7DD3-44BA-9745-BA409387CE8A}" sibTransId="{8519D5F5-8839-44E0-ACAC-C2AFA2B8E0F2}"/>
-    <dgm:cxn modelId="{F6D7526D-C216-43CF-B364-C044BA42042A}" type="presOf" srcId="{1BC56F04-AB5A-401E-BBF2-971D0C0EB910}" destId="{603BE0C7-6DD5-4F69-9C9C-08A7B235F526}" srcOrd="0" destOrd="1" presId="urn:microsoft.com/office/officeart/2005/8/layout/target2"/>
-    <dgm:cxn modelId="{8705C8B7-94C5-4B6B-86C6-D3AD4310AB68}" type="presParOf" srcId="{C24C3AE7-0124-4DB9-BE00-A2E82517C890}" destId="{508AF8B0-012F-4B3C-917E-E05CF74D5040}" srcOrd="0" destOrd="0" presId="urn:microsoft.com/office/officeart/2005/8/layout/target2"/>
-    <dgm:cxn modelId="{37263B1A-89C4-4DF4-BCBA-D14EE77C5DAF}" type="presParOf" srcId="{508AF8B0-012F-4B3C-917E-E05CF74D5040}" destId="{D4E31A17-81D1-48BC-8E33-501E17B1DBDF}" srcOrd="0" destOrd="0" presId="urn:microsoft.com/office/officeart/2005/8/layout/target2"/>
-    <dgm:cxn modelId="{B92E71E5-5A90-4E4F-B672-D81653EB6596}" type="presParOf" srcId="{508AF8B0-012F-4B3C-917E-E05CF74D5040}" destId="{470568D5-657B-4036-AD03-50A58AB44960}" srcOrd="1" destOrd="0" presId="urn:microsoft.com/office/officeart/2005/8/layout/target2"/>
-    <dgm:cxn modelId="{944E2B14-3B8F-44EC-80EE-9616171A48A2}" type="presParOf" srcId="{C24C3AE7-0124-4DB9-BE00-A2E82517C890}" destId="{09491084-B32E-4C0B-8F6E-6930A402DEC0}" srcOrd="1" destOrd="0" presId="urn:microsoft.com/office/officeart/2005/8/layout/target2"/>
-    <dgm:cxn modelId="{7E525B10-2BE0-45B5-A154-C3C908589D01}" type="presParOf" srcId="{09491084-B32E-4C0B-8F6E-6930A402DEC0}" destId="{83455F29-C0EA-4397-8961-65A4ACEFEE26}" srcOrd="0" destOrd="0" presId="urn:microsoft.com/office/officeart/2005/8/layout/target2"/>
-    <dgm:cxn modelId="{19ADA0D3-AD69-4EA8-8199-48C6C60FBC4C}" type="presParOf" srcId="{09491084-B32E-4C0B-8F6E-6930A402DEC0}" destId="{DF9DC971-D0D5-4759-8B3A-E80CBA2D90C1}" srcOrd="1" destOrd="0" presId="urn:microsoft.com/office/officeart/2005/8/layout/target2"/>
-    <dgm:cxn modelId="{C17972F4-E817-494B-AB48-AABB39AA9999}" type="presParOf" srcId="{DF9DC971-D0D5-4759-8B3A-E80CBA2D90C1}" destId="{603BE0C7-6DD5-4F69-9C9C-08A7B235F526}" srcOrd="0" destOrd="0" presId="urn:microsoft.com/office/officeart/2005/8/layout/target2"/>
-    <dgm:cxn modelId="{66AFD1BE-AC06-439C-82F4-D3D3A73CE411}" type="presParOf" srcId="{DF9DC971-D0D5-4759-8B3A-E80CBA2D90C1}" destId="{B9FC3B95-8B1A-4B22-84ED-99DD55A38E76}" srcOrd="1" destOrd="0" presId="urn:microsoft.com/office/officeart/2005/8/layout/target2"/>
-    <dgm:cxn modelId="{5B020616-EB48-496C-800D-D9AADC90FE70}" type="presParOf" srcId="{DF9DC971-D0D5-4759-8B3A-E80CBA2D90C1}" destId="{A1EA949C-6E29-404A-BC50-3004A9B81BD3}" srcOrd="2" destOrd="0" presId="urn:microsoft.com/office/officeart/2005/8/layout/target2"/>
-    <dgm:cxn modelId="{048865C2-D71B-4ED3-9DC2-D63026865E34}" type="presParOf" srcId="{C24C3AE7-0124-4DB9-BE00-A2E82517C890}" destId="{05963C64-201A-4450-8DE1-C92D34298EBA}" srcOrd="2" destOrd="0" presId="urn:microsoft.com/office/officeart/2005/8/layout/target2"/>
-    <dgm:cxn modelId="{FA8F45D1-3DB9-499A-A9FA-BE7E3243CD7D}" type="presParOf" srcId="{05963C64-201A-4450-8DE1-C92D34298EBA}" destId="{5D49FD03-92C7-4D17-8DA2-C0D117DB0584}" srcOrd="0" destOrd="0" presId="urn:microsoft.com/office/officeart/2005/8/layout/target2"/>
-    <dgm:cxn modelId="{6AC6E9CA-A367-4A40-813C-70FCD600EC50}" type="presParOf" srcId="{05963C64-201A-4450-8DE1-C92D34298EBA}" destId="{606060B9-E74C-4966-B26E-7F5BF3C09107}" srcOrd="1" destOrd="0" presId="urn:microsoft.com/office/officeart/2005/8/layout/target2"/>
-    <dgm:cxn modelId="{8D369A2D-D22A-4070-A6FD-F54BAF2A95E1}" type="presParOf" srcId="{606060B9-E74C-4966-B26E-7F5BF3C09107}" destId="{01DCAD39-E031-41B7-A305-54F651094E62}" srcOrd="0" destOrd="0" presId="urn:microsoft.com/office/officeart/2005/8/layout/target2"/>
   </dgm:cxnLst>
   <dgm:bg/>
   <dgm:whole/>
@@ -10423,21 +9212,21 @@
     </dgm:pt>
   </dgm:ptLst>
   <dgm:cxnLst>
+    <dgm:cxn modelId="{850F2AF4-9E0C-4B6D-BEC2-EBFCB38F10C1}" type="presOf" srcId="{3142E19D-54ED-4D5F-B1C8-751D212DB0FB}" destId="{C893210D-4879-4DD5-B088-5D8E5992D57B}" srcOrd="0" destOrd="0" presId="urn:microsoft.com/office/officeart/2005/8/layout/radial4"/>
     <dgm:cxn modelId="{44C56E3F-36B0-4030-AA3C-D88BC78AF595}" type="presOf" srcId="{86DB323A-73DC-4D24-A083-62E001995050}" destId="{35C2A99A-00D9-4873-BF91-57CC5CDD6420}" srcOrd="0" destOrd="0" presId="urn:microsoft.com/office/officeart/2005/8/layout/radial4"/>
+    <dgm:cxn modelId="{3DCC5B69-02D3-424C-93D2-6136BAD4C4A2}" srcId="{86DB323A-73DC-4D24-A083-62E001995050}" destId="{B7247DFC-D355-448B-9214-6AA0E881009C}" srcOrd="0" destOrd="0" parTransId="{F8A5DA11-9B74-489C-A302-07D714D9CD5B}" sibTransId="{52D7B1D1-5A0E-4AA5-9DD4-1AFC8D56C813}"/>
+    <dgm:cxn modelId="{1298C251-7E4A-4B07-B619-5F579856FDB5}" srcId="{86DB323A-73DC-4D24-A083-62E001995050}" destId="{3349D365-30DD-46AC-9A03-A8D9A349A53E}" srcOrd="3" destOrd="0" parTransId="{3142E19D-54ED-4D5F-B1C8-751D212DB0FB}" sibTransId="{D9B85E9A-5C03-4B03-A981-2FB9DB12BCBE}"/>
     <dgm:cxn modelId="{8EEFC20C-60BA-4D7F-9C94-258E82EA25BE}" type="presOf" srcId="{408FBC27-3C08-474B-96FC-24A7BAF44899}" destId="{068D7405-A6C9-45DD-A710-1DEB6B3AB9DA}" srcOrd="0" destOrd="0" presId="urn:microsoft.com/office/officeart/2005/8/layout/radial4"/>
     <dgm:cxn modelId="{A9954CE5-562C-4280-9B91-0CEFCF670A2B}" type="presOf" srcId="{12C43100-EEF3-4FE1-AF2F-1BFF73DD3DB9}" destId="{FB4358FC-C359-4CA7-8DC8-E68F921B6C35}" srcOrd="0" destOrd="0" presId="urn:microsoft.com/office/officeart/2005/8/layout/radial4"/>
+    <dgm:cxn modelId="{09FA4538-A37D-45CF-ABE7-F72A988FA6C8}" type="presOf" srcId="{69A049EF-51F8-4472-AB1D-9DD24EA9510C}" destId="{BD417E97-5549-4F53-AAFC-AE0DAE8D6740}" srcOrd="0" destOrd="0" presId="urn:microsoft.com/office/officeart/2005/8/layout/radial4"/>
+    <dgm:cxn modelId="{4CE2F67E-3E30-4454-B48D-03235F5DAEF8}" type="presOf" srcId="{B7247DFC-D355-448B-9214-6AA0E881009C}" destId="{3E011A6B-79B3-4D46-95F0-A0F03807531F}" srcOrd="0" destOrd="0" presId="urn:microsoft.com/office/officeart/2005/8/layout/radial4"/>
+    <dgm:cxn modelId="{DBEB4342-59D7-4AFB-92E3-AE5121EE78D4}" type="presOf" srcId="{85D3EFA7-8BDB-4A5A-882A-EDBF94BF3494}" destId="{E0431947-E99A-4790-BD89-FBCD5D78E100}" srcOrd="0" destOrd="0" presId="urn:microsoft.com/office/officeart/2005/8/layout/radial4"/>
     <dgm:cxn modelId="{8D1EF1AB-79A4-478B-B770-55D66312AEAE}" srcId="{85D3EFA7-8BDB-4A5A-882A-EDBF94BF3494}" destId="{86DB323A-73DC-4D24-A083-62E001995050}" srcOrd="0" destOrd="0" parTransId="{1598B80F-D235-4DD7-8B2C-88306356BAA1}" sibTransId="{194954D0-B6E5-4F2C-81EB-002B2BB93D55}"/>
-    <dgm:cxn modelId="{4CE2F67E-3E30-4454-B48D-03235F5DAEF8}" type="presOf" srcId="{B7247DFC-D355-448B-9214-6AA0E881009C}" destId="{3E011A6B-79B3-4D46-95F0-A0F03807531F}" srcOrd="0" destOrd="0" presId="urn:microsoft.com/office/officeart/2005/8/layout/radial4"/>
-    <dgm:cxn modelId="{850F2AF4-9E0C-4B6D-BEC2-EBFCB38F10C1}" type="presOf" srcId="{3142E19D-54ED-4D5F-B1C8-751D212DB0FB}" destId="{C893210D-4879-4DD5-B088-5D8E5992D57B}" srcOrd="0" destOrd="0" presId="urn:microsoft.com/office/officeart/2005/8/layout/radial4"/>
+    <dgm:cxn modelId="{6B01D823-465C-4A8C-9BF1-B5C07707C5B9}" srcId="{86DB323A-73DC-4D24-A083-62E001995050}" destId="{69A049EF-51F8-4472-AB1D-9DD24EA9510C}" srcOrd="2" destOrd="0" parTransId="{408FBC27-3C08-474B-96FC-24A7BAF44899}" sibTransId="{FFBC999E-A277-4A3B-AD02-C85FC1C1DF44}"/>
+    <dgm:cxn modelId="{F3A3C72E-D9AC-4A08-9938-81F7E4BC44ED}" type="presOf" srcId="{F8A5DA11-9B74-489C-A302-07D714D9CD5B}" destId="{D40C343F-E9CC-4AE5-8A3B-5C8E2B9D3B89}" srcOrd="0" destOrd="0" presId="urn:microsoft.com/office/officeart/2005/8/layout/radial4"/>
+    <dgm:cxn modelId="{CB570A2F-4AC4-4DFF-BD1F-18A57C9ADFCE}" type="presOf" srcId="{3349D365-30DD-46AC-9A03-A8D9A349A53E}" destId="{D8484C4E-C79B-412F-9987-C2485DB65F27}" srcOrd="0" destOrd="0" presId="urn:microsoft.com/office/officeart/2005/8/layout/radial4"/>
+    <dgm:cxn modelId="{271925B9-B006-4FBB-AF8C-D8E63A32A165}" srcId="{86DB323A-73DC-4D24-A083-62E001995050}" destId="{7AAA3B19-FAC3-4C62-9309-B2DD2BE4A6BC}" srcOrd="1" destOrd="0" parTransId="{12C43100-EEF3-4FE1-AF2F-1BFF73DD3DB9}" sibTransId="{F2515C0F-FC73-44BE-A318-8DC9050BDBC3}"/>
     <dgm:cxn modelId="{AB5F8FDB-9F37-41C2-83A5-57BDA5977CF2}" type="presOf" srcId="{7AAA3B19-FAC3-4C62-9309-B2DD2BE4A6BC}" destId="{E44501EB-77DB-44A8-9500-C483F073DCB5}" srcOrd="0" destOrd="0" presId="urn:microsoft.com/office/officeart/2005/8/layout/radial4"/>
-    <dgm:cxn modelId="{DBEB4342-59D7-4AFB-92E3-AE5121EE78D4}" type="presOf" srcId="{85D3EFA7-8BDB-4A5A-882A-EDBF94BF3494}" destId="{E0431947-E99A-4790-BD89-FBCD5D78E100}" srcOrd="0" destOrd="0" presId="urn:microsoft.com/office/officeart/2005/8/layout/radial4"/>
-    <dgm:cxn modelId="{271925B9-B006-4FBB-AF8C-D8E63A32A165}" srcId="{86DB323A-73DC-4D24-A083-62E001995050}" destId="{7AAA3B19-FAC3-4C62-9309-B2DD2BE4A6BC}" srcOrd="1" destOrd="0" parTransId="{12C43100-EEF3-4FE1-AF2F-1BFF73DD3DB9}" sibTransId="{F2515C0F-FC73-44BE-A318-8DC9050BDBC3}"/>
-    <dgm:cxn modelId="{1298C251-7E4A-4B07-B619-5F579856FDB5}" srcId="{86DB323A-73DC-4D24-A083-62E001995050}" destId="{3349D365-30DD-46AC-9A03-A8D9A349A53E}" srcOrd="3" destOrd="0" parTransId="{3142E19D-54ED-4D5F-B1C8-751D212DB0FB}" sibTransId="{D9B85E9A-5C03-4B03-A981-2FB9DB12BCBE}"/>
-    <dgm:cxn modelId="{09FA4538-A37D-45CF-ABE7-F72A988FA6C8}" type="presOf" srcId="{69A049EF-51F8-4472-AB1D-9DD24EA9510C}" destId="{BD417E97-5549-4F53-AAFC-AE0DAE8D6740}" srcOrd="0" destOrd="0" presId="urn:microsoft.com/office/officeart/2005/8/layout/radial4"/>
-    <dgm:cxn modelId="{F3A3C72E-D9AC-4A08-9938-81F7E4BC44ED}" type="presOf" srcId="{F8A5DA11-9B74-489C-A302-07D714D9CD5B}" destId="{D40C343F-E9CC-4AE5-8A3B-5C8E2B9D3B89}" srcOrd="0" destOrd="0" presId="urn:microsoft.com/office/officeart/2005/8/layout/radial4"/>
-    <dgm:cxn modelId="{3DCC5B69-02D3-424C-93D2-6136BAD4C4A2}" srcId="{86DB323A-73DC-4D24-A083-62E001995050}" destId="{B7247DFC-D355-448B-9214-6AA0E881009C}" srcOrd="0" destOrd="0" parTransId="{F8A5DA11-9B74-489C-A302-07D714D9CD5B}" sibTransId="{52D7B1D1-5A0E-4AA5-9DD4-1AFC8D56C813}"/>
-    <dgm:cxn modelId="{6B01D823-465C-4A8C-9BF1-B5C07707C5B9}" srcId="{86DB323A-73DC-4D24-A083-62E001995050}" destId="{69A049EF-51F8-4472-AB1D-9DD24EA9510C}" srcOrd="2" destOrd="0" parTransId="{408FBC27-3C08-474B-96FC-24A7BAF44899}" sibTransId="{FFBC999E-A277-4A3B-AD02-C85FC1C1DF44}"/>
-    <dgm:cxn modelId="{CB570A2F-4AC4-4DFF-BD1F-18A57C9ADFCE}" type="presOf" srcId="{3349D365-30DD-46AC-9A03-A8D9A349A53E}" destId="{D8484C4E-C79B-412F-9987-C2485DB65F27}" srcOrd="0" destOrd="0" presId="urn:microsoft.com/office/officeart/2005/8/layout/radial4"/>
     <dgm:cxn modelId="{69E4204F-7204-47A3-8ACB-1BF93741FCE3}" type="presParOf" srcId="{E0431947-E99A-4790-BD89-FBCD5D78E100}" destId="{35C2A99A-00D9-4873-BF91-57CC5CDD6420}" srcOrd="0" destOrd="0" presId="urn:microsoft.com/office/officeart/2005/8/layout/radial4"/>
     <dgm:cxn modelId="{A92947EF-2D05-44EA-BFAD-67E7614504ED}" type="presParOf" srcId="{E0431947-E99A-4790-BD89-FBCD5D78E100}" destId="{D40C343F-E9CC-4AE5-8A3B-5C8E2B9D3B89}" srcOrd="1" destOrd="0" presId="urn:microsoft.com/office/officeart/2005/8/layout/radial4"/>
     <dgm:cxn modelId="{9795D822-FF72-455E-BEE9-E38DC6473993}" type="presParOf" srcId="{E0431947-E99A-4790-BD89-FBCD5D78E100}" destId="{3E011A6B-79B3-4D46-95F0-A0F03807531F}" srcOrd="2" destOrd="0" presId="urn:microsoft.com/office/officeart/2005/8/layout/radial4"/>
@@ -13656,555 +12445,6 @@
       <dsp:txXfrm>
         <a:off x="8600905" y="3228432"/>
         <a:ext cx="1809878" cy="347064"/>
-      </dsp:txXfrm>
-    </dsp:sp>
-  </dsp:spTree>
-</dsp:drawing>
-</file>
-
-<file path=ppt/diagrams/drawing10.xml><?xml version="1.0" encoding="utf-8"?>
-<dsp:drawing xmlns:dgm="http://schemas.openxmlformats.org/drawingml/2006/diagram" xmlns:dsp="http://schemas.microsoft.com/office/drawing/2008/diagram" xmlns:a="http://schemas.openxmlformats.org/drawingml/2006/main">
-  <dsp:spTree>
-    <dsp:nvGrpSpPr>
-      <dsp:cNvPr id="0" name=""/>
-      <dsp:cNvGrpSpPr/>
-    </dsp:nvGrpSpPr>
-    <dsp:grpSpPr/>
-    <dsp:sp modelId="{D4E31A17-81D1-48BC-8E33-501E17B1DBDF}">
-      <dsp:nvSpPr>
-        <dsp:cNvPr id="0" name=""/>
-        <dsp:cNvSpPr/>
-      </dsp:nvSpPr>
-      <dsp:spPr>
-        <a:xfrm>
-          <a:off x="0" y="0"/>
-          <a:ext cx="11183814" cy="5046782"/>
-        </a:xfrm>
-        <a:prstGeom prst="roundRect">
-          <a:avLst>
-            <a:gd name="adj" fmla="val 8500"/>
-          </a:avLst>
-        </a:prstGeom>
-        <a:solidFill>
-          <a:schemeClr val="accent5">
-            <a:hueOff val="0"/>
-            <a:satOff val="0"/>
-            <a:lumOff val="0"/>
-            <a:alphaOff val="0"/>
-          </a:schemeClr>
-        </a:solidFill>
-        <a:ln w="12700" cap="flat" cmpd="sng" algn="ctr">
-          <a:solidFill>
-            <a:schemeClr val="lt1">
-              <a:hueOff val="0"/>
-              <a:satOff val="0"/>
-              <a:lumOff val="0"/>
-              <a:alphaOff val="0"/>
-            </a:schemeClr>
-          </a:solidFill>
-          <a:prstDash val="solid"/>
-          <a:miter lim="800000"/>
-        </a:ln>
-        <a:effectLst/>
-      </dsp:spPr>
-      <dsp:style>
-        <a:lnRef idx="2">
-          <a:scrgbClr r="0" g="0" b="0"/>
-        </a:lnRef>
-        <a:fillRef idx="1">
-          <a:scrgbClr r="0" g="0" b="0"/>
-        </a:fillRef>
-        <a:effectRef idx="0">
-          <a:scrgbClr r="0" g="0" b="0"/>
-        </a:effectRef>
-        <a:fontRef idx="minor">
-          <a:schemeClr val="lt1"/>
-        </a:fontRef>
-      </dsp:style>
-      <dsp:txBody>
-        <a:bodyPr spcFirstLastPara="0" vert="horz" wrap="square" lIns="160020" tIns="160020" rIns="160020" bIns="3916864" numCol="1" spcCol="1270" anchor="t" anchorCtr="0">
-          <a:noAutofit/>
-        </a:bodyPr>
-        <a:lstStyle/>
-        <a:p>
-          <a:pPr marL="0" lvl="0" indent="0" algn="l" defTabSz="1866900">
-            <a:lnSpc>
-              <a:spcPct val="90000"/>
-            </a:lnSpc>
-            <a:spcBef>
-              <a:spcPct val="0"/>
-            </a:spcBef>
-            <a:spcAft>
-              <a:spcPct val="35000"/>
-            </a:spcAft>
-            <a:buNone/>
-          </a:pPr>
-          <a:r>
-            <a:rPr lang="de-DE" sz="4200" kern="1200" dirty="0"/>
-            <a:t>PAMS</a:t>
-          </a:r>
-        </a:p>
-      </dsp:txBody>
-      <dsp:txXfrm>
-        <a:off x="125643" y="125643"/>
-        <a:ext cx="10932528" cy="4795496"/>
-      </dsp:txXfrm>
-    </dsp:sp>
-    <dsp:sp modelId="{83455F29-C0EA-4397-8961-65A4ACEFEE26}">
-      <dsp:nvSpPr>
-        <dsp:cNvPr id="0" name=""/>
-        <dsp:cNvSpPr/>
-      </dsp:nvSpPr>
-      <dsp:spPr>
-        <a:xfrm>
-          <a:off x="279595" y="1261695"/>
-          <a:ext cx="10624623" cy="3532748"/>
-        </a:xfrm>
-        <a:prstGeom prst="roundRect">
-          <a:avLst>
-            <a:gd name="adj" fmla="val 10500"/>
-          </a:avLst>
-        </a:prstGeom>
-        <a:solidFill>
-          <a:schemeClr val="accent5">
-            <a:hueOff val="-3676672"/>
-            <a:satOff val="-5114"/>
-            <a:lumOff val="-1961"/>
-            <a:alphaOff val="0"/>
-          </a:schemeClr>
-        </a:solidFill>
-        <a:ln w="12700" cap="flat" cmpd="sng" algn="ctr">
-          <a:solidFill>
-            <a:schemeClr val="lt1">
-              <a:hueOff val="0"/>
-              <a:satOff val="0"/>
-              <a:lumOff val="0"/>
-              <a:alphaOff val="0"/>
-            </a:schemeClr>
-          </a:solidFill>
-          <a:prstDash val="solid"/>
-          <a:miter lim="800000"/>
-        </a:ln>
-        <a:effectLst/>
-      </dsp:spPr>
-      <dsp:style>
-        <a:lnRef idx="2">
-          <a:scrgbClr r="0" g="0" b="0"/>
-        </a:lnRef>
-        <a:fillRef idx="1">
-          <a:scrgbClr r="0" g="0" b="0"/>
-        </a:fillRef>
-        <a:effectRef idx="0">
-          <a:scrgbClr r="0" g="0" b="0"/>
-        </a:effectRef>
-        <a:fontRef idx="minor">
-          <a:schemeClr val="lt1"/>
-        </a:fontRef>
-      </dsp:style>
-      <dsp:txBody>
-        <a:bodyPr spcFirstLastPara="0" vert="horz" wrap="square" lIns="160020" tIns="160020" rIns="160020" bIns="2243295" numCol="1" spcCol="1270" anchor="t" anchorCtr="0">
-          <a:noAutofit/>
-        </a:bodyPr>
-        <a:lstStyle/>
-        <a:p>
-          <a:pPr marL="0" lvl="0" indent="0" algn="l" defTabSz="1866900">
-            <a:lnSpc>
-              <a:spcPct val="90000"/>
-            </a:lnSpc>
-            <a:spcBef>
-              <a:spcPct val="0"/>
-            </a:spcBef>
-            <a:spcAft>
-              <a:spcPct val="35000"/>
-            </a:spcAft>
-            <a:buNone/>
-          </a:pPr>
-          <a:r>
-            <a:rPr lang="de-DE" sz="4200" kern="1200" dirty="0"/>
-            <a:t>Backend</a:t>
-          </a:r>
-        </a:p>
-      </dsp:txBody>
-      <dsp:txXfrm>
-        <a:off x="388239" y="1370339"/>
-        <a:ext cx="10407335" cy="3315460"/>
-      </dsp:txXfrm>
-    </dsp:sp>
-    <dsp:sp modelId="{603BE0C7-6DD5-4F69-9C9C-08A7B235F526}">
-      <dsp:nvSpPr>
-        <dsp:cNvPr id="0" name=""/>
-        <dsp:cNvSpPr/>
-      </dsp:nvSpPr>
-      <dsp:spPr>
-        <a:xfrm>
-          <a:off x="545210" y="2498157"/>
-          <a:ext cx="2124924" cy="974998"/>
-        </a:xfrm>
-        <a:prstGeom prst="roundRect">
-          <a:avLst>
-            <a:gd name="adj" fmla="val 10500"/>
-          </a:avLst>
-        </a:prstGeom>
-        <a:solidFill>
-          <a:schemeClr val="lt1">
-            <a:alpha val="90000"/>
-            <a:hueOff val="0"/>
-            <a:satOff val="0"/>
-            <a:lumOff val="0"/>
-            <a:alphaOff val="0"/>
-          </a:schemeClr>
-        </a:solidFill>
-        <a:ln w="12700" cap="flat" cmpd="sng" algn="ctr">
-          <a:solidFill>
-            <a:schemeClr val="accent5">
-              <a:hueOff val="0"/>
-              <a:satOff val="0"/>
-              <a:lumOff val="0"/>
-              <a:alphaOff val="0"/>
-            </a:schemeClr>
-          </a:solidFill>
-          <a:prstDash val="solid"/>
-          <a:miter lim="800000"/>
-        </a:ln>
-        <a:effectLst/>
-      </dsp:spPr>
-      <dsp:style>
-        <a:lnRef idx="2">
-          <a:scrgbClr r="0" g="0" b="0"/>
-        </a:lnRef>
-        <a:fillRef idx="1">
-          <a:scrgbClr r="0" g="0" b="0"/>
-        </a:fillRef>
-        <a:effectRef idx="0">
-          <a:scrgbClr r="0" g="0" b="0"/>
-        </a:effectRef>
-        <a:fontRef idx="minor"/>
-      </dsp:style>
-      <dsp:txBody>
-        <a:bodyPr spcFirstLastPara="0" vert="horz" wrap="square" lIns="68580" tIns="68580" rIns="68580" bIns="68580" numCol="1" spcCol="1270" anchor="t" anchorCtr="0">
-          <a:noAutofit/>
-        </a:bodyPr>
-        <a:lstStyle/>
-        <a:p>
-          <a:pPr marL="0" lvl="0" indent="0" algn="l" defTabSz="800100">
-            <a:lnSpc>
-              <a:spcPct val="90000"/>
-            </a:lnSpc>
-            <a:spcBef>
-              <a:spcPct val="0"/>
-            </a:spcBef>
-            <a:spcAft>
-              <a:spcPct val="35000"/>
-            </a:spcAft>
-            <a:buNone/>
-          </a:pPr>
-          <a:r>
-            <a:rPr lang="de-DE" sz="1800" kern="1200" dirty="0"/>
-            <a:t>PHP</a:t>
-          </a:r>
-        </a:p>
-        <a:p>
-          <a:pPr marL="114300" lvl="1" indent="-114300" algn="l" defTabSz="622300">
-            <a:lnSpc>
-              <a:spcPct val="90000"/>
-            </a:lnSpc>
-            <a:spcBef>
-              <a:spcPct val="0"/>
-            </a:spcBef>
-            <a:spcAft>
-              <a:spcPct val="15000"/>
-            </a:spcAft>
-            <a:buChar char="•"/>
-          </a:pPr>
-          <a:r>
-            <a:rPr lang="de-DE" sz="1400" kern="1200" dirty="0"/>
-            <a:t>Eigenes MVC Framework</a:t>
-          </a:r>
-        </a:p>
-        <a:p>
-          <a:pPr marL="114300" lvl="1" indent="-114300" algn="l" defTabSz="622300">
-            <a:lnSpc>
-              <a:spcPct val="90000"/>
-            </a:lnSpc>
-            <a:spcBef>
-              <a:spcPct val="0"/>
-            </a:spcBef>
-            <a:spcAft>
-              <a:spcPct val="15000"/>
-            </a:spcAft>
-            <a:buChar char="•"/>
-          </a:pPr>
-          <a:r>
-            <a:rPr lang="de-DE" sz="1400" kern="1200"/>
-            <a:t>Smarty</a:t>
-          </a:r>
-          <a:endParaRPr lang="de-DE" sz="1400" kern="1200" dirty="0"/>
-        </a:p>
-      </dsp:txBody>
-      <dsp:txXfrm>
-        <a:off x="575195" y="2528142"/>
-        <a:ext cx="2064954" cy="915028"/>
-      </dsp:txXfrm>
-    </dsp:sp>
-    <dsp:sp modelId="{A1EA949C-6E29-404A-BC50-3004A9B81BD3}">
-      <dsp:nvSpPr>
-        <dsp:cNvPr id="0" name=""/>
-        <dsp:cNvSpPr/>
-      </dsp:nvSpPr>
-      <dsp:spPr>
-        <a:xfrm>
-          <a:off x="545210" y="3553676"/>
-          <a:ext cx="2124924" cy="974998"/>
-        </a:xfrm>
-        <a:prstGeom prst="roundRect">
-          <a:avLst>
-            <a:gd name="adj" fmla="val 10500"/>
-          </a:avLst>
-        </a:prstGeom>
-        <a:solidFill>
-          <a:schemeClr val="lt1">
-            <a:alpha val="90000"/>
-            <a:hueOff val="0"/>
-            <a:satOff val="0"/>
-            <a:lumOff val="0"/>
-            <a:alphaOff val="0"/>
-          </a:schemeClr>
-        </a:solidFill>
-        <a:ln w="12700" cap="flat" cmpd="sng" algn="ctr">
-          <a:solidFill>
-            <a:schemeClr val="accent5">
-              <a:hueOff val="-3676672"/>
-              <a:satOff val="-5114"/>
-              <a:lumOff val="-1961"/>
-              <a:alphaOff val="0"/>
-            </a:schemeClr>
-          </a:solidFill>
-          <a:prstDash val="solid"/>
-          <a:miter lim="800000"/>
-        </a:ln>
-        <a:effectLst/>
-      </dsp:spPr>
-      <dsp:style>
-        <a:lnRef idx="2">
-          <a:scrgbClr r="0" g="0" b="0"/>
-        </a:lnRef>
-        <a:fillRef idx="1">
-          <a:scrgbClr r="0" g="0" b="0"/>
-        </a:fillRef>
-        <a:effectRef idx="0">
-          <a:scrgbClr r="0" g="0" b="0"/>
-        </a:effectRef>
-        <a:fontRef idx="minor"/>
-      </dsp:style>
-      <dsp:txBody>
-        <a:bodyPr spcFirstLastPara="0" vert="horz" wrap="square" lIns="68580" tIns="68580" rIns="68580" bIns="68580" numCol="1" spcCol="1270" anchor="ctr" anchorCtr="0">
-          <a:noAutofit/>
-        </a:bodyPr>
-        <a:lstStyle/>
-        <a:p>
-          <a:pPr marL="0" lvl="0" indent="0" algn="ctr" defTabSz="800100">
-            <a:lnSpc>
-              <a:spcPct val="90000"/>
-            </a:lnSpc>
-            <a:spcBef>
-              <a:spcPct val="0"/>
-            </a:spcBef>
-            <a:spcAft>
-              <a:spcPct val="35000"/>
-            </a:spcAft>
-            <a:buNone/>
-          </a:pPr>
-          <a:r>
-            <a:rPr lang="de-DE" sz="1800" kern="1200" dirty="0"/>
-            <a:t>MySQL</a:t>
-          </a:r>
-        </a:p>
-      </dsp:txBody>
-      <dsp:txXfrm>
-        <a:off x="575195" y="3583661"/>
-        <a:ext cx="2064954" cy="915028"/>
-      </dsp:txXfrm>
-    </dsp:sp>
-    <dsp:sp modelId="{5D49FD03-92C7-4D17-8DA2-C0D117DB0584}">
-      <dsp:nvSpPr>
-        <dsp:cNvPr id="0" name=""/>
-        <dsp:cNvSpPr/>
-      </dsp:nvSpPr>
-      <dsp:spPr>
-        <a:xfrm>
-          <a:off x="2907791" y="2523391"/>
-          <a:ext cx="7716831" cy="2018713"/>
-        </a:xfrm>
-        <a:prstGeom prst="roundRect">
-          <a:avLst>
-            <a:gd name="adj" fmla="val 10500"/>
-          </a:avLst>
-        </a:prstGeom>
-        <a:solidFill>
-          <a:schemeClr val="accent5">
-            <a:hueOff val="-7353344"/>
-            <a:satOff val="-10228"/>
-            <a:lumOff val="-3922"/>
-            <a:alphaOff val="0"/>
-          </a:schemeClr>
-        </a:solidFill>
-        <a:ln w="12700" cap="flat" cmpd="sng" algn="ctr">
-          <a:solidFill>
-            <a:schemeClr val="lt1">
-              <a:hueOff val="0"/>
-              <a:satOff val="0"/>
-              <a:lumOff val="0"/>
-              <a:alphaOff val="0"/>
-            </a:schemeClr>
-          </a:solidFill>
-          <a:prstDash val="solid"/>
-          <a:miter lim="800000"/>
-        </a:ln>
-        <a:effectLst/>
-      </dsp:spPr>
-      <dsp:style>
-        <a:lnRef idx="2">
-          <a:scrgbClr r="0" g="0" b="0"/>
-        </a:lnRef>
-        <a:fillRef idx="1">
-          <a:scrgbClr r="0" g="0" b="0"/>
-        </a:fillRef>
-        <a:effectRef idx="0">
-          <a:scrgbClr r="0" g="0" b="0"/>
-        </a:effectRef>
-        <a:fontRef idx="minor">
-          <a:schemeClr val="lt1"/>
-        </a:fontRef>
-      </dsp:style>
-      <dsp:txBody>
-        <a:bodyPr spcFirstLastPara="0" vert="horz" wrap="square" lIns="160020" tIns="160020" rIns="160020" bIns="1139451" numCol="1" spcCol="1270" anchor="t" anchorCtr="0">
-          <a:noAutofit/>
-        </a:bodyPr>
-        <a:lstStyle/>
-        <a:p>
-          <a:pPr marL="0" lvl="0" indent="0" algn="l" defTabSz="1866900">
-            <a:lnSpc>
-              <a:spcPct val="90000"/>
-            </a:lnSpc>
-            <a:spcBef>
-              <a:spcPct val="0"/>
-            </a:spcBef>
-            <a:spcAft>
-              <a:spcPct val="35000"/>
-            </a:spcAft>
-            <a:buNone/>
-          </a:pPr>
-          <a:r>
-            <a:rPr lang="de-DE" sz="4200" kern="1200" dirty="0"/>
-            <a:t>Frontend</a:t>
-          </a:r>
-        </a:p>
-      </dsp:txBody>
-      <dsp:txXfrm>
-        <a:off x="2969873" y="2585473"/>
-        <a:ext cx="7592667" cy="1894549"/>
-      </dsp:txXfrm>
-    </dsp:sp>
-    <dsp:sp modelId="{01DCAD39-E031-41B7-A305-54F651094E62}">
-      <dsp:nvSpPr>
-        <dsp:cNvPr id="0" name=""/>
-        <dsp:cNvSpPr/>
-      </dsp:nvSpPr>
-      <dsp:spPr>
-        <a:xfrm>
-          <a:off x="3100712" y="3431812"/>
-          <a:ext cx="7330990" cy="908420"/>
-        </a:xfrm>
-        <a:prstGeom prst="roundRect">
-          <a:avLst>
-            <a:gd name="adj" fmla="val 10500"/>
-          </a:avLst>
-        </a:prstGeom>
-        <a:solidFill>
-          <a:schemeClr val="lt1">
-            <a:alpha val="90000"/>
-            <a:hueOff val="0"/>
-            <a:satOff val="0"/>
-            <a:lumOff val="0"/>
-            <a:alphaOff val="0"/>
-          </a:schemeClr>
-        </a:solidFill>
-        <a:ln w="12700" cap="flat" cmpd="sng" algn="ctr">
-          <a:solidFill>
-            <a:schemeClr val="accent5">
-              <a:hueOff val="-7353344"/>
-              <a:satOff val="-10228"/>
-              <a:lumOff val="-3922"/>
-              <a:alphaOff val="0"/>
-            </a:schemeClr>
-          </a:solidFill>
-          <a:prstDash val="solid"/>
-          <a:miter lim="800000"/>
-        </a:ln>
-        <a:effectLst/>
-      </dsp:spPr>
-      <dsp:style>
-        <a:lnRef idx="2">
-          <a:scrgbClr r="0" g="0" b="0"/>
-        </a:lnRef>
-        <a:fillRef idx="1">
-          <a:scrgbClr r="0" g="0" b="0"/>
-        </a:fillRef>
-        <a:effectRef idx="0">
-          <a:scrgbClr r="0" g="0" b="0"/>
-        </a:effectRef>
-        <a:fontRef idx="minor"/>
-      </dsp:style>
-      <dsp:txBody>
-        <a:bodyPr spcFirstLastPara="0" vert="horz" wrap="square" lIns="68580" tIns="68580" rIns="68580" bIns="68580" numCol="1" spcCol="1270" anchor="ctr" anchorCtr="0">
-          <a:noAutofit/>
-        </a:bodyPr>
-        <a:lstStyle/>
-        <a:p>
-          <a:pPr marL="0" lvl="0" indent="0" algn="ctr" defTabSz="800100">
-            <a:lnSpc>
-              <a:spcPct val="90000"/>
-            </a:lnSpc>
-            <a:spcBef>
-              <a:spcPct val="0"/>
-            </a:spcBef>
-            <a:spcAft>
-              <a:spcPct val="35000"/>
-            </a:spcAft>
-            <a:buNone/>
-          </a:pPr>
-          <a:r>
-            <a:rPr lang="de-DE" sz="1800" b="0" i="0" kern="1200" dirty="0" err="1"/>
-            <a:t>responsives</a:t>
-          </a:r>
-          <a:r>
-            <a:rPr lang="de-DE" sz="1800" b="0" i="0" kern="1200" dirty="0"/>
-            <a:t> Front-End-Framework, basierend auf Material Design</a:t>
-          </a:r>
-        </a:p>
-        <a:p>
-          <a:pPr marL="0" lvl="0" indent="0" algn="ctr" defTabSz="800100">
-            <a:lnSpc>
-              <a:spcPct val="90000"/>
-            </a:lnSpc>
-            <a:spcBef>
-              <a:spcPct val="0"/>
-            </a:spcBef>
-            <a:spcAft>
-              <a:spcPct val="35000"/>
-            </a:spcAft>
-            <a:buNone/>
-          </a:pPr>
-          <a:r>
-            <a:rPr lang="de-DE" sz="1800" b="0" i="0" kern="1200" dirty="0"/>
-            <a:t>(JS,CSS)</a:t>
-          </a:r>
-          <a:endParaRPr lang="de-DE" sz="1800" kern="1200" dirty="0"/>
-        </a:p>
-      </dsp:txBody>
-      <dsp:txXfrm>
-        <a:off x="3128649" y="3459749"/>
-        <a:ext cx="7275116" cy="852546"/>
       </dsp:txXfrm>
     </dsp:sp>
   </dsp:spTree>
@@ -20647,788 +18887,6 @@
 </dgm:layoutDef>
 </file>
 
-<file path=ppt/diagrams/layout10.xml><?xml version="1.0" encoding="utf-8"?>
-<dgm:layoutDef xmlns:dgm="http://schemas.openxmlformats.org/drawingml/2006/diagram" xmlns:a="http://schemas.openxmlformats.org/drawingml/2006/main" uniqueId="urn:microsoft.com/office/officeart/2005/8/layout/target2">
-  <dgm:title val=""/>
-  <dgm:desc val=""/>
-  <dgm:catLst>
-    <dgm:cat type="relationship" pri="12000"/>
-  </dgm:catLst>
-  <dgm:sampData>
-    <dgm:dataModel>
-      <dgm:ptLst>
-        <dgm:pt modelId="0" type="doc"/>
-        <dgm:pt modelId="1">
-          <dgm:prSet phldr="1"/>
-        </dgm:pt>
-        <dgm:pt modelId="11">
-          <dgm:prSet phldr="1"/>
-        </dgm:pt>
-        <dgm:pt modelId="12">
-          <dgm:prSet phldr="1"/>
-        </dgm:pt>
-        <dgm:pt modelId="2">
-          <dgm:prSet phldr="1"/>
-        </dgm:pt>
-        <dgm:pt modelId="21">
-          <dgm:prSet phldr="1"/>
-        </dgm:pt>
-        <dgm:pt modelId="22">
-          <dgm:prSet phldr="1"/>
-        </dgm:pt>
-        <dgm:pt modelId="3">
-          <dgm:prSet phldr="1"/>
-        </dgm:pt>
-        <dgm:pt modelId="31">
-          <dgm:prSet phldr="1"/>
-        </dgm:pt>
-        <dgm:pt modelId="32">
-          <dgm:prSet phldr="1"/>
-        </dgm:pt>
-      </dgm:ptLst>
-      <dgm:cxnLst>
-        <dgm:cxn modelId="4" srcId="0" destId="1" srcOrd="0" destOrd="0"/>
-        <dgm:cxn modelId="5" srcId="0" destId="2" srcOrd="1" destOrd="0"/>
-        <dgm:cxn modelId="6" srcId="0" destId="3" srcOrd="2" destOrd="0"/>
-        <dgm:cxn modelId="13" srcId="1" destId="11" srcOrd="0" destOrd="0"/>
-        <dgm:cxn modelId="14" srcId="1" destId="12" srcOrd="1" destOrd="0"/>
-        <dgm:cxn modelId="23" srcId="2" destId="21" srcOrd="0" destOrd="0"/>
-        <dgm:cxn modelId="24" srcId="2" destId="22" srcOrd="1" destOrd="0"/>
-        <dgm:cxn modelId="33" srcId="3" destId="31" srcOrd="0" destOrd="0"/>
-        <dgm:cxn modelId="34" srcId="3" destId="32" srcOrd="1" destOrd="0"/>
-      </dgm:cxnLst>
-      <dgm:bg/>
-      <dgm:whole/>
-    </dgm:dataModel>
-  </dgm:sampData>
-  <dgm:styleData>
-    <dgm:dataModel>
-      <dgm:ptLst>
-        <dgm:pt modelId="0" type="doc"/>
-        <dgm:pt modelId="1"/>
-        <dgm:pt modelId="11"/>
-        <dgm:pt modelId="2"/>
-        <dgm:pt modelId="21"/>
-      </dgm:ptLst>
-      <dgm:cxnLst>
-        <dgm:cxn modelId="4" srcId="0" destId="1" srcOrd="0" destOrd="0"/>
-        <dgm:cxn modelId="5" srcId="0" destId="2" srcOrd="1" destOrd="0"/>
-        <dgm:cxn modelId="13" srcId="1" destId="11" srcOrd="0" destOrd="0"/>
-        <dgm:cxn modelId="23" srcId="2" destId="21" srcOrd="0" destOrd="0"/>
-      </dgm:cxnLst>
-      <dgm:bg/>
-      <dgm:whole/>
-    </dgm:dataModel>
-  </dgm:styleData>
-  <dgm:clrData>
-    <dgm:dataModel>
-      <dgm:ptLst>
-        <dgm:pt modelId="0" type="doc"/>
-        <dgm:pt modelId="1"/>
-        <dgm:pt modelId="11"/>
-        <dgm:pt modelId="2"/>
-        <dgm:pt modelId="21"/>
-        <dgm:pt modelId="3"/>
-        <dgm:pt modelId="31"/>
-        <dgm:pt modelId="4"/>
-        <dgm:pt modelId="41"/>
-      </dgm:ptLst>
-      <dgm:cxnLst>
-        <dgm:cxn modelId="5" srcId="0" destId="1" srcOrd="0" destOrd="0"/>
-        <dgm:cxn modelId="6" srcId="0" destId="2" srcOrd="1" destOrd="0"/>
-        <dgm:cxn modelId="7" srcId="0" destId="3" srcOrd="2" destOrd="0"/>
-        <dgm:cxn modelId="8" srcId="0" destId="4" srcOrd="3" destOrd="0"/>
-        <dgm:cxn modelId="13" srcId="1" destId="11" srcOrd="0" destOrd="0"/>
-        <dgm:cxn modelId="23" srcId="2" destId="21" srcOrd="0" destOrd="0"/>
-        <dgm:cxn modelId="33" srcId="3" destId="31" srcOrd="0" destOrd="0"/>
-        <dgm:cxn modelId="43" srcId="4" destId="41" srcOrd="0" destOrd="0"/>
-      </dgm:cxnLst>
-      <dgm:bg/>
-      <dgm:whole/>
-    </dgm:dataModel>
-  </dgm:clrData>
-  <dgm:layoutNode name="Name0">
-    <dgm:varLst>
-      <dgm:chMax val="3"/>
-      <dgm:chPref val="1"/>
-      <dgm:dir/>
-      <dgm:animLvl val="lvl"/>
-      <dgm:resizeHandles/>
-    </dgm:varLst>
-    <dgm:alg type="composite">
-      <dgm:param type="horzAlign" val="none"/>
-      <dgm:param type="vertAlign" val="none"/>
-    </dgm:alg>
-    <dgm:shape xmlns:r="http://schemas.openxmlformats.org/officeDocument/2006/relationships" r:blip="">
-      <dgm:adjLst/>
-    </dgm:shape>
-    <dgm:presOf/>
-    <dgm:choose name="Name1">
-      <dgm:if name="Name2" func="var" arg="dir" op="equ" val="norm">
-        <dgm:choose name="Name3">
-          <dgm:if name="Name4" axis="ch ch" ptType="node node" st="1 1" cnt="1 0" func="cnt" op="gt" val="0">
-            <dgm:choose name="Name5">
-              <dgm:if name="Name6" axis="ch ch" ptType="node node" st="2 1" cnt="1 0" func="cnt" op="gt" val="0">
-                <dgm:constrLst>
-                  <dgm:constr type="primFontSz" for="des" forName="middleBoxParent" val="65"/>
-                  <dgm:constr type="primFontSz" for="des" forName="mChild" val="65"/>
-                  <dgm:constr type="primFontSz" for="des" forName="outerBoxParent" refType="primFontSz" refFor="des" refForName="middleBoxParent" op="equ"/>
-                  <dgm:constr type="primFontSz" for="des" forName="centerBoxParent" refType="primFontSz" refFor="des" refForName="middleBoxParent" op="equ"/>
-                  <dgm:constr type="primFontSz" for="des" forName="oChild" refType="primFontSz" refFor="des" refForName="mChild" op="equ"/>
-                  <dgm:constr type="primFontSz" for="des" forName="cChild" refType="primFontSz" refFor="des" refForName="mChild" op="equ"/>
-                  <dgm:constr type="l" for="ch" forName="outerBox"/>
-                  <dgm:constr type="t" for="ch" forName="outerBox"/>
-                  <dgm:constr type="w" for="ch" forName="outerBox" refType="w"/>
-                  <dgm:constr type="h" for="ch" forName="outerBox" refType="h"/>
-                  <dgm:constr type="l" for="ch" forName="middleBox" refType="w" fact="0.2"/>
-                  <dgm:constr type="t" for="ch" forName="middleBox" refType="h" fact="0.25"/>
-                  <dgm:constr type="w" for="ch" forName="middleBox" refType="w" fact="0.775"/>
-                  <dgm:constr type="h" for="ch" forName="middleBox" refType="h" fact="0.7"/>
-                  <dgm:constr type="l" for="ch" forName="centerBox" refType="w" fact="0.395"/>
-                  <dgm:constr type="t" for="ch" forName="centerBox" refType="h" fact="0.5"/>
-                  <dgm:constr type="w" for="ch" forName="centerBox" refType="w" fact="0.555"/>
-                  <dgm:constr type="h" for="ch" forName="centerBox" refType="h" fact="0.4"/>
-                  <dgm:constr type="userA" for="des" forName="outerSibTrans" refType="w"/>
-                  <dgm:constr type="userA" for="des" forName="middleSibTrans" refType="w"/>
-                  <dgm:constr type="userA" for="des" forName="centerSibTrans" refType="w"/>
-                </dgm:constrLst>
-              </dgm:if>
-              <dgm:else name="Name7">
-                <dgm:constrLst>
-                  <dgm:constr type="primFontSz" for="des" forName="middleBoxParent" val="65"/>
-                  <dgm:constr type="primFontSz" for="des" forName="mChild" val="65"/>
-                  <dgm:constr type="primFontSz" for="des" forName="outerBoxParent" refType="primFontSz" refFor="des" refForName="middleBoxParent" op="equ"/>
-                  <dgm:constr type="primFontSz" for="des" forName="centerBoxParent" refType="primFontSz" refFor="des" refForName="middleBoxParent" op="equ"/>
-                  <dgm:constr type="primFontSz" for="des" forName="oChild" refType="primFontSz" refFor="des" refForName="mChild" op="equ"/>
-                  <dgm:constr type="primFontSz" for="des" forName="cChild" refType="primFontSz" refFor="des" refForName="mChild" op="equ"/>
-                  <dgm:constr type="l" for="ch" forName="outerBox"/>
-                  <dgm:constr type="t" for="ch" forName="outerBox"/>
-                  <dgm:constr type="w" for="ch" forName="outerBox" refType="w"/>
-                  <dgm:constr type="h" for="ch" forName="outerBox" refType="h"/>
-                  <dgm:constr type="l" for="ch" forName="middleBox" refType="w" fact="0.2"/>
-                  <dgm:constr type="t" for="ch" forName="middleBox" refType="h" fact="0.25"/>
-                  <dgm:constr type="w" for="ch" forName="middleBox" refType="w" fact="0.775"/>
-                  <dgm:constr type="h" for="ch" forName="middleBox" refType="h" fact="0.7"/>
-                  <dgm:constr type="l" for="ch" forName="centerBox" refType="w" fact="0.225"/>
-                  <dgm:constr type="t" for="ch" forName="centerBox" refType="h" fact="0.5"/>
-                  <dgm:constr type="w" for="ch" forName="centerBox" refType="w" fact="0.725"/>
-                  <dgm:constr type="h" for="ch" forName="centerBox" refType="h" fact="0.4"/>
-                  <dgm:constr type="userA" for="des" forName="outerSibTrans" refType="w"/>
-                  <dgm:constr type="userA" for="des" forName="middleSibTrans" refType="w"/>
-                  <dgm:constr type="userA" for="des" forName="centerSibTrans" refType="w"/>
-                </dgm:constrLst>
-              </dgm:else>
-            </dgm:choose>
-          </dgm:if>
-          <dgm:else name="Name8">
-            <dgm:choose name="Name9">
-              <dgm:if name="Name10" axis="ch ch" ptType="node node" st="2 1" cnt="1 0" func="cnt" op="gt" val="0">
-                <dgm:constrLst>
-                  <dgm:constr type="primFontSz" for="des" forName="middleBoxParent" val="65"/>
-                  <dgm:constr type="primFontSz" for="des" forName="mChild" val="65"/>
-                  <dgm:constr type="primFontSz" for="des" forName="outerBoxParent" refType="primFontSz" refFor="des" refForName="middleBoxParent" op="equ"/>
-                  <dgm:constr type="primFontSz" for="des" forName="centerBoxParent" refType="primFontSz" refFor="des" refForName="middleBoxParent" op="equ"/>
-                  <dgm:constr type="primFontSz" for="des" forName="oChild" refType="primFontSz" refFor="des" refForName="mChild" op="equ"/>
-                  <dgm:constr type="primFontSz" for="des" forName="cChild" refType="primFontSz" refFor="des" refForName="mChild" op="equ"/>
-                  <dgm:constr type="l" for="ch" forName="outerBox"/>
-                  <dgm:constr type="t" for="ch" forName="outerBox"/>
-                  <dgm:constr type="w" for="ch" forName="outerBox" refType="w"/>
-                  <dgm:constr type="h" for="ch" forName="outerBox" refType="h"/>
-                  <dgm:constr type="l" for="ch" forName="middleBox" refType="w" fact="0.025"/>
-                  <dgm:constr type="t" for="ch" forName="middleBox" refType="h" fact="0.25"/>
-                  <dgm:constr type="w" for="ch" forName="middleBox" refType="w" fact="0.95"/>
-                  <dgm:constr type="h" for="ch" forName="middleBox" refType="h" fact="0.7"/>
-                  <dgm:constr type="l" for="ch" forName="centerBox" refType="w" fact="0.26"/>
-                  <dgm:constr type="t" for="ch" forName="centerBox" refType="h" fact="0.5"/>
-                  <dgm:constr type="w" for="ch" forName="centerBox" refType="w" fact="0.69"/>
-                  <dgm:constr type="h" for="ch" forName="centerBox" refType="h" fact="0.4"/>
-                  <dgm:constr type="userA" for="des" forName="outerSibTrans" refType="w"/>
-                  <dgm:constr type="userA" for="des" forName="middleSibTrans" refType="w"/>
-                  <dgm:constr type="userA" for="des" forName="centerSibTrans" refType="w"/>
-                </dgm:constrLst>
-              </dgm:if>
-              <dgm:else name="Name11">
-                <dgm:constrLst>
-                  <dgm:constr type="primFontSz" for="des" forName="middleBoxParent" val="65"/>
-                  <dgm:constr type="primFontSz" for="des" forName="mChild" val="65"/>
-                  <dgm:constr type="primFontSz" for="des" forName="outerBoxParent" refType="primFontSz" refFor="des" refForName="middleBoxParent" op="equ"/>
-                  <dgm:constr type="primFontSz" for="des" forName="centerBoxParent" refType="primFontSz" refFor="des" refForName="middleBoxParent" op="equ"/>
-                  <dgm:constr type="primFontSz" for="des" forName="oChild" refType="primFontSz" refFor="des" refForName="mChild" op="equ"/>
-                  <dgm:constr type="primFontSz" for="des" forName="cChild" refType="primFontSz" refFor="des" refForName="mChild" op="equ"/>
-                  <dgm:constr type="l" for="ch" forName="outerBox"/>
-                  <dgm:constr type="t" for="ch" forName="outerBox"/>
-                  <dgm:constr type="w" for="ch" forName="outerBox" refType="w"/>
-                  <dgm:constr type="h" for="ch" forName="outerBox" refType="h"/>
-                  <dgm:constr type="l" for="ch" forName="middleBox" refType="w" fact="0.025"/>
-                  <dgm:constr type="t" for="ch" forName="middleBox" refType="h" fact="0.25"/>
-                  <dgm:constr type="w" for="ch" forName="middleBox" refType="w" fact="0.95"/>
-                  <dgm:constr type="h" for="ch" forName="middleBox" refType="h" fact="0.7"/>
-                  <dgm:constr type="l" for="ch" forName="centerBox" refType="w" fact="0.05"/>
-                  <dgm:constr type="t" for="ch" forName="centerBox" refType="h" fact="0.5"/>
-                  <dgm:constr type="w" for="ch" forName="centerBox" refType="w" fact="0.9"/>
-                  <dgm:constr type="h" for="ch" forName="centerBox" refType="h" fact="0.4"/>
-                  <dgm:constr type="userA" for="des" forName="outerSibTrans" refType="w"/>
-                  <dgm:constr type="userA" for="des" forName="middleSibTrans" refType="w"/>
-                  <dgm:constr type="userA" for="des" forName="centerSibTrans" refType="w"/>
-                </dgm:constrLst>
-              </dgm:else>
-            </dgm:choose>
-          </dgm:else>
-        </dgm:choose>
-      </dgm:if>
-      <dgm:else name="Name12">
-        <dgm:choose name="Name13">
-          <dgm:if name="Name14" axis="ch ch" ptType="node node" st="1 1" cnt="1 0" func="cnt" op="gt" val="0">
-            <dgm:choose name="Name15">
-              <dgm:if name="Name16" axis="ch ch" ptType="node node" st="2 1" cnt="1 0" func="cnt" op="gt" val="0">
-                <dgm:constrLst>
-                  <dgm:constr type="primFontSz" for="des" forName="middleBoxParent" val="65"/>
-                  <dgm:constr type="primFontSz" for="des" forName="mChild" val="65"/>
-                  <dgm:constr type="primFontSz" for="des" forName="outerBoxParent" refType="primFontSz" refFor="des" refForName="middleBoxParent" op="equ"/>
-                  <dgm:constr type="primFontSz" for="des" forName="centerBoxParent" refType="primFontSz" refFor="des" refForName="middleBoxParent" op="equ"/>
-                  <dgm:constr type="primFontSz" for="des" forName="oChild" refType="primFontSz" refFor="des" refForName="mChild" op="equ"/>
-                  <dgm:constr type="primFontSz" for="des" forName="cChild" refType="primFontSz" refFor="des" refForName="mChild" op="equ"/>
-                  <dgm:constr type="l" for="ch" forName="outerBox"/>
-                  <dgm:constr type="t" for="ch" forName="outerBox"/>
-                  <dgm:constr type="w" for="ch" forName="outerBox" refType="w"/>
-                  <dgm:constr type="h" for="ch" forName="outerBox" refType="h"/>
-                  <dgm:constr type="l" for="ch" forName="middleBox" refType="w" fact="0.025"/>
-                  <dgm:constr type="t" for="ch" forName="middleBox" refType="h" fact="0.25"/>
-                  <dgm:constr type="w" for="ch" forName="middleBox" refType="w" fact="0.775"/>
-                  <dgm:constr type="h" for="ch" forName="middleBox" refType="h" fact="0.7"/>
-                  <dgm:constr type="l" for="ch" forName="centerBox" refType="w" fact="0.05"/>
-                  <dgm:constr type="t" for="ch" forName="centerBox" refType="h" fact="0.5"/>
-                  <dgm:constr type="w" for="ch" forName="centerBox" refType="w" fact="0.55"/>
-                  <dgm:constr type="h" for="ch" forName="centerBox" refType="h" fact="0.4"/>
-                  <dgm:constr type="userA" for="des" forName="outerSibTrans" refType="w"/>
-                  <dgm:constr type="userA" for="des" forName="middleSibTrans" refType="w"/>
-                  <dgm:constr type="userA" for="des" forName="centerSibTrans" refType="w"/>
-                </dgm:constrLst>
-              </dgm:if>
-              <dgm:else name="Name17">
-                <dgm:constrLst>
-                  <dgm:constr type="primFontSz" for="des" forName="middleBoxParent" val="65"/>
-                  <dgm:constr type="primFontSz" for="des" forName="mChild" val="65"/>
-                  <dgm:constr type="primFontSz" for="des" forName="outerBoxParent" refType="primFontSz" refFor="des" refForName="middleBoxParent" op="equ"/>
-                  <dgm:constr type="primFontSz" for="des" forName="centerBoxParent" refType="primFontSz" refFor="des" refForName="middleBoxParent" op="equ"/>
-                  <dgm:constr type="primFontSz" for="des" forName="oChild" refType="primFontSz" refFor="des" refForName="mChild" op="equ"/>
-                  <dgm:constr type="primFontSz" for="des" forName="cChild" refType="primFontSz" refFor="des" refForName="mChild" op="equ"/>
-                  <dgm:constr type="l" for="ch" forName="outerBox"/>
-                  <dgm:constr type="t" for="ch" forName="outerBox"/>
-                  <dgm:constr type="w" for="ch" forName="outerBox" refType="w"/>
-                  <dgm:constr type="h" for="ch" forName="outerBox" refType="h"/>
-                  <dgm:constr type="l" for="ch" forName="middleBox" refType="w" fact="0.025"/>
-                  <dgm:constr type="t" for="ch" forName="middleBox" refType="h" fact="0.25"/>
-                  <dgm:constr type="w" for="ch" forName="middleBox" refType="w" fact="0.775"/>
-                  <dgm:constr type="h" for="ch" forName="middleBox" refType="h" fact="0.7"/>
-                  <dgm:constr type="l" for="ch" forName="centerBox" refType="w" fact="0.05"/>
-                  <dgm:constr type="t" for="ch" forName="centerBox" refType="h" fact="0.5"/>
-                  <dgm:constr type="w" for="ch" forName="centerBox" refType="w" fact="0.725"/>
-                  <dgm:constr type="h" for="ch" forName="centerBox" refType="h" fact="0.4"/>
-                  <dgm:constr type="userA" for="des" forName="outerSibTrans" refType="w"/>
-                  <dgm:constr type="userA" for="des" forName="middleSibTrans" refType="w"/>
-                  <dgm:constr type="userA" for="des" forName="centerSibTrans" refType="w"/>
-                </dgm:constrLst>
-              </dgm:else>
-            </dgm:choose>
-          </dgm:if>
-          <dgm:else name="Name18">
-            <dgm:choose name="Name19">
-              <dgm:if name="Name20" axis="ch ch" ptType="node node" st="2 1" cnt="1 0" func="cnt" op="gt" val="0">
-                <dgm:constrLst>
-                  <dgm:constr type="primFontSz" for="des" forName="middleBoxParent" val="65"/>
-                  <dgm:constr type="primFontSz" for="des" forName="mChild" val="65"/>
-                  <dgm:constr type="primFontSz" for="des" forName="outerBoxParent" refType="primFontSz" refFor="des" refForName="middleBoxParent" op="equ"/>
-                  <dgm:constr type="primFontSz" for="des" forName="centerBoxParent" refType="primFontSz" refFor="des" refForName="middleBoxParent" op="equ"/>
-                  <dgm:constr type="primFontSz" for="des" forName="oChild" refType="primFontSz" refFor="des" refForName="mChild" op="equ"/>
-                  <dgm:constr type="primFontSz" for="des" forName="cChild" refType="primFontSz" refFor="des" refForName="mChild" op="equ"/>
-                  <dgm:constr type="l" for="ch" forName="outerBox"/>
-                  <dgm:constr type="t" for="ch" forName="outerBox"/>
-                  <dgm:constr type="w" for="ch" forName="outerBox" refType="w"/>
-                  <dgm:constr type="h" for="ch" forName="outerBox" refType="h"/>
-                  <dgm:constr type="l" for="ch" forName="middleBox" refType="w" fact="0.025"/>
-                  <dgm:constr type="t" for="ch" forName="middleBox" refType="h" fact="0.25"/>
-                  <dgm:constr type="w" for="ch" forName="middleBox" refType="w" fact="0.95"/>
-                  <dgm:constr type="h" for="ch" forName="middleBox" refType="h" fact="0.7"/>
-                  <dgm:constr type="l" for="ch" forName="centerBox" refType="w" fact="0.05"/>
-                  <dgm:constr type="t" for="ch" forName="centerBox" refType="h" fact="0.5"/>
-                  <dgm:constr type="w" for="ch" forName="centerBox" refType="w" fact="0.69"/>
-                  <dgm:constr type="h" for="ch" forName="centerBox" refType="h" fact="0.4"/>
-                  <dgm:constr type="userA" for="des" forName="outerSibTrans" refType="w"/>
-                  <dgm:constr type="userA" for="des" forName="middleSibTrans" refType="w"/>
-                  <dgm:constr type="userA" for="des" forName="centerSibTrans" refType="w"/>
-                </dgm:constrLst>
-              </dgm:if>
-              <dgm:else name="Name21">
-                <dgm:constrLst>
-                  <dgm:constr type="primFontSz" for="des" forName="middleBoxParent" val="65"/>
-                  <dgm:constr type="primFontSz" for="des" forName="mChild" val="65"/>
-                  <dgm:constr type="primFontSz" for="des" forName="outerBoxParent" refType="primFontSz" refFor="des" refForName="middleBoxParent" op="equ"/>
-                  <dgm:constr type="primFontSz" for="des" forName="centerBoxParent" refType="primFontSz" refFor="des" refForName="middleBoxParent" op="equ"/>
-                  <dgm:constr type="primFontSz" for="des" forName="oChild" refType="primFontSz" refFor="des" refForName="mChild" op="equ"/>
-                  <dgm:constr type="primFontSz" for="des" forName="cChild" refType="primFontSz" refFor="des" refForName="mChild" op="equ"/>
-                  <dgm:constr type="l" for="ch" forName="outerBox"/>
-                  <dgm:constr type="t" for="ch" forName="outerBox"/>
-                  <dgm:constr type="w" for="ch" forName="outerBox" refType="w"/>
-                  <dgm:constr type="h" for="ch" forName="outerBox" refType="h"/>
-                  <dgm:constr type="l" for="ch" forName="middleBox" refType="w" fact="0.025"/>
-                  <dgm:constr type="t" for="ch" forName="middleBox" refType="h" fact="0.25"/>
-                  <dgm:constr type="w" for="ch" forName="middleBox" refType="w" fact="0.95"/>
-                  <dgm:constr type="h" for="ch" forName="middleBox" refType="h" fact="0.7"/>
-                  <dgm:constr type="l" for="ch" forName="centerBox" refType="w" fact="0.05"/>
-                  <dgm:constr type="t" for="ch" forName="centerBox" refType="h" fact="0.5"/>
-                  <dgm:constr type="w" for="ch" forName="centerBox" refType="w" fact="0.9"/>
-                  <dgm:constr type="h" for="ch" forName="centerBox" refType="h" fact="0.4"/>
-                  <dgm:constr type="userA" for="des" forName="outerSibTrans" refType="w"/>
-                  <dgm:constr type="userA" for="des" forName="middleSibTrans" refType="w"/>
-                  <dgm:constr type="userA" for="des" forName="centerSibTrans" refType="w"/>
-                </dgm:constrLst>
-              </dgm:else>
-            </dgm:choose>
-          </dgm:else>
-        </dgm:choose>
-      </dgm:else>
-    </dgm:choose>
-    <dgm:ruleLst/>
-    <dgm:choose name="Name22">
-      <dgm:if name="Name23" axis="root ch" ptType="all node" st="1 1" cnt="0 0" func="cnt" op="gte" val="1">
-        <dgm:layoutNode name="outerBox" styleLbl="node1">
-          <dgm:alg type="composite">
-            <dgm:param type="horzAlign" val="none"/>
-            <dgm:param type="vertAlign" val="none"/>
-          </dgm:alg>
-          <dgm:shape xmlns:r="http://schemas.openxmlformats.org/officeDocument/2006/relationships" r:blip="">
-            <dgm:adjLst/>
-          </dgm:shape>
-          <dgm:presOf/>
-          <dgm:choose name="Name24">
-            <dgm:if name="Name25" axis="root ch" ptType="all node" st="1 1" cnt="0 0" func="cnt" op="gt" val="1">
-              <dgm:choose name="Name26">
-                <dgm:if name="Name27" func="var" arg="dir" op="equ" val="norm">
-                  <dgm:constrLst>
-                    <dgm:constr type="l" for="ch" forName="outerBoxParent"/>
-                    <dgm:constr type="t" for="ch" forName="outerBoxParent"/>
-                    <dgm:constr type="w" for="ch" forName="outerBoxParent" refType="w"/>
-                    <dgm:constr type="h" for="ch" forName="outerBoxParent" refType="h"/>
-                    <dgm:constr type="bMarg" for="ch" forName="outerBoxParent" refType="h" fact="2.2"/>
-                    <dgm:constr type="l" for="ch" forName="outerBoxChildren" refType="w" fact="0.025"/>
-                    <dgm:constr type="t" for="ch" forName="outerBoxChildren" refType="h" fact="0.25"/>
-                    <dgm:constr type="w" for="ch" forName="outerBoxChildren" refType="w" fact="0.15"/>
-                    <dgm:constr type="h" for="ch" forName="outerBoxChildren" refType="h" fact="0.7"/>
-                  </dgm:constrLst>
-                </dgm:if>
-                <dgm:else name="Name28">
-                  <dgm:constrLst>
-                    <dgm:constr type="l" for="ch" forName="outerBoxParent"/>
-                    <dgm:constr type="t" for="ch" forName="outerBoxParent"/>
-                    <dgm:constr type="w" for="ch" forName="outerBoxParent" refType="w"/>
-                    <dgm:constr type="h" for="ch" forName="outerBoxParent" refType="h"/>
-                    <dgm:constr type="bMarg" for="ch" forName="outerBoxParent" refType="h" fact="2.2"/>
-                    <dgm:constr type="l" for="ch" forName="outerBoxChildren" refType="w" fact="0.825"/>
-                    <dgm:constr type="t" for="ch" forName="outerBoxChildren" refType="h" fact="0.25"/>
-                    <dgm:constr type="w" for="ch" forName="outerBoxChildren" refType="w" fact="0.15"/>
-                    <dgm:constr type="h" for="ch" forName="outerBoxChildren" refType="h" fact="0.7"/>
-                  </dgm:constrLst>
-                </dgm:else>
-              </dgm:choose>
-            </dgm:if>
-            <dgm:else name="Name29">
-              <dgm:constrLst>
-                <dgm:constr type="l" for="ch" forName="outerBoxParent"/>
-                <dgm:constr type="t" for="ch" forName="outerBoxParent"/>
-                <dgm:constr type="w" for="ch" forName="outerBoxParent" refType="w"/>
-                <dgm:constr type="h" for="ch" forName="outerBoxParent" refType="h"/>
-                <dgm:constr type="bMarg" for="ch" forName="outerBoxParent" refType="h" fact="1.75"/>
-                <dgm:constr type="l" for="ch" forName="outerBoxChildren" refType="w" fact="0.025"/>
-                <dgm:constr type="t" for="ch" forName="outerBoxChildren" refType="h" fact="0.45"/>
-                <dgm:constr type="w" for="ch" forName="outerBoxChildren" refType="w" fact="0.95"/>
-                <dgm:constr type="h" for="ch" forName="outerBoxChildren" refType="h" fact="0.45"/>
-              </dgm:constrLst>
-            </dgm:else>
-          </dgm:choose>
-          <dgm:ruleLst/>
-          <dgm:layoutNode name="outerBoxParent" styleLbl="node1">
-            <dgm:alg type="tx">
-              <dgm:param type="txAnchorVert" val="t"/>
-              <dgm:param type="parTxLTRAlign" val="l"/>
-              <dgm:param type="parTxRTLAlign" val="r"/>
-            </dgm:alg>
-            <dgm:shape xmlns:r="http://schemas.openxmlformats.org/officeDocument/2006/relationships" type="roundRect" r:blip="">
-              <dgm:adjLst>
-                <dgm:adj idx="1" val="0.085"/>
-              </dgm:adjLst>
-            </dgm:shape>
-            <dgm:presOf axis="ch" ptType="node" cnt="1"/>
-            <dgm:constrLst>
-              <dgm:constr type="tMarg" refType="primFontSz" fact="0.3"/>
-              <dgm:constr type="lMarg" refType="primFontSz" fact="0.3"/>
-              <dgm:constr type="rMarg" refType="primFontSz" fact="0.3"/>
-            </dgm:constrLst>
-            <dgm:ruleLst>
-              <dgm:rule type="primFontSz" val="5" fact="NaN" max="NaN"/>
-            </dgm:ruleLst>
-          </dgm:layoutNode>
-          <dgm:layoutNode name="outerBoxChildren">
-            <dgm:choose name="Name30">
-              <dgm:if name="Name31" axis="root ch" ptType="all node" st="1 1" cnt="0 0" func="cnt" op="gt" val="1">
-                <dgm:alg type="lin">
-                  <dgm:param type="linDir" val="fromT"/>
-                  <dgm:param type="vertAlign" val="t"/>
-                </dgm:alg>
-              </dgm:if>
-              <dgm:else name="Name32">
-                <dgm:choose name="Name33">
-                  <dgm:if name="Name34" func="var" arg="dir" op="equ" val="norm">
-                    <dgm:alg type="lin">
-                      <dgm:param type="horzAlign" val="l"/>
-                    </dgm:alg>
-                  </dgm:if>
-                  <dgm:else name="Name35">
-                    <dgm:alg type="lin">
-                      <dgm:param type="linDir" val="fromR"/>
-                      <dgm:param type="horzAlign" val="r"/>
-                    </dgm:alg>
-                  </dgm:else>
-                </dgm:choose>
-              </dgm:else>
-            </dgm:choose>
-            <dgm:shape xmlns:r="http://schemas.openxmlformats.org/officeDocument/2006/relationships" r:blip="">
-              <dgm:adjLst/>
-            </dgm:shape>
-            <dgm:presOf/>
-            <dgm:constrLst>
-              <dgm:constr type="w" for="ch" forName="oChild" refType="w"/>
-              <dgm:constr type="h" for="ch" forName="oChild" refType="h"/>
-            </dgm:constrLst>
-            <dgm:ruleLst/>
-            <dgm:forEach name="Name36" axis="ch ch" ptType="node node" st="1 1" cnt="1 0">
-              <dgm:layoutNode name="oChild" styleLbl="fgAcc1">
-                <dgm:varLst>
-                  <dgm:bulletEnabled val="1"/>
-                </dgm:varLst>
-                <dgm:alg type="tx"/>
-                <dgm:shape xmlns:r="http://schemas.openxmlformats.org/officeDocument/2006/relationships" type="roundRect" r:blip="">
-                  <dgm:adjLst>
-                    <dgm:adj idx="1" val="0.105"/>
-                  </dgm:adjLst>
-                </dgm:shape>
-                <dgm:presOf axis="desOrSelf" ptType="node"/>
-                <dgm:constrLst>
-                  <dgm:constr type="tMarg" refType="primFontSz" fact="0.3"/>
-                  <dgm:constr type="bMarg" refType="primFontSz" fact="0.3"/>
-                  <dgm:constr type="lMarg" refType="primFontSz" fact="0.3"/>
-                  <dgm:constr type="rMarg" refType="primFontSz" fact="0.3"/>
-                </dgm:constrLst>
-                <dgm:ruleLst>
-                  <dgm:rule type="primFontSz" val="5" fact="NaN" max="NaN"/>
-                </dgm:ruleLst>
-              </dgm:layoutNode>
-              <dgm:forEach name="Name37" axis="followSib" ptType="sibTrans" cnt="1">
-                <dgm:layoutNode name="outerSibTrans">
-                  <dgm:alg type="sp"/>
-                  <dgm:shape xmlns:r="http://schemas.openxmlformats.org/officeDocument/2006/relationships" r:blip="">
-                    <dgm:adjLst/>
-                  </dgm:shape>
-                  <dgm:presOf/>
-                  <dgm:constrLst>
-                    <dgm:constr type="userA"/>
-                    <dgm:constr type="w" refType="userA" fact="0.015"/>
-                    <dgm:constr type="h" refType="userA" fact="0.015"/>
-                  </dgm:constrLst>
-                  <dgm:ruleLst/>
-                </dgm:layoutNode>
-              </dgm:forEach>
-            </dgm:forEach>
-          </dgm:layoutNode>
-        </dgm:layoutNode>
-      </dgm:if>
-      <dgm:else name="Name38"/>
-    </dgm:choose>
-    <dgm:choose name="Name39">
-      <dgm:if name="Name40" axis="root ch" ptType="all node" st="1 1" cnt="0 0" func="cnt" op="gte" val="2">
-        <dgm:layoutNode name="middleBox">
-          <dgm:alg type="composite">
-            <dgm:param type="horzAlign" val="none"/>
-            <dgm:param type="vertAlign" val="none"/>
-          </dgm:alg>
-          <dgm:shape xmlns:r="http://schemas.openxmlformats.org/officeDocument/2006/relationships" r:blip="">
-            <dgm:adjLst/>
-          </dgm:shape>
-          <dgm:presOf/>
-          <dgm:choose name="Name41">
-            <dgm:if name="Name42" axis="root ch" ptType="all node" st="1 1" cnt="0 0" func="cnt" op="gt" val="2">
-              <dgm:choose name="Name43">
-                <dgm:if name="Name44" func="var" arg="dir" op="equ" val="norm">
-                  <dgm:constrLst>
-                    <dgm:constr type="l" for="ch" forName="middleBoxParent"/>
-                    <dgm:constr type="t" for="ch" forName="middleBoxParent"/>
-                    <dgm:constr type="w" for="ch" forName="middleBoxParent" refType="w"/>
-                    <dgm:constr type="h" for="ch" forName="middleBoxParent" refType="h"/>
-                    <dgm:constr type="bMarg" for="ch" forName="middleBoxParent" refType="h" fact="1.8"/>
-                    <dgm:constr type="l" for="ch" forName="middleBoxChildren" refType="w" fact="0.025"/>
-                    <dgm:constr type="t" for="ch" forName="middleBoxChildren" refType="h" fact="0.35"/>
-                    <dgm:constr type="w" for="ch" forName="middleBoxChildren" refType="w" fact="0.2"/>
-                    <dgm:constr type="h" for="ch" forName="middleBoxChildren" refType="h" fact="0.575"/>
-                  </dgm:constrLst>
-                </dgm:if>
-                <dgm:else name="Name45">
-                  <dgm:constrLst>
-                    <dgm:constr type="l" for="ch" forName="middleBoxParent"/>
-                    <dgm:constr type="t" for="ch" forName="middleBoxParent"/>
-                    <dgm:constr type="w" for="ch" forName="middleBoxParent" refType="w"/>
-                    <dgm:constr type="h" for="ch" forName="middleBoxParent" refType="h"/>
-                    <dgm:constr type="bMarg" for="ch" forName="middleBoxParent" refType="h" fact="1.8"/>
-                    <dgm:constr type="l" for="ch" forName="middleBoxChildren" refType="w" fact="0.775"/>
-                    <dgm:constr type="t" for="ch" forName="middleBoxChildren" refType="h" fact="0.35"/>
-                    <dgm:constr type="w" for="ch" forName="middleBoxChildren" refType="w" fact="0.2"/>
-                    <dgm:constr type="h" for="ch" forName="middleBoxChildren" refType="h" fact="0.575"/>
-                  </dgm:constrLst>
-                </dgm:else>
-              </dgm:choose>
-            </dgm:if>
-            <dgm:else name="Name46">
-              <dgm:constrLst>
-                <dgm:constr type="l" for="ch" forName="middleBoxParent"/>
-                <dgm:constr type="t" for="ch" forName="middleBoxParent"/>
-                <dgm:constr type="w" for="ch" forName="middleBoxParent" refType="w"/>
-                <dgm:constr type="h" for="ch" forName="middleBoxParent" refType="h"/>
-                <dgm:constr type="bMarg" for="ch" forName="middleBoxParent" refType="h" fact="1.8"/>
-                <dgm:constr type="l" for="ch" forName="middleBoxChildren" refType="w" fact="0.025"/>
-                <dgm:constr type="t" for="ch" forName="middleBoxChildren" refType="h" fact="0.45"/>
-                <dgm:constr type="w" for="ch" forName="middleBoxChildren" refType="w" fact="0.95"/>
-                <dgm:constr type="h" for="ch" forName="middleBoxChildren" refType="h" fact="0.45"/>
-              </dgm:constrLst>
-            </dgm:else>
-          </dgm:choose>
-          <dgm:ruleLst/>
-          <dgm:layoutNode name="middleBoxParent" styleLbl="node1">
-            <dgm:alg type="tx">
-              <dgm:param type="txAnchorVert" val="t"/>
-              <dgm:param type="parTxLTRAlign" val="l"/>
-              <dgm:param type="parTxRTLAlign" val="r"/>
-            </dgm:alg>
-            <dgm:shape xmlns:r="http://schemas.openxmlformats.org/officeDocument/2006/relationships" type="roundRect" r:blip="">
-              <dgm:adjLst>
-                <dgm:adj idx="1" val="0.105"/>
-              </dgm:adjLst>
-            </dgm:shape>
-            <dgm:presOf axis="ch" ptType="node" st="2" cnt="1"/>
-            <dgm:constrLst>
-              <dgm:constr type="tMarg" refType="primFontSz" fact="0.3"/>
-              <dgm:constr type="lMarg" refType="primFontSz" fact="0.3"/>
-              <dgm:constr type="rMarg" refType="primFontSz" fact="0.3"/>
-            </dgm:constrLst>
-            <dgm:ruleLst>
-              <dgm:rule type="primFontSz" val="5" fact="NaN" max="NaN"/>
-            </dgm:ruleLst>
-          </dgm:layoutNode>
-          <dgm:layoutNode name="middleBoxChildren">
-            <dgm:choose name="Name47">
-              <dgm:if name="Name48" axis="root ch" ptType="all node" st="1 1" cnt="0 0" func="cnt" op="gt" val="2">
-                <dgm:alg type="lin">
-                  <dgm:param type="linDir" val="fromT"/>
-                  <dgm:param type="vertAlign" val="t"/>
-                </dgm:alg>
-              </dgm:if>
-              <dgm:else name="Name49">
-                <dgm:choose name="Name50">
-                  <dgm:if name="Name51" func="var" arg="dir" op="equ" val="norm">
-                    <dgm:alg type="lin">
-                      <dgm:param type="horzAlign" val="l"/>
-                    </dgm:alg>
-                  </dgm:if>
-                  <dgm:else name="Name52">
-                    <dgm:alg type="lin">
-                      <dgm:param type="linDir" val="fromR"/>
-                      <dgm:param type="horzAlign" val="r"/>
-                    </dgm:alg>
-                  </dgm:else>
-                </dgm:choose>
-              </dgm:else>
-            </dgm:choose>
-            <dgm:shape xmlns:r="http://schemas.openxmlformats.org/officeDocument/2006/relationships" r:blip="">
-              <dgm:adjLst/>
-            </dgm:shape>
-            <dgm:presOf/>
-            <dgm:constrLst>
-              <dgm:constr type="w" for="ch" forName="mChild" refType="w"/>
-              <dgm:constr type="h" for="ch" forName="mChild" refType="h"/>
-            </dgm:constrLst>
-            <dgm:ruleLst/>
-            <dgm:forEach name="Name53" axis="ch ch" ptType="node node" st="2 1" cnt="1 0">
-              <dgm:layoutNode name="mChild" styleLbl="fgAcc1">
-                <dgm:varLst>
-                  <dgm:bulletEnabled val="1"/>
-                </dgm:varLst>
-                <dgm:alg type="tx"/>
-                <dgm:shape xmlns:r="http://schemas.openxmlformats.org/officeDocument/2006/relationships" type="roundRect" r:blip="">
-                  <dgm:adjLst>
-                    <dgm:adj idx="1" val="0.105"/>
-                  </dgm:adjLst>
-                </dgm:shape>
-                <dgm:presOf axis="desOrSelf" ptType="node"/>
-                <dgm:constrLst>
-                  <dgm:constr type="tMarg" refType="primFontSz" fact="0.3"/>
-                  <dgm:constr type="bMarg" refType="primFontSz" fact="0.3"/>
-                  <dgm:constr type="lMarg" refType="primFontSz" fact="0.3"/>
-                  <dgm:constr type="rMarg" refType="primFontSz" fact="0.3"/>
-                </dgm:constrLst>
-                <dgm:ruleLst>
-                  <dgm:rule type="primFontSz" val="5" fact="NaN" max="NaN"/>
-                </dgm:ruleLst>
-              </dgm:layoutNode>
-              <dgm:forEach name="Name54" axis="followSib" ptType="sibTrans" cnt="1">
-                <dgm:layoutNode name="middleSibTrans">
-                  <dgm:alg type="sp"/>
-                  <dgm:shape xmlns:r="http://schemas.openxmlformats.org/officeDocument/2006/relationships" r:blip="">
-                    <dgm:adjLst/>
-                  </dgm:shape>
-                  <dgm:presOf/>
-                  <dgm:constrLst>
-                    <dgm:constr type="userA"/>
-                    <dgm:constr type="w" refType="userA" fact="0.015"/>
-                    <dgm:constr type="h" refType="userA" fact="0.015"/>
-                  </dgm:constrLst>
-                  <dgm:ruleLst/>
-                </dgm:layoutNode>
-              </dgm:forEach>
-            </dgm:forEach>
-          </dgm:layoutNode>
-        </dgm:layoutNode>
-      </dgm:if>
-      <dgm:else name="Name55"/>
-    </dgm:choose>
-    <dgm:choose name="Name56">
-      <dgm:if name="Name57" axis="root ch" ptType="all node" st="1 1" cnt="0 0" func="cnt" op="gte" val="3">
-        <dgm:layoutNode name="centerBox">
-          <dgm:alg type="composite">
-            <dgm:param type="horzAlign" val="none"/>
-            <dgm:param type="vertAlign" val="none"/>
-          </dgm:alg>
-          <dgm:shape xmlns:r="http://schemas.openxmlformats.org/officeDocument/2006/relationships" r:blip="">
-            <dgm:adjLst/>
-          </dgm:shape>
-          <dgm:presOf/>
-          <dgm:choose name="Name58">
-            <dgm:if name="Name59" axis="ch ch" ptType="node node" st="3 1" cnt="1 0" func="cnt" op="gt" val="0">
-              <dgm:constrLst>
-                <dgm:constr type="l" for="ch" forName="centerBoxParent"/>
-                <dgm:constr type="t" for="ch" forName="centerBoxParent"/>
-                <dgm:constr type="w" for="ch" forName="centerBoxParent" refType="w"/>
-                <dgm:constr type="h" for="ch" forName="centerBoxParent" refType="h"/>
-                <dgm:constr type="bMarg" for="ch" forName="centerBoxParent" refType="h" fact="1.6"/>
-                <dgm:constr type="l" for="ch" forName="centerBoxChildren" refType="w" fact="0.025"/>
-                <dgm:constr type="t" for="ch" forName="centerBoxChildren" refType="h" fact="0.45"/>
-                <dgm:constr type="w" for="ch" forName="centerBoxChildren" refType="w" fact="0.95"/>
-                <dgm:constr type="h" for="ch" forName="centerBoxChildren" refType="h" fact="0.45"/>
-              </dgm:constrLst>
-            </dgm:if>
-            <dgm:else name="Name60">
-              <dgm:constrLst>
-                <dgm:constr type="l" for="ch" forName="centerBoxParent"/>
-                <dgm:constr type="t" for="ch" forName="centerBoxParent"/>
-                <dgm:constr type="w" for="ch" forName="centerBoxParent" refType="w"/>
-                <dgm:constr type="h" for="ch" forName="centerBoxParent" refType="h"/>
-              </dgm:constrLst>
-            </dgm:else>
-          </dgm:choose>
-          <dgm:ruleLst/>
-          <dgm:layoutNode name="centerBoxParent" styleLbl="node1">
-            <dgm:alg type="tx">
-              <dgm:param type="txAnchorVert" val="t"/>
-              <dgm:param type="parTxLTRAlign" val="l"/>
-              <dgm:param type="parTxRTLAlign" val="r"/>
-            </dgm:alg>
-            <dgm:shape xmlns:r="http://schemas.openxmlformats.org/officeDocument/2006/relationships" type="roundRect" r:blip="">
-              <dgm:adjLst>
-                <dgm:adj idx="1" val="0.105"/>
-              </dgm:adjLst>
-            </dgm:shape>
-            <dgm:presOf axis="ch" ptType="node" st="3" cnt="1"/>
-            <dgm:constrLst>
-              <dgm:constr type="tMarg" refType="primFontSz" fact="0.3"/>
-              <dgm:constr type="lMarg" refType="primFontSz" fact="0.3"/>
-              <dgm:constr type="rMarg" refType="primFontSz" fact="0.3"/>
-            </dgm:constrLst>
-            <dgm:ruleLst>
-              <dgm:rule type="primFontSz" val="5" fact="NaN" max="NaN"/>
-            </dgm:ruleLst>
-          </dgm:layoutNode>
-          <dgm:choose name="Name61">
-            <dgm:if name="Name62" axis="ch ch" ptType="node node" st="3 1" cnt="1 0" func="cnt" op="gt" val="0">
-              <dgm:layoutNode name="centerBoxChildren">
-                <dgm:choose name="Name63">
-                  <dgm:if name="Name64" func="var" arg="dir" op="equ" val="norm">
-                    <dgm:alg type="lin">
-                      <dgm:param type="horzAlign" val="l"/>
-                    </dgm:alg>
-                  </dgm:if>
-                  <dgm:else name="Name65">
-                    <dgm:alg type="lin">
-                      <dgm:param type="linDir" val="fromR"/>
-                      <dgm:param type="horzAlign" val="r"/>
-                    </dgm:alg>
-                  </dgm:else>
-                </dgm:choose>
-                <dgm:shape xmlns:r="http://schemas.openxmlformats.org/officeDocument/2006/relationships" r:blip="">
-                  <dgm:adjLst/>
-                </dgm:shape>
-                <dgm:presOf/>
-                <dgm:constrLst>
-                  <dgm:constr type="w" for="ch" forName="cChild" refType="w"/>
-                  <dgm:constr type="h" for="ch" forName="cChild" refType="h"/>
-                </dgm:constrLst>
-                <dgm:ruleLst/>
-                <dgm:forEach name="Name66" axis="ch ch" ptType="node node" st="3 1" cnt="1 0">
-                  <dgm:layoutNode name="cChild" styleLbl="fgAcc1">
-                    <dgm:varLst>
-                      <dgm:bulletEnabled val="1"/>
-                    </dgm:varLst>
-                    <dgm:alg type="tx"/>
-                    <dgm:shape xmlns:r="http://schemas.openxmlformats.org/officeDocument/2006/relationships" type="roundRect" r:blip="">
-                      <dgm:adjLst>
-                        <dgm:adj idx="1" val="0.105"/>
-                      </dgm:adjLst>
-                    </dgm:shape>
-                    <dgm:presOf axis="desOrSelf" ptType="node"/>
-                    <dgm:constrLst>
-                      <dgm:constr type="tMarg" refType="primFontSz" fact="0.3"/>
-                      <dgm:constr type="bMarg" refType="primFontSz" fact="0.3"/>
-                      <dgm:constr type="lMarg" refType="primFontSz" fact="0.3"/>
-                      <dgm:constr type="rMarg" refType="primFontSz" fact="0.3"/>
-                    </dgm:constrLst>
-                    <dgm:ruleLst>
-                      <dgm:rule type="primFontSz" val="5" fact="NaN" max="NaN"/>
-                    </dgm:ruleLst>
-                  </dgm:layoutNode>
-                  <dgm:forEach name="Name67" axis="followSib" ptType="sibTrans" cnt="1">
-                    <dgm:layoutNode name="centerSibTrans">
-                      <dgm:alg type="sp"/>
-                      <dgm:shape xmlns:r="http://schemas.openxmlformats.org/officeDocument/2006/relationships" r:blip="">
-                        <dgm:adjLst/>
-                      </dgm:shape>
-                      <dgm:presOf/>
-                      <dgm:constrLst>
-                        <dgm:constr type="userA"/>
-                        <dgm:constr type="w" refType="userA" fact="0.015"/>
-                        <dgm:constr type="h" refType="userA" fact="0.015"/>
-                      </dgm:constrLst>
-                      <dgm:ruleLst/>
-                    </dgm:layoutNode>
-                  </dgm:forEach>
-                </dgm:forEach>
-              </dgm:layoutNode>
-            </dgm:if>
-            <dgm:else name="Name68"/>
-          </dgm:choose>
-        </dgm:layoutNode>
-      </dgm:if>
-      <dgm:else name="Name69"/>
-    </dgm:choose>
-  </dgm:layoutNode>
-</dgm:layoutDef>
-</file>
-
 <file path=ppt/diagrams/layout2.xml><?xml version="1.0" encoding="utf-8"?>
 <dgm:layoutDef xmlns:dgm="http://schemas.openxmlformats.org/drawingml/2006/diagram" xmlns:a="http://schemas.openxmlformats.org/drawingml/2006/main" uniqueId="urn:microsoft.com/office/officeart/2005/8/layout/process1">
   <dgm:title val=""/>
@@ -24453,1040 +21911,6 @@
 </dgm:styleDef>
 </file>
 
-<file path=ppt/diagrams/quickStyle10.xml><?xml version="1.0" encoding="utf-8"?>
-<dgm:styleDef xmlns:dgm="http://schemas.openxmlformats.org/drawingml/2006/diagram" xmlns:a="http://schemas.openxmlformats.org/drawingml/2006/main" uniqueId="urn:microsoft.com/office/officeart/2005/8/quickstyle/simple1">
-  <dgm:title val=""/>
-  <dgm:desc val=""/>
-  <dgm:catLst>
-    <dgm:cat type="simple" pri="10100"/>
-  </dgm:catLst>
-  <dgm:scene3d>
-    <a:camera prst="orthographicFront"/>
-    <a:lightRig rig="threePt" dir="t"/>
-  </dgm:scene3d>
-  <dgm:styleLbl name="node0">
-    <dgm:scene3d>
-      <a:camera prst="orthographicFront"/>
-      <a:lightRig rig="threePt" dir="t"/>
-    </dgm:scene3d>
-    <dgm:sp3d/>
-    <dgm:txPr/>
-    <dgm:style>
-      <a:lnRef idx="2">
-        <a:scrgbClr r="0" g="0" b="0"/>
-      </a:lnRef>
-      <a:fillRef idx="1">
-        <a:scrgbClr r="0" g="0" b="0"/>
-      </a:fillRef>
-      <a:effectRef idx="0">
-        <a:scrgbClr r="0" g="0" b="0"/>
-      </a:effectRef>
-      <a:fontRef idx="minor">
-        <a:schemeClr val="lt1"/>
-      </a:fontRef>
-    </dgm:style>
-  </dgm:styleLbl>
-  <dgm:styleLbl name="lnNode1">
-    <dgm:scene3d>
-      <a:camera prst="orthographicFront"/>
-      <a:lightRig rig="threePt" dir="t"/>
-    </dgm:scene3d>
-    <dgm:sp3d/>
-    <dgm:txPr/>
-    <dgm:style>
-      <a:lnRef idx="2">
-        <a:scrgbClr r="0" g="0" b="0"/>
-      </a:lnRef>
-      <a:fillRef idx="1">
-        <a:scrgbClr r="0" g="0" b="0"/>
-      </a:fillRef>
-      <a:effectRef idx="0">
-        <a:scrgbClr r="0" g="0" b="0"/>
-      </a:effectRef>
-      <a:fontRef idx="minor">
-        <a:schemeClr val="lt1"/>
-      </a:fontRef>
-    </dgm:style>
-  </dgm:styleLbl>
-  <dgm:styleLbl name="vennNode1">
-    <dgm:scene3d>
-      <a:camera prst="orthographicFront"/>
-      <a:lightRig rig="threePt" dir="t"/>
-    </dgm:scene3d>
-    <dgm:sp3d/>
-    <dgm:txPr/>
-    <dgm:style>
-      <a:lnRef idx="2">
-        <a:scrgbClr r="0" g="0" b="0"/>
-      </a:lnRef>
-      <a:fillRef idx="1">
-        <a:scrgbClr r="0" g="0" b="0"/>
-      </a:fillRef>
-      <a:effectRef idx="0">
-        <a:scrgbClr r="0" g="0" b="0"/>
-      </a:effectRef>
-      <a:fontRef idx="minor">
-        <a:schemeClr val="tx1"/>
-      </a:fontRef>
-    </dgm:style>
-  </dgm:styleLbl>
-  <dgm:styleLbl name="alignNode1">
-    <dgm:scene3d>
-      <a:camera prst="orthographicFront"/>
-      <a:lightRig rig="threePt" dir="t"/>
-    </dgm:scene3d>
-    <dgm:sp3d/>
-    <dgm:txPr/>
-    <dgm:style>
-      <a:lnRef idx="2">
-        <a:scrgbClr r="0" g="0" b="0"/>
-      </a:lnRef>
-      <a:fillRef idx="1">
-        <a:scrgbClr r="0" g="0" b="0"/>
-      </a:fillRef>
-      <a:effectRef idx="0">
-        <a:scrgbClr r="0" g="0" b="0"/>
-      </a:effectRef>
-      <a:fontRef idx="minor">
-        <a:schemeClr val="lt1"/>
-      </a:fontRef>
-    </dgm:style>
-  </dgm:styleLbl>
-  <dgm:styleLbl name="node1">
-    <dgm:scene3d>
-      <a:camera prst="orthographicFront"/>
-      <a:lightRig rig="threePt" dir="t"/>
-    </dgm:scene3d>
-    <dgm:sp3d/>
-    <dgm:txPr/>
-    <dgm:style>
-      <a:lnRef idx="2">
-        <a:scrgbClr r="0" g="0" b="0"/>
-      </a:lnRef>
-      <a:fillRef idx="1">
-        <a:scrgbClr r="0" g="0" b="0"/>
-      </a:fillRef>
-      <a:effectRef idx="0">
-        <a:scrgbClr r="0" g="0" b="0"/>
-      </a:effectRef>
-      <a:fontRef idx="minor">
-        <a:schemeClr val="lt1"/>
-      </a:fontRef>
-    </dgm:style>
-  </dgm:styleLbl>
-  <dgm:styleLbl name="node2">
-    <dgm:scene3d>
-      <a:camera prst="orthographicFront"/>
-      <a:lightRig rig="threePt" dir="t"/>
-    </dgm:scene3d>
-    <dgm:sp3d/>
-    <dgm:txPr/>
-    <dgm:style>
-      <a:lnRef idx="2">
-        <a:scrgbClr r="0" g="0" b="0"/>
-      </a:lnRef>
-      <a:fillRef idx="1">
-        <a:scrgbClr r="0" g="0" b="0"/>
-      </a:fillRef>
-      <a:effectRef idx="0">
-        <a:scrgbClr r="0" g="0" b="0"/>
-      </a:effectRef>
-      <a:fontRef idx="minor">
-        <a:schemeClr val="lt1"/>
-      </a:fontRef>
-    </dgm:style>
-  </dgm:styleLbl>
-  <dgm:styleLbl name="node3">
-    <dgm:scene3d>
-      <a:camera prst="orthographicFront"/>
-      <a:lightRig rig="threePt" dir="t"/>
-    </dgm:scene3d>
-    <dgm:sp3d/>
-    <dgm:txPr/>
-    <dgm:style>
-      <a:lnRef idx="2">
-        <a:scrgbClr r="0" g="0" b="0"/>
-      </a:lnRef>
-      <a:fillRef idx="1">
-        <a:scrgbClr r="0" g="0" b="0"/>
-      </a:fillRef>
-      <a:effectRef idx="0">
-        <a:scrgbClr r="0" g="0" b="0"/>
-      </a:effectRef>
-      <a:fontRef idx="minor">
-        <a:schemeClr val="lt1"/>
-      </a:fontRef>
-    </dgm:style>
-  </dgm:styleLbl>
-  <dgm:styleLbl name="node4">
-    <dgm:scene3d>
-      <a:camera prst="orthographicFront"/>
-      <a:lightRig rig="threePt" dir="t"/>
-    </dgm:scene3d>
-    <dgm:sp3d/>
-    <dgm:txPr/>
-    <dgm:style>
-      <a:lnRef idx="2">
-        <a:scrgbClr r="0" g="0" b="0"/>
-      </a:lnRef>
-      <a:fillRef idx="1">
-        <a:scrgbClr r="0" g="0" b="0"/>
-      </a:fillRef>
-      <a:effectRef idx="0">
-        <a:scrgbClr r="0" g="0" b="0"/>
-      </a:effectRef>
-      <a:fontRef idx="minor">
-        <a:schemeClr val="lt1"/>
-      </a:fontRef>
-    </dgm:style>
-  </dgm:styleLbl>
-  <dgm:styleLbl name="fgImgPlace1">
-    <dgm:scene3d>
-      <a:camera prst="orthographicFront"/>
-      <a:lightRig rig="threePt" dir="t"/>
-    </dgm:scene3d>
-    <dgm:sp3d/>
-    <dgm:txPr/>
-    <dgm:style>
-      <a:lnRef idx="2">
-        <a:scrgbClr r="0" g="0" b="0"/>
-      </a:lnRef>
-      <a:fillRef idx="1">
-        <a:scrgbClr r="0" g="0" b="0"/>
-      </a:fillRef>
-      <a:effectRef idx="0">
-        <a:scrgbClr r="0" g="0" b="0"/>
-      </a:effectRef>
-      <a:fontRef idx="minor"/>
-    </dgm:style>
-  </dgm:styleLbl>
-  <dgm:styleLbl name="alignImgPlace1">
-    <dgm:scene3d>
-      <a:camera prst="orthographicFront"/>
-      <a:lightRig rig="threePt" dir="t"/>
-    </dgm:scene3d>
-    <dgm:sp3d/>
-    <dgm:txPr/>
-    <dgm:style>
-      <a:lnRef idx="2">
-        <a:scrgbClr r="0" g="0" b="0"/>
-      </a:lnRef>
-      <a:fillRef idx="1">
-        <a:scrgbClr r="0" g="0" b="0"/>
-      </a:fillRef>
-      <a:effectRef idx="0">
-        <a:scrgbClr r="0" g="0" b="0"/>
-      </a:effectRef>
-      <a:fontRef idx="minor"/>
-    </dgm:style>
-  </dgm:styleLbl>
-  <dgm:styleLbl name="bgImgPlace1">
-    <dgm:scene3d>
-      <a:camera prst="orthographicFront"/>
-      <a:lightRig rig="threePt" dir="t"/>
-    </dgm:scene3d>
-    <dgm:sp3d/>
-    <dgm:txPr/>
-    <dgm:style>
-      <a:lnRef idx="2">
-        <a:scrgbClr r="0" g="0" b="0"/>
-      </a:lnRef>
-      <a:fillRef idx="1">
-        <a:scrgbClr r="0" g="0" b="0"/>
-      </a:fillRef>
-      <a:effectRef idx="0">
-        <a:scrgbClr r="0" g="0" b="0"/>
-      </a:effectRef>
-      <a:fontRef idx="minor"/>
-    </dgm:style>
-  </dgm:styleLbl>
-  <dgm:styleLbl name="sibTrans2D1">
-    <dgm:scene3d>
-      <a:camera prst="orthographicFront"/>
-      <a:lightRig rig="threePt" dir="t"/>
-    </dgm:scene3d>
-    <dgm:sp3d/>
-    <dgm:txPr/>
-    <dgm:style>
-      <a:lnRef idx="0">
-        <a:scrgbClr r="0" g="0" b="0"/>
-      </a:lnRef>
-      <a:fillRef idx="1">
-        <a:scrgbClr r="0" g="0" b="0"/>
-      </a:fillRef>
-      <a:effectRef idx="0">
-        <a:scrgbClr r="0" g="0" b="0"/>
-      </a:effectRef>
-      <a:fontRef idx="minor">
-        <a:schemeClr val="lt1"/>
-      </a:fontRef>
-    </dgm:style>
-  </dgm:styleLbl>
-  <dgm:styleLbl name="fgSibTrans2D1">
-    <dgm:scene3d>
-      <a:camera prst="orthographicFront"/>
-      <a:lightRig rig="threePt" dir="t"/>
-    </dgm:scene3d>
-    <dgm:sp3d/>
-    <dgm:txPr/>
-    <dgm:style>
-      <a:lnRef idx="0">
-        <a:scrgbClr r="0" g="0" b="0"/>
-      </a:lnRef>
-      <a:fillRef idx="1">
-        <a:scrgbClr r="0" g="0" b="0"/>
-      </a:fillRef>
-      <a:effectRef idx="0">
-        <a:scrgbClr r="0" g="0" b="0"/>
-      </a:effectRef>
-      <a:fontRef idx="minor">
-        <a:schemeClr val="lt1"/>
-      </a:fontRef>
-    </dgm:style>
-  </dgm:styleLbl>
-  <dgm:styleLbl name="bgSibTrans2D1">
-    <dgm:scene3d>
-      <a:camera prst="orthographicFront"/>
-      <a:lightRig rig="threePt" dir="t"/>
-    </dgm:scene3d>
-    <dgm:sp3d/>
-    <dgm:txPr/>
-    <dgm:style>
-      <a:lnRef idx="0">
-        <a:scrgbClr r="0" g="0" b="0"/>
-      </a:lnRef>
-      <a:fillRef idx="1">
-        <a:scrgbClr r="0" g="0" b="0"/>
-      </a:fillRef>
-      <a:effectRef idx="0">
-        <a:scrgbClr r="0" g="0" b="0"/>
-      </a:effectRef>
-      <a:fontRef idx="minor">
-        <a:schemeClr val="lt1"/>
-      </a:fontRef>
-    </dgm:style>
-  </dgm:styleLbl>
-  <dgm:styleLbl name="sibTrans1D1">
-    <dgm:scene3d>
-      <a:camera prst="orthographicFront"/>
-      <a:lightRig rig="threePt" dir="t"/>
-    </dgm:scene3d>
-    <dgm:sp3d/>
-    <dgm:txPr/>
-    <dgm:style>
-      <a:lnRef idx="1">
-        <a:scrgbClr r="0" g="0" b="0"/>
-      </a:lnRef>
-      <a:fillRef idx="0">
-        <a:scrgbClr r="0" g="0" b="0"/>
-      </a:fillRef>
-      <a:effectRef idx="0">
-        <a:scrgbClr r="0" g="0" b="0"/>
-      </a:effectRef>
-      <a:fontRef idx="minor"/>
-    </dgm:style>
-  </dgm:styleLbl>
-  <dgm:styleLbl name="callout">
-    <dgm:scene3d>
-      <a:camera prst="orthographicFront"/>
-      <a:lightRig rig="threePt" dir="t"/>
-    </dgm:scene3d>
-    <dgm:sp3d/>
-    <dgm:txPr/>
-    <dgm:style>
-      <a:lnRef idx="2">
-        <a:scrgbClr r="0" g="0" b="0"/>
-      </a:lnRef>
-      <a:fillRef idx="1">
-        <a:scrgbClr r="0" g="0" b="0"/>
-      </a:fillRef>
-      <a:effectRef idx="0">
-        <a:scrgbClr r="0" g="0" b="0"/>
-      </a:effectRef>
-      <a:fontRef idx="minor"/>
-    </dgm:style>
-  </dgm:styleLbl>
-  <dgm:styleLbl name="asst0">
-    <dgm:scene3d>
-      <a:camera prst="orthographicFront"/>
-      <a:lightRig rig="threePt" dir="t"/>
-    </dgm:scene3d>
-    <dgm:sp3d/>
-    <dgm:txPr/>
-    <dgm:style>
-      <a:lnRef idx="2">
-        <a:scrgbClr r="0" g="0" b="0"/>
-      </a:lnRef>
-      <a:fillRef idx="1">
-        <a:scrgbClr r="0" g="0" b="0"/>
-      </a:fillRef>
-      <a:effectRef idx="0">
-        <a:scrgbClr r="0" g="0" b="0"/>
-      </a:effectRef>
-      <a:fontRef idx="minor">
-        <a:schemeClr val="lt1"/>
-      </a:fontRef>
-    </dgm:style>
-  </dgm:styleLbl>
-  <dgm:styleLbl name="asst1">
-    <dgm:scene3d>
-      <a:camera prst="orthographicFront"/>
-      <a:lightRig rig="threePt" dir="t"/>
-    </dgm:scene3d>
-    <dgm:sp3d/>
-    <dgm:txPr/>
-    <dgm:style>
-      <a:lnRef idx="2">
-        <a:scrgbClr r="0" g="0" b="0"/>
-      </a:lnRef>
-      <a:fillRef idx="1">
-        <a:scrgbClr r="0" g="0" b="0"/>
-      </a:fillRef>
-      <a:effectRef idx="0">
-        <a:scrgbClr r="0" g="0" b="0"/>
-      </a:effectRef>
-      <a:fontRef idx="minor">
-        <a:schemeClr val="lt1"/>
-      </a:fontRef>
-    </dgm:style>
-  </dgm:styleLbl>
-  <dgm:styleLbl name="asst2">
-    <dgm:scene3d>
-      <a:camera prst="orthographicFront"/>
-      <a:lightRig rig="threePt" dir="t"/>
-    </dgm:scene3d>
-    <dgm:sp3d/>
-    <dgm:txPr/>
-    <dgm:style>
-      <a:lnRef idx="2">
-        <a:scrgbClr r="0" g="0" b="0"/>
-      </a:lnRef>
-      <a:fillRef idx="1">
-        <a:scrgbClr r="0" g="0" b="0"/>
-      </a:fillRef>
-      <a:effectRef idx="0">
-        <a:scrgbClr r="0" g="0" b="0"/>
-      </a:effectRef>
-      <a:fontRef idx="minor">
-        <a:schemeClr val="lt1"/>
-      </a:fontRef>
-    </dgm:style>
-  </dgm:styleLbl>
-  <dgm:styleLbl name="asst3">
-    <dgm:scene3d>
-      <a:camera prst="orthographicFront"/>
-      <a:lightRig rig="threePt" dir="t"/>
-    </dgm:scene3d>
-    <dgm:sp3d/>
-    <dgm:txPr/>
-    <dgm:style>
-      <a:lnRef idx="2">
-        <a:scrgbClr r="0" g="0" b="0"/>
-      </a:lnRef>
-      <a:fillRef idx="1">
-        <a:scrgbClr r="0" g="0" b="0"/>
-      </a:fillRef>
-      <a:effectRef idx="0">
-        <a:scrgbClr r="0" g="0" b="0"/>
-      </a:effectRef>
-      <a:fontRef idx="minor">
-        <a:schemeClr val="lt1"/>
-      </a:fontRef>
-    </dgm:style>
-  </dgm:styleLbl>
-  <dgm:styleLbl name="asst4">
-    <dgm:scene3d>
-      <a:camera prst="orthographicFront"/>
-      <a:lightRig rig="threePt" dir="t"/>
-    </dgm:scene3d>
-    <dgm:sp3d/>
-    <dgm:txPr/>
-    <dgm:style>
-      <a:lnRef idx="2">
-        <a:scrgbClr r="0" g="0" b="0"/>
-      </a:lnRef>
-      <a:fillRef idx="1">
-        <a:scrgbClr r="0" g="0" b="0"/>
-      </a:fillRef>
-      <a:effectRef idx="0">
-        <a:scrgbClr r="0" g="0" b="0"/>
-      </a:effectRef>
-      <a:fontRef idx="minor">
-        <a:schemeClr val="lt1"/>
-      </a:fontRef>
-    </dgm:style>
-  </dgm:styleLbl>
-  <dgm:styleLbl name="parChTrans2D1">
-    <dgm:scene3d>
-      <a:camera prst="orthographicFront"/>
-      <a:lightRig rig="threePt" dir="t"/>
-    </dgm:scene3d>
-    <dgm:sp3d/>
-    <dgm:txPr/>
-    <dgm:style>
-      <a:lnRef idx="2">
-        <a:scrgbClr r="0" g="0" b="0"/>
-      </a:lnRef>
-      <a:fillRef idx="1">
-        <a:scrgbClr r="0" g="0" b="0"/>
-      </a:fillRef>
-      <a:effectRef idx="0">
-        <a:scrgbClr r="0" g="0" b="0"/>
-      </a:effectRef>
-      <a:fontRef idx="minor">
-        <a:schemeClr val="lt1"/>
-      </a:fontRef>
-    </dgm:style>
-  </dgm:styleLbl>
-  <dgm:styleLbl name="parChTrans2D2">
-    <dgm:scene3d>
-      <a:camera prst="orthographicFront"/>
-      <a:lightRig rig="threePt" dir="t"/>
-    </dgm:scene3d>
-    <dgm:sp3d/>
-    <dgm:txPr/>
-    <dgm:style>
-      <a:lnRef idx="2">
-        <a:scrgbClr r="0" g="0" b="0"/>
-      </a:lnRef>
-      <a:fillRef idx="1">
-        <a:scrgbClr r="0" g="0" b="0"/>
-      </a:fillRef>
-      <a:effectRef idx="0">
-        <a:scrgbClr r="0" g="0" b="0"/>
-      </a:effectRef>
-      <a:fontRef idx="minor">
-        <a:schemeClr val="lt1"/>
-      </a:fontRef>
-    </dgm:style>
-  </dgm:styleLbl>
-  <dgm:styleLbl name="parChTrans2D3">
-    <dgm:scene3d>
-      <a:camera prst="orthographicFront"/>
-      <a:lightRig rig="threePt" dir="t"/>
-    </dgm:scene3d>
-    <dgm:sp3d/>
-    <dgm:txPr/>
-    <dgm:style>
-      <a:lnRef idx="2">
-        <a:scrgbClr r="0" g="0" b="0"/>
-      </a:lnRef>
-      <a:fillRef idx="1">
-        <a:scrgbClr r="0" g="0" b="0"/>
-      </a:fillRef>
-      <a:effectRef idx="0">
-        <a:scrgbClr r="0" g="0" b="0"/>
-      </a:effectRef>
-      <a:fontRef idx="minor">
-        <a:schemeClr val="lt1"/>
-      </a:fontRef>
-    </dgm:style>
-  </dgm:styleLbl>
-  <dgm:styleLbl name="parChTrans2D4">
-    <dgm:scene3d>
-      <a:camera prst="orthographicFront"/>
-      <a:lightRig rig="threePt" dir="t"/>
-    </dgm:scene3d>
-    <dgm:sp3d/>
-    <dgm:txPr/>
-    <dgm:style>
-      <a:lnRef idx="2">
-        <a:scrgbClr r="0" g="0" b="0"/>
-      </a:lnRef>
-      <a:fillRef idx="1">
-        <a:scrgbClr r="0" g="0" b="0"/>
-      </a:fillRef>
-      <a:effectRef idx="0">
-        <a:scrgbClr r="0" g="0" b="0"/>
-      </a:effectRef>
-      <a:fontRef idx="minor">
-        <a:schemeClr val="lt1"/>
-      </a:fontRef>
-    </dgm:style>
-  </dgm:styleLbl>
-  <dgm:styleLbl name="parChTrans1D1">
-    <dgm:scene3d>
-      <a:camera prst="orthographicFront"/>
-      <a:lightRig rig="threePt" dir="t"/>
-    </dgm:scene3d>
-    <dgm:sp3d/>
-    <dgm:txPr/>
-    <dgm:style>
-      <a:lnRef idx="2">
-        <a:scrgbClr r="0" g="0" b="0"/>
-      </a:lnRef>
-      <a:fillRef idx="0">
-        <a:scrgbClr r="0" g="0" b="0"/>
-      </a:fillRef>
-      <a:effectRef idx="0">
-        <a:scrgbClr r="0" g="0" b="0"/>
-      </a:effectRef>
-      <a:fontRef idx="minor"/>
-    </dgm:style>
-  </dgm:styleLbl>
-  <dgm:styleLbl name="parChTrans1D2">
-    <dgm:scene3d>
-      <a:camera prst="orthographicFront"/>
-      <a:lightRig rig="threePt" dir="t"/>
-    </dgm:scene3d>
-    <dgm:sp3d/>
-    <dgm:txPr/>
-    <dgm:style>
-      <a:lnRef idx="2">
-        <a:scrgbClr r="0" g="0" b="0"/>
-      </a:lnRef>
-      <a:fillRef idx="0">
-        <a:scrgbClr r="0" g="0" b="0"/>
-      </a:fillRef>
-      <a:effectRef idx="0">
-        <a:scrgbClr r="0" g="0" b="0"/>
-      </a:effectRef>
-      <a:fontRef idx="minor"/>
-    </dgm:style>
-  </dgm:styleLbl>
-  <dgm:styleLbl name="parChTrans1D3">
-    <dgm:scene3d>
-      <a:camera prst="orthographicFront"/>
-      <a:lightRig rig="threePt" dir="t"/>
-    </dgm:scene3d>
-    <dgm:sp3d/>
-    <dgm:txPr/>
-    <dgm:style>
-      <a:lnRef idx="2">
-        <a:scrgbClr r="0" g="0" b="0"/>
-      </a:lnRef>
-      <a:fillRef idx="0">
-        <a:scrgbClr r="0" g="0" b="0"/>
-      </a:fillRef>
-      <a:effectRef idx="0">
-        <a:scrgbClr r="0" g="0" b="0"/>
-      </a:effectRef>
-      <a:fontRef idx="minor"/>
-    </dgm:style>
-  </dgm:styleLbl>
-  <dgm:styleLbl name="parChTrans1D4">
-    <dgm:scene3d>
-      <a:camera prst="orthographicFront"/>
-      <a:lightRig rig="threePt" dir="t"/>
-    </dgm:scene3d>
-    <dgm:sp3d/>
-    <dgm:txPr/>
-    <dgm:style>
-      <a:lnRef idx="2">
-        <a:scrgbClr r="0" g="0" b="0"/>
-      </a:lnRef>
-      <a:fillRef idx="0">
-        <a:scrgbClr r="0" g="0" b="0"/>
-      </a:fillRef>
-      <a:effectRef idx="0">
-        <a:scrgbClr r="0" g="0" b="0"/>
-      </a:effectRef>
-      <a:fontRef idx="minor"/>
-    </dgm:style>
-  </dgm:styleLbl>
-  <dgm:styleLbl name="fgAcc1">
-    <dgm:scene3d>
-      <a:camera prst="orthographicFront"/>
-      <a:lightRig rig="threePt" dir="t"/>
-    </dgm:scene3d>
-    <dgm:sp3d/>
-    <dgm:txPr/>
-    <dgm:style>
-      <a:lnRef idx="2">
-        <a:scrgbClr r="0" g="0" b="0"/>
-      </a:lnRef>
-      <a:fillRef idx="1">
-        <a:scrgbClr r="0" g="0" b="0"/>
-      </a:fillRef>
-      <a:effectRef idx="0">
-        <a:scrgbClr r="0" g="0" b="0"/>
-      </a:effectRef>
-      <a:fontRef idx="minor"/>
-    </dgm:style>
-  </dgm:styleLbl>
-  <dgm:styleLbl name="conFgAcc1">
-    <dgm:scene3d>
-      <a:camera prst="orthographicFront"/>
-      <a:lightRig rig="threePt" dir="t"/>
-    </dgm:scene3d>
-    <dgm:sp3d/>
-    <dgm:txPr/>
-    <dgm:style>
-      <a:lnRef idx="2">
-        <a:scrgbClr r="0" g="0" b="0"/>
-      </a:lnRef>
-      <a:fillRef idx="1">
-        <a:scrgbClr r="0" g="0" b="0"/>
-      </a:fillRef>
-      <a:effectRef idx="0">
-        <a:scrgbClr r="0" g="0" b="0"/>
-      </a:effectRef>
-      <a:fontRef idx="minor"/>
-    </dgm:style>
-  </dgm:styleLbl>
-  <dgm:styleLbl name="alignAcc1">
-    <dgm:scene3d>
-      <a:camera prst="orthographicFront"/>
-      <a:lightRig rig="threePt" dir="t"/>
-    </dgm:scene3d>
-    <dgm:sp3d/>
-    <dgm:txPr/>
-    <dgm:style>
-      <a:lnRef idx="2">
-        <a:scrgbClr r="0" g="0" b="0"/>
-      </a:lnRef>
-      <a:fillRef idx="1">
-        <a:scrgbClr r="0" g="0" b="0"/>
-      </a:fillRef>
-      <a:effectRef idx="0">
-        <a:scrgbClr r="0" g="0" b="0"/>
-      </a:effectRef>
-      <a:fontRef idx="minor"/>
-    </dgm:style>
-  </dgm:styleLbl>
-  <dgm:styleLbl name="trAlignAcc1">
-    <dgm:scene3d>
-      <a:camera prst="orthographicFront"/>
-      <a:lightRig rig="threePt" dir="t"/>
-    </dgm:scene3d>
-    <dgm:sp3d/>
-    <dgm:txPr/>
-    <dgm:style>
-      <a:lnRef idx="1">
-        <a:scrgbClr r="0" g="0" b="0"/>
-      </a:lnRef>
-      <a:fillRef idx="1">
-        <a:scrgbClr r="0" g="0" b="0"/>
-      </a:fillRef>
-      <a:effectRef idx="0">
-        <a:scrgbClr r="0" g="0" b="0"/>
-      </a:effectRef>
-      <a:fontRef idx="minor"/>
-    </dgm:style>
-  </dgm:styleLbl>
-  <dgm:styleLbl name="bgAcc1">
-    <dgm:scene3d>
-      <a:camera prst="orthographicFront"/>
-      <a:lightRig rig="threePt" dir="t"/>
-    </dgm:scene3d>
-    <dgm:sp3d/>
-    <dgm:txPr/>
-    <dgm:style>
-      <a:lnRef idx="2">
-        <a:scrgbClr r="0" g="0" b="0"/>
-      </a:lnRef>
-      <a:fillRef idx="1">
-        <a:scrgbClr r="0" g="0" b="0"/>
-      </a:fillRef>
-      <a:effectRef idx="0">
-        <a:scrgbClr r="0" g="0" b="0"/>
-      </a:effectRef>
-      <a:fontRef idx="minor"/>
-    </dgm:style>
-  </dgm:styleLbl>
-  <dgm:styleLbl name="solidFgAcc1">
-    <dgm:scene3d>
-      <a:camera prst="orthographicFront"/>
-      <a:lightRig rig="threePt" dir="t"/>
-    </dgm:scene3d>
-    <dgm:sp3d/>
-    <dgm:txPr/>
-    <dgm:style>
-      <a:lnRef idx="2">
-        <a:scrgbClr r="0" g="0" b="0"/>
-      </a:lnRef>
-      <a:fillRef idx="1">
-        <a:scrgbClr r="0" g="0" b="0"/>
-      </a:fillRef>
-      <a:effectRef idx="0">
-        <a:scrgbClr r="0" g="0" b="0"/>
-      </a:effectRef>
-      <a:fontRef idx="minor"/>
-    </dgm:style>
-  </dgm:styleLbl>
-  <dgm:styleLbl name="solidAlignAcc1">
-    <dgm:scene3d>
-      <a:camera prst="orthographicFront"/>
-      <a:lightRig rig="threePt" dir="t"/>
-    </dgm:scene3d>
-    <dgm:sp3d/>
-    <dgm:txPr/>
-    <dgm:style>
-      <a:lnRef idx="2">
-        <a:scrgbClr r="0" g="0" b="0"/>
-      </a:lnRef>
-      <a:fillRef idx="1">
-        <a:scrgbClr r="0" g="0" b="0"/>
-      </a:fillRef>
-      <a:effectRef idx="0">
-        <a:scrgbClr r="0" g="0" b="0"/>
-      </a:effectRef>
-      <a:fontRef idx="minor"/>
-    </dgm:style>
-  </dgm:styleLbl>
-  <dgm:styleLbl name="solidBgAcc1">
-    <dgm:scene3d>
-      <a:camera prst="orthographicFront"/>
-      <a:lightRig rig="threePt" dir="t"/>
-    </dgm:scene3d>
-    <dgm:sp3d/>
-    <dgm:txPr/>
-    <dgm:style>
-      <a:lnRef idx="2">
-        <a:scrgbClr r="0" g="0" b="0"/>
-      </a:lnRef>
-      <a:fillRef idx="1">
-        <a:scrgbClr r="0" g="0" b="0"/>
-      </a:fillRef>
-      <a:effectRef idx="0">
-        <a:scrgbClr r="0" g="0" b="0"/>
-      </a:effectRef>
-      <a:fontRef idx="minor"/>
-    </dgm:style>
-  </dgm:styleLbl>
-  <dgm:styleLbl name="fgAccFollowNode1">
-    <dgm:scene3d>
-      <a:camera prst="orthographicFront"/>
-      <a:lightRig rig="threePt" dir="t"/>
-    </dgm:scene3d>
-    <dgm:sp3d/>
-    <dgm:txPr/>
-    <dgm:style>
-      <a:lnRef idx="2">
-        <a:scrgbClr r="0" g="0" b="0"/>
-      </a:lnRef>
-      <a:fillRef idx="1">
-        <a:scrgbClr r="0" g="0" b="0"/>
-      </a:fillRef>
-      <a:effectRef idx="0">
-        <a:scrgbClr r="0" g="0" b="0"/>
-      </a:effectRef>
-      <a:fontRef idx="minor"/>
-    </dgm:style>
-  </dgm:styleLbl>
-  <dgm:styleLbl name="alignAccFollowNode1">
-    <dgm:scene3d>
-      <a:camera prst="orthographicFront"/>
-      <a:lightRig rig="threePt" dir="t"/>
-    </dgm:scene3d>
-    <dgm:sp3d/>
-    <dgm:txPr/>
-    <dgm:style>
-      <a:lnRef idx="2">
-        <a:scrgbClr r="0" g="0" b="0"/>
-      </a:lnRef>
-      <a:fillRef idx="1">
-        <a:scrgbClr r="0" g="0" b="0"/>
-      </a:fillRef>
-      <a:effectRef idx="0">
-        <a:scrgbClr r="0" g="0" b="0"/>
-      </a:effectRef>
-      <a:fontRef idx="minor"/>
-    </dgm:style>
-  </dgm:styleLbl>
-  <dgm:styleLbl name="bgAccFollowNode1">
-    <dgm:scene3d>
-      <a:camera prst="orthographicFront"/>
-      <a:lightRig rig="threePt" dir="t"/>
-    </dgm:scene3d>
-    <dgm:sp3d/>
-    <dgm:txPr/>
-    <dgm:style>
-      <a:lnRef idx="2">
-        <a:scrgbClr r="0" g="0" b="0"/>
-      </a:lnRef>
-      <a:fillRef idx="1">
-        <a:scrgbClr r="0" g="0" b="0"/>
-      </a:fillRef>
-      <a:effectRef idx="0">
-        <a:scrgbClr r="0" g="0" b="0"/>
-      </a:effectRef>
-      <a:fontRef idx="minor"/>
-    </dgm:style>
-  </dgm:styleLbl>
-  <dgm:styleLbl name="fgAcc0">
-    <dgm:scene3d>
-      <a:camera prst="orthographicFront"/>
-      <a:lightRig rig="threePt" dir="t"/>
-    </dgm:scene3d>
-    <dgm:sp3d/>
-    <dgm:txPr/>
-    <dgm:style>
-      <a:lnRef idx="2">
-        <a:scrgbClr r="0" g="0" b="0"/>
-      </a:lnRef>
-      <a:fillRef idx="1">
-        <a:scrgbClr r="0" g="0" b="0"/>
-      </a:fillRef>
-      <a:effectRef idx="0">
-        <a:scrgbClr r="0" g="0" b="0"/>
-      </a:effectRef>
-      <a:fontRef idx="minor"/>
-    </dgm:style>
-  </dgm:styleLbl>
-  <dgm:styleLbl name="fgAcc2">
-    <dgm:scene3d>
-      <a:camera prst="orthographicFront"/>
-      <a:lightRig rig="threePt" dir="t"/>
-    </dgm:scene3d>
-    <dgm:sp3d/>
-    <dgm:txPr/>
-    <dgm:style>
-      <a:lnRef idx="2">
-        <a:scrgbClr r="0" g="0" b="0"/>
-      </a:lnRef>
-      <a:fillRef idx="1">
-        <a:scrgbClr r="0" g="0" b="0"/>
-      </a:fillRef>
-      <a:effectRef idx="0">
-        <a:scrgbClr r="0" g="0" b="0"/>
-      </a:effectRef>
-      <a:fontRef idx="minor"/>
-    </dgm:style>
-  </dgm:styleLbl>
-  <dgm:styleLbl name="fgAcc3">
-    <dgm:scene3d>
-      <a:camera prst="orthographicFront"/>
-      <a:lightRig rig="threePt" dir="t"/>
-    </dgm:scene3d>
-    <dgm:sp3d/>
-    <dgm:txPr/>
-    <dgm:style>
-      <a:lnRef idx="2">
-        <a:scrgbClr r="0" g="0" b="0"/>
-      </a:lnRef>
-      <a:fillRef idx="1">
-        <a:scrgbClr r="0" g="0" b="0"/>
-      </a:fillRef>
-      <a:effectRef idx="0">
-        <a:scrgbClr r="0" g="0" b="0"/>
-      </a:effectRef>
-      <a:fontRef idx="minor"/>
-    </dgm:style>
-  </dgm:styleLbl>
-  <dgm:styleLbl name="fgAcc4">
-    <dgm:scene3d>
-      <a:camera prst="orthographicFront"/>
-      <a:lightRig rig="threePt" dir="t"/>
-    </dgm:scene3d>
-    <dgm:sp3d/>
-    <dgm:txPr/>
-    <dgm:style>
-      <a:lnRef idx="2">
-        <a:scrgbClr r="0" g="0" b="0"/>
-      </a:lnRef>
-      <a:fillRef idx="1">
-        <a:scrgbClr r="0" g="0" b="0"/>
-      </a:fillRef>
-      <a:effectRef idx="0">
-        <a:scrgbClr r="0" g="0" b="0"/>
-      </a:effectRef>
-      <a:fontRef idx="minor"/>
-    </dgm:style>
-  </dgm:styleLbl>
-  <dgm:styleLbl name="bgShp">
-    <dgm:scene3d>
-      <a:camera prst="orthographicFront"/>
-      <a:lightRig rig="threePt" dir="t"/>
-    </dgm:scene3d>
-    <dgm:sp3d/>
-    <dgm:txPr/>
-    <dgm:style>
-      <a:lnRef idx="0">
-        <a:scrgbClr r="0" g="0" b="0"/>
-      </a:lnRef>
-      <a:fillRef idx="1">
-        <a:scrgbClr r="0" g="0" b="0"/>
-      </a:fillRef>
-      <a:effectRef idx="0">
-        <a:scrgbClr r="0" g="0" b="0"/>
-      </a:effectRef>
-      <a:fontRef idx="minor"/>
-    </dgm:style>
-  </dgm:styleLbl>
-  <dgm:styleLbl name="dkBgShp">
-    <dgm:scene3d>
-      <a:camera prst="orthographicFront"/>
-      <a:lightRig rig="threePt" dir="t"/>
-    </dgm:scene3d>
-    <dgm:sp3d/>
-    <dgm:txPr/>
-    <dgm:style>
-      <a:lnRef idx="0">
-        <a:scrgbClr r="0" g="0" b="0"/>
-      </a:lnRef>
-      <a:fillRef idx="1">
-        <a:scrgbClr r="0" g="0" b="0"/>
-      </a:fillRef>
-      <a:effectRef idx="0">
-        <a:scrgbClr r="0" g="0" b="0"/>
-      </a:effectRef>
-      <a:fontRef idx="minor"/>
-    </dgm:style>
-  </dgm:styleLbl>
-  <dgm:styleLbl name="trBgShp">
-    <dgm:scene3d>
-      <a:camera prst="orthographicFront"/>
-      <a:lightRig rig="threePt" dir="t"/>
-    </dgm:scene3d>
-    <dgm:sp3d/>
-    <dgm:txPr/>
-    <dgm:style>
-      <a:lnRef idx="0">
-        <a:scrgbClr r="0" g="0" b="0"/>
-      </a:lnRef>
-      <a:fillRef idx="1">
-        <a:scrgbClr r="0" g="0" b="0"/>
-      </a:fillRef>
-      <a:effectRef idx="0">
-        <a:scrgbClr r="0" g="0" b="0"/>
-      </a:effectRef>
-      <a:fontRef idx="minor"/>
-    </dgm:style>
-  </dgm:styleLbl>
-  <dgm:styleLbl name="fgShp">
-    <dgm:scene3d>
-      <a:camera prst="orthographicFront"/>
-      <a:lightRig rig="threePt" dir="t"/>
-    </dgm:scene3d>
-    <dgm:sp3d/>
-    <dgm:txPr/>
-    <dgm:style>
-      <a:lnRef idx="2">
-        <a:scrgbClr r="0" g="0" b="0"/>
-      </a:lnRef>
-      <a:fillRef idx="1">
-        <a:scrgbClr r="0" g="0" b="0"/>
-      </a:fillRef>
-      <a:effectRef idx="0">
-        <a:scrgbClr r="0" g="0" b="0"/>
-      </a:effectRef>
-      <a:fontRef idx="minor"/>
-    </dgm:style>
-  </dgm:styleLbl>
-  <dgm:styleLbl name="revTx">
-    <dgm:scene3d>
-      <a:camera prst="orthographicFront"/>
-      <a:lightRig rig="threePt" dir="t"/>
-    </dgm:scene3d>
-    <dgm:sp3d/>
-    <dgm:txPr/>
-    <dgm:style>
-      <a:lnRef idx="0">
-        <a:scrgbClr r="0" g="0" b="0"/>
-      </a:lnRef>
-      <a:fillRef idx="0">
-        <a:scrgbClr r="0" g="0" b="0"/>
-      </a:fillRef>
-      <a:effectRef idx="0">
-        <a:scrgbClr r="0" g="0" b="0"/>
-      </a:effectRef>
-      <a:fontRef idx="minor"/>
-    </dgm:style>
-  </dgm:styleLbl>
-</dgm:styleDef>
-</file>
-
 <file path=ppt/diagrams/quickStyle2.xml><?xml version="1.0" encoding="utf-8"?>
 <dgm:styleDef xmlns:dgm="http://schemas.openxmlformats.org/drawingml/2006/diagram" xmlns:a="http://schemas.openxmlformats.org/drawingml/2006/main" uniqueId="urn:microsoft.com/office/officeart/2005/8/quickstyle/simple1">
   <dgm:title val=""/>
@@ -33841,7 +30265,7 @@
           <a:p>
             <a:fld id="{BC5D3495-D642-4B9C-A4D9-ABBA71EA56ED}" type="datetimeFigureOut">
               <a:rPr lang="de-DE" smtClean="0"/>
-              <a:t>16.08.2016</a:t>
+              <a:t>17.08.2016</a:t>
             </a:fld>
             <a:endParaRPr lang="de-DE"/>
           </a:p>
@@ -34173,7 +30597,7 @@
           <a:p>
             <a:fld id="{9FC0BF00-B122-482A-9408-566B5D066A28}" type="slidenum">
               <a:rPr lang="de-DE" smtClean="0"/>
-              <a:t>20</a:t>
+              <a:t>23</a:t>
             </a:fld>
             <a:endParaRPr lang="de-DE"/>
           </a:p>
@@ -34211,7 +30635,7 @@
       </p:grpSpPr>
       <p:sp>
         <p:nvSpPr>
-          <p:cNvPr id="2" name="Titel 1"/>
+          <p:cNvPr id="2" name="Title 1"/>
           <p:cNvSpPr>
             <a:spLocks noGrp="1"/>
           </p:cNvSpPr>
@@ -34237,12 +30661,13 @@
               <a:rPr lang="de-DE"/>
               <a:t>Titelmasterformat durch Klicken bearbeiten</a:t>
             </a:r>
+            <a:endParaRPr lang="en-US" dirty="0"/>
           </a:p>
         </p:txBody>
       </p:sp>
       <p:sp>
         <p:nvSpPr>
-          <p:cNvPr id="3" name="Untertitel 2"/>
+          <p:cNvPr id="3" name="Subtitle 2"/>
           <p:cNvSpPr>
             <a:spLocks noGrp="1"/>
           </p:cNvSpPr>
@@ -34301,12 +30726,13 @@
               <a:rPr lang="de-DE"/>
               <a:t>Formatvorlage des Untertitelmasters durch Klicken bearbeiten</a:t>
             </a:r>
+            <a:endParaRPr lang="en-US" dirty="0"/>
           </a:p>
         </p:txBody>
       </p:sp>
       <p:sp>
         <p:nvSpPr>
-          <p:cNvPr id="4" name="Datumsplatzhalter 3"/>
+          <p:cNvPr id="4" name="Date Placeholder 3"/>
           <p:cNvSpPr>
             <a:spLocks noGrp="1"/>
           </p:cNvSpPr>
@@ -34321,7 +30747,7 @@
           <a:p>
             <a:fld id="{939A55D9-6AB2-4364-AE5A-4B2CFFB043C1}" type="datetimeFigureOut">
               <a:rPr lang="de-DE" smtClean="0"/>
-              <a:t>16.08.2016</a:t>
+              <a:t>17.08.2016</a:t>
             </a:fld>
             <a:endParaRPr lang="de-DE"/>
           </a:p>
@@ -34329,7 +30755,7 @@
       </p:sp>
       <p:sp>
         <p:nvSpPr>
-          <p:cNvPr id="5" name="Fußzeilenplatzhalter 4"/>
+          <p:cNvPr id="5" name="Footer Placeholder 4"/>
           <p:cNvSpPr>
             <a:spLocks noGrp="1"/>
           </p:cNvSpPr>
@@ -34348,7 +30774,7 @@
       </p:sp>
       <p:sp>
         <p:nvSpPr>
-          <p:cNvPr id="6" name="Foliennummernplatzhalter 5"/>
+          <p:cNvPr id="6" name="Slide Number Placeholder 5"/>
           <p:cNvSpPr>
             <a:spLocks noGrp="1"/>
           </p:cNvSpPr>
@@ -34372,7 +30798,7 @@
     </p:spTree>
     <p:extLst>
       <p:ext uri="{BB962C8B-B14F-4D97-AF65-F5344CB8AC3E}">
-        <p14:creationId xmlns:p14="http://schemas.microsoft.com/office/powerpoint/2010/main" val="1732024941"/>
+        <p14:creationId xmlns:p14="http://schemas.microsoft.com/office/powerpoint/2010/main" val="2301248326"/>
       </p:ext>
     </p:extLst>
   </p:cSld>
@@ -34401,7 +30827,7 @@
       </p:grpSpPr>
       <p:sp>
         <p:nvSpPr>
-          <p:cNvPr id="2" name="Titel 1"/>
+          <p:cNvPr id="2" name="Title 1"/>
           <p:cNvSpPr>
             <a:spLocks noGrp="1"/>
           </p:cNvSpPr>
@@ -34418,12 +30844,13 @@
               <a:rPr lang="de-DE"/>
               <a:t>Titelmasterformat durch Klicken bearbeiten</a:t>
             </a:r>
+            <a:endParaRPr lang="en-US" dirty="0"/>
           </a:p>
         </p:txBody>
       </p:sp>
       <p:sp>
         <p:nvSpPr>
-          <p:cNvPr id="3" name="Vertikaler Textplatzhalter 2"/>
+          <p:cNvPr id="3" name="Vertical Text Placeholder 2"/>
           <p:cNvSpPr>
             <a:spLocks noGrp="1"/>
           </p:cNvSpPr>
@@ -34469,12 +30896,13 @@
               <a:rPr lang="de-DE"/>
               <a:t>Fünfte Ebene</a:t>
             </a:r>
+            <a:endParaRPr lang="en-US" dirty="0"/>
           </a:p>
         </p:txBody>
       </p:sp>
       <p:sp>
         <p:nvSpPr>
-          <p:cNvPr id="4" name="Datumsplatzhalter 3"/>
+          <p:cNvPr id="4" name="Date Placeholder 3"/>
           <p:cNvSpPr>
             <a:spLocks noGrp="1"/>
           </p:cNvSpPr>
@@ -34489,7 +30917,7 @@
           <a:p>
             <a:fld id="{939A55D9-6AB2-4364-AE5A-4B2CFFB043C1}" type="datetimeFigureOut">
               <a:rPr lang="de-DE" smtClean="0"/>
-              <a:t>16.08.2016</a:t>
+              <a:t>17.08.2016</a:t>
             </a:fld>
             <a:endParaRPr lang="de-DE"/>
           </a:p>
@@ -34497,7 +30925,7 @@
       </p:sp>
       <p:sp>
         <p:nvSpPr>
-          <p:cNvPr id="5" name="Fußzeilenplatzhalter 4"/>
+          <p:cNvPr id="5" name="Footer Placeholder 4"/>
           <p:cNvSpPr>
             <a:spLocks noGrp="1"/>
           </p:cNvSpPr>
@@ -34516,7 +30944,7 @@
       </p:sp>
       <p:sp>
         <p:nvSpPr>
-          <p:cNvPr id="6" name="Foliennummernplatzhalter 5"/>
+          <p:cNvPr id="6" name="Slide Number Placeholder 5"/>
           <p:cNvSpPr>
             <a:spLocks noGrp="1"/>
           </p:cNvSpPr>
@@ -34540,7 +30968,7 @@
     </p:spTree>
     <p:extLst>
       <p:ext uri="{BB962C8B-B14F-4D97-AF65-F5344CB8AC3E}">
-        <p14:creationId xmlns:p14="http://schemas.microsoft.com/office/powerpoint/2010/main" val="573232104"/>
+        <p14:creationId xmlns:p14="http://schemas.microsoft.com/office/powerpoint/2010/main" val="3612624369"/>
       </p:ext>
     </p:extLst>
   </p:cSld>
@@ -34569,7 +30997,7 @@
       </p:grpSpPr>
       <p:sp>
         <p:nvSpPr>
-          <p:cNvPr id="2" name="Vertikaler Titel 1"/>
+          <p:cNvPr id="2" name="Vertical Title 1"/>
           <p:cNvSpPr>
             <a:spLocks noGrp="1"/>
           </p:cNvSpPr>
@@ -34591,12 +31019,13 @@
               <a:rPr lang="de-DE"/>
               <a:t>Titelmasterformat durch Klicken bearbeiten</a:t>
             </a:r>
+            <a:endParaRPr lang="en-US" dirty="0"/>
           </a:p>
         </p:txBody>
       </p:sp>
       <p:sp>
         <p:nvSpPr>
-          <p:cNvPr id="3" name="Vertikaler Textplatzhalter 2"/>
+          <p:cNvPr id="3" name="Vertical Text Placeholder 2"/>
           <p:cNvSpPr>
             <a:spLocks noGrp="1"/>
           </p:cNvSpPr>
@@ -34647,12 +31076,13 @@
               <a:rPr lang="de-DE"/>
               <a:t>Fünfte Ebene</a:t>
             </a:r>
+            <a:endParaRPr lang="en-US" dirty="0"/>
           </a:p>
         </p:txBody>
       </p:sp>
       <p:sp>
         <p:nvSpPr>
-          <p:cNvPr id="4" name="Datumsplatzhalter 3"/>
+          <p:cNvPr id="4" name="Date Placeholder 3"/>
           <p:cNvSpPr>
             <a:spLocks noGrp="1"/>
           </p:cNvSpPr>
@@ -34667,7 +31097,7 @@
           <a:p>
             <a:fld id="{939A55D9-6AB2-4364-AE5A-4B2CFFB043C1}" type="datetimeFigureOut">
               <a:rPr lang="de-DE" smtClean="0"/>
-              <a:t>16.08.2016</a:t>
+              <a:t>17.08.2016</a:t>
             </a:fld>
             <a:endParaRPr lang="de-DE"/>
           </a:p>
@@ -34675,7 +31105,7 @@
       </p:sp>
       <p:sp>
         <p:nvSpPr>
-          <p:cNvPr id="5" name="Fußzeilenplatzhalter 4"/>
+          <p:cNvPr id="5" name="Footer Placeholder 4"/>
           <p:cNvSpPr>
             <a:spLocks noGrp="1"/>
           </p:cNvSpPr>
@@ -34694,7 +31124,7 @@
       </p:sp>
       <p:sp>
         <p:nvSpPr>
-          <p:cNvPr id="6" name="Foliennummernplatzhalter 5"/>
+          <p:cNvPr id="6" name="Slide Number Placeholder 5"/>
           <p:cNvSpPr>
             <a:spLocks noGrp="1"/>
           </p:cNvSpPr>
@@ -34718,7 +31148,7 @@
     </p:spTree>
     <p:extLst>
       <p:ext uri="{BB962C8B-B14F-4D97-AF65-F5344CB8AC3E}">
-        <p14:creationId xmlns:p14="http://schemas.microsoft.com/office/powerpoint/2010/main" val="3691777294"/>
+        <p14:creationId xmlns:p14="http://schemas.microsoft.com/office/powerpoint/2010/main" val="81251993"/>
       </p:ext>
     </p:extLst>
   </p:cSld>
@@ -34747,7 +31177,7 @@
       </p:grpSpPr>
       <p:sp>
         <p:nvSpPr>
-          <p:cNvPr id="2" name="Titel 1"/>
+          <p:cNvPr id="2" name="Title 1"/>
           <p:cNvSpPr>
             <a:spLocks noGrp="1"/>
           </p:cNvSpPr>
@@ -34764,12 +31194,13 @@
               <a:rPr lang="de-DE"/>
               <a:t>Titelmasterformat durch Klicken bearbeiten</a:t>
             </a:r>
+            <a:endParaRPr lang="en-US" dirty="0"/>
           </a:p>
         </p:txBody>
       </p:sp>
       <p:sp>
         <p:nvSpPr>
-          <p:cNvPr id="3" name="Inhaltsplatzhalter 2"/>
+          <p:cNvPr id="3" name="Content Placeholder 2"/>
           <p:cNvSpPr>
             <a:spLocks noGrp="1"/>
           </p:cNvSpPr>
@@ -34815,12 +31246,13 @@
               <a:rPr lang="de-DE"/>
               <a:t>Fünfte Ebene</a:t>
             </a:r>
+            <a:endParaRPr lang="en-US" dirty="0"/>
           </a:p>
         </p:txBody>
       </p:sp>
       <p:sp>
         <p:nvSpPr>
-          <p:cNvPr id="4" name="Datumsplatzhalter 3"/>
+          <p:cNvPr id="4" name="Date Placeholder 3"/>
           <p:cNvSpPr>
             <a:spLocks noGrp="1"/>
           </p:cNvSpPr>
@@ -34835,7 +31267,7 @@
           <a:p>
             <a:fld id="{939A55D9-6AB2-4364-AE5A-4B2CFFB043C1}" type="datetimeFigureOut">
               <a:rPr lang="de-DE" smtClean="0"/>
-              <a:t>16.08.2016</a:t>
+              <a:t>17.08.2016</a:t>
             </a:fld>
             <a:endParaRPr lang="de-DE"/>
           </a:p>
@@ -34843,7 +31275,7 @@
       </p:sp>
       <p:sp>
         <p:nvSpPr>
-          <p:cNvPr id="5" name="Fußzeilenplatzhalter 4"/>
+          <p:cNvPr id="5" name="Footer Placeholder 4"/>
           <p:cNvSpPr>
             <a:spLocks noGrp="1"/>
           </p:cNvSpPr>
@@ -34862,7 +31294,7 @@
       </p:sp>
       <p:sp>
         <p:nvSpPr>
-          <p:cNvPr id="6" name="Foliennummernplatzhalter 5"/>
+          <p:cNvPr id="6" name="Slide Number Placeholder 5"/>
           <p:cNvSpPr>
             <a:spLocks noGrp="1"/>
           </p:cNvSpPr>
@@ -34886,7 +31318,7 @@
     </p:spTree>
     <p:extLst>
       <p:ext uri="{BB962C8B-B14F-4D97-AF65-F5344CB8AC3E}">
-        <p14:creationId xmlns:p14="http://schemas.microsoft.com/office/powerpoint/2010/main" val="1321754481"/>
+        <p14:creationId xmlns:p14="http://schemas.microsoft.com/office/powerpoint/2010/main" val="1321061504"/>
       </p:ext>
     </p:extLst>
   </p:cSld>
@@ -34915,7 +31347,7 @@
       </p:grpSpPr>
       <p:sp>
         <p:nvSpPr>
-          <p:cNvPr id="2" name="Titel 1"/>
+          <p:cNvPr id="2" name="Title 1"/>
           <p:cNvSpPr>
             <a:spLocks noGrp="1"/>
           </p:cNvSpPr>
@@ -34941,12 +31373,13 @@
               <a:rPr lang="de-DE"/>
               <a:t>Titelmasterformat durch Klicken bearbeiten</a:t>
             </a:r>
+            <a:endParaRPr lang="en-US" dirty="0"/>
           </a:p>
         </p:txBody>
       </p:sp>
       <p:sp>
         <p:nvSpPr>
-          <p:cNvPr id="3" name="Textplatzhalter 2"/>
+          <p:cNvPr id="3" name="Text Placeholder 2"/>
           <p:cNvSpPr>
             <a:spLocks noGrp="1"/>
           </p:cNvSpPr>
@@ -35065,7 +31498,7 @@
       </p:sp>
       <p:sp>
         <p:nvSpPr>
-          <p:cNvPr id="4" name="Datumsplatzhalter 3"/>
+          <p:cNvPr id="4" name="Date Placeholder 3"/>
           <p:cNvSpPr>
             <a:spLocks noGrp="1"/>
           </p:cNvSpPr>
@@ -35080,7 +31513,7 @@
           <a:p>
             <a:fld id="{939A55D9-6AB2-4364-AE5A-4B2CFFB043C1}" type="datetimeFigureOut">
               <a:rPr lang="de-DE" smtClean="0"/>
-              <a:t>16.08.2016</a:t>
+              <a:t>17.08.2016</a:t>
             </a:fld>
             <a:endParaRPr lang="de-DE"/>
           </a:p>
@@ -35088,7 +31521,7 @@
       </p:sp>
       <p:sp>
         <p:nvSpPr>
-          <p:cNvPr id="5" name="Fußzeilenplatzhalter 4"/>
+          <p:cNvPr id="5" name="Footer Placeholder 4"/>
           <p:cNvSpPr>
             <a:spLocks noGrp="1"/>
           </p:cNvSpPr>
@@ -35107,7 +31540,7 @@
       </p:sp>
       <p:sp>
         <p:nvSpPr>
-          <p:cNvPr id="6" name="Foliennummernplatzhalter 5"/>
+          <p:cNvPr id="6" name="Slide Number Placeholder 5"/>
           <p:cNvSpPr>
             <a:spLocks noGrp="1"/>
           </p:cNvSpPr>
@@ -35131,7 +31564,7 @@
     </p:spTree>
     <p:extLst>
       <p:ext uri="{BB962C8B-B14F-4D97-AF65-F5344CB8AC3E}">
-        <p14:creationId xmlns:p14="http://schemas.microsoft.com/office/powerpoint/2010/main" val="3623235061"/>
+        <p14:creationId xmlns:p14="http://schemas.microsoft.com/office/powerpoint/2010/main" val="1188325101"/>
       </p:ext>
     </p:extLst>
   </p:cSld>
@@ -35160,7 +31593,7 @@
       </p:grpSpPr>
       <p:sp>
         <p:nvSpPr>
-          <p:cNvPr id="2" name="Titel 1"/>
+          <p:cNvPr id="2" name="Title 1"/>
           <p:cNvSpPr>
             <a:spLocks noGrp="1"/>
           </p:cNvSpPr>
@@ -35177,12 +31610,13 @@
               <a:rPr lang="de-DE"/>
               <a:t>Titelmasterformat durch Klicken bearbeiten</a:t>
             </a:r>
+            <a:endParaRPr lang="en-US" dirty="0"/>
           </a:p>
         </p:txBody>
       </p:sp>
       <p:sp>
         <p:nvSpPr>
-          <p:cNvPr id="3" name="Inhaltsplatzhalter 2"/>
+          <p:cNvPr id="3" name="Content Placeholder 2"/>
           <p:cNvSpPr>
             <a:spLocks noGrp="1"/>
           </p:cNvSpPr>
@@ -35233,12 +31667,13 @@
               <a:rPr lang="de-DE"/>
               <a:t>Fünfte Ebene</a:t>
             </a:r>
+            <a:endParaRPr lang="en-US" dirty="0"/>
           </a:p>
         </p:txBody>
       </p:sp>
       <p:sp>
         <p:nvSpPr>
-          <p:cNvPr id="4" name="Inhaltsplatzhalter 3"/>
+          <p:cNvPr id="4" name="Content Placeholder 3"/>
           <p:cNvSpPr>
             <a:spLocks noGrp="1"/>
           </p:cNvSpPr>
@@ -35289,12 +31724,13 @@
               <a:rPr lang="de-DE"/>
               <a:t>Fünfte Ebene</a:t>
             </a:r>
+            <a:endParaRPr lang="en-US" dirty="0"/>
           </a:p>
         </p:txBody>
       </p:sp>
       <p:sp>
         <p:nvSpPr>
-          <p:cNvPr id="5" name="Datumsplatzhalter 4"/>
+          <p:cNvPr id="5" name="Date Placeholder 4"/>
           <p:cNvSpPr>
             <a:spLocks noGrp="1"/>
           </p:cNvSpPr>
@@ -35309,7 +31745,7 @@
           <a:p>
             <a:fld id="{939A55D9-6AB2-4364-AE5A-4B2CFFB043C1}" type="datetimeFigureOut">
               <a:rPr lang="de-DE" smtClean="0"/>
-              <a:t>16.08.2016</a:t>
+              <a:t>17.08.2016</a:t>
             </a:fld>
             <a:endParaRPr lang="de-DE"/>
           </a:p>
@@ -35317,7 +31753,7 @@
       </p:sp>
       <p:sp>
         <p:nvSpPr>
-          <p:cNvPr id="6" name="Fußzeilenplatzhalter 5"/>
+          <p:cNvPr id="6" name="Footer Placeholder 5"/>
           <p:cNvSpPr>
             <a:spLocks noGrp="1"/>
           </p:cNvSpPr>
@@ -35336,7 +31772,7 @@
       </p:sp>
       <p:sp>
         <p:nvSpPr>
-          <p:cNvPr id="7" name="Foliennummernplatzhalter 6"/>
+          <p:cNvPr id="7" name="Slide Number Placeholder 6"/>
           <p:cNvSpPr>
             <a:spLocks noGrp="1"/>
           </p:cNvSpPr>
@@ -35360,7 +31796,7 @@
     </p:spTree>
     <p:extLst>
       <p:ext uri="{BB962C8B-B14F-4D97-AF65-F5344CB8AC3E}">
-        <p14:creationId xmlns:p14="http://schemas.microsoft.com/office/powerpoint/2010/main" val="2258139680"/>
+        <p14:creationId xmlns:p14="http://schemas.microsoft.com/office/powerpoint/2010/main" val="100673563"/>
       </p:ext>
     </p:extLst>
   </p:cSld>
@@ -35389,7 +31825,7 @@
       </p:grpSpPr>
       <p:sp>
         <p:nvSpPr>
-          <p:cNvPr id="2" name="Titel 1"/>
+          <p:cNvPr id="2" name="Title 1"/>
           <p:cNvSpPr>
             <a:spLocks noGrp="1"/>
           </p:cNvSpPr>
@@ -35411,12 +31847,13 @@
               <a:rPr lang="de-DE"/>
               <a:t>Titelmasterformat durch Klicken bearbeiten</a:t>
             </a:r>
+            <a:endParaRPr lang="en-US" dirty="0"/>
           </a:p>
         </p:txBody>
       </p:sp>
       <p:sp>
         <p:nvSpPr>
-          <p:cNvPr id="3" name="Textplatzhalter 2"/>
+          <p:cNvPr id="3" name="Text Placeholder 2"/>
           <p:cNvSpPr>
             <a:spLocks noGrp="1"/>
           </p:cNvSpPr>
@@ -35481,7 +31918,7 @@
       </p:sp>
       <p:sp>
         <p:nvSpPr>
-          <p:cNvPr id="4" name="Inhaltsplatzhalter 3"/>
+          <p:cNvPr id="4" name="Content Placeholder 3"/>
           <p:cNvSpPr>
             <a:spLocks noGrp="1"/>
           </p:cNvSpPr>
@@ -35532,12 +31969,13 @@
               <a:rPr lang="de-DE"/>
               <a:t>Fünfte Ebene</a:t>
             </a:r>
+            <a:endParaRPr lang="en-US" dirty="0"/>
           </a:p>
         </p:txBody>
       </p:sp>
       <p:sp>
         <p:nvSpPr>
-          <p:cNvPr id="5" name="Textplatzhalter 4"/>
+          <p:cNvPr id="5" name="Text Placeholder 4"/>
           <p:cNvSpPr>
             <a:spLocks noGrp="1"/>
           </p:cNvSpPr>
@@ -35602,7 +32040,7 @@
       </p:sp>
       <p:sp>
         <p:nvSpPr>
-          <p:cNvPr id="6" name="Inhaltsplatzhalter 5"/>
+          <p:cNvPr id="6" name="Content Placeholder 5"/>
           <p:cNvSpPr>
             <a:spLocks noGrp="1"/>
           </p:cNvSpPr>
@@ -35653,12 +32091,13 @@
               <a:rPr lang="de-DE"/>
               <a:t>Fünfte Ebene</a:t>
             </a:r>
+            <a:endParaRPr lang="en-US" dirty="0"/>
           </a:p>
         </p:txBody>
       </p:sp>
       <p:sp>
         <p:nvSpPr>
-          <p:cNvPr id="7" name="Datumsplatzhalter 6"/>
+          <p:cNvPr id="7" name="Date Placeholder 6"/>
           <p:cNvSpPr>
             <a:spLocks noGrp="1"/>
           </p:cNvSpPr>
@@ -35673,7 +32112,7 @@
           <a:p>
             <a:fld id="{939A55D9-6AB2-4364-AE5A-4B2CFFB043C1}" type="datetimeFigureOut">
               <a:rPr lang="de-DE" smtClean="0"/>
-              <a:t>16.08.2016</a:t>
+              <a:t>17.08.2016</a:t>
             </a:fld>
             <a:endParaRPr lang="de-DE"/>
           </a:p>
@@ -35681,7 +32120,7 @@
       </p:sp>
       <p:sp>
         <p:nvSpPr>
-          <p:cNvPr id="8" name="Fußzeilenplatzhalter 7"/>
+          <p:cNvPr id="8" name="Footer Placeholder 7"/>
           <p:cNvSpPr>
             <a:spLocks noGrp="1"/>
           </p:cNvSpPr>
@@ -35700,7 +32139,7 @@
       </p:sp>
       <p:sp>
         <p:nvSpPr>
-          <p:cNvPr id="9" name="Foliennummernplatzhalter 8"/>
+          <p:cNvPr id="9" name="Slide Number Placeholder 8"/>
           <p:cNvSpPr>
             <a:spLocks noGrp="1"/>
           </p:cNvSpPr>
@@ -35724,7 +32163,7 @@
     </p:spTree>
     <p:extLst>
       <p:ext uri="{BB962C8B-B14F-4D97-AF65-F5344CB8AC3E}">
-        <p14:creationId xmlns:p14="http://schemas.microsoft.com/office/powerpoint/2010/main" val="836871390"/>
+        <p14:creationId xmlns:p14="http://schemas.microsoft.com/office/powerpoint/2010/main" val="2282570245"/>
       </p:ext>
     </p:extLst>
   </p:cSld>
@@ -35753,7 +32192,7 @@
       </p:grpSpPr>
       <p:sp>
         <p:nvSpPr>
-          <p:cNvPr id="2" name="Titel 1"/>
+          <p:cNvPr id="2" name="Title 1"/>
           <p:cNvSpPr>
             <a:spLocks noGrp="1"/>
           </p:cNvSpPr>
@@ -35770,12 +32209,13 @@
               <a:rPr lang="de-DE"/>
               <a:t>Titelmasterformat durch Klicken bearbeiten</a:t>
             </a:r>
+            <a:endParaRPr lang="en-US" dirty="0"/>
           </a:p>
         </p:txBody>
       </p:sp>
       <p:sp>
         <p:nvSpPr>
-          <p:cNvPr id="3" name="Datumsplatzhalter 2"/>
+          <p:cNvPr id="3" name="Date Placeholder 2"/>
           <p:cNvSpPr>
             <a:spLocks noGrp="1"/>
           </p:cNvSpPr>
@@ -35790,7 +32230,7 @@
           <a:p>
             <a:fld id="{939A55D9-6AB2-4364-AE5A-4B2CFFB043C1}" type="datetimeFigureOut">
               <a:rPr lang="de-DE" smtClean="0"/>
-              <a:t>16.08.2016</a:t>
+              <a:t>17.08.2016</a:t>
             </a:fld>
             <a:endParaRPr lang="de-DE"/>
           </a:p>
@@ -35798,7 +32238,7 @@
       </p:sp>
       <p:sp>
         <p:nvSpPr>
-          <p:cNvPr id="4" name="Fußzeilenplatzhalter 3"/>
+          <p:cNvPr id="4" name="Footer Placeholder 3"/>
           <p:cNvSpPr>
             <a:spLocks noGrp="1"/>
           </p:cNvSpPr>
@@ -35817,7 +32257,7 @@
       </p:sp>
       <p:sp>
         <p:nvSpPr>
-          <p:cNvPr id="5" name="Foliennummernplatzhalter 4"/>
+          <p:cNvPr id="5" name="Slide Number Placeholder 4"/>
           <p:cNvSpPr>
             <a:spLocks noGrp="1"/>
           </p:cNvSpPr>
@@ -35841,7 +32281,7 @@
     </p:spTree>
     <p:extLst>
       <p:ext uri="{BB962C8B-B14F-4D97-AF65-F5344CB8AC3E}">
-        <p14:creationId xmlns:p14="http://schemas.microsoft.com/office/powerpoint/2010/main" val="2485121549"/>
+        <p14:creationId xmlns:p14="http://schemas.microsoft.com/office/powerpoint/2010/main" val="559780861"/>
       </p:ext>
     </p:extLst>
   </p:cSld>
@@ -35870,7 +32310,7 @@
       </p:grpSpPr>
       <p:sp>
         <p:nvSpPr>
-          <p:cNvPr id="2" name="Datumsplatzhalter 1"/>
+          <p:cNvPr id="2" name="Date Placeholder 1"/>
           <p:cNvSpPr>
             <a:spLocks noGrp="1"/>
           </p:cNvSpPr>
@@ -35885,7 +32325,7 @@
           <a:p>
             <a:fld id="{939A55D9-6AB2-4364-AE5A-4B2CFFB043C1}" type="datetimeFigureOut">
               <a:rPr lang="de-DE" smtClean="0"/>
-              <a:t>16.08.2016</a:t>
+              <a:t>17.08.2016</a:t>
             </a:fld>
             <a:endParaRPr lang="de-DE"/>
           </a:p>
@@ -35893,7 +32333,7 @@
       </p:sp>
       <p:sp>
         <p:nvSpPr>
-          <p:cNvPr id="3" name="Fußzeilenplatzhalter 2"/>
+          <p:cNvPr id="3" name="Footer Placeholder 2"/>
           <p:cNvSpPr>
             <a:spLocks noGrp="1"/>
           </p:cNvSpPr>
@@ -35912,7 +32352,7 @@
       </p:sp>
       <p:sp>
         <p:nvSpPr>
-          <p:cNvPr id="4" name="Foliennummernplatzhalter 3"/>
+          <p:cNvPr id="4" name="Slide Number Placeholder 3"/>
           <p:cNvSpPr>
             <a:spLocks noGrp="1"/>
           </p:cNvSpPr>
@@ -35936,7 +32376,7 @@
     </p:spTree>
     <p:extLst>
       <p:ext uri="{BB962C8B-B14F-4D97-AF65-F5344CB8AC3E}">
-        <p14:creationId xmlns:p14="http://schemas.microsoft.com/office/powerpoint/2010/main" val="3643017844"/>
+        <p14:creationId xmlns:p14="http://schemas.microsoft.com/office/powerpoint/2010/main" val="664742493"/>
       </p:ext>
     </p:extLst>
   </p:cSld>
@@ -35965,7 +32405,7 @@
       </p:grpSpPr>
       <p:sp>
         <p:nvSpPr>
-          <p:cNvPr id="2" name="Titel 1"/>
+          <p:cNvPr id="2" name="Title 1"/>
           <p:cNvSpPr>
             <a:spLocks noGrp="1"/>
           </p:cNvSpPr>
@@ -35991,12 +32431,13 @@
               <a:rPr lang="de-DE"/>
               <a:t>Titelmasterformat durch Klicken bearbeiten</a:t>
             </a:r>
+            <a:endParaRPr lang="en-US" dirty="0"/>
           </a:p>
         </p:txBody>
       </p:sp>
       <p:sp>
         <p:nvSpPr>
-          <p:cNvPr id="3" name="Inhaltsplatzhalter 2"/>
+          <p:cNvPr id="3" name="Content Placeholder 2"/>
           <p:cNvSpPr>
             <a:spLocks noGrp="1"/>
           </p:cNvSpPr>
@@ -36075,12 +32516,13 @@
               <a:rPr lang="de-DE"/>
               <a:t>Fünfte Ebene</a:t>
             </a:r>
+            <a:endParaRPr lang="en-US" dirty="0"/>
           </a:p>
         </p:txBody>
       </p:sp>
       <p:sp>
         <p:nvSpPr>
-          <p:cNvPr id="4" name="Textplatzhalter 3"/>
+          <p:cNvPr id="4" name="Text Placeholder 3"/>
           <p:cNvSpPr>
             <a:spLocks noGrp="1"/>
           </p:cNvSpPr>
@@ -36145,7 +32587,7 @@
       </p:sp>
       <p:sp>
         <p:nvSpPr>
-          <p:cNvPr id="5" name="Datumsplatzhalter 4"/>
+          <p:cNvPr id="5" name="Date Placeholder 4"/>
           <p:cNvSpPr>
             <a:spLocks noGrp="1"/>
           </p:cNvSpPr>
@@ -36160,7 +32602,7 @@
           <a:p>
             <a:fld id="{939A55D9-6AB2-4364-AE5A-4B2CFFB043C1}" type="datetimeFigureOut">
               <a:rPr lang="de-DE" smtClean="0"/>
-              <a:t>16.08.2016</a:t>
+              <a:t>17.08.2016</a:t>
             </a:fld>
             <a:endParaRPr lang="de-DE"/>
           </a:p>
@@ -36168,7 +32610,7 @@
       </p:sp>
       <p:sp>
         <p:nvSpPr>
-          <p:cNvPr id="6" name="Fußzeilenplatzhalter 5"/>
+          <p:cNvPr id="6" name="Footer Placeholder 5"/>
           <p:cNvSpPr>
             <a:spLocks noGrp="1"/>
           </p:cNvSpPr>
@@ -36187,7 +32629,7 @@
       </p:sp>
       <p:sp>
         <p:nvSpPr>
-          <p:cNvPr id="7" name="Foliennummernplatzhalter 6"/>
+          <p:cNvPr id="7" name="Slide Number Placeholder 6"/>
           <p:cNvSpPr>
             <a:spLocks noGrp="1"/>
           </p:cNvSpPr>
@@ -36211,7 +32653,7 @@
     </p:spTree>
     <p:extLst>
       <p:ext uri="{BB962C8B-B14F-4D97-AF65-F5344CB8AC3E}">
-        <p14:creationId xmlns:p14="http://schemas.microsoft.com/office/powerpoint/2010/main" val="2983862543"/>
+        <p14:creationId xmlns:p14="http://schemas.microsoft.com/office/powerpoint/2010/main" val="926812279"/>
       </p:ext>
     </p:extLst>
   </p:cSld>
@@ -36240,7 +32682,7 @@
       </p:grpSpPr>
       <p:sp>
         <p:nvSpPr>
-          <p:cNvPr id="2" name="Titel 1"/>
+          <p:cNvPr id="2" name="Title 1"/>
           <p:cNvSpPr>
             <a:spLocks noGrp="1"/>
           </p:cNvSpPr>
@@ -36266,14 +32708,15 @@
               <a:rPr lang="de-DE"/>
               <a:t>Titelmasterformat durch Klicken bearbeiten</a:t>
             </a:r>
+            <a:endParaRPr lang="en-US" dirty="0"/>
           </a:p>
         </p:txBody>
       </p:sp>
       <p:sp>
         <p:nvSpPr>
-          <p:cNvPr id="3" name="Bildplatzhalter 2"/>
+          <p:cNvPr id="3" name="Picture Placeholder 2"/>
           <p:cNvSpPr>
-            <a:spLocks noGrp="1"/>
+            <a:spLocks noGrp="1" noChangeAspect="1"/>
           </p:cNvSpPr>
           <p:nvPr>
             <p:ph type="pic" idx="1"/>
@@ -36286,7 +32729,7 @@
           </a:xfrm>
         </p:spPr>
         <p:txBody>
-          <a:bodyPr/>
+          <a:bodyPr anchor="t"/>
           <a:lstStyle>
             <a:lvl1pPr marL="0" indent="0">
               <a:buNone/>
@@ -36326,13 +32769,17 @@
             </a:lvl9pPr>
           </a:lstStyle>
           <a:p>
-            <a:endParaRPr lang="de-DE"/>
+            <a:r>
+              <a:rPr lang="de-DE"/>
+              <a:t>Bild durch Klicken auf Symbol hinzufügen</a:t>
+            </a:r>
+            <a:endParaRPr lang="en-US" dirty="0"/>
           </a:p>
         </p:txBody>
       </p:sp>
       <p:sp>
         <p:nvSpPr>
-          <p:cNvPr id="4" name="Textplatzhalter 3"/>
+          <p:cNvPr id="4" name="Text Placeholder 3"/>
           <p:cNvSpPr>
             <a:spLocks noGrp="1"/>
           </p:cNvSpPr>
@@ -36397,7 +32844,7 @@
       </p:sp>
       <p:sp>
         <p:nvSpPr>
-          <p:cNvPr id="5" name="Datumsplatzhalter 4"/>
+          <p:cNvPr id="5" name="Date Placeholder 4"/>
           <p:cNvSpPr>
             <a:spLocks noGrp="1"/>
           </p:cNvSpPr>
@@ -36412,7 +32859,7 @@
           <a:p>
             <a:fld id="{939A55D9-6AB2-4364-AE5A-4B2CFFB043C1}" type="datetimeFigureOut">
               <a:rPr lang="de-DE" smtClean="0"/>
-              <a:t>16.08.2016</a:t>
+              <a:t>17.08.2016</a:t>
             </a:fld>
             <a:endParaRPr lang="de-DE"/>
           </a:p>
@@ -36420,7 +32867,7 @@
       </p:sp>
       <p:sp>
         <p:nvSpPr>
-          <p:cNvPr id="6" name="Fußzeilenplatzhalter 5"/>
+          <p:cNvPr id="6" name="Footer Placeholder 5"/>
           <p:cNvSpPr>
             <a:spLocks noGrp="1"/>
           </p:cNvSpPr>
@@ -36439,7 +32886,7 @@
       </p:sp>
       <p:sp>
         <p:nvSpPr>
-          <p:cNvPr id="7" name="Foliennummernplatzhalter 6"/>
+          <p:cNvPr id="7" name="Slide Number Placeholder 6"/>
           <p:cNvSpPr>
             <a:spLocks noGrp="1"/>
           </p:cNvSpPr>
@@ -36463,7 +32910,7 @@
     </p:spTree>
     <p:extLst>
       <p:ext uri="{BB962C8B-B14F-4D97-AF65-F5344CB8AC3E}">
-        <p14:creationId xmlns:p14="http://schemas.microsoft.com/office/powerpoint/2010/main" val="3076239095"/>
+        <p14:creationId xmlns:p14="http://schemas.microsoft.com/office/powerpoint/2010/main" val="4228792613"/>
       </p:ext>
     </p:extLst>
   </p:cSld>
@@ -36497,7 +32944,7 @@
       </p:grpSpPr>
       <p:sp>
         <p:nvSpPr>
-          <p:cNvPr id="2" name="Titelplatzhalter 1"/>
+          <p:cNvPr id="2" name="Title Placeholder 1"/>
           <p:cNvSpPr>
             <a:spLocks noGrp="1"/>
           </p:cNvSpPr>
@@ -36524,12 +32971,13 @@
               <a:rPr lang="de-DE"/>
               <a:t>Titelmasterformat durch Klicken bearbeiten</a:t>
             </a:r>
+            <a:endParaRPr lang="en-US" dirty="0"/>
           </a:p>
         </p:txBody>
       </p:sp>
       <p:sp>
         <p:nvSpPr>
-          <p:cNvPr id="3" name="Textplatzhalter 2"/>
+          <p:cNvPr id="3" name="Text Placeholder 2"/>
           <p:cNvSpPr>
             <a:spLocks noGrp="1"/>
           </p:cNvSpPr>
@@ -36585,12 +33033,13 @@
               <a:rPr lang="de-DE"/>
               <a:t>Fünfte Ebene</a:t>
             </a:r>
+            <a:endParaRPr lang="en-US" dirty="0"/>
           </a:p>
         </p:txBody>
       </p:sp>
       <p:sp>
         <p:nvSpPr>
-          <p:cNvPr id="4" name="Datumsplatzhalter 3"/>
+          <p:cNvPr id="4" name="Date Placeholder 3"/>
           <p:cNvSpPr>
             <a:spLocks noGrp="1"/>
           </p:cNvSpPr>
@@ -36623,7 +33072,7 @@
           <a:p>
             <a:fld id="{939A55D9-6AB2-4364-AE5A-4B2CFFB043C1}" type="datetimeFigureOut">
               <a:rPr lang="de-DE" smtClean="0"/>
-              <a:t>16.08.2016</a:t>
+              <a:t>17.08.2016</a:t>
             </a:fld>
             <a:endParaRPr lang="de-DE"/>
           </a:p>
@@ -36631,7 +33080,7 @@
       </p:sp>
       <p:sp>
         <p:nvSpPr>
-          <p:cNvPr id="5" name="Fußzeilenplatzhalter 4"/>
+          <p:cNvPr id="5" name="Footer Placeholder 4"/>
           <p:cNvSpPr>
             <a:spLocks noGrp="1"/>
           </p:cNvSpPr>
@@ -36668,7 +33117,7 @@
       </p:sp>
       <p:sp>
         <p:nvSpPr>
-          <p:cNvPr id="6" name="Foliennummernplatzhalter 5"/>
+          <p:cNvPr id="6" name="Slide Number Placeholder 5"/>
           <p:cNvSpPr>
             <a:spLocks noGrp="1"/>
           </p:cNvSpPr>
@@ -36710,23 +33159,23 @@
     </p:spTree>
     <p:extLst>
       <p:ext uri="{BB962C8B-B14F-4D97-AF65-F5344CB8AC3E}">
-        <p14:creationId xmlns:p14="http://schemas.microsoft.com/office/powerpoint/2010/main" val="4293907927"/>
+        <p14:creationId xmlns:p14="http://schemas.microsoft.com/office/powerpoint/2010/main" val="402357278"/>
       </p:ext>
     </p:extLst>
   </p:cSld>
   <p:clrMap bg1="lt1" tx1="dk1" bg2="lt2" tx2="dk2" accent1="accent1" accent2="accent2" accent3="accent3" accent4="accent4" accent5="accent5" accent6="accent6" hlink="hlink" folHlink="folHlink"/>
   <p:sldLayoutIdLst>
-    <p:sldLayoutId id="2147483649" r:id="rId1"/>
-    <p:sldLayoutId id="2147483650" r:id="rId2"/>
-    <p:sldLayoutId id="2147483651" r:id="rId3"/>
-    <p:sldLayoutId id="2147483652" r:id="rId4"/>
-    <p:sldLayoutId id="2147483653" r:id="rId5"/>
-    <p:sldLayoutId id="2147483654" r:id="rId6"/>
-    <p:sldLayoutId id="2147483655" r:id="rId7"/>
-    <p:sldLayoutId id="2147483656" r:id="rId8"/>
-    <p:sldLayoutId id="2147483657" r:id="rId9"/>
-    <p:sldLayoutId id="2147483658" r:id="rId10"/>
-    <p:sldLayoutId id="2147483659" r:id="rId11"/>
+    <p:sldLayoutId id="2147483661" r:id="rId1"/>
+    <p:sldLayoutId id="2147483662" r:id="rId2"/>
+    <p:sldLayoutId id="2147483663" r:id="rId3"/>
+    <p:sldLayoutId id="2147483664" r:id="rId4"/>
+    <p:sldLayoutId id="2147483665" r:id="rId5"/>
+    <p:sldLayoutId id="2147483666" r:id="rId6"/>
+    <p:sldLayoutId id="2147483667" r:id="rId7"/>
+    <p:sldLayoutId id="2147483668" r:id="rId8"/>
+    <p:sldLayoutId id="2147483669" r:id="rId9"/>
+    <p:sldLayoutId id="2147483670" r:id="rId10"/>
+    <p:sldLayoutId id="2147483671" r:id="rId11"/>
   </p:sldLayoutIdLst>
   <p:txStyles>
     <p:titleStyle>
@@ -36914,7 +33363,7 @@
     </p:bodyStyle>
     <p:otherStyle>
       <a:defPPr>
-        <a:defRPr lang="de-DE"/>
+        <a:defRPr lang="en-US"/>
       </a:defPPr>
       <a:lvl1pPr marL="0" algn="l" defTabSz="914400" rtl="0" eaLnBrk="1" latinLnBrk="0" hangingPunct="1">
         <a:defRPr sz="1800" kern="1200">
@@ -37067,271 +33516,6 @@
           </a:extLst>
         </p:spPr>
       </p:pic>
-      <p:sp>
-        <p:nvSpPr>
-          <p:cNvPr id="68" name="Freeform 8"/>
-          <p:cNvSpPr>
-            <a:spLocks noGrp="1" noRot="1" noChangeAspect="1" noMove="1" noResize="1" noEditPoints="1" noAdjustHandles="1" noChangeArrowheads="1" noChangeShapeType="1" noTextEdit="1"/>
-          </p:cNvSpPr>
-          <p:nvPr>
-            <p:extLst>
-              <p:ext uri="{386F3935-93C4-4BCD-93E2-E3B085C9AB24}">
-                <p16:designElem xmlns:p16="http://schemas.microsoft.com/office/powerpoint/2015/main" val="1"/>
-              </p:ext>
-            </p:extLst>
-          </p:nvPr>
-        </p:nvSpPr>
-        <p:spPr>
-          <a:xfrm>
-            <a:off x="-851" y="-479"/>
-            <a:ext cx="9468701" cy="6858478"/>
-          </a:xfrm>
-          <a:custGeom>
-            <a:avLst/>
-            <a:gdLst>
-              <a:gd name="connsiteX0" fmla="*/ 0 w 8078051"/>
-              <a:gd name="connsiteY0" fmla="*/ 0 h 5829300"/>
-              <a:gd name="connsiteX1" fmla="*/ 4453793 w 8078051"/>
-              <a:gd name="connsiteY1" fmla="*/ 0 h 5829300"/>
-              <a:gd name="connsiteX2" fmla="*/ 5363426 w 8078051"/>
-              <a:gd name="connsiteY2" fmla="*/ 0 h 5829300"/>
-              <a:gd name="connsiteX3" fmla="*/ 5368184 w 8078051"/>
-              <a:gd name="connsiteY3" fmla="*/ 0 h 5829300"/>
-              <a:gd name="connsiteX4" fmla="*/ 8078051 w 8078051"/>
-              <a:gd name="connsiteY4" fmla="*/ 5829300 h 5829300"/>
-              <a:gd name="connsiteX5" fmla="*/ 1743926 w 8078051"/>
-              <a:gd name="connsiteY5" fmla="*/ 5829300 h 5829300"/>
-              <a:gd name="connsiteX6" fmla="*/ 1744148 w 8078051"/>
-              <a:gd name="connsiteY6" fmla="*/ 5828822 h 5829300"/>
-              <a:gd name="connsiteX7" fmla="*/ 0 w 8078051"/>
-              <a:gd name="connsiteY7" fmla="*/ 5828822 h 5829300"/>
-            </a:gdLst>
-            <a:ahLst/>
-            <a:cxnLst>
-              <a:cxn ang="0">
-                <a:pos x="connsiteX0" y="connsiteY0"/>
-              </a:cxn>
-              <a:cxn ang="0">
-                <a:pos x="connsiteX1" y="connsiteY1"/>
-              </a:cxn>
-              <a:cxn ang="0">
-                <a:pos x="connsiteX2" y="connsiteY2"/>
-              </a:cxn>
-              <a:cxn ang="0">
-                <a:pos x="connsiteX3" y="connsiteY3"/>
-              </a:cxn>
-              <a:cxn ang="0">
-                <a:pos x="connsiteX4" y="connsiteY4"/>
-              </a:cxn>
-              <a:cxn ang="0">
-                <a:pos x="connsiteX5" y="connsiteY5"/>
-              </a:cxn>
-              <a:cxn ang="0">
-                <a:pos x="connsiteX6" y="connsiteY6"/>
-              </a:cxn>
-              <a:cxn ang="0">
-                <a:pos x="connsiteX7" y="connsiteY7"/>
-              </a:cxn>
-            </a:cxnLst>
-            <a:rect l="l" t="t" r="r" b="b"/>
-            <a:pathLst>
-              <a:path w="8078051" h="5829300">
-                <a:moveTo>
-                  <a:pt x="0" y="0"/>
-                </a:moveTo>
-                <a:lnTo>
-                  <a:pt x="4453793" y="0"/>
-                </a:lnTo>
-                <a:lnTo>
-                  <a:pt x="5363426" y="0"/>
-                </a:lnTo>
-                <a:lnTo>
-                  <a:pt x="5368184" y="0"/>
-                </a:lnTo>
-                <a:lnTo>
-                  <a:pt x="8078051" y="5829300"/>
-                </a:lnTo>
-                <a:lnTo>
-                  <a:pt x="1743926" y="5829300"/>
-                </a:lnTo>
-                <a:lnTo>
-                  <a:pt x="1744148" y="5828822"/>
-                </a:lnTo>
-                <a:lnTo>
-                  <a:pt x="0" y="5828822"/>
-                </a:lnTo>
-                <a:close/>
-              </a:path>
-            </a:pathLst>
-          </a:custGeom>
-          <a:solidFill>
-            <a:schemeClr val="bg1">
-              <a:lumMod val="85000"/>
-              <a:lumOff val="15000"/>
-              <a:alpha val="70000"/>
-            </a:schemeClr>
-          </a:solidFill>
-          <a:ln>
-            <a:noFill/>
-          </a:ln>
-        </p:spPr>
-        <p:style>
-          <a:lnRef idx="2">
-            <a:schemeClr val="accent1">
-              <a:shade val="50000"/>
-            </a:schemeClr>
-          </a:lnRef>
-          <a:fillRef idx="1">
-            <a:schemeClr val="accent1"/>
-          </a:fillRef>
-          <a:effectRef idx="0">
-            <a:schemeClr val="accent1"/>
-          </a:effectRef>
-          <a:fontRef idx="minor">
-            <a:schemeClr val="lt1"/>
-          </a:fontRef>
-        </p:style>
-        <p:txBody>
-          <a:bodyPr rtlCol="0" anchor="ctr"/>
-          <a:lstStyle/>
-          <a:p>
-            <a:pPr algn="ctr"/>
-            <a:endParaRPr lang="en-US"/>
-          </a:p>
-        </p:txBody>
-      </p:sp>
-      <p:sp>
-        <p:nvSpPr>
-          <p:cNvPr id="69" name="Freeform 11"/>
-          <p:cNvSpPr>
-            <a:spLocks noGrp="1" noRot="1" noChangeAspect="1" noMove="1" noResize="1" noEditPoints="1" noAdjustHandles="1" noChangeArrowheads="1" noChangeShapeType="1" noTextEdit="1"/>
-          </p:cNvSpPr>
-          <p:nvPr>
-            <p:extLst>
-              <p:ext uri="{386F3935-93C4-4BCD-93E2-E3B085C9AB24}">
-                <p16:designElem xmlns:p16="http://schemas.microsoft.com/office/powerpoint/2015/main" val="1"/>
-              </p:ext>
-            </p:extLst>
-          </p:nvPr>
-        </p:nvSpPr>
-        <p:spPr>
-          <a:xfrm>
-            <a:off x="-852" y="-479"/>
-            <a:ext cx="8078052" cy="6858478"/>
-          </a:xfrm>
-          <a:custGeom>
-            <a:avLst/>
-            <a:gdLst>
-              <a:gd name="connsiteX0" fmla="*/ 0 w 8078052"/>
-              <a:gd name="connsiteY0" fmla="*/ 0 h 6858478"/>
-              <a:gd name="connsiteX1" fmla="*/ 3829872 w 8078052"/>
-              <a:gd name="connsiteY1" fmla="*/ 0 h 6858478"/>
-              <a:gd name="connsiteX2" fmla="*/ 4896100 w 8078052"/>
-              <a:gd name="connsiteY2" fmla="*/ 0 h 6858478"/>
-              <a:gd name="connsiteX3" fmla="*/ 4901677 w 8078052"/>
-              <a:gd name="connsiteY3" fmla="*/ 0 h 6858478"/>
-              <a:gd name="connsiteX4" fmla="*/ 8078052 w 8078052"/>
-              <a:gd name="connsiteY4" fmla="*/ 6858478 h 6858478"/>
-              <a:gd name="connsiteX5" fmla="*/ 653497 w 8078052"/>
-              <a:gd name="connsiteY5" fmla="*/ 6858478 h 6858478"/>
-              <a:gd name="connsiteX6" fmla="*/ 653757 w 8078052"/>
-              <a:gd name="connsiteY6" fmla="*/ 6857916 h 6858478"/>
-              <a:gd name="connsiteX7" fmla="*/ 0 w 8078052"/>
-              <a:gd name="connsiteY7" fmla="*/ 6857916 h 6858478"/>
-            </a:gdLst>
-            <a:ahLst/>
-            <a:cxnLst>
-              <a:cxn ang="0">
-                <a:pos x="connsiteX0" y="connsiteY0"/>
-              </a:cxn>
-              <a:cxn ang="0">
-                <a:pos x="connsiteX1" y="connsiteY1"/>
-              </a:cxn>
-              <a:cxn ang="0">
-                <a:pos x="connsiteX2" y="connsiteY2"/>
-              </a:cxn>
-              <a:cxn ang="0">
-                <a:pos x="connsiteX3" y="connsiteY3"/>
-              </a:cxn>
-              <a:cxn ang="0">
-                <a:pos x="connsiteX4" y="connsiteY4"/>
-              </a:cxn>
-              <a:cxn ang="0">
-                <a:pos x="connsiteX5" y="connsiteY5"/>
-              </a:cxn>
-              <a:cxn ang="0">
-                <a:pos x="connsiteX6" y="connsiteY6"/>
-              </a:cxn>
-              <a:cxn ang="0">
-                <a:pos x="connsiteX7" y="connsiteY7"/>
-              </a:cxn>
-            </a:cxnLst>
-            <a:rect l="l" t="t" r="r" b="b"/>
-            <a:pathLst>
-              <a:path w="8078052" h="6858478">
-                <a:moveTo>
-                  <a:pt x="0" y="0"/>
-                </a:moveTo>
-                <a:lnTo>
-                  <a:pt x="3829872" y="0"/>
-                </a:lnTo>
-                <a:lnTo>
-                  <a:pt x="4896100" y="0"/>
-                </a:lnTo>
-                <a:lnTo>
-                  <a:pt x="4901677" y="0"/>
-                </a:lnTo>
-                <a:lnTo>
-                  <a:pt x="8078052" y="6858478"/>
-                </a:lnTo>
-                <a:lnTo>
-                  <a:pt x="653497" y="6858478"/>
-                </a:lnTo>
-                <a:lnTo>
-                  <a:pt x="653757" y="6857916"/>
-                </a:lnTo>
-                <a:lnTo>
-                  <a:pt x="0" y="6857916"/>
-                </a:lnTo>
-                <a:close/>
-              </a:path>
-            </a:pathLst>
-          </a:custGeom>
-          <a:solidFill>
-            <a:schemeClr val="bg1">
-              <a:lumMod val="85000"/>
-              <a:lumOff val="15000"/>
-            </a:schemeClr>
-          </a:solidFill>
-          <a:ln>
-            <a:noFill/>
-          </a:ln>
-        </p:spPr>
-        <p:style>
-          <a:lnRef idx="2">
-            <a:schemeClr val="accent1">
-              <a:shade val="50000"/>
-            </a:schemeClr>
-          </a:lnRef>
-          <a:fillRef idx="1">
-            <a:schemeClr val="accent1"/>
-          </a:fillRef>
-          <a:effectRef idx="0">
-            <a:schemeClr val="accent1"/>
-          </a:effectRef>
-          <a:fontRef idx="minor">
-            <a:schemeClr val="lt1"/>
-          </a:fontRef>
-        </p:style>
-        <p:txBody>
-          <a:bodyPr rtlCol="0" anchor="ctr"/>
-          <a:lstStyle/>
-          <a:p>
-            <a:pPr algn="ctr"/>
-            <a:endParaRPr lang="en-US"/>
-          </a:p>
-        </p:txBody>
-      </p:sp>
       <p:sp>
         <p:nvSpPr>
           <p:cNvPr id="2" name="Titel 1"/>
@@ -38654,31 +34838,1053 @@
           </a:p>
         </p:txBody>
       </p:sp>
-      <p:graphicFrame>
-        <p:nvGraphicFramePr>
-          <p:cNvPr id="5" name="Inhaltsplatzhalter 4"/>
-          <p:cNvGraphicFramePr>
-            <a:graphicFrameLocks noGrp="1"/>
-          </p:cNvGraphicFramePr>
-          <p:nvPr>
-            <p:ph idx="1"/>
-            <p:extLst>
-              <p:ext uri="{D42A27DB-BD31-4B8C-83A1-F6EECF244321}">
-                <p14:modId xmlns:p14="http://schemas.microsoft.com/office/powerpoint/2010/main" val="169264216"/>
-              </p:ext>
-            </p:extLst>
-          </p:nvPr>
-        </p:nvGraphicFramePr>
-        <p:xfrm>
-          <a:off x="504093" y="1556241"/>
-          <a:ext cx="11183814" cy="5046783"/>
-        </p:xfrm>
-        <a:graphic>
-          <a:graphicData uri="http://schemas.openxmlformats.org/drawingml/2006/diagram">
-            <dgm:relIds xmlns:dgm="http://schemas.openxmlformats.org/drawingml/2006/diagram" xmlns:r="http://schemas.openxmlformats.org/officeDocument/2006/relationships" r:dm="rId2" r:lo="rId3" r:qs="rId4" r:cs="rId5"/>
-          </a:graphicData>
-        </a:graphic>
-      </p:graphicFrame>
+      <p:sp>
+        <p:nvSpPr>
+          <p:cNvPr id="4" name="Freihandform 3"/>
+          <p:cNvSpPr/>
+          <p:nvPr/>
+        </p:nvSpPr>
+        <p:spPr>
+          <a:xfrm>
+            <a:off x="804496" y="1872761"/>
+            <a:ext cx="10583007" cy="4598378"/>
+          </a:xfrm>
+          <a:custGeom>
+            <a:avLst/>
+            <a:gdLst>
+              <a:gd name="connsiteX0" fmla="*/ 0 w 10583007"/>
+              <a:gd name="connsiteY0" fmla="*/ 390862 h 4598378"/>
+              <a:gd name="connsiteX1" fmla="*/ 390862 w 10583007"/>
+              <a:gd name="connsiteY1" fmla="*/ 0 h 4598378"/>
+              <a:gd name="connsiteX2" fmla="*/ 10192145 w 10583007"/>
+              <a:gd name="connsiteY2" fmla="*/ 0 h 4598378"/>
+              <a:gd name="connsiteX3" fmla="*/ 10583007 w 10583007"/>
+              <a:gd name="connsiteY3" fmla="*/ 390862 h 4598378"/>
+              <a:gd name="connsiteX4" fmla="*/ 10583007 w 10583007"/>
+              <a:gd name="connsiteY4" fmla="*/ 4207516 h 4598378"/>
+              <a:gd name="connsiteX5" fmla="*/ 10192145 w 10583007"/>
+              <a:gd name="connsiteY5" fmla="*/ 4598378 h 4598378"/>
+              <a:gd name="connsiteX6" fmla="*/ 390862 w 10583007"/>
+              <a:gd name="connsiteY6" fmla="*/ 4598378 h 4598378"/>
+              <a:gd name="connsiteX7" fmla="*/ 0 w 10583007"/>
+              <a:gd name="connsiteY7" fmla="*/ 4207516 h 4598378"/>
+              <a:gd name="connsiteX8" fmla="*/ 0 w 10583007"/>
+              <a:gd name="connsiteY8" fmla="*/ 390862 h 4598378"/>
+            </a:gdLst>
+            <a:ahLst/>
+            <a:cxnLst>
+              <a:cxn ang="0">
+                <a:pos x="connsiteX0" y="connsiteY0"/>
+              </a:cxn>
+              <a:cxn ang="0">
+                <a:pos x="connsiteX1" y="connsiteY1"/>
+              </a:cxn>
+              <a:cxn ang="0">
+                <a:pos x="connsiteX2" y="connsiteY2"/>
+              </a:cxn>
+              <a:cxn ang="0">
+                <a:pos x="connsiteX3" y="connsiteY3"/>
+              </a:cxn>
+              <a:cxn ang="0">
+                <a:pos x="connsiteX4" y="connsiteY4"/>
+              </a:cxn>
+              <a:cxn ang="0">
+                <a:pos x="connsiteX5" y="connsiteY5"/>
+              </a:cxn>
+              <a:cxn ang="0">
+                <a:pos x="connsiteX6" y="connsiteY6"/>
+              </a:cxn>
+              <a:cxn ang="0">
+                <a:pos x="connsiteX7" y="connsiteY7"/>
+              </a:cxn>
+              <a:cxn ang="0">
+                <a:pos x="connsiteX8" y="connsiteY8"/>
+              </a:cxn>
+            </a:cxnLst>
+            <a:rect l="l" t="t" r="r" b="b"/>
+            <a:pathLst>
+              <a:path w="10583007" h="4598378">
+                <a:moveTo>
+                  <a:pt x="0" y="390862"/>
+                </a:moveTo>
+                <a:cubicBezTo>
+                  <a:pt x="0" y="174995"/>
+                  <a:pt x="174995" y="0"/>
+                  <a:pt x="390862" y="0"/>
+                </a:cubicBezTo>
+                <a:lnTo>
+                  <a:pt x="10192145" y="0"/>
+                </a:lnTo>
+                <a:cubicBezTo>
+                  <a:pt x="10408012" y="0"/>
+                  <a:pt x="10583007" y="174995"/>
+                  <a:pt x="10583007" y="390862"/>
+                </a:cubicBezTo>
+                <a:lnTo>
+                  <a:pt x="10583007" y="4207516"/>
+                </a:lnTo>
+                <a:cubicBezTo>
+                  <a:pt x="10583007" y="4423383"/>
+                  <a:pt x="10408012" y="4598378"/>
+                  <a:pt x="10192145" y="4598378"/>
+                </a:cubicBezTo>
+                <a:lnTo>
+                  <a:pt x="390862" y="4598378"/>
+                </a:lnTo>
+                <a:cubicBezTo>
+                  <a:pt x="174995" y="4598378"/>
+                  <a:pt x="0" y="4423383"/>
+                  <a:pt x="0" y="4207516"/>
+                </a:cubicBezTo>
+                <a:lnTo>
+                  <a:pt x="0" y="390862"/>
+                </a:lnTo>
+                <a:close/>
+              </a:path>
+            </a:pathLst>
+          </a:custGeom>
+        </p:spPr>
+        <p:style>
+          <a:lnRef idx="2">
+            <a:schemeClr val="lt1">
+              <a:hueOff val="0"/>
+              <a:satOff val="0"/>
+              <a:lumOff val="0"/>
+              <a:alphaOff val="0"/>
+            </a:schemeClr>
+          </a:lnRef>
+          <a:fillRef idx="1">
+            <a:schemeClr val="accent5">
+              <a:hueOff val="0"/>
+              <a:satOff val="0"/>
+              <a:lumOff val="0"/>
+              <a:alphaOff val="0"/>
+            </a:schemeClr>
+          </a:fillRef>
+          <a:effectRef idx="0">
+            <a:schemeClr val="accent5">
+              <a:hueOff val="0"/>
+              <a:satOff val="0"/>
+              <a:lumOff val="0"/>
+              <a:alphaOff val="0"/>
+            </a:schemeClr>
+          </a:effectRef>
+          <a:fontRef idx="minor">
+            <a:schemeClr val="lt1"/>
+          </a:fontRef>
+        </p:style>
+        <p:txBody>
+          <a:bodyPr spcFirstLastPara="0" vert="horz" wrap="square" lIns="259260" tIns="259260" rIns="259260" bIns="3683332" numCol="1" spcCol="1270" anchor="t" anchorCtr="0">
+            <a:noAutofit/>
+          </a:bodyPr>
+          <a:lstStyle/>
+          <a:p>
+            <a:pPr marL="0" lvl="0" indent="0" algn="l" defTabSz="1689100">
+              <a:lnSpc>
+                <a:spcPct val="90000"/>
+              </a:lnSpc>
+              <a:spcBef>
+                <a:spcPct val="0"/>
+              </a:spcBef>
+              <a:spcAft>
+                <a:spcPct val="35000"/>
+              </a:spcAft>
+              <a:buNone/>
+            </a:pPr>
+            <a:r>
+              <a:rPr lang="de-DE" sz="3800" kern="1200" dirty="0"/>
+              <a:t>PAMS</a:t>
+            </a:r>
+          </a:p>
+        </p:txBody>
+      </p:sp>
+      <p:sp>
+        <p:nvSpPr>
+          <p:cNvPr id="6" name="Freihandform 5"/>
+          <p:cNvSpPr/>
+          <p:nvPr/>
+        </p:nvSpPr>
+        <p:spPr>
+          <a:xfrm>
+            <a:off x="1559932" y="3022354"/>
+            <a:ext cx="4320000" cy="3218864"/>
+          </a:xfrm>
+          <a:custGeom>
+            <a:avLst/>
+            <a:gdLst>
+              <a:gd name="connsiteX0" fmla="*/ 0 w 10053856"/>
+              <a:gd name="connsiteY0" fmla="*/ 337981 h 3218864"/>
+              <a:gd name="connsiteX1" fmla="*/ 337981 w 10053856"/>
+              <a:gd name="connsiteY1" fmla="*/ 0 h 3218864"/>
+              <a:gd name="connsiteX2" fmla="*/ 9715875 w 10053856"/>
+              <a:gd name="connsiteY2" fmla="*/ 0 h 3218864"/>
+              <a:gd name="connsiteX3" fmla="*/ 10053856 w 10053856"/>
+              <a:gd name="connsiteY3" fmla="*/ 337981 h 3218864"/>
+              <a:gd name="connsiteX4" fmla="*/ 10053856 w 10053856"/>
+              <a:gd name="connsiteY4" fmla="*/ 2880883 h 3218864"/>
+              <a:gd name="connsiteX5" fmla="*/ 9715875 w 10053856"/>
+              <a:gd name="connsiteY5" fmla="*/ 3218864 h 3218864"/>
+              <a:gd name="connsiteX6" fmla="*/ 337981 w 10053856"/>
+              <a:gd name="connsiteY6" fmla="*/ 3218864 h 3218864"/>
+              <a:gd name="connsiteX7" fmla="*/ 0 w 10053856"/>
+              <a:gd name="connsiteY7" fmla="*/ 2880883 h 3218864"/>
+              <a:gd name="connsiteX8" fmla="*/ 0 w 10053856"/>
+              <a:gd name="connsiteY8" fmla="*/ 337981 h 3218864"/>
+            </a:gdLst>
+            <a:ahLst/>
+            <a:cxnLst>
+              <a:cxn ang="0">
+                <a:pos x="connsiteX0" y="connsiteY0"/>
+              </a:cxn>
+              <a:cxn ang="0">
+                <a:pos x="connsiteX1" y="connsiteY1"/>
+              </a:cxn>
+              <a:cxn ang="0">
+                <a:pos x="connsiteX2" y="connsiteY2"/>
+              </a:cxn>
+              <a:cxn ang="0">
+                <a:pos x="connsiteX3" y="connsiteY3"/>
+              </a:cxn>
+              <a:cxn ang="0">
+                <a:pos x="connsiteX4" y="connsiteY4"/>
+              </a:cxn>
+              <a:cxn ang="0">
+                <a:pos x="connsiteX5" y="connsiteY5"/>
+              </a:cxn>
+              <a:cxn ang="0">
+                <a:pos x="connsiteX6" y="connsiteY6"/>
+              </a:cxn>
+              <a:cxn ang="0">
+                <a:pos x="connsiteX7" y="connsiteY7"/>
+              </a:cxn>
+              <a:cxn ang="0">
+                <a:pos x="connsiteX8" y="connsiteY8"/>
+              </a:cxn>
+            </a:cxnLst>
+            <a:rect l="l" t="t" r="r" b="b"/>
+            <a:pathLst>
+              <a:path w="10053856" h="3218864">
+                <a:moveTo>
+                  <a:pt x="0" y="337981"/>
+                </a:moveTo>
+                <a:cubicBezTo>
+                  <a:pt x="0" y="151319"/>
+                  <a:pt x="151319" y="0"/>
+                  <a:pt x="337981" y="0"/>
+                </a:cubicBezTo>
+                <a:lnTo>
+                  <a:pt x="9715875" y="0"/>
+                </a:lnTo>
+                <a:cubicBezTo>
+                  <a:pt x="9902537" y="0"/>
+                  <a:pt x="10053856" y="151319"/>
+                  <a:pt x="10053856" y="337981"/>
+                </a:cubicBezTo>
+                <a:lnTo>
+                  <a:pt x="10053856" y="2880883"/>
+                </a:lnTo>
+                <a:cubicBezTo>
+                  <a:pt x="10053856" y="3067545"/>
+                  <a:pt x="9902537" y="3218864"/>
+                  <a:pt x="9715875" y="3218864"/>
+                </a:cubicBezTo>
+                <a:lnTo>
+                  <a:pt x="337981" y="3218864"/>
+                </a:lnTo>
+                <a:cubicBezTo>
+                  <a:pt x="151319" y="3218864"/>
+                  <a:pt x="0" y="3067545"/>
+                  <a:pt x="0" y="2880883"/>
+                </a:cubicBezTo>
+                <a:lnTo>
+                  <a:pt x="0" y="337981"/>
+                </a:lnTo>
+                <a:close/>
+              </a:path>
+            </a:pathLst>
+          </a:custGeom>
+        </p:spPr>
+        <p:style>
+          <a:lnRef idx="2">
+            <a:schemeClr val="lt1">
+              <a:hueOff val="0"/>
+              <a:satOff val="0"/>
+              <a:lumOff val="0"/>
+              <a:alphaOff val="0"/>
+            </a:schemeClr>
+          </a:lnRef>
+          <a:fillRef idx="1">
+            <a:schemeClr val="accent5">
+              <a:hueOff val="-3676672"/>
+              <a:satOff val="-5114"/>
+              <a:lumOff val="-1961"/>
+              <a:alphaOff val="0"/>
+            </a:schemeClr>
+          </a:fillRef>
+          <a:effectRef idx="0">
+            <a:schemeClr val="accent5">
+              <a:hueOff val="-3676672"/>
+              <a:satOff val="-5114"/>
+              <a:lumOff val="-1961"/>
+              <a:alphaOff val="0"/>
+            </a:schemeClr>
+          </a:effectRef>
+          <a:fontRef idx="minor">
+            <a:schemeClr val="lt1"/>
+          </a:fontRef>
+        </p:style>
+        <p:txBody>
+          <a:bodyPr spcFirstLastPara="0" vert="horz" wrap="square" lIns="243771" tIns="243771" rIns="243771" bIns="2142970" numCol="1" spcCol="1270" anchor="t" anchorCtr="0">
+            <a:noAutofit/>
+          </a:bodyPr>
+          <a:lstStyle/>
+          <a:p>
+            <a:pPr marL="0" lvl="0" indent="0" algn="l" defTabSz="1689100">
+              <a:lnSpc>
+                <a:spcPct val="90000"/>
+              </a:lnSpc>
+              <a:spcBef>
+                <a:spcPct val="0"/>
+              </a:spcBef>
+              <a:spcAft>
+                <a:spcPct val="35000"/>
+              </a:spcAft>
+              <a:buNone/>
+            </a:pPr>
+            <a:r>
+              <a:rPr lang="de-DE" sz="3800" kern="1200" dirty="0"/>
+              <a:t>Backend</a:t>
+            </a:r>
+          </a:p>
+        </p:txBody>
+      </p:sp>
+      <p:sp>
+        <p:nvSpPr>
+          <p:cNvPr id="7" name="Freihandform 6"/>
+          <p:cNvSpPr/>
+          <p:nvPr/>
+        </p:nvSpPr>
+        <p:spPr>
+          <a:xfrm>
+            <a:off x="1821579" y="4018086"/>
+            <a:ext cx="3796706" cy="1017436"/>
+          </a:xfrm>
+          <a:custGeom>
+            <a:avLst/>
+            <a:gdLst>
+              <a:gd name="connsiteX0" fmla="*/ 0 w 2010771"/>
+              <a:gd name="connsiteY0" fmla="*/ 93089 h 886563"/>
+              <a:gd name="connsiteX1" fmla="*/ 93089 w 2010771"/>
+              <a:gd name="connsiteY1" fmla="*/ 0 h 886563"/>
+              <a:gd name="connsiteX2" fmla="*/ 1917682 w 2010771"/>
+              <a:gd name="connsiteY2" fmla="*/ 0 h 886563"/>
+              <a:gd name="connsiteX3" fmla="*/ 2010771 w 2010771"/>
+              <a:gd name="connsiteY3" fmla="*/ 93089 h 886563"/>
+              <a:gd name="connsiteX4" fmla="*/ 2010771 w 2010771"/>
+              <a:gd name="connsiteY4" fmla="*/ 793474 h 886563"/>
+              <a:gd name="connsiteX5" fmla="*/ 1917682 w 2010771"/>
+              <a:gd name="connsiteY5" fmla="*/ 886563 h 886563"/>
+              <a:gd name="connsiteX6" fmla="*/ 93089 w 2010771"/>
+              <a:gd name="connsiteY6" fmla="*/ 886563 h 886563"/>
+              <a:gd name="connsiteX7" fmla="*/ 0 w 2010771"/>
+              <a:gd name="connsiteY7" fmla="*/ 793474 h 886563"/>
+              <a:gd name="connsiteX8" fmla="*/ 0 w 2010771"/>
+              <a:gd name="connsiteY8" fmla="*/ 93089 h 886563"/>
+            </a:gdLst>
+            <a:ahLst/>
+            <a:cxnLst>
+              <a:cxn ang="0">
+                <a:pos x="connsiteX0" y="connsiteY0"/>
+              </a:cxn>
+              <a:cxn ang="0">
+                <a:pos x="connsiteX1" y="connsiteY1"/>
+              </a:cxn>
+              <a:cxn ang="0">
+                <a:pos x="connsiteX2" y="connsiteY2"/>
+              </a:cxn>
+              <a:cxn ang="0">
+                <a:pos x="connsiteX3" y="connsiteY3"/>
+              </a:cxn>
+              <a:cxn ang="0">
+                <a:pos x="connsiteX4" y="connsiteY4"/>
+              </a:cxn>
+              <a:cxn ang="0">
+                <a:pos x="connsiteX5" y="connsiteY5"/>
+              </a:cxn>
+              <a:cxn ang="0">
+                <a:pos x="connsiteX6" y="connsiteY6"/>
+              </a:cxn>
+              <a:cxn ang="0">
+                <a:pos x="connsiteX7" y="connsiteY7"/>
+              </a:cxn>
+              <a:cxn ang="0">
+                <a:pos x="connsiteX8" y="connsiteY8"/>
+              </a:cxn>
+            </a:cxnLst>
+            <a:rect l="l" t="t" r="r" b="b"/>
+            <a:pathLst>
+              <a:path w="2010771" h="886563">
+                <a:moveTo>
+                  <a:pt x="0" y="93089"/>
+                </a:moveTo>
+                <a:cubicBezTo>
+                  <a:pt x="0" y="41677"/>
+                  <a:pt x="41677" y="0"/>
+                  <a:pt x="93089" y="0"/>
+                </a:cubicBezTo>
+                <a:lnTo>
+                  <a:pt x="1917682" y="0"/>
+                </a:lnTo>
+                <a:cubicBezTo>
+                  <a:pt x="1969094" y="0"/>
+                  <a:pt x="2010771" y="41677"/>
+                  <a:pt x="2010771" y="93089"/>
+                </a:cubicBezTo>
+                <a:lnTo>
+                  <a:pt x="2010771" y="793474"/>
+                </a:lnTo>
+                <a:cubicBezTo>
+                  <a:pt x="2010771" y="844886"/>
+                  <a:pt x="1969094" y="886563"/>
+                  <a:pt x="1917682" y="886563"/>
+                </a:cubicBezTo>
+                <a:lnTo>
+                  <a:pt x="93089" y="886563"/>
+                </a:lnTo>
+                <a:cubicBezTo>
+                  <a:pt x="41677" y="886563"/>
+                  <a:pt x="0" y="844886"/>
+                  <a:pt x="0" y="793474"/>
+                </a:cubicBezTo>
+                <a:lnTo>
+                  <a:pt x="0" y="93089"/>
+                </a:lnTo>
+                <a:close/>
+              </a:path>
+            </a:pathLst>
+          </a:custGeom>
+        </p:spPr>
+        <p:style>
+          <a:lnRef idx="2">
+            <a:schemeClr val="accent5">
+              <a:hueOff val="0"/>
+              <a:satOff val="0"/>
+              <a:lumOff val="0"/>
+              <a:alphaOff val="0"/>
+            </a:schemeClr>
+          </a:lnRef>
+          <a:fillRef idx="1">
+            <a:schemeClr val="lt1">
+              <a:alpha val="90000"/>
+              <a:hueOff val="0"/>
+              <a:satOff val="0"/>
+              <a:lumOff val="0"/>
+              <a:alphaOff val="0"/>
+            </a:schemeClr>
+          </a:fillRef>
+          <a:effectRef idx="0">
+            <a:schemeClr val="lt1">
+              <a:alpha val="90000"/>
+              <a:hueOff val="0"/>
+              <a:satOff val="0"/>
+              <a:lumOff val="0"/>
+              <a:alphaOff val="0"/>
+            </a:schemeClr>
+          </a:effectRef>
+          <a:fontRef idx="minor">
+            <a:schemeClr val="dk1">
+              <a:hueOff val="0"/>
+              <a:satOff val="0"/>
+              <a:lumOff val="0"/>
+              <a:alphaOff val="0"/>
+            </a:schemeClr>
+          </a:fontRef>
+        </p:style>
+        <p:txBody>
+          <a:bodyPr spcFirstLastPara="0" vert="horz" wrap="square" lIns="88225" tIns="88225" rIns="88225" bIns="88225" numCol="1" spcCol="1270" anchor="t" anchorCtr="0">
+            <a:noAutofit/>
+          </a:bodyPr>
+          <a:lstStyle/>
+          <a:p>
+            <a:pPr marL="0" lvl="0" indent="0" algn="ctr" defTabSz="711200">
+              <a:lnSpc>
+                <a:spcPct val="90000"/>
+              </a:lnSpc>
+              <a:spcBef>
+                <a:spcPct val="0"/>
+              </a:spcBef>
+              <a:spcAft>
+                <a:spcPct val="35000"/>
+              </a:spcAft>
+              <a:buNone/>
+            </a:pPr>
+            <a:r>
+              <a:rPr lang="de-DE" sz="2000" kern="1200" dirty="0"/>
+              <a:t>PHP</a:t>
+            </a:r>
+            <a:endParaRPr lang="de-DE" kern="1200" dirty="0"/>
+          </a:p>
+          <a:p>
+            <a:pPr marL="114300" lvl="1" indent="-114300" algn="ctr" defTabSz="533400">
+              <a:lnSpc>
+                <a:spcPct val="90000"/>
+              </a:lnSpc>
+              <a:spcBef>
+                <a:spcPct val="0"/>
+              </a:spcBef>
+              <a:spcAft>
+                <a:spcPct val="15000"/>
+              </a:spcAft>
+              <a:buChar char="•"/>
+            </a:pPr>
+            <a:r>
+              <a:rPr lang="de-DE" sz="1600" kern="1200" dirty="0"/>
+              <a:t>Eigenes MVC Framework</a:t>
+            </a:r>
+          </a:p>
+          <a:p>
+            <a:pPr marL="114300" lvl="1" indent="-114300" algn="ctr" defTabSz="533400">
+              <a:lnSpc>
+                <a:spcPct val="90000"/>
+              </a:lnSpc>
+              <a:spcBef>
+                <a:spcPct val="0"/>
+              </a:spcBef>
+              <a:spcAft>
+                <a:spcPct val="15000"/>
+              </a:spcAft>
+              <a:buChar char="•"/>
+            </a:pPr>
+            <a:r>
+              <a:rPr lang="de-DE" sz="1600" kern="1200" dirty="0" err="1"/>
+              <a:t>Smarty</a:t>
+            </a:r>
+            <a:endParaRPr lang="de-DE" sz="1600" kern="1200" dirty="0"/>
+          </a:p>
+        </p:txBody>
+      </p:sp>
+      <p:sp>
+        <p:nvSpPr>
+          <p:cNvPr id="8" name="Freihandform 7"/>
+          <p:cNvSpPr/>
+          <p:nvPr/>
+        </p:nvSpPr>
+        <p:spPr>
+          <a:xfrm>
+            <a:off x="1821579" y="5111560"/>
+            <a:ext cx="3796706" cy="886563"/>
+          </a:xfrm>
+          <a:custGeom>
+            <a:avLst/>
+            <a:gdLst>
+              <a:gd name="connsiteX0" fmla="*/ 0 w 2010771"/>
+              <a:gd name="connsiteY0" fmla="*/ 93089 h 886563"/>
+              <a:gd name="connsiteX1" fmla="*/ 93089 w 2010771"/>
+              <a:gd name="connsiteY1" fmla="*/ 0 h 886563"/>
+              <a:gd name="connsiteX2" fmla="*/ 1917682 w 2010771"/>
+              <a:gd name="connsiteY2" fmla="*/ 0 h 886563"/>
+              <a:gd name="connsiteX3" fmla="*/ 2010771 w 2010771"/>
+              <a:gd name="connsiteY3" fmla="*/ 93089 h 886563"/>
+              <a:gd name="connsiteX4" fmla="*/ 2010771 w 2010771"/>
+              <a:gd name="connsiteY4" fmla="*/ 793474 h 886563"/>
+              <a:gd name="connsiteX5" fmla="*/ 1917682 w 2010771"/>
+              <a:gd name="connsiteY5" fmla="*/ 886563 h 886563"/>
+              <a:gd name="connsiteX6" fmla="*/ 93089 w 2010771"/>
+              <a:gd name="connsiteY6" fmla="*/ 886563 h 886563"/>
+              <a:gd name="connsiteX7" fmla="*/ 0 w 2010771"/>
+              <a:gd name="connsiteY7" fmla="*/ 793474 h 886563"/>
+              <a:gd name="connsiteX8" fmla="*/ 0 w 2010771"/>
+              <a:gd name="connsiteY8" fmla="*/ 93089 h 886563"/>
+            </a:gdLst>
+            <a:ahLst/>
+            <a:cxnLst>
+              <a:cxn ang="0">
+                <a:pos x="connsiteX0" y="connsiteY0"/>
+              </a:cxn>
+              <a:cxn ang="0">
+                <a:pos x="connsiteX1" y="connsiteY1"/>
+              </a:cxn>
+              <a:cxn ang="0">
+                <a:pos x="connsiteX2" y="connsiteY2"/>
+              </a:cxn>
+              <a:cxn ang="0">
+                <a:pos x="connsiteX3" y="connsiteY3"/>
+              </a:cxn>
+              <a:cxn ang="0">
+                <a:pos x="connsiteX4" y="connsiteY4"/>
+              </a:cxn>
+              <a:cxn ang="0">
+                <a:pos x="connsiteX5" y="connsiteY5"/>
+              </a:cxn>
+              <a:cxn ang="0">
+                <a:pos x="connsiteX6" y="connsiteY6"/>
+              </a:cxn>
+              <a:cxn ang="0">
+                <a:pos x="connsiteX7" y="connsiteY7"/>
+              </a:cxn>
+              <a:cxn ang="0">
+                <a:pos x="connsiteX8" y="connsiteY8"/>
+              </a:cxn>
+            </a:cxnLst>
+            <a:rect l="l" t="t" r="r" b="b"/>
+            <a:pathLst>
+              <a:path w="2010771" h="886563">
+                <a:moveTo>
+                  <a:pt x="0" y="93089"/>
+                </a:moveTo>
+                <a:cubicBezTo>
+                  <a:pt x="0" y="41677"/>
+                  <a:pt x="41677" y="0"/>
+                  <a:pt x="93089" y="0"/>
+                </a:cubicBezTo>
+                <a:lnTo>
+                  <a:pt x="1917682" y="0"/>
+                </a:lnTo>
+                <a:cubicBezTo>
+                  <a:pt x="1969094" y="0"/>
+                  <a:pt x="2010771" y="41677"/>
+                  <a:pt x="2010771" y="93089"/>
+                </a:cubicBezTo>
+                <a:lnTo>
+                  <a:pt x="2010771" y="793474"/>
+                </a:lnTo>
+                <a:cubicBezTo>
+                  <a:pt x="2010771" y="844886"/>
+                  <a:pt x="1969094" y="886563"/>
+                  <a:pt x="1917682" y="886563"/>
+                </a:cubicBezTo>
+                <a:lnTo>
+                  <a:pt x="93089" y="886563"/>
+                </a:lnTo>
+                <a:cubicBezTo>
+                  <a:pt x="41677" y="886563"/>
+                  <a:pt x="0" y="844886"/>
+                  <a:pt x="0" y="793474"/>
+                </a:cubicBezTo>
+                <a:lnTo>
+                  <a:pt x="0" y="93089"/>
+                </a:lnTo>
+                <a:close/>
+              </a:path>
+            </a:pathLst>
+          </a:custGeom>
+        </p:spPr>
+        <p:style>
+          <a:lnRef idx="2">
+            <a:schemeClr val="accent5">
+              <a:hueOff val="-3676672"/>
+              <a:satOff val="-5114"/>
+              <a:lumOff val="-1961"/>
+              <a:alphaOff val="0"/>
+            </a:schemeClr>
+          </a:lnRef>
+          <a:fillRef idx="1">
+            <a:schemeClr val="lt1">
+              <a:alpha val="90000"/>
+              <a:hueOff val="0"/>
+              <a:satOff val="0"/>
+              <a:lumOff val="0"/>
+              <a:alphaOff val="0"/>
+            </a:schemeClr>
+          </a:fillRef>
+          <a:effectRef idx="0">
+            <a:schemeClr val="lt1">
+              <a:alpha val="90000"/>
+              <a:hueOff val="0"/>
+              <a:satOff val="0"/>
+              <a:lumOff val="0"/>
+              <a:alphaOff val="0"/>
+            </a:schemeClr>
+          </a:effectRef>
+          <a:fontRef idx="minor">
+            <a:schemeClr val="dk1">
+              <a:hueOff val="0"/>
+              <a:satOff val="0"/>
+              <a:lumOff val="0"/>
+              <a:alphaOff val="0"/>
+            </a:schemeClr>
+          </a:fontRef>
+        </p:style>
+        <p:txBody>
+          <a:bodyPr spcFirstLastPara="0" vert="horz" wrap="square" lIns="88225" tIns="88225" rIns="88225" bIns="88225" numCol="1" spcCol="1270" anchor="ctr" anchorCtr="0">
+            <a:noAutofit/>
+          </a:bodyPr>
+          <a:lstStyle/>
+          <a:p>
+            <a:pPr marL="0" lvl="0" indent="0" algn="ctr" defTabSz="711200">
+              <a:lnSpc>
+                <a:spcPct val="90000"/>
+              </a:lnSpc>
+              <a:spcBef>
+                <a:spcPct val="0"/>
+              </a:spcBef>
+              <a:spcAft>
+                <a:spcPct val="35000"/>
+              </a:spcAft>
+              <a:buNone/>
+            </a:pPr>
+            <a:r>
+              <a:rPr lang="de-DE" sz="2000" kern="1200" dirty="0"/>
+              <a:t>MySQL Datenbank</a:t>
+            </a:r>
+            <a:endParaRPr lang="de-DE" kern="1200" dirty="0"/>
+          </a:p>
+        </p:txBody>
+      </p:sp>
+      <p:sp>
+        <p:nvSpPr>
+          <p:cNvPr id="9" name="Freihandform 8"/>
+          <p:cNvSpPr/>
+          <p:nvPr/>
+        </p:nvSpPr>
+        <p:spPr>
+          <a:xfrm>
+            <a:off x="6268915" y="3022355"/>
+            <a:ext cx="4320000" cy="3218863"/>
+          </a:xfrm>
+          <a:custGeom>
+            <a:avLst/>
+            <a:gdLst>
+              <a:gd name="connsiteX0" fmla="*/ 0 w 7302274"/>
+              <a:gd name="connsiteY0" fmla="*/ 193132 h 1839351"/>
+              <a:gd name="connsiteX1" fmla="*/ 193132 w 7302274"/>
+              <a:gd name="connsiteY1" fmla="*/ 0 h 1839351"/>
+              <a:gd name="connsiteX2" fmla="*/ 7109142 w 7302274"/>
+              <a:gd name="connsiteY2" fmla="*/ 0 h 1839351"/>
+              <a:gd name="connsiteX3" fmla="*/ 7302274 w 7302274"/>
+              <a:gd name="connsiteY3" fmla="*/ 193132 h 1839351"/>
+              <a:gd name="connsiteX4" fmla="*/ 7302274 w 7302274"/>
+              <a:gd name="connsiteY4" fmla="*/ 1646219 h 1839351"/>
+              <a:gd name="connsiteX5" fmla="*/ 7109142 w 7302274"/>
+              <a:gd name="connsiteY5" fmla="*/ 1839351 h 1839351"/>
+              <a:gd name="connsiteX6" fmla="*/ 193132 w 7302274"/>
+              <a:gd name="connsiteY6" fmla="*/ 1839351 h 1839351"/>
+              <a:gd name="connsiteX7" fmla="*/ 0 w 7302274"/>
+              <a:gd name="connsiteY7" fmla="*/ 1646219 h 1839351"/>
+              <a:gd name="connsiteX8" fmla="*/ 0 w 7302274"/>
+              <a:gd name="connsiteY8" fmla="*/ 193132 h 1839351"/>
+            </a:gdLst>
+            <a:ahLst/>
+            <a:cxnLst>
+              <a:cxn ang="0">
+                <a:pos x="connsiteX0" y="connsiteY0"/>
+              </a:cxn>
+              <a:cxn ang="0">
+                <a:pos x="connsiteX1" y="connsiteY1"/>
+              </a:cxn>
+              <a:cxn ang="0">
+                <a:pos x="connsiteX2" y="connsiteY2"/>
+              </a:cxn>
+              <a:cxn ang="0">
+                <a:pos x="connsiteX3" y="connsiteY3"/>
+              </a:cxn>
+              <a:cxn ang="0">
+                <a:pos x="connsiteX4" y="connsiteY4"/>
+              </a:cxn>
+              <a:cxn ang="0">
+                <a:pos x="connsiteX5" y="connsiteY5"/>
+              </a:cxn>
+              <a:cxn ang="0">
+                <a:pos x="connsiteX6" y="connsiteY6"/>
+              </a:cxn>
+              <a:cxn ang="0">
+                <a:pos x="connsiteX7" y="connsiteY7"/>
+              </a:cxn>
+              <a:cxn ang="0">
+                <a:pos x="connsiteX8" y="connsiteY8"/>
+              </a:cxn>
+            </a:cxnLst>
+            <a:rect l="l" t="t" r="r" b="b"/>
+            <a:pathLst>
+              <a:path w="7302274" h="1839351">
+                <a:moveTo>
+                  <a:pt x="0" y="193132"/>
+                </a:moveTo>
+                <a:cubicBezTo>
+                  <a:pt x="0" y="86468"/>
+                  <a:pt x="86468" y="0"/>
+                  <a:pt x="193132" y="0"/>
+                </a:cubicBezTo>
+                <a:lnTo>
+                  <a:pt x="7109142" y="0"/>
+                </a:lnTo>
+                <a:cubicBezTo>
+                  <a:pt x="7215806" y="0"/>
+                  <a:pt x="7302274" y="86468"/>
+                  <a:pt x="7302274" y="193132"/>
+                </a:cubicBezTo>
+                <a:lnTo>
+                  <a:pt x="7302274" y="1646219"/>
+                </a:lnTo>
+                <a:cubicBezTo>
+                  <a:pt x="7302274" y="1752883"/>
+                  <a:pt x="7215806" y="1839351"/>
+                  <a:pt x="7109142" y="1839351"/>
+                </a:cubicBezTo>
+                <a:lnTo>
+                  <a:pt x="193132" y="1839351"/>
+                </a:lnTo>
+                <a:cubicBezTo>
+                  <a:pt x="86468" y="1839351"/>
+                  <a:pt x="0" y="1752883"/>
+                  <a:pt x="0" y="1646219"/>
+                </a:cubicBezTo>
+                <a:lnTo>
+                  <a:pt x="0" y="193132"/>
+                </a:lnTo>
+                <a:close/>
+              </a:path>
+            </a:pathLst>
+          </a:custGeom>
+        </p:spPr>
+        <p:style>
+          <a:lnRef idx="2">
+            <a:schemeClr val="lt1">
+              <a:hueOff val="0"/>
+              <a:satOff val="0"/>
+              <a:lumOff val="0"/>
+              <a:alphaOff val="0"/>
+            </a:schemeClr>
+          </a:lnRef>
+          <a:fillRef idx="1">
+            <a:schemeClr val="accent5">
+              <a:hueOff val="-7353344"/>
+              <a:satOff val="-10228"/>
+              <a:lumOff val="-3922"/>
+              <a:alphaOff val="0"/>
+            </a:schemeClr>
+          </a:fillRef>
+          <a:effectRef idx="0">
+            <a:schemeClr val="accent5">
+              <a:hueOff val="-7353344"/>
+              <a:satOff val="-10228"/>
+              <a:lumOff val="-3922"/>
+              <a:alphaOff val="0"/>
+            </a:schemeClr>
+          </a:effectRef>
+          <a:fontRef idx="minor">
+            <a:schemeClr val="lt1"/>
+          </a:fontRef>
+        </p:style>
+        <p:txBody>
+          <a:bodyPr spcFirstLastPara="0" vert="horz" wrap="square" lIns="201346" tIns="201346" rIns="201346" bIns="1094778" numCol="1" spcCol="1270" anchor="t" anchorCtr="0">
+            <a:noAutofit/>
+          </a:bodyPr>
+          <a:lstStyle/>
+          <a:p>
+            <a:pPr marL="0" lvl="0" indent="0" algn="l" defTabSz="1689100">
+              <a:lnSpc>
+                <a:spcPct val="90000"/>
+              </a:lnSpc>
+              <a:spcBef>
+                <a:spcPct val="0"/>
+              </a:spcBef>
+              <a:spcAft>
+                <a:spcPct val="35000"/>
+              </a:spcAft>
+              <a:buNone/>
+            </a:pPr>
+            <a:r>
+              <a:rPr lang="de-DE" sz="3800" kern="1200" dirty="0"/>
+              <a:t>Frontend</a:t>
+            </a:r>
+          </a:p>
+        </p:txBody>
+      </p:sp>
+      <p:sp>
+        <p:nvSpPr>
+          <p:cNvPr id="10" name="Freihandform 9"/>
+          <p:cNvSpPr/>
+          <p:nvPr/>
+        </p:nvSpPr>
+        <p:spPr>
+          <a:xfrm>
+            <a:off x="6529915" y="4018085"/>
+            <a:ext cx="3798000" cy="1980038"/>
+          </a:xfrm>
+          <a:custGeom>
+            <a:avLst/>
+            <a:gdLst>
+              <a:gd name="connsiteX0" fmla="*/ 0 w 6937161"/>
+              <a:gd name="connsiteY0" fmla="*/ 86909 h 827708"/>
+              <a:gd name="connsiteX1" fmla="*/ 86909 w 6937161"/>
+              <a:gd name="connsiteY1" fmla="*/ 0 h 827708"/>
+              <a:gd name="connsiteX2" fmla="*/ 6850252 w 6937161"/>
+              <a:gd name="connsiteY2" fmla="*/ 0 h 827708"/>
+              <a:gd name="connsiteX3" fmla="*/ 6937161 w 6937161"/>
+              <a:gd name="connsiteY3" fmla="*/ 86909 h 827708"/>
+              <a:gd name="connsiteX4" fmla="*/ 6937161 w 6937161"/>
+              <a:gd name="connsiteY4" fmla="*/ 740799 h 827708"/>
+              <a:gd name="connsiteX5" fmla="*/ 6850252 w 6937161"/>
+              <a:gd name="connsiteY5" fmla="*/ 827708 h 827708"/>
+              <a:gd name="connsiteX6" fmla="*/ 86909 w 6937161"/>
+              <a:gd name="connsiteY6" fmla="*/ 827708 h 827708"/>
+              <a:gd name="connsiteX7" fmla="*/ 0 w 6937161"/>
+              <a:gd name="connsiteY7" fmla="*/ 740799 h 827708"/>
+              <a:gd name="connsiteX8" fmla="*/ 0 w 6937161"/>
+              <a:gd name="connsiteY8" fmla="*/ 86909 h 827708"/>
+            </a:gdLst>
+            <a:ahLst/>
+            <a:cxnLst>
+              <a:cxn ang="0">
+                <a:pos x="connsiteX0" y="connsiteY0"/>
+              </a:cxn>
+              <a:cxn ang="0">
+                <a:pos x="connsiteX1" y="connsiteY1"/>
+              </a:cxn>
+              <a:cxn ang="0">
+                <a:pos x="connsiteX2" y="connsiteY2"/>
+              </a:cxn>
+              <a:cxn ang="0">
+                <a:pos x="connsiteX3" y="connsiteY3"/>
+              </a:cxn>
+              <a:cxn ang="0">
+                <a:pos x="connsiteX4" y="connsiteY4"/>
+              </a:cxn>
+              <a:cxn ang="0">
+                <a:pos x="connsiteX5" y="connsiteY5"/>
+              </a:cxn>
+              <a:cxn ang="0">
+                <a:pos x="connsiteX6" y="connsiteY6"/>
+              </a:cxn>
+              <a:cxn ang="0">
+                <a:pos x="connsiteX7" y="connsiteY7"/>
+              </a:cxn>
+              <a:cxn ang="0">
+                <a:pos x="connsiteX8" y="connsiteY8"/>
+              </a:cxn>
+            </a:cxnLst>
+            <a:rect l="l" t="t" r="r" b="b"/>
+            <a:pathLst>
+              <a:path w="6937161" h="827708">
+                <a:moveTo>
+                  <a:pt x="0" y="86909"/>
+                </a:moveTo>
+                <a:cubicBezTo>
+                  <a:pt x="0" y="38910"/>
+                  <a:pt x="38910" y="0"/>
+                  <a:pt x="86909" y="0"/>
+                </a:cubicBezTo>
+                <a:lnTo>
+                  <a:pt x="6850252" y="0"/>
+                </a:lnTo>
+                <a:cubicBezTo>
+                  <a:pt x="6898251" y="0"/>
+                  <a:pt x="6937161" y="38910"/>
+                  <a:pt x="6937161" y="86909"/>
+                </a:cubicBezTo>
+                <a:lnTo>
+                  <a:pt x="6937161" y="740799"/>
+                </a:lnTo>
+                <a:cubicBezTo>
+                  <a:pt x="6937161" y="788798"/>
+                  <a:pt x="6898251" y="827708"/>
+                  <a:pt x="6850252" y="827708"/>
+                </a:cubicBezTo>
+                <a:lnTo>
+                  <a:pt x="86909" y="827708"/>
+                </a:lnTo>
+                <a:cubicBezTo>
+                  <a:pt x="38910" y="827708"/>
+                  <a:pt x="0" y="788798"/>
+                  <a:pt x="0" y="740799"/>
+                </a:cubicBezTo>
+                <a:lnTo>
+                  <a:pt x="0" y="86909"/>
+                </a:lnTo>
+                <a:close/>
+              </a:path>
+            </a:pathLst>
+          </a:custGeom>
+        </p:spPr>
+        <p:style>
+          <a:lnRef idx="2">
+            <a:schemeClr val="accent5">
+              <a:hueOff val="-7353344"/>
+              <a:satOff val="-10228"/>
+              <a:lumOff val="-3922"/>
+              <a:alphaOff val="0"/>
+            </a:schemeClr>
+          </a:lnRef>
+          <a:fillRef idx="1">
+            <a:schemeClr val="lt1">
+              <a:alpha val="90000"/>
+              <a:hueOff val="0"/>
+              <a:satOff val="0"/>
+              <a:lumOff val="0"/>
+              <a:alphaOff val="0"/>
+            </a:schemeClr>
+          </a:fillRef>
+          <a:effectRef idx="0">
+            <a:schemeClr val="lt1">
+              <a:alpha val="90000"/>
+              <a:hueOff val="0"/>
+              <a:satOff val="0"/>
+              <a:lumOff val="0"/>
+              <a:alphaOff val="0"/>
+            </a:schemeClr>
+          </a:effectRef>
+          <a:fontRef idx="minor">
+            <a:schemeClr val="dk1">
+              <a:hueOff val="0"/>
+              <a:satOff val="0"/>
+              <a:lumOff val="0"/>
+              <a:alphaOff val="0"/>
+            </a:schemeClr>
+          </a:fontRef>
+        </p:style>
+        <p:txBody>
+          <a:bodyPr spcFirstLastPara="0" vert="horz" wrap="square" lIns="86415" tIns="86415" rIns="86415" bIns="86415" numCol="1" spcCol="1270" anchor="ctr" anchorCtr="0">
+            <a:noAutofit/>
+          </a:bodyPr>
+          <a:lstStyle/>
+          <a:p>
+            <a:pPr marL="0" lvl="0" indent="0" algn="ctr" defTabSz="711200">
+              <a:lnSpc>
+                <a:spcPct val="90000"/>
+              </a:lnSpc>
+              <a:spcBef>
+                <a:spcPct val="0"/>
+              </a:spcBef>
+              <a:spcAft>
+                <a:spcPct val="35000"/>
+              </a:spcAft>
+              <a:buNone/>
+            </a:pPr>
+            <a:r>
+              <a:rPr lang="de-DE" dirty="0" err="1"/>
+              <a:t>R</a:t>
+            </a:r>
+            <a:r>
+              <a:rPr lang="de-DE" b="0" i="0" kern="1200" dirty="0" err="1"/>
+              <a:t>esponsives</a:t>
+            </a:r>
+            <a:r>
+              <a:rPr lang="de-DE" b="0" i="0" kern="1200" dirty="0"/>
+              <a:t> Front-End-Framework, basierend auf Material Design</a:t>
+            </a:r>
+          </a:p>
+          <a:p>
+            <a:pPr marL="0" lvl="0" indent="0" algn="ctr" defTabSz="711200">
+              <a:lnSpc>
+                <a:spcPct val="90000"/>
+              </a:lnSpc>
+              <a:spcBef>
+                <a:spcPct val="0"/>
+              </a:spcBef>
+              <a:spcAft>
+                <a:spcPct val="35000"/>
+              </a:spcAft>
+              <a:buNone/>
+            </a:pPr>
+            <a:r>
+              <a:rPr lang="de-DE" b="0" i="0" kern="1200" dirty="0"/>
+              <a:t>(JS,CSS)</a:t>
+            </a:r>
+            <a:endParaRPr lang="de-DE" kern="1200" dirty="0"/>
+          </a:p>
+        </p:txBody>
+      </p:sp>
     </p:spTree>
     <p:extLst>
       <p:ext uri="{BB962C8B-B14F-4D97-AF65-F5344CB8AC3E}">
@@ -38723,11 +35929,7 @@
                                           </p:stCondLst>
                                         </p:cTn>
                                         <p:tgtEl>
-                                          <p:spTgt spid="5">
-                                            <p:graphicEl>
-                                              <a:dgm id="{D4E31A17-81D1-48BC-8E33-501E17B1DBDF}"/>
-                                            </p:graphicEl>
-                                          </p:spTgt>
+                                          <p:spTgt spid="6"/>
                                         </p:tgtEl>
                                         <p:attrNameLst>
                                           <p:attrName>style.visibility</p:attrName>
@@ -38772,11 +35974,7 @@
                                           </p:stCondLst>
                                         </p:cTn>
                                         <p:tgtEl>
-                                          <p:spTgt spid="5">
-                                            <p:graphicEl>
-                                              <a:dgm id="{83455F29-C0EA-4397-8961-65A4ACEFEE26}"/>
-                                            </p:graphicEl>
-                                          </p:spTgt>
+                                          <p:spTgt spid="9"/>
                                         </p:tgtEl>
                                         <p:attrNameLst>
                                           <p:attrName>style.visibility</p:attrName>
@@ -38821,11 +36019,7 @@
                                           </p:stCondLst>
                                         </p:cTn>
                                         <p:tgtEl>
-                                          <p:spTgt spid="5">
-                                            <p:graphicEl>
-                                              <a:dgm id="{603BE0C7-6DD5-4F69-9C9C-08A7B235F526}"/>
-                                            </p:graphicEl>
-                                          </p:spTgt>
+                                          <p:spTgt spid="7"/>
                                         </p:tgtEl>
                                         <p:attrNameLst>
                                           <p:attrName>style.visibility</p:attrName>
@@ -38870,11 +36064,7 @@
                                           </p:stCondLst>
                                         </p:cTn>
                                         <p:tgtEl>
-                                          <p:spTgt spid="5">
-                                            <p:graphicEl>
-                                              <a:dgm id="{A1EA949C-6E29-404A-BC50-3004A9B81BD3}"/>
-                                            </p:graphicEl>
-                                          </p:spTgt>
+                                          <p:spTgt spid="8"/>
                                         </p:tgtEl>
                                         <p:attrNameLst>
                                           <p:attrName>style.visibility</p:attrName>
@@ -38919,60 +36109,7 @@
                                           </p:stCondLst>
                                         </p:cTn>
                                         <p:tgtEl>
-                                          <p:spTgt spid="5">
-                                            <p:graphicEl>
-                                              <a:dgm id="{5D49FD03-92C7-4D17-8DA2-C0D117DB0584}"/>
-                                            </p:graphicEl>
-                                          </p:spTgt>
-                                        </p:tgtEl>
-                                        <p:attrNameLst>
-                                          <p:attrName>style.visibility</p:attrName>
-                                        </p:attrNameLst>
-                                      </p:cBhvr>
-                                      <p:to>
-                                        <p:strVal val="visible"/>
-                                      </p:to>
-                                    </p:set>
-                                  </p:childTnLst>
-                                </p:cTn>
-                              </p:par>
-                            </p:childTnLst>
-                          </p:cTn>
-                        </p:par>
-                      </p:childTnLst>
-                    </p:cTn>
-                  </p:par>
-                  <p:par>
-                    <p:cTn id="23" fill="hold">
-                      <p:stCondLst>
-                        <p:cond delay="indefinite"/>
-                      </p:stCondLst>
-                      <p:childTnLst>
-                        <p:par>
-                          <p:cTn id="24" fill="hold">
-                            <p:stCondLst>
-                              <p:cond delay="0"/>
-                            </p:stCondLst>
-                            <p:childTnLst>
-                              <p:par>
-                                <p:cTn id="25" presetID="1" presetClass="entr" presetSubtype="0" fill="hold" grpId="0" nodeType="clickEffect">
-                                  <p:stCondLst>
-                                    <p:cond delay="0"/>
-                                  </p:stCondLst>
-                                  <p:childTnLst>
-                                    <p:set>
-                                      <p:cBhvr>
-                                        <p:cTn id="26" dur="1" fill="hold">
-                                          <p:stCondLst>
-                                            <p:cond delay="0"/>
-                                          </p:stCondLst>
-                                        </p:cTn>
-                                        <p:tgtEl>
-                                          <p:spTgt spid="5">
-                                            <p:graphicEl>
-                                              <a:dgm id="{01DCAD39-E031-41B7-A305-54F651094E62}"/>
-                                            </p:graphicEl>
-                                          </p:spTgt>
+                                          <p:spTgt spid="10"/>
                                         </p:tgtEl>
                                         <p:attrNameLst>
                                           <p:attrName>style.visibility</p:attrName>
@@ -39013,11 +36150,11 @@
       </p:par>
     </p:tnLst>
     <p:bldLst>
-      <p:bldGraphic spid="5" grpId="0">
-        <p:bldSub>
-          <a:bldDgm bld="one"/>
-        </p:bldSub>
-      </p:bldGraphic>
+      <p:bldP spid="6" grpId="0" animBg="1"/>
+      <p:bldP spid="7" grpId="0" animBg="1"/>
+      <p:bldP spid="8" grpId="0" animBg="1"/>
+      <p:bldP spid="9" grpId="0" animBg="1"/>
+      <p:bldP spid="10" grpId="0" animBg="1"/>
     </p:bldLst>
   </p:timing>
 </p:sld>
@@ -39122,6 +36259,1796 @@
 </file>
 
 <file path=ppt/slides/slide20.xml><?xml version="1.0" encoding="utf-8"?>
+<p:sld xmlns:a="http://schemas.openxmlformats.org/drawingml/2006/main" xmlns:r="http://schemas.openxmlformats.org/officeDocument/2006/relationships" xmlns:p="http://schemas.openxmlformats.org/presentationml/2006/main">
+  <p:cSld>
+    <p:spTree>
+      <p:nvGrpSpPr>
+        <p:cNvPr id="1" name=""/>
+        <p:cNvGrpSpPr/>
+        <p:nvPr/>
+      </p:nvGrpSpPr>
+      <p:grpSpPr>
+        <a:xfrm>
+          <a:off x="0" y="0"/>
+          <a:ext cx="0" cy="0"/>
+          <a:chOff x="0" y="0"/>
+          <a:chExt cx="0" cy="0"/>
+        </a:xfrm>
+      </p:grpSpPr>
+      <p:sp>
+        <p:nvSpPr>
+          <p:cNvPr id="2" name="Titel 1"/>
+          <p:cNvSpPr>
+            <a:spLocks noGrp="1"/>
+          </p:cNvSpPr>
+          <p:nvPr>
+            <p:ph type="title"/>
+          </p:nvPr>
+        </p:nvSpPr>
+        <p:spPr/>
+        <p:txBody>
+          <a:bodyPr/>
+          <a:lstStyle/>
+          <a:p>
+            <a:r>
+              <a:rPr lang="de-DE" dirty="0" err="1"/>
+              <a:t>Smarty</a:t>
+            </a:r>
+            <a:endParaRPr lang="de-DE" dirty="0"/>
+          </a:p>
+        </p:txBody>
+      </p:sp>
+      <p:sp>
+        <p:nvSpPr>
+          <p:cNvPr id="6" name="Freihandform 5"/>
+          <p:cNvSpPr/>
+          <p:nvPr/>
+        </p:nvSpPr>
+        <p:spPr>
+          <a:xfrm>
+            <a:off x="5010729" y="4162106"/>
+            <a:ext cx="2170540" cy="2170540"/>
+          </a:xfrm>
+          <a:custGeom>
+            <a:avLst/>
+            <a:gdLst>
+              <a:gd name="connsiteX0" fmla="*/ 0 w 2170540"/>
+              <a:gd name="connsiteY0" fmla="*/ 1085270 h 2170540"/>
+              <a:gd name="connsiteX1" fmla="*/ 1085270 w 2170540"/>
+              <a:gd name="connsiteY1" fmla="*/ 0 h 2170540"/>
+              <a:gd name="connsiteX2" fmla="*/ 2170540 w 2170540"/>
+              <a:gd name="connsiteY2" fmla="*/ 1085270 h 2170540"/>
+              <a:gd name="connsiteX3" fmla="*/ 1085270 w 2170540"/>
+              <a:gd name="connsiteY3" fmla="*/ 2170540 h 2170540"/>
+              <a:gd name="connsiteX4" fmla="*/ 0 w 2170540"/>
+              <a:gd name="connsiteY4" fmla="*/ 1085270 h 2170540"/>
+            </a:gdLst>
+            <a:ahLst/>
+            <a:cxnLst>
+              <a:cxn ang="0">
+                <a:pos x="connsiteX0" y="connsiteY0"/>
+              </a:cxn>
+              <a:cxn ang="0">
+                <a:pos x="connsiteX1" y="connsiteY1"/>
+              </a:cxn>
+              <a:cxn ang="0">
+                <a:pos x="connsiteX2" y="connsiteY2"/>
+              </a:cxn>
+              <a:cxn ang="0">
+                <a:pos x="connsiteX3" y="connsiteY3"/>
+              </a:cxn>
+              <a:cxn ang="0">
+                <a:pos x="connsiteX4" y="connsiteY4"/>
+              </a:cxn>
+            </a:cxnLst>
+            <a:rect l="l" t="t" r="r" b="b"/>
+            <a:pathLst>
+              <a:path w="2170540" h="2170540">
+                <a:moveTo>
+                  <a:pt x="0" y="1085270"/>
+                </a:moveTo>
+                <a:cubicBezTo>
+                  <a:pt x="0" y="485892"/>
+                  <a:pt x="485892" y="0"/>
+                  <a:pt x="1085270" y="0"/>
+                </a:cubicBezTo>
+                <a:cubicBezTo>
+                  <a:pt x="1684648" y="0"/>
+                  <a:pt x="2170540" y="485892"/>
+                  <a:pt x="2170540" y="1085270"/>
+                </a:cubicBezTo>
+                <a:cubicBezTo>
+                  <a:pt x="2170540" y="1684648"/>
+                  <a:pt x="1684648" y="2170540"/>
+                  <a:pt x="1085270" y="2170540"/>
+                </a:cubicBezTo>
+                <a:cubicBezTo>
+                  <a:pt x="485892" y="2170540"/>
+                  <a:pt x="0" y="1684648"/>
+                  <a:pt x="0" y="1085270"/>
+                </a:cubicBezTo>
+                <a:close/>
+              </a:path>
+            </a:pathLst>
+          </a:custGeom>
+        </p:spPr>
+        <p:style>
+          <a:lnRef idx="2">
+            <a:schemeClr val="lt1">
+              <a:hueOff val="0"/>
+              <a:satOff val="0"/>
+              <a:lumOff val="0"/>
+              <a:alphaOff val="0"/>
+            </a:schemeClr>
+          </a:lnRef>
+          <a:fillRef idx="1">
+            <a:schemeClr val="accent1">
+              <a:hueOff val="0"/>
+              <a:satOff val="0"/>
+              <a:lumOff val="0"/>
+              <a:alphaOff val="0"/>
+            </a:schemeClr>
+          </a:fillRef>
+          <a:effectRef idx="0">
+            <a:schemeClr val="accent1">
+              <a:hueOff val="0"/>
+              <a:satOff val="0"/>
+              <a:lumOff val="0"/>
+              <a:alphaOff val="0"/>
+            </a:schemeClr>
+          </a:effectRef>
+          <a:fontRef idx="minor">
+            <a:schemeClr val="lt1"/>
+          </a:fontRef>
+        </p:style>
+        <p:txBody>
+          <a:bodyPr spcFirstLastPara="0" vert="horz" wrap="square" lIns="343268" tIns="343268" rIns="343268" bIns="343268" numCol="1" spcCol="1270" anchor="ctr" anchorCtr="0">
+            <a:noAutofit/>
+          </a:bodyPr>
+          <a:lstStyle/>
+          <a:p>
+            <a:pPr marL="0" lvl="0" indent="0" algn="ctr" defTabSz="1778000">
+              <a:lnSpc>
+                <a:spcPct val="90000"/>
+              </a:lnSpc>
+              <a:spcBef>
+                <a:spcPct val="0"/>
+              </a:spcBef>
+              <a:spcAft>
+                <a:spcPct val="35000"/>
+              </a:spcAft>
+              <a:buNone/>
+            </a:pPr>
+            <a:r>
+              <a:rPr lang="de-DE" sz="4000" kern="1200" dirty="0" err="1"/>
+              <a:t>Smarty</a:t>
+            </a:r>
+            <a:endParaRPr lang="de-DE" sz="4000" kern="1200" dirty="0"/>
+          </a:p>
+        </p:txBody>
+      </p:sp>
+      <p:sp>
+        <p:nvSpPr>
+          <p:cNvPr id="7" name="Pfeil nach links 6"/>
+          <p:cNvSpPr/>
+          <p:nvPr/>
+        </p:nvSpPr>
+        <p:spPr>
+          <a:xfrm rot="12900000">
+            <a:off x="3614412" y="3782919"/>
+            <a:ext cx="1663706" cy="618603"/>
+          </a:xfrm>
+          <a:prstGeom prst="leftArrow">
+            <a:avLst>
+              <a:gd name="adj1" fmla="val 60000"/>
+              <a:gd name="adj2" fmla="val 50000"/>
+            </a:avLst>
+          </a:prstGeom>
+        </p:spPr>
+        <p:style>
+          <a:lnRef idx="0">
+            <a:schemeClr val="lt1">
+              <a:hueOff val="0"/>
+              <a:satOff val="0"/>
+              <a:lumOff val="0"/>
+              <a:alphaOff val="0"/>
+            </a:schemeClr>
+          </a:lnRef>
+          <a:fillRef idx="1">
+            <a:schemeClr val="accent2">
+              <a:hueOff val="0"/>
+              <a:satOff val="0"/>
+              <a:lumOff val="0"/>
+              <a:alphaOff val="0"/>
+            </a:schemeClr>
+          </a:fillRef>
+          <a:effectRef idx="0">
+            <a:schemeClr val="accent2">
+              <a:hueOff val="0"/>
+              <a:satOff val="0"/>
+              <a:lumOff val="0"/>
+              <a:alphaOff val="0"/>
+            </a:schemeClr>
+          </a:effectRef>
+          <a:fontRef idx="minor">
+            <a:schemeClr val="lt1">
+              <a:hueOff val="0"/>
+              <a:satOff val="0"/>
+              <a:lumOff val="0"/>
+              <a:alphaOff val="0"/>
+            </a:schemeClr>
+          </a:fontRef>
+        </p:style>
+      </p:sp>
+      <p:sp>
+        <p:nvSpPr>
+          <p:cNvPr id="8" name="Freihandform 7"/>
+          <p:cNvSpPr/>
+          <p:nvPr/>
+        </p:nvSpPr>
+        <p:spPr>
+          <a:xfrm>
+            <a:off x="2733845" y="2790284"/>
+            <a:ext cx="2062013" cy="1649610"/>
+          </a:xfrm>
+          <a:custGeom>
+            <a:avLst/>
+            <a:gdLst>
+              <a:gd name="connsiteX0" fmla="*/ 0 w 2062013"/>
+              <a:gd name="connsiteY0" fmla="*/ 164961 h 1649610"/>
+              <a:gd name="connsiteX1" fmla="*/ 164961 w 2062013"/>
+              <a:gd name="connsiteY1" fmla="*/ 0 h 1649610"/>
+              <a:gd name="connsiteX2" fmla="*/ 1897052 w 2062013"/>
+              <a:gd name="connsiteY2" fmla="*/ 0 h 1649610"/>
+              <a:gd name="connsiteX3" fmla="*/ 2062013 w 2062013"/>
+              <a:gd name="connsiteY3" fmla="*/ 164961 h 1649610"/>
+              <a:gd name="connsiteX4" fmla="*/ 2062013 w 2062013"/>
+              <a:gd name="connsiteY4" fmla="*/ 1484649 h 1649610"/>
+              <a:gd name="connsiteX5" fmla="*/ 1897052 w 2062013"/>
+              <a:gd name="connsiteY5" fmla="*/ 1649610 h 1649610"/>
+              <a:gd name="connsiteX6" fmla="*/ 164961 w 2062013"/>
+              <a:gd name="connsiteY6" fmla="*/ 1649610 h 1649610"/>
+              <a:gd name="connsiteX7" fmla="*/ 0 w 2062013"/>
+              <a:gd name="connsiteY7" fmla="*/ 1484649 h 1649610"/>
+              <a:gd name="connsiteX8" fmla="*/ 0 w 2062013"/>
+              <a:gd name="connsiteY8" fmla="*/ 164961 h 1649610"/>
+            </a:gdLst>
+            <a:ahLst/>
+            <a:cxnLst>
+              <a:cxn ang="0">
+                <a:pos x="connsiteX0" y="connsiteY0"/>
+              </a:cxn>
+              <a:cxn ang="0">
+                <a:pos x="connsiteX1" y="connsiteY1"/>
+              </a:cxn>
+              <a:cxn ang="0">
+                <a:pos x="connsiteX2" y="connsiteY2"/>
+              </a:cxn>
+              <a:cxn ang="0">
+                <a:pos x="connsiteX3" y="connsiteY3"/>
+              </a:cxn>
+              <a:cxn ang="0">
+                <a:pos x="connsiteX4" y="connsiteY4"/>
+              </a:cxn>
+              <a:cxn ang="0">
+                <a:pos x="connsiteX5" y="connsiteY5"/>
+              </a:cxn>
+              <a:cxn ang="0">
+                <a:pos x="connsiteX6" y="connsiteY6"/>
+              </a:cxn>
+              <a:cxn ang="0">
+                <a:pos x="connsiteX7" y="connsiteY7"/>
+              </a:cxn>
+              <a:cxn ang="0">
+                <a:pos x="connsiteX8" y="connsiteY8"/>
+              </a:cxn>
+            </a:cxnLst>
+            <a:rect l="l" t="t" r="r" b="b"/>
+            <a:pathLst>
+              <a:path w="2062013" h="1649610">
+                <a:moveTo>
+                  <a:pt x="0" y="164961"/>
+                </a:moveTo>
+                <a:cubicBezTo>
+                  <a:pt x="0" y="73856"/>
+                  <a:pt x="73856" y="0"/>
+                  <a:pt x="164961" y="0"/>
+                </a:cubicBezTo>
+                <a:lnTo>
+                  <a:pt x="1897052" y="0"/>
+                </a:lnTo>
+                <a:cubicBezTo>
+                  <a:pt x="1988157" y="0"/>
+                  <a:pt x="2062013" y="73856"/>
+                  <a:pt x="2062013" y="164961"/>
+                </a:cubicBezTo>
+                <a:lnTo>
+                  <a:pt x="2062013" y="1484649"/>
+                </a:lnTo>
+                <a:cubicBezTo>
+                  <a:pt x="2062013" y="1575754"/>
+                  <a:pt x="1988157" y="1649610"/>
+                  <a:pt x="1897052" y="1649610"/>
+                </a:cubicBezTo>
+                <a:lnTo>
+                  <a:pt x="164961" y="1649610"/>
+                </a:lnTo>
+                <a:cubicBezTo>
+                  <a:pt x="73856" y="1649610"/>
+                  <a:pt x="0" y="1575754"/>
+                  <a:pt x="0" y="1484649"/>
+                </a:cubicBezTo>
+                <a:lnTo>
+                  <a:pt x="0" y="164961"/>
+                </a:lnTo>
+                <a:close/>
+              </a:path>
+            </a:pathLst>
+          </a:custGeom>
+        </p:spPr>
+        <p:style>
+          <a:lnRef idx="2">
+            <a:schemeClr val="lt1">
+              <a:hueOff val="0"/>
+              <a:satOff val="0"/>
+              <a:lumOff val="0"/>
+              <a:alphaOff val="0"/>
+            </a:schemeClr>
+          </a:lnRef>
+          <a:fillRef idx="1">
+            <a:schemeClr val="accent2">
+              <a:hueOff val="0"/>
+              <a:satOff val="0"/>
+              <a:lumOff val="0"/>
+              <a:alphaOff val="0"/>
+            </a:schemeClr>
+          </a:fillRef>
+          <a:effectRef idx="0">
+            <a:schemeClr val="accent2">
+              <a:hueOff val="0"/>
+              <a:satOff val="0"/>
+              <a:lumOff val="0"/>
+              <a:alphaOff val="0"/>
+            </a:schemeClr>
+          </a:effectRef>
+          <a:fontRef idx="minor">
+            <a:schemeClr val="lt1"/>
+          </a:fontRef>
+        </p:style>
+        <p:txBody>
+          <a:bodyPr spcFirstLastPara="0" vert="horz" wrap="square" lIns="99750" tIns="99750" rIns="99750" bIns="99750" numCol="1" spcCol="1270" anchor="ctr" anchorCtr="0">
+            <a:noAutofit/>
+          </a:bodyPr>
+          <a:lstStyle/>
+          <a:p>
+            <a:pPr marL="0" lvl="0" indent="0" algn="ctr" defTabSz="1200150">
+              <a:lnSpc>
+                <a:spcPct val="90000"/>
+              </a:lnSpc>
+              <a:spcBef>
+                <a:spcPct val="0"/>
+              </a:spcBef>
+              <a:spcAft>
+                <a:spcPct val="35000"/>
+              </a:spcAft>
+              <a:buNone/>
+            </a:pPr>
+            <a:r>
+              <a:rPr lang="de-DE" sz="2700" kern="1200" dirty="0"/>
+              <a:t>Freie Template Engine</a:t>
+            </a:r>
+          </a:p>
+        </p:txBody>
+      </p:sp>
+      <p:sp>
+        <p:nvSpPr>
+          <p:cNvPr id="9" name="Pfeil nach links 8"/>
+          <p:cNvSpPr/>
+          <p:nvPr/>
+        </p:nvSpPr>
+        <p:spPr>
+          <a:xfrm rot="16200000">
+            <a:off x="5264146" y="2924122"/>
+            <a:ext cx="1663706" cy="618603"/>
+          </a:xfrm>
+          <a:prstGeom prst="leftArrow">
+            <a:avLst>
+              <a:gd name="adj1" fmla="val 60000"/>
+              <a:gd name="adj2" fmla="val 50000"/>
+            </a:avLst>
+          </a:prstGeom>
+        </p:spPr>
+        <p:style>
+          <a:lnRef idx="0">
+            <a:schemeClr val="lt1">
+              <a:hueOff val="0"/>
+              <a:satOff val="0"/>
+              <a:lumOff val="0"/>
+              <a:alphaOff val="0"/>
+            </a:schemeClr>
+          </a:lnRef>
+          <a:fillRef idx="1">
+            <a:schemeClr val="accent2">
+              <a:hueOff val="-727682"/>
+              <a:satOff val="-41964"/>
+              <a:lumOff val="4314"/>
+              <a:alphaOff val="0"/>
+            </a:schemeClr>
+          </a:fillRef>
+          <a:effectRef idx="0">
+            <a:schemeClr val="accent2">
+              <a:hueOff val="-727682"/>
+              <a:satOff val="-41964"/>
+              <a:lumOff val="4314"/>
+              <a:alphaOff val="0"/>
+            </a:schemeClr>
+          </a:effectRef>
+          <a:fontRef idx="minor">
+            <a:schemeClr val="lt1">
+              <a:hueOff val="0"/>
+              <a:satOff val="0"/>
+              <a:lumOff val="0"/>
+              <a:alphaOff val="0"/>
+            </a:schemeClr>
+          </a:fontRef>
+        </p:style>
+      </p:sp>
+      <p:sp>
+        <p:nvSpPr>
+          <p:cNvPr id="10" name="Freihandform 9"/>
+          <p:cNvSpPr/>
+          <p:nvPr/>
+        </p:nvSpPr>
+        <p:spPr>
+          <a:xfrm>
+            <a:off x="5064992" y="1576766"/>
+            <a:ext cx="2062013" cy="1649610"/>
+          </a:xfrm>
+          <a:custGeom>
+            <a:avLst/>
+            <a:gdLst>
+              <a:gd name="connsiteX0" fmla="*/ 0 w 2062013"/>
+              <a:gd name="connsiteY0" fmla="*/ 164961 h 1649610"/>
+              <a:gd name="connsiteX1" fmla="*/ 164961 w 2062013"/>
+              <a:gd name="connsiteY1" fmla="*/ 0 h 1649610"/>
+              <a:gd name="connsiteX2" fmla="*/ 1897052 w 2062013"/>
+              <a:gd name="connsiteY2" fmla="*/ 0 h 1649610"/>
+              <a:gd name="connsiteX3" fmla="*/ 2062013 w 2062013"/>
+              <a:gd name="connsiteY3" fmla="*/ 164961 h 1649610"/>
+              <a:gd name="connsiteX4" fmla="*/ 2062013 w 2062013"/>
+              <a:gd name="connsiteY4" fmla="*/ 1484649 h 1649610"/>
+              <a:gd name="connsiteX5" fmla="*/ 1897052 w 2062013"/>
+              <a:gd name="connsiteY5" fmla="*/ 1649610 h 1649610"/>
+              <a:gd name="connsiteX6" fmla="*/ 164961 w 2062013"/>
+              <a:gd name="connsiteY6" fmla="*/ 1649610 h 1649610"/>
+              <a:gd name="connsiteX7" fmla="*/ 0 w 2062013"/>
+              <a:gd name="connsiteY7" fmla="*/ 1484649 h 1649610"/>
+              <a:gd name="connsiteX8" fmla="*/ 0 w 2062013"/>
+              <a:gd name="connsiteY8" fmla="*/ 164961 h 1649610"/>
+            </a:gdLst>
+            <a:ahLst/>
+            <a:cxnLst>
+              <a:cxn ang="0">
+                <a:pos x="connsiteX0" y="connsiteY0"/>
+              </a:cxn>
+              <a:cxn ang="0">
+                <a:pos x="connsiteX1" y="connsiteY1"/>
+              </a:cxn>
+              <a:cxn ang="0">
+                <a:pos x="connsiteX2" y="connsiteY2"/>
+              </a:cxn>
+              <a:cxn ang="0">
+                <a:pos x="connsiteX3" y="connsiteY3"/>
+              </a:cxn>
+              <a:cxn ang="0">
+                <a:pos x="connsiteX4" y="connsiteY4"/>
+              </a:cxn>
+              <a:cxn ang="0">
+                <a:pos x="connsiteX5" y="connsiteY5"/>
+              </a:cxn>
+              <a:cxn ang="0">
+                <a:pos x="connsiteX6" y="connsiteY6"/>
+              </a:cxn>
+              <a:cxn ang="0">
+                <a:pos x="connsiteX7" y="connsiteY7"/>
+              </a:cxn>
+              <a:cxn ang="0">
+                <a:pos x="connsiteX8" y="connsiteY8"/>
+              </a:cxn>
+            </a:cxnLst>
+            <a:rect l="l" t="t" r="r" b="b"/>
+            <a:pathLst>
+              <a:path w="2062013" h="1649610">
+                <a:moveTo>
+                  <a:pt x="0" y="164961"/>
+                </a:moveTo>
+                <a:cubicBezTo>
+                  <a:pt x="0" y="73856"/>
+                  <a:pt x="73856" y="0"/>
+                  <a:pt x="164961" y="0"/>
+                </a:cubicBezTo>
+                <a:lnTo>
+                  <a:pt x="1897052" y="0"/>
+                </a:lnTo>
+                <a:cubicBezTo>
+                  <a:pt x="1988157" y="0"/>
+                  <a:pt x="2062013" y="73856"/>
+                  <a:pt x="2062013" y="164961"/>
+                </a:cubicBezTo>
+                <a:lnTo>
+                  <a:pt x="2062013" y="1484649"/>
+                </a:lnTo>
+                <a:cubicBezTo>
+                  <a:pt x="2062013" y="1575754"/>
+                  <a:pt x="1988157" y="1649610"/>
+                  <a:pt x="1897052" y="1649610"/>
+                </a:cubicBezTo>
+                <a:lnTo>
+                  <a:pt x="164961" y="1649610"/>
+                </a:lnTo>
+                <a:cubicBezTo>
+                  <a:pt x="73856" y="1649610"/>
+                  <a:pt x="0" y="1575754"/>
+                  <a:pt x="0" y="1484649"/>
+                </a:cubicBezTo>
+                <a:lnTo>
+                  <a:pt x="0" y="164961"/>
+                </a:lnTo>
+                <a:close/>
+              </a:path>
+            </a:pathLst>
+          </a:custGeom>
+        </p:spPr>
+        <p:style>
+          <a:lnRef idx="2">
+            <a:schemeClr val="lt1">
+              <a:hueOff val="0"/>
+              <a:satOff val="0"/>
+              <a:lumOff val="0"/>
+              <a:alphaOff val="0"/>
+            </a:schemeClr>
+          </a:lnRef>
+          <a:fillRef idx="1">
+            <a:schemeClr val="accent2">
+              <a:hueOff val="-727682"/>
+              <a:satOff val="-41964"/>
+              <a:lumOff val="4314"/>
+              <a:alphaOff val="0"/>
+            </a:schemeClr>
+          </a:fillRef>
+          <a:effectRef idx="0">
+            <a:schemeClr val="accent2">
+              <a:hueOff val="-727682"/>
+              <a:satOff val="-41964"/>
+              <a:lumOff val="4314"/>
+              <a:alphaOff val="0"/>
+            </a:schemeClr>
+          </a:effectRef>
+          <a:fontRef idx="minor">
+            <a:schemeClr val="lt1"/>
+          </a:fontRef>
+        </p:style>
+        <p:txBody>
+          <a:bodyPr spcFirstLastPara="0" vert="horz" wrap="square" lIns="99750" tIns="99750" rIns="99750" bIns="99750" numCol="1" spcCol="1270" anchor="ctr" anchorCtr="0">
+            <a:noAutofit/>
+          </a:bodyPr>
+          <a:lstStyle/>
+          <a:p>
+            <a:pPr marL="0" lvl="0" indent="0" algn="ctr" defTabSz="1200150">
+              <a:lnSpc>
+                <a:spcPct val="90000"/>
+              </a:lnSpc>
+              <a:spcBef>
+                <a:spcPct val="0"/>
+              </a:spcBef>
+              <a:spcAft>
+                <a:spcPct val="35000"/>
+              </a:spcAft>
+              <a:buNone/>
+            </a:pPr>
+            <a:r>
+              <a:rPr lang="de-DE" sz="2700" kern="1200" dirty="0"/>
+              <a:t>PHP-Bibliothek</a:t>
+            </a:r>
+          </a:p>
+        </p:txBody>
+      </p:sp>
+      <p:sp>
+        <p:nvSpPr>
+          <p:cNvPr id="11" name="Pfeil nach links 10"/>
+          <p:cNvSpPr/>
+          <p:nvPr/>
+        </p:nvSpPr>
+        <p:spPr>
+          <a:xfrm rot="19500000">
+            <a:off x="6913879" y="3782919"/>
+            <a:ext cx="1663706" cy="618603"/>
+          </a:xfrm>
+          <a:prstGeom prst="leftArrow">
+            <a:avLst>
+              <a:gd name="adj1" fmla="val 60000"/>
+              <a:gd name="adj2" fmla="val 50000"/>
+            </a:avLst>
+          </a:prstGeom>
+        </p:spPr>
+        <p:style>
+          <a:lnRef idx="0">
+            <a:schemeClr val="lt1">
+              <a:hueOff val="0"/>
+              <a:satOff val="0"/>
+              <a:lumOff val="0"/>
+              <a:alphaOff val="0"/>
+            </a:schemeClr>
+          </a:lnRef>
+          <a:fillRef idx="1">
+            <a:schemeClr val="accent2">
+              <a:hueOff val="-1455363"/>
+              <a:satOff val="-83928"/>
+              <a:lumOff val="8628"/>
+              <a:alphaOff val="0"/>
+            </a:schemeClr>
+          </a:fillRef>
+          <a:effectRef idx="0">
+            <a:schemeClr val="accent2">
+              <a:hueOff val="-1455363"/>
+              <a:satOff val="-83928"/>
+              <a:lumOff val="8628"/>
+              <a:alphaOff val="0"/>
+            </a:schemeClr>
+          </a:effectRef>
+          <a:fontRef idx="minor">
+            <a:schemeClr val="lt1">
+              <a:hueOff val="0"/>
+              <a:satOff val="0"/>
+              <a:lumOff val="0"/>
+              <a:alphaOff val="0"/>
+            </a:schemeClr>
+          </a:fontRef>
+        </p:style>
+      </p:sp>
+      <p:sp>
+        <p:nvSpPr>
+          <p:cNvPr id="12" name="Freihandform 11"/>
+          <p:cNvSpPr/>
+          <p:nvPr/>
+        </p:nvSpPr>
+        <p:spPr>
+          <a:xfrm>
+            <a:off x="7396140" y="2790284"/>
+            <a:ext cx="2062013" cy="1649610"/>
+          </a:xfrm>
+          <a:custGeom>
+            <a:avLst/>
+            <a:gdLst>
+              <a:gd name="connsiteX0" fmla="*/ 0 w 2062013"/>
+              <a:gd name="connsiteY0" fmla="*/ 164961 h 1649610"/>
+              <a:gd name="connsiteX1" fmla="*/ 164961 w 2062013"/>
+              <a:gd name="connsiteY1" fmla="*/ 0 h 1649610"/>
+              <a:gd name="connsiteX2" fmla="*/ 1897052 w 2062013"/>
+              <a:gd name="connsiteY2" fmla="*/ 0 h 1649610"/>
+              <a:gd name="connsiteX3" fmla="*/ 2062013 w 2062013"/>
+              <a:gd name="connsiteY3" fmla="*/ 164961 h 1649610"/>
+              <a:gd name="connsiteX4" fmla="*/ 2062013 w 2062013"/>
+              <a:gd name="connsiteY4" fmla="*/ 1484649 h 1649610"/>
+              <a:gd name="connsiteX5" fmla="*/ 1897052 w 2062013"/>
+              <a:gd name="connsiteY5" fmla="*/ 1649610 h 1649610"/>
+              <a:gd name="connsiteX6" fmla="*/ 164961 w 2062013"/>
+              <a:gd name="connsiteY6" fmla="*/ 1649610 h 1649610"/>
+              <a:gd name="connsiteX7" fmla="*/ 0 w 2062013"/>
+              <a:gd name="connsiteY7" fmla="*/ 1484649 h 1649610"/>
+              <a:gd name="connsiteX8" fmla="*/ 0 w 2062013"/>
+              <a:gd name="connsiteY8" fmla="*/ 164961 h 1649610"/>
+            </a:gdLst>
+            <a:ahLst/>
+            <a:cxnLst>
+              <a:cxn ang="0">
+                <a:pos x="connsiteX0" y="connsiteY0"/>
+              </a:cxn>
+              <a:cxn ang="0">
+                <a:pos x="connsiteX1" y="connsiteY1"/>
+              </a:cxn>
+              <a:cxn ang="0">
+                <a:pos x="connsiteX2" y="connsiteY2"/>
+              </a:cxn>
+              <a:cxn ang="0">
+                <a:pos x="connsiteX3" y="connsiteY3"/>
+              </a:cxn>
+              <a:cxn ang="0">
+                <a:pos x="connsiteX4" y="connsiteY4"/>
+              </a:cxn>
+              <a:cxn ang="0">
+                <a:pos x="connsiteX5" y="connsiteY5"/>
+              </a:cxn>
+              <a:cxn ang="0">
+                <a:pos x="connsiteX6" y="connsiteY6"/>
+              </a:cxn>
+              <a:cxn ang="0">
+                <a:pos x="connsiteX7" y="connsiteY7"/>
+              </a:cxn>
+              <a:cxn ang="0">
+                <a:pos x="connsiteX8" y="connsiteY8"/>
+              </a:cxn>
+            </a:cxnLst>
+            <a:rect l="l" t="t" r="r" b="b"/>
+            <a:pathLst>
+              <a:path w="2062013" h="1649610">
+                <a:moveTo>
+                  <a:pt x="0" y="164961"/>
+                </a:moveTo>
+                <a:cubicBezTo>
+                  <a:pt x="0" y="73856"/>
+                  <a:pt x="73856" y="0"/>
+                  <a:pt x="164961" y="0"/>
+                </a:cubicBezTo>
+                <a:lnTo>
+                  <a:pt x="1897052" y="0"/>
+                </a:lnTo>
+                <a:cubicBezTo>
+                  <a:pt x="1988157" y="0"/>
+                  <a:pt x="2062013" y="73856"/>
+                  <a:pt x="2062013" y="164961"/>
+                </a:cubicBezTo>
+                <a:lnTo>
+                  <a:pt x="2062013" y="1484649"/>
+                </a:lnTo>
+                <a:cubicBezTo>
+                  <a:pt x="2062013" y="1575754"/>
+                  <a:pt x="1988157" y="1649610"/>
+                  <a:pt x="1897052" y="1649610"/>
+                </a:cubicBezTo>
+                <a:lnTo>
+                  <a:pt x="164961" y="1649610"/>
+                </a:lnTo>
+                <a:cubicBezTo>
+                  <a:pt x="73856" y="1649610"/>
+                  <a:pt x="0" y="1575754"/>
+                  <a:pt x="0" y="1484649"/>
+                </a:cubicBezTo>
+                <a:lnTo>
+                  <a:pt x="0" y="164961"/>
+                </a:lnTo>
+                <a:close/>
+              </a:path>
+            </a:pathLst>
+          </a:custGeom>
+        </p:spPr>
+        <p:style>
+          <a:lnRef idx="2">
+            <a:schemeClr val="lt1">
+              <a:hueOff val="0"/>
+              <a:satOff val="0"/>
+              <a:lumOff val="0"/>
+              <a:alphaOff val="0"/>
+            </a:schemeClr>
+          </a:lnRef>
+          <a:fillRef idx="1">
+            <a:schemeClr val="accent2">
+              <a:hueOff val="-1455363"/>
+              <a:satOff val="-83928"/>
+              <a:lumOff val="8628"/>
+              <a:alphaOff val="0"/>
+            </a:schemeClr>
+          </a:fillRef>
+          <a:effectRef idx="0">
+            <a:schemeClr val="accent2">
+              <a:hueOff val="-1455363"/>
+              <a:satOff val="-83928"/>
+              <a:lumOff val="8628"/>
+              <a:alphaOff val="0"/>
+            </a:schemeClr>
+          </a:effectRef>
+          <a:fontRef idx="minor">
+            <a:schemeClr val="lt1"/>
+          </a:fontRef>
+        </p:style>
+        <p:txBody>
+          <a:bodyPr spcFirstLastPara="0" vert="horz" wrap="square" lIns="99750" tIns="99750" rIns="99750" bIns="99750" numCol="1" spcCol="1270" anchor="ctr" anchorCtr="0">
+            <a:noAutofit/>
+          </a:bodyPr>
+          <a:lstStyle/>
+          <a:p>
+            <a:pPr marL="0" lvl="0" indent="0" algn="ctr" defTabSz="1200150">
+              <a:lnSpc>
+                <a:spcPct val="90000"/>
+              </a:lnSpc>
+              <a:spcBef>
+                <a:spcPct val="0"/>
+              </a:spcBef>
+              <a:spcAft>
+                <a:spcPct val="35000"/>
+              </a:spcAft>
+              <a:buNone/>
+            </a:pPr>
+            <a:r>
+              <a:rPr lang="de-DE" sz="2700" kern="1200" dirty="0"/>
+              <a:t>Trennung von Code und Ausgabe</a:t>
+            </a:r>
+          </a:p>
+        </p:txBody>
+      </p:sp>
+    </p:spTree>
+    <p:extLst>
+      <p:ext uri="{BB962C8B-B14F-4D97-AF65-F5344CB8AC3E}">
+        <p14:creationId xmlns:p14="http://schemas.microsoft.com/office/powerpoint/2010/main" val="1357229065"/>
+      </p:ext>
+    </p:extLst>
+  </p:cSld>
+  <p:clrMapOvr>
+    <a:masterClrMapping/>
+  </p:clrMapOvr>
+  <p:timing>
+    <p:tnLst>
+      <p:par>
+        <p:cTn id="1" dur="indefinite" restart="never" nodeType="tmRoot">
+          <p:childTnLst>
+            <p:seq concurrent="1" nextAc="seek">
+              <p:cTn id="2" dur="indefinite" nodeType="mainSeq">
+                <p:childTnLst>
+                  <p:par>
+                    <p:cTn id="3" fill="hold">
+                      <p:stCondLst>
+                        <p:cond delay="indefinite"/>
+                      </p:stCondLst>
+                      <p:childTnLst>
+                        <p:par>
+                          <p:cTn id="4" fill="hold">
+                            <p:stCondLst>
+                              <p:cond delay="0"/>
+                            </p:stCondLst>
+                            <p:childTnLst>
+                              <p:par>
+                                <p:cTn id="5" presetID="1" presetClass="entr" presetSubtype="0" fill="hold" nodeType="clickEffect">
+                                  <p:stCondLst>
+                                    <p:cond delay="0"/>
+                                  </p:stCondLst>
+                                  <p:childTnLst>
+                                    <p:set>
+                                      <p:cBhvr>
+                                        <p:cTn id="6" dur="1" fill="hold">
+                                          <p:stCondLst>
+                                            <p:cond delay="0"/>
+                                          </p:stCondLst>
+                                        </p:cTn>
+                                        <p:tgtEl>
+                                          <p:spTgt spid="7"/>
+                                        </p:tgtEl>
+                                        <p:attrNameLst>
+                                          <p:attrName>style.visibility</p:attrName>
+                                        </p:attrNameLst>
+                                      </p:cBhvr>
+                                      <p:to>
+                                        <p:strVal val="visible"/>
+                                      </p:to>
+                                    </p:set>
+                                  </p:childTnLst>
+                                </p:cTn>
+                              </p:par>
+                              <p:par>
+                                <p:cTn id="7" presetID="1" presetClass="entr" presetSubtype="0" fill="hold" grpId="0" nodeType="withEffect">
+                                  <p:stCondLst>
+                                    <p:cond delay="0"/>
+                                  </p:stCondLst>
+                                  <p:childTnLst>
+                                    <p:set>
+                                      <p:cBhvr>
+                                        <p:cTn id="8" dur="1" fill="hold">
+                                          <p:stCondLst>
+                                            <p:cond delay="0"/>
+                                          </p:stCondLst>
+                                        </p:cTn>
+                                        <p:tgtEl>
+                                          <p:spTgt spid="8"/>
+                                        </p:tgtEl>
+                                        <p:attrNameLst>
+                                          <p:attrName>style.visibility</p:attrName>
+                                        </p:attrNameLst>
+                                      </p:cBhvr>
+                                      <p:to>
+                                        <p:strVal val="visible"/>
+                                      </p:to>
+                                    </p:set>
+                                  </p:childTnLst>
+                                </p:cTn>
+                              </p:par>
+                            </p:childTnLst>
+                          </p:cTn>
+                        </p:par>
+                      </p:childTnLst>
+                    </p:cTn>
+                  </p:par>
+                  <p:par>
+                    <p:cTn id="9" fill="hold">
+                      <p:stCondLst>
+                        <p:cond delay="indefinite"/>
+                      </p:stCondLst>
+                      <p:childTnLst>
+                        <p:par>
+                          <p:cTn id="10" fill="hold">
+                            <p:stCondLst>
+                              <p:cond delay="0"/>
+                            </p:stCondLst>
+                            <p:childTnLst>
+                              <p:par>
+                                <p:cTn id="11" presetID="1" presetClass="entr" presetSubtype="0" fill="hold" nodeType="clickEffect">
+                                  <p:stCondLst>
+                                    <p:cond delay="0"/>
+                                  </p:stCondLst>
+                                  <p:childTnLst>
+                                    <p:set>
+                                      <p:cBhvr>
+                                        <p:cTn id="12" dur="1" fill="hold">
+                                          <p:stCondLst>
+                                            <p:cond delay="0"/>
+                                          </p:stCondLst>
+                                        </p:cTn>
+                                        <p:tgtEl>
+                                          <p:spTgt spid="9"/>
+                                        </p:tgtEl>
+                                        <p:attrNameLst>
+                                          <p:attrName>style.visibility</p:attrName>
+                                        </p:attrNameLst>
+                                      </p:cBhvr>
+                                      <p:to>
+                                        <p:strVal val="visible"/>
+                                      </p:to>
+                                    </p:set>
+                                  </p:childTnLst>
+                                </p:cTn>
+                              </p:par>
+                              <p:par>
+                                <p:cTn id="13" presetID="1" presetClass="entr" presetSubtype="0" fill="hold" grpId="0" nodeType="withEffect">
+                                  <p:stCondLst>
+                                    <p:cond delay="0"/>
+                                  </p:stCondLst>
+                                  <p:childTnLst>
+                                    <p:set>
+                                      <p:cBhvr>
+                                        <p:cTn id="14" dur="1" fill="hold">
+                                          <p:stCondLst>
+                                            <p:cond delay="0"/>
+                                          </p:stCondLst>
+                                        </p:cTn>
+                                        <p:tgtEl>
+                                          <p:spTgt spid="10"/>
+                                        </p:tgtEl>
+                                        <p:attrNameLst>
+                                          <p:attrName>style.visibility</p:attrName>
+                                        </p:attrNameLst>
+                                      </p:cBhvr>
+                                      <p:to>
+                                        <p:strVal val="visible"/>
+                                      </p:to>
+                                    </p:set>
+                                  </p:childTnLst>
+                                </p:cTn>
+                              </p:par>
+                            </p:childTnLst>
+                          </p:cTn>
+                        </p:par>
+                      </p:childTnLst>
+                    </p:cTn>
+                  </p:par>
+                  <p:par>
+                    <p:cTn id="15" fill="hold">
+                      <p:stCondLst>
+                        <p:cond delay="indefinite"/>
+                      </p:stCondLst>
+                      <p:childTnLst>
+                        <p:par>
+                          <p:cTn id="16" fill="hold">
+                            <p:stCondLst>
+                              <p:cond delay="0"/>
+                            </p:stCondLst>
+                            <p:childTnLst>
+                              <p:par>
+                                <p:cTn id="17" presetID="1" presetClass="entr" presetSubtype="0" fill="hold" nodeType="clickEffect">
+                                  <p:stCondLst>
+                                    <p:cond delay="0"/>
+                                  </p:stCondLst>
+                                  <p:childTnLst>
+                                    <p:set>
+                                      <p:cBhvr>
+                                        <p:cTn id="18" dur="1" fill="hold">
+                                          <p:stCondLst>
+                                            <p:cond delay="0"/>
+                                          </p:stCondLst>
+                                        </p:cTn>
+                                        <p:tgtEl>
+                                          <p:spTgt spid="11"/>
+                                        </p:tgtEl>
+                                        <p:attrNameLst>
+                                          <p:attrName>style.visibility</p:attrName>
+                                        </p:attrNameLst>
+                                      </p:cBhvr>
+                                      <p:to>
+                                        <p:strVal val="visible"/>
+                                      </p:to>
+                                    </p:set>
+                                  </p:childTnLst>
+                                </p:cTn>
+                              </p:par>
+                              <p:par>
+                                <p:cTn id="19" presetID="1" presetClass="entr" presetSubtype="0" fill="hold" grpId="0" nodeType="withEffect">
+                                  <p:stCondLst>
+                                    <p:cond delay="0"/>
+                                  </p:stCondLst>
+                                  <p:childTnLst>
+                                    <p:set>
+                                      <p:cBhvr>
+                                        <p:cTn id="20" dur="1" fill="hold">
+                                          <p:stCondLst>
+                                            <p:cond delay="0"/>
+                                          </p:stCondLst>
+                                        </p:cTn>
+                                        <p:tgtEl>
+                                          <p:spTgt spid="12"/>
+                                        </p:tgtEl>
+                                        <p:attrNameLst>
+                                          <p:attrName>style.visibility</p:attrName>
+                                        </p:attrNameLst>
+                                      </p:cBhvr>
+                                      <p:to>
+                                        <p:strVal val="visible"/>
+                                      </p:to>
+                                    </p:set>
+                                  </p:childTnLst>
+                                </p:cTn>
+                              </p:par>
+                            </p:childTnLst>
+                          </p:cTn>
+                        </p:par>
+                      </p:childTnLst>
+                    </p:cTn>
+                  </p:par>
+                </p:childTnLst>
+              </p:cTn>
+              <p:prevCondLst>
+                <p:cond evt="onPrev" delay="0">
+                  <p:tgtEl>
+                    <p:sldTgt/>
+                  </p:tgtEl>
+                </p:cond>
+              </p:prevCondLst>
+              <p:nextCondLst>
+                <p:cond evt="onNext" delay="0">
+                  <p:tgtEl>
+                    <p:sldTgt/>
+                  </p:tgtEl>
+                </p:cond>
+              </p:nextCondLst>
+            </p:seq>
+          </p:childTnLst>
+        </p:cTn>
+      </p:par>
+    </p:tnLst>
+    <p:bldLst>
+      <p:bldP spid="8" grpId="0" animBg="1"/>
+      <p:bldP spid="10" grpId="0" animBg="1"/>
+      <p:bldP spid="12" grpId="0" animBg="1"/>
+    </p:bldLst>
+  </p:timing>
+</p:sld>
+</file>
+
+<file path=ppt/slides/slide21.xml><?xml version="1.0" encoding="utf-8"?>
+<p:sld xmlns:a="http://schemas.openxmlformats.org/drawingml/2006/main" xmlns:r="http://schemas.openxmlformats.org/officeDocument/2006/relationships" xmlns:p="http://schemas.openxmlformats.org/presentationml/2006/main">
+  <p:cSld>
+    <p:spTree>
+      <p:nvGrpSpPr>
+        <p:cNvPr id="1" name=""/>
+        <p:cNvGrpSpPr/>
+        <p:nvPr/>
+      </p:nvGrpSpPr>
+      <p:grpSpPr>
+        <a:xfrm>
+          <a:off x="0" y="0"/>
+          <a:ext cx="0" cy="0"/>
+          <a:chOff x="0" y="0"/>
+          <a:chExt cx="0" cy="0"/>
+        </a:xfrm>
+      </p:grpSpPr>
+      <p:sp>
+        <p:nvSpPr>
+          <p:cNvPr id="2" name="Titel 1"/>
+          <p:cNvSpPr>
+            <a:spLocks noGrp="1"/>
+          </p:cNvSpPr>
+          <p:nvPr>
+            <p:ph type="title"/>
+          </p:nvPr>
+        </p:nvSpPr>
+        <p:spPr/>
+        <p:txBody>
+          <a:bodyPr/>
+          <a:lstStyle/>
+          <a:p>
+            <a:r>
+              <a:rPr lang="de-DE" dirty="0"/>
+              <a:t>Beispiel</a:t>
+            </a:r>
+          </a:p>
+        </p:txBody>
+      </p:sp>
+      <p:pic>
+        <p:nvPicPr>
+          <p:cNvPr id="4" name="Grafik 3"/>
+          <p:cNvPicPr>
+            <a:picLocks noChangeAspect="1"/>
+          </p:cNvPicPr>
+          <p:nvPr/>
+        </p:nvPicPr>
+        <p:blipFill>
+          <a:blip r:embed="rId2"/>
+          <a:stretch>
+            <a:fillRect/>
+          </a:stretch>
+        </p:blipFill>
+        <p:spPr>
+          <a:xfrm>
+            <a:off x="688731" y="2348644"/>
+            <a:ext cx="5890846" cy="1546347"/>
+          </a:xfrm>
+          <a:prstGeom prst="rect">
+            <a:avLst/>
+          </a:prstGeom>
+        </p:spPr>
+      </p:pic>
+      <p:pic>
+        <p:nvPicPr>
+          <p:cNvPr id="5" name="Grafik 4"/>
+          <p:cNvPicPr>
+            <a:picLocks noChangeAspect="1"/>
+          </p:cNvPicPr>
+          <p:nvPr/>
+        </p:nvPicPr>
+        <p:blipFill>
+          <a:blip r:embed="rId3"/>
+          <a:stretch>
+            <a:fillRect/>
+          </a:stretch>
+        </p:blipFill>
+        <p:spPr>
+          <a:xfrm>
+            <a:off x="5158521" y="4916554"/>
+            <a:ext cx="5532925" cy="1548308"/>
+          </a:xfrm>
+          <a:prstGeom prst="rect">
+            <a:avLst/>
+          </a:prstGeom>
+        </p:spPr>
+      </p:pic>
+      <p:sp>
+        <p:nvSpPr>
+          <p:cNvPr id="6" name="Textfeld 5"/>
+          <p:cNvSpPr txBox="1"/>
+          <p:nvPr/>
+        </p:nvSpPr>
+        <p:spPr>
+          <a:xfrm>
+            <a:off x="5158521" y="4398289"/>
+            <a:ext cx="2686313" cy="523220"/>
+          </a:xfrm>
+          <a:prstGeom prst="rect">
+            <a:avLst/>
+          </a:prstGeom>
+          <a:noFill/>
+        </p:spPr>
+        <p:txBody>
+          <a:bodyPr wrap="none" rtlCol="0">
+            <a:spAutoFit/>
+          </a:bodyPr>
+          <a:lstStyle/>
+          <a:p>
+            <a:r>
+              <a:rPr lang="de-DE" sz="2800" dirty="0"/>
+              <a:t>HTML / Template</a:t>
+            </a:r>
+          </a:p>
+        </p:txBody>
+      </p:sp>
+      <p:sp>
+        <p:nvSpPr>
+          <p:cNvPr id="7" name="Rechteckiger Pfeil 6"/>
+          <p:cNvSpPr/>
+          <p:nvPr/>
+        </p:nvSpPr>
+        <p:spPr>
+          <a:xfrm rot="5400000">
+            <a:off x="8171165" y="2750134"/>
+            <a:ext cx="1213344" cy="1441938"/>
+          </a:xfrm>
+          <a:prstGeom prst="bentArrow">
+            <a:avLst>
+              <a:gd name="adj1" fmla="val 25000"/>
+              <a:gd name="adj2" fmla="val 25000"/>
+              <a:gd name="adj3" fmla="val 25000"/>
+              <a:gd name="adj4" fmla="val 75000"/>
+            </a:avLst>
+          </a:prstGeom>
+        </p:spPr>
+        <p:style>
+          <a:lnRef idx="2">
+            <a:schemeClr val="dk1">
+              <a:shade val="50000"/>
+            </a:schemeClr>
+          </a:lnRef>
+          <a:fillRef idx="1">
+            <a:schemeClr val="dk1"/>
+          </a:fillRef>
+          <a:effectRef idx="0">
+            <a:schemeClr val="dk1"/>
+          </a:effectRef>
+          <a:fontRef idx="minor">
+            <a:schemeClr val="lt1"/>
+          </a:fontRef>
+        </p:style>
+        <p:txBody>
+          <a:bodyPr rtlCol="0" anchor="ctr"/>
+          <a:lstStyle/>
+          <a:p>
+            <a:pPr algn="ctr"/>
+            <a:endParaRPr lang="de-DE" dirty="0">
+              <a:solidFill>
+                <a:schemeClr val="tx1"/>
+              </a:solidFill>
+            </a:endParaRPr>
+          </a:p>
+        </p:txBody>
+      </p:sp>
+      <p:sp>
+        <p:nvSpPr>
+          <p:cNvPr id="8" name="Textfeld 7"/>
+          <p:cNvSpPr txBox="1"/>
+          <p:nvPr/>
+        </p:nvSpPr>
+        <p:spPr>
+          <a:xfrm>
+            <a:off x="688731" y="1825424"/>
+            <a:ext cx="1645515" cy="523220"/>
+          </a:xfrm>
+          <a:prstGeom prst="rect">
+            <a:avLst/>
+          </a:prstGeom>
+          <a:noFill/>
+        </p:spPr>
+        <p:txBody>
+          <a:bodyPr wrap="none" rtlCol="0">
+            <a:spAutoFit/>
+          </a:bodyPr>
+          <a:lstStyle/>
+          <a:p>
+            <a:r>
+              <a:rPr lang="de-DE" sz="2800" dirty="0"/>
+              <a:t>Controller</a:t>
+            </a:r>
+            <a:endParaRPr lang="de-DE" sz="3200" dirty="0"/>
+          </a:p>
+        </p:txBody>
+      </p:sp>
+    </p:spTree>
+    <p:extLst>
+      <p:ext uri="{BB962C8B-B14F-4D97-AF65-F5344CB8AC3E}">
+        <p14:creationId xmlns:p14="http://schemas.microsoft.com/office/powerpoint/2010/main" val="2932549241"/>
+      </p:ext>
+    </p:extLst>
+  </p:cSld>
+  <p:clrMapOvr>
+    <a:masterClrMapping/>
+  </p:clrMapOvr>
+  <p:timing>
+    <p:tnLst>
+      <p:par>
+        <p:cTn id="1" dur="indefinite" restart="never" nodeType="tmRoot">
+          <p:childTnLst>
+            <p:seq concurrent="1" nextAc="seek">
+              <p:cTn id="2" dur="indefinite" nodeType="mainSeq">
+                <p:childTnLst>
+                  <p:par>
+                    <p:cTn id="3" fill="hold">
+                      <p:stCondLst>
+                        <p:cond delay="indefinite"/>
+                      </p:stCondLst>
+                      <p:childTnLst>
+                        <p:par>
+                          <p:cTn id="4" fill="hold">
+                            <p:stCondLst>
+                              <p:cond delay="0"/>
+                            </p:stCondLst>
+                            <p:childTnLst>
+                              <p:par>
+                                <p:cTn id="5" presetID="1" presetClass="entr" presetSubtype="0" fill="hold" grpId="0" nodeType="clickEffect">
+                                  <p:stCondLst>
+                                    <p:cond delay="0"/>
+                                  </p:stCondLst>
+                                  <p:childTnLst>
+                                    <p:set>
+                                      <p:cBhvr>
+                                        <p:cTn id="6" dur="1" fill="hold">
+                                          <p:stCondLst>
+                                            <p:cond delay="0"/>
+                                          </p:stCondLst>
+                                        </p:cTn>
+                                        <p:tgtEl>
+                                          <p:spTgt spid="6"/>
+                                        </p:tgtEl>
+                                        <p:attrNameLst>
+                                          <p:attrName>style.visibility</p:attrName>
+                                        </p:attrNameLst>
+                                      </p:cBhvr>
+                                      <p:to>
+                                        <p:strVal val="visible"/>
+                                      </p:to>
+                                    </p:set>
+                                  </p:childTnLst>
+                                </p:cTn>
+                              </p:par>
+                              <p:par>
+                                <p:cTn id="7" presetID="1" presetClass="entr" presetSubtype="0" fill="hold" nodeType="withEffect">
+                                  <p:stCondLst>
+                                    <p:cond delay="0"/>
+                                  </p:stCondLst>
+                                  <p:childTnLst>
+                                    <p:set>
+                                      <p:cBhvr>
+                                        <p:cTn id="8" dur="1" fill="hold">
+                                          <p:stCondLst>
+                                            <p:cond delay="0"/>
+                                          </p:stCondLst>
+                                        </p:cTn>
+                                        <p:tgtEl>
+                                          <p:spTgt spid="5"/>
+                                        </p:tgtEl>
+                                        <p:attrNameLst>
+                                          <p:attrName>style.visibility</p:attrName>
+                                        </p:attrNameLst>
+                                      </p:cBhvr>
+                                      <p:to>
+                                        <p:strVal val="visible"/>
+                                      </p:to>
+                                    </p:set>
+                                  </p:childTnLst>
+                                </p:cTn>
+                              </p:par>
+                              <p:par>
+                                <p:cTn id="9" presetID="1" presetClass="entr" presetSubtype="0" fill="hold" grpId="0" nodeType="withEffect">
+                                  <p:stCondLst>
+                                    <p:cond delay="0"/>
+                                  </p:stCondLst>
+                                  <p:childTnLst>
+                                    <p:set>
+                                      <p:cBhvr>
+                                        <p:cTn id="10" dur="1" fill="hold">
+                                          <p:stCondLst>
+                                            <p:cond delay="0"/>
+                                          </p:stCondLst>
+                                        </p:cTn>
+                                        <p:tgtEl>
+                                          <p:spTgt spid="7"/>
+                                        </p:tgtEl>
+                                        <p:attrNameLst>
+                                          <p:attrName>style.visibility</p:attrName>
+                                        </p:attrNameLst>
+                                      </p:cBhvr>
+                                      <p:to>
+                                        <p:strVal val="visible"/>
+                                      </p:to>
+                                    </p:set>
+                                  </p:childTnLst>
+                                </p:cTn>
+                              </p:par>
+                            </p:childTnLst>
+                          </p:cTn>
+                        </p:par>
+                      </p:childTnLst>
+                    </p:cTn>
+                  </p:par>
+                </p:childTnLst>
+              </p:cTn>
+              <p:prevCondLst>
+                <p:cond evt="onPrev" delay="0">
+                  <p:tgtEl>
+                    <p:sldTgt/>
+                  </p:tgtEl>
+                </p:cond>
+              </p:prevCondLst>
+              <p:nextCondLst>
+                <p:cond evt="onNext" delay="0">
+                  <p:tgtEl>
+                    <p:sldTgt/>
+                  </p:tgtEl>
+                </p:cond>
+              </p:nextCondLst>
+            </p:seq>
+          </p:childTnLst>
+        </p:cTn>
+      </p:par>
+    </p:tnLst>
+    <p:bldLst>
+      <p:bldP spid="6" grpId="0"/>
+      <p:bldP spid="7" grpId="0" animBg="1"/>
+    </p:bldLst>
+  </p:timing>
+</p:sld>
+</file>
+
+<file path=ppt/slides/slide22.xml><?xml version="1.0" encoding="utf-8"?>
+<p:sld xmlns:a="http://schemas.openxmlformats.org/drawingml/2006/main" xmlns:r="http://schemas.openxmlformats.org/officeDocument/2006/relationships" xmlns:p="http://schemas.openxmlformats.org/presentationml/2006/main">
+  <p:cSld>
+    <p:spTree>
+      <p:nvGrpSpPr>
+        <p:cNvPr id="1" name=""/>
+        <p:cNvGrpSpPr/>
+        <p:nvPr/>
+      </p:nvGrpSpPr>
+      <p:grpSpPr>
+        <a:xfrm>
+          <a:off x="0" y="0"/>
+          <a:ext cx="0" cy="0"/>
+          <a:chOff x="0" y="0"/>
+          <a:chExt cx="0" cy="0"/>
+        </a:xfrm>
+      </p:grpSpPr>
+      <p:sp>
+        <p:nvSpPr>
+          <p:cNvPr id="2" name="Titel 1"/>
+          <p:cNvSpPr>
+            <a:spLocks noGrp="1"/>
+          </p:cNvSpPr>
+          <p:nvPr>
+            <p:ph type="title"/>
+          </p:nvPr>
+        </p:nvSpPr>
+        <p:spPr/>
+        <p:txBody>
+          <a:bodyPr/>
+          <a:lstStyle/>
+          <a:p>
+            <a:r>
+              <a:rPr lang="de-DE" dirty="0"/>
+              <a:t>Material Design</a:t>
+            </a:r>
+          </a:p>
+        </p:txBody>
+      </p:sp>
+      <p:sp>
+        <p:nvSpPr>
+          <p:cNvPr id="3" name="Inhaltsplatzhalter 2"/>
+          <p:cNvSpPr>
+            <a:spLocks noGrp="1"/>
+          </p:cNvSpPr>
+          <p:nvPr>
+            <p:ph idx="1"/>
+          </p:nvPr>
+        </p:nvSpPr>
+        <p:spPr/>
+        <p:txBody>
+          <a:bodyPr/>
+          <a:lstStyle/>
+          <a:p>
+            <a:r>
+              <a:rPr lang="de-DE" dirty="0"/>
+              <a:t>Von Google Inc. Entwickelte Designsprache </a:t>
+            </a:r>
+          </a:p>
+          <a:p>
+            <a:r>
+              <a:rPr lang="de-DE" dirty="0"/>
+              <a:t>Basiert auf</a:t>
+            </a:r>
+          </a:p>
+          <a:p>
+            <a:pPr lvl="1"/>
+            <a:r>
+              <a:rPr lang="de-DE" dirty="0"/>
+              <a:t>Kartenähnlichen Flächen</a:t>
+            </a:r>
+          </a:p>
+          <a:p>
+            <a:pPr lvl="1"/>
+            <a:r>
+              <a:rPr lang="de-DE" dirty="0"/>
+              <a:t>Flat Design (minimalistischen Gestaltungsstil)</a:t>
+            </a:r>
+          </a:p>
+          <a:p>
+            <a:pPr lvl="1"/>
+            <a:endParaRPr lang="de-DE" dirty="0"/>
+          </a:p>
+          <a:p>
+            <a:endParaRPr lang="de-DE" dirty="0"/>
+          </a:p>
+        </p:txBody>
+      </p:sp>
+      <p:pic>
+        <p:nvPicPr>
+          <p:cNvPr id="1026" name="Picture 2" descr="https://material-design.storage.googleapis.com/publish/material_v_8/material_ext_publish/0Bx4BSt6jniD7VG9DQVluOFJ4Tnc/materialdesign_principles_metaphor.png"/>
+          <p:cNvPicPr>
+            <a:picLocks noChangeAspect="1" noChangeArrowheads="1"/>
+          </p:cNvPicPr>
+          <p:nvPr/>
+        </p:nvPicPr>
+        <p:blipFill>
+          <a:blip r:embed="rId2">
+            <a:extLst>
+              <a:ext uri="{28A0092B-C50C-407E-A947-70E740481C1C}">
+                <a14:useLocalDpi xmlns:a14="http://schemas.microsoft.com/office/drawing/2010/main" val="0"/>
+              </a:ext>
+            </a:extLst>
+          </a:blip>
+          <a:srcRect/>
+          <a:stretch>
+            <a:fillRect/>
+          </a:stretch>
+        </p:blipFill>
+        <p:spPr bwMode="auto">
+          <a:xfrm>
+            <a:off x="1075592" y="4104884"/>
+            <a:ext cx="2160000" cy="2160000"/>
+          </a:xfrm>
+          <a:prstGeom prst="rect">
+            <a:avLst/>
+          </a:prstGeom>
+          <a:noFill/>
+          <a:extLst>
+            <a:ext uri="{909E8E84-426E-40DD-AFC4-6F175D3DCCD1}">
+              <a14:hiddenFill xmlns:a14="http://schemas.microsoft.com/office/drawing/2010/main">
+                <a:solidFill>
+                  <a:srgbClr val="FFFFFF"/>
+                </a:solidFill>
+              </a14:hiddenFill>
+            </a:ext>
+          </a:extLst>
+        </p:spPr>
+      </p:pic>
+      <p:pic>
+        <p:nvPicPr>
+          <p:cNvPr id="1028" name="Picture 4" descr="https://material-design.storage.googleapis.com/publish/material_v_8/material_ext_publish/0Bx4BSt6jniD7NndTQW9VZTlZV2s/materialdesign_principles_bold.png"/>
+          <p:cNvPicPr>
+            <a:picLocks noChangeAspect="1" noChangeArrowheads="1"/>
+          </p:cNvPicPr>
+          <p:nvPr/>
+        </p:nvPicPr>
+        <p:blipFill>
+          <a:blip r:embed="rId3">
+            <a:extLst>
+              <a:ext uri="{28A0092B-C50C-407E-A947-70E740481C1C}">
+                <a14:useLocalDpi xmlns:a14="http://schemas.microsoft.com/office/drawing/2010/main" val="0"/>
+              </a:ext>
+            </a:extLst>
+          </a:blip>
+          <a:srcRect/>
+          <a:stretch>
+            <a:fillRect/>
+          </a:stretch>
+        </p:blipFill>
+        <p:spPr bwMode="auto">
+          <a:xfrm>
+            <a:off x="4870471" y="4089215"/>
+            <a:ext cx="2160000" cy="2160000"/>
+          </a:xfrm>
+          <a:prstGeom prst="rect">
+            <a:avLst/>
+          </a:prstGeom>
+          <a:noFill/>
+          <a:extLst>
+            <a:ext uri="{909E8E84-426E-40DD-AFC4-6F175D3DCCD1}">
+              <a14:hiddenFill xmlns:a14="http://schemas.microsoft.com/office/drawing/2010/main">
+                <a:solidFill>
+                  <a:srgbClr val="FFFFFF"/>
+                </a:solidFill>
+              </a14:hiddenFill>
+            </a:ext>
+          </a:extLst>
+        </p:spPr>
+      </p:pic>
+      <p:pic>
+        <p:nvPicPr>
+          <p:cNvPr id="1030" name="Picture 6" descr="https://material-design.storage.googleapis.com/publish/material_v_8/material_ext_publish/0Bx4BSt6jniD7dkRYelJkeklqWFU/materialdesign_principles_motion.png"/>
+          <p:cNvPicPr>
+            <a:picLocks noChangeAspect="1" noChangeArrowheads="1"/>
+          </p:cNvPicPr>
+          <p:nvPr/>
+        </p:nvPicPr>
+        <p:blipFill>
+          <a:blip r:embed="rId4">
+            <a:extLst>
+              <a:ext uri="{28A0092B-C50C-407E-A947-70E740481C1C}">
+                <a14:useLocalDpi xmlns:a14="http://schemas.microsoft.com/office/drawing/2010/main" val="0"/>
+              </a:ext>
+            </a:extLst>
+          </a:blip>
+          <a:srcRect/>
+          <a:stretch>
+            <a:fillRect/>
+          </a:stretch>
+        </p:blipFill>
+        <p:spPr bwMode="auto">
+          <a:xfrm>
+            <a:off x="8665350" y="4104884"/>
+            <a:ext cx="2160000" cy="2160000"/>
+          </a:xfrm>
+          <a:prstGeom prst="rect">
+            <a:avLst/>
+          </a:prstGeom>
+          <a:noFill/>
+          <a:extLst>
+            <a:ext uri="{909E8E84-426E-40DD-AFC4-6F175D3DCCD1}">
+              <a14:hiddenFill xmlns:a14="http://schemas.microsoft.com/office/drawing/2010/main">
+                <a:solidFill>
+                  <a:srgbClr val="FFFFFF"/>
+                </a:solidFill>
+              </a14:hiddenFill>
+            </a:ext>
+          </a:extLst>
+        </p:spPr>
+      </p:pic>
+    </p:spTree>
+    <p:extLst>
+      <p:ext uri="{BB962C8B-B14F-4D97-AF65-F5344CB8AC3E}">
+        <p14:creationId xmlns:p14="http://schemas.microsoft.com/office/powerpoint/2010/main" val="3259832694"/>
+      </p:ext>
+    </p:extLst>
+  </p:cSld>
+  <p:clrMapOvr>
+    <a:masterClrMapping/>
+  </p:clrMapOvr>
+  <p:timing>
+    <p:tnLst>
+      <p:par>
+        <p:cTn id="1" dur="indefinite" restart="never" nodeType="tmRoot">
+          <p:childTnLst>
+            <p:seq concurrent="1" nextAc="seek">
+              <p:cTn id="2" dur="indefinite" nodeType="mainSeq">
+                <p:childTnLst>
+                  <p:par>
+                    <p:cTn id="3" fill="hold">
+                      <p:stCondLst>
+                        <p:cond delay="indefinite"/>
+                      </p:stCondLst>
+                      <p:childTnLst>
+                        <p:par>
+                          <p:cTn id="4" fill="hold">
+                            <p:stCondLst>
+                              <p:cond delay="0"/>
+                            </p:stCondLst>
+                            <p:childTnLst>
+                              <p:par>
+                                <p:cTn id="5" presetID="10" presetClass="entr" presetSubtype="0" fill="hold" nodeType="clickEffect">
+                                  <p:stCondLst>
+                                    <p:cond delay="0"/>
+                                  </p:stCondLst>
+                                  <p:childTnLst>
+                                    <p:set>
+                                      <p:cBhvr>
+                                        <p:cTn id="6" dur="1" fill="hold">
+                                          <p:stCondLst>
+                                            <p:cond delay="0"/>
+                                          </p:stCondLst>
+                                        </p:cTn>
+                                        <p:tgtEl>
+                                          <p:spTgt spid="1026"/>
+                                        </p:tgtEl>
+                                        <p:attrNameLst>
+                                          <p:attrName>style.visibility</p:attrName>
+                                        </p:attrNameLst>
+                                      </p:cBhvr>
+                                      <p:to>
+                                        <p:strVal val="visible"/>
+                                      </p:to>
+                                    </p:set>
+                                    <p:animEffect transition="in" filter="fade">
+                                      <p:cBhvr>
+                                        <p:cTn id="7" dur="500"/>
+                                        <p:tgtEl>
+                                          <p:spTgt spid="1026"/>
+                                        </p:tgtEl>
+                                      </p:cBhvr>
+                                    </p:animEffect>
+                                  </p:childTnLst>
+                                </p:cTn>
+                              </p:par>
+                              <p:par>
+                                <p:cTn id="8" presetID="10" presetClass="entr" presetSubtype="0" fill="hold" nodeType="withEffect">
+                                  <p:stCondLst>
+                                    <p:cond delay="0"/>
+                                  </p:stCondLst>
+                                  <p:childTnLst>
+                                    <p:set>
+                                      <p:cBhvr>
+                                        <p:cTn id="9" dur="1" fill="hold">
+                                          <p:stCondLst>
+                                            <p:cond delay="0"/>
+                                          </p:stCondLst>
+                                        </p:cTn>
+                                        <p:tgtEl>
+                                          <p:spTgt spid="1028"/>
+                                        </p:tgtEl>
+                                        <p:attrNameLst>
+                                          <p:attrName>style.visibility</p:attrName>
+                                        </p:attrNameLst>
+                                      </p:cBhvr>
+                                      <p:to>
+                                        <p:strVal val="visible"/>
+                                      </p:to>
+                                    </p:set>
+                                    <p:animEffect transition="in" filter="fade">
+                                      <p:cBhvr>
+                                        <p:cTn id="10" dur="500"/>
+                                        <p:tgtEl>
+                                          <p:spTgt spid="1028"/>
+                                        </p:tgtEl>
+                                      </p:cBhvr>
+                                    </p:animEffect>
+                                  </p:childTnLst>
+                                </p:cTn>
+                              </p:par>
+                              <p:par>
+                                <p:cTn id="11" presetID="10" presetClass="entr" presetSubtype="0" fill="hold" nodeType="withEffect">
+                                  <p:stCondLst>
+                                    <p:cond delay="0"/>
+                                  </p:stCondLst>
+                                  <p:childTnLst>
+                                    <p:set>
+                                      <p:cBhvr>
+                                        <p:cTn id="12" dur="1" fill="hold">
+                                          <p:stCondLst>
+                                            <p:cond delay="0"/>
+                                          </p:stCondLst>
+                                        </p:cTn>
+                                        <p:tgtEl>
+                                          <p:spTgt spid="1030"/>
+                                        </p:tgtEl>
+                                        <p:attrNameLst>
+                                          <p:attrName>style.visibility</p:attrName>
+                                        </p:attrNameLst>
+                                      </p:cBhvr>
+                                      <p:to>
+                                        <p:strVal val="visible"/>
+                                      </p:to>
+                                    </p:set>
+                                    <p:animEffect transition="in" filter="fade">
+                                      <p:cBhvr>
+                                        <p:cTn id="13" dur="500"/>
+                                        <p:tgtEl>
+                                          <p:spTgt spid="1030"/>
+                                        </p:tgtEl>
+                                      </p:cBhvr>
+                                    </p:animEffect>
+                                  </p:childTnLst>
+                                </p:cTn>
+                              </p:par>
+                            </p:childTnLst>
+                          </p:cTn>
+                        </p:par>
+                      </p:childTnLst>
+                    </p:cTn>
+                  </p:par>
+                </p:childTnLst>
+              </p:cTn>
+              <p:prevCondLst>
+                <p:cond evt="onPrev" delay="0">
+                  <p:tgtEl>
+                    <p:sldTgt/>
+                  </p:tgtEl>
+                </p:cond>
+              </p:prevCondLst>
+              <p:nextCondLst>
+                <p:cond evt="onNext" delay="0">
+                  <p:tgtEl>
+                    <p:sldTgt/>
+                  </p:tgtEl>
+                </p:cond>
+              </p:nextCondLst>
+            </p:seq>
+          </p:childTnLst>
+        </p:cTn>
+      </p:par>
+    </p:tnLst>
+  </p:timing>
+</p:sld>
+</file>
+
+<file path=ppt/slides/slide23.xml><?xml version="1.0" encoding="utf-8"?>
 <p:sld xmlns:a="http://schemas.openxmlformats.org/drawingml/2006/main" xmlns:r="http://schemas.openxmlformats.org/officeDocument/2006/relationships" xmlns:p="http://schemas.openxmlformats.org/presentationml/2006/main">
   <p:cSld>
     <p:spTree>
@@ -39901,7 +38828,7 @@
 </p:sld>
 </file>
 
-<file path=ppt/slides/slide3.xml><?xml version="1.0" encoding="utf-8"?>
+<file path=ppt/slides/slide24.xml><?xml version="1.0" encoding="utf-8"?>
 <p:sld xmlns:a="http://schemas.openxmlformats.org/drawingml/2006/main" xmlns:r="http://schemas.openxmlformats.org/officeDocument/2006/relationships" xmlns:p="http://schemas.openxmlformats.org/presentationml/2006/main">
   <p:cSld>
     <p:spTree>
@@ -39920,32 +38847,173 @@
       </p:grpSpPr>
       <p:sp>
         <p:nvSpPr>
-          <p:cNvPr id="68" name="Rectangle 67"/>
+          <p:cNvPr id="2" name="Titel 1"/>
           <p:cNvSpPr>
-            <a:spLocks noGrp="1" noRot="1" noChangeAspect="1" noMove="1" noResize="1" noEditPoints="1" noAdjustHandles="1" noChangeArrowheads="1" noChangeShapeType="1" noTextEdit="1"/>
+            <a:spLocks noGrp="1"/>
           </p:cNvSpPr>
           <p:nvPr>
-            <p:extLst>
-              <p:ext uri="{386F3935-93C4-4BCD-93E2-E3B085C9AB24}">
-                <p16:designElem xmlns:p16="http://schemas.microsoft.com/office/powerpoint/2015/main" val="1"/>
-              </p:ext>
-            </p:extLst>
+            <p:ph type="title"/>
           </p:nvPr>
         </p:nvSpPr>
-        <p:spPr bwMode="ltGray">
+        <p:spPr/>
+        <p:txBody>
+          <a:bodyPr/>
+          <a:lstStyle/>
+          <a:p>
+            <a:r>
+              <a:rPr lang="de-DE" dirty="0"/>
+              <a:t>Beispiel</a:t>
+            </a:r>
+          </a:p>
+        </p:txBody>
+      </p:sp>
+      <p:pic>
+        <p:nvPicPr>
+          <p:cNvPr id="5" name="Grafik 4"/>
+          <p:cNvPicPr>
+            <a:picLocks noChangeAspect="1"/>
+          </p:cNvPicPr>
+          <p:nvPr/>
+        </p:nvPicPr>
+        <p:blipFill>
+          <a:blip r:embed="rId2"/>
+          <a:stretch>
+            <a:fillRect/>
+          </a:stretch>
+        </p:blipFill>
+        <p:spPr>
           <a:xfrm>
-            <a:off x="336884" y="321176"/>
-            <a:ext cx="4332307" cy="5896743"/>
+            <a:off x="718038" y="1690688"/>
+            <a:ext cx="5023614" cy="3462705"/>
+          </a:xfrm>
+          <a:prstGeom prst="rect">
+            <a:avLst/>
+          </a:prstGeom>
+          <a:ln>
+            <a:solidFill>
+              <a:schemeClr val="tx1"/>
+            </a:solidFill>
+          </a:ln>
+        </p:spPr>
+      </p:pic>
+      <p:pic>
+        <p:nvPicPr>
+          <p:cNvPr id="7" name="Grafik 6"/>
+          <p:cNvPicPr>
+            <a:picLocks noChangeAspect="1"/>
+          </p:cNvPicPr>
+          <p:nvPr/>
+        </p:nvPicPr>
+        <p:blipFill>
+          <a:blip r:embed="rId3"/>
+          <a:stretch>
+            <a:fillRect/>
+          </a:stretch>
+        </p:blipFill>
+        <p:spPr>
+          <a:xfrm>
+            <a:off x="718038" y="5574140"/>
+            <a:ext cx="6591300" cy="857250"/>
+          </a:xfrm>
+          <a:prstGeom prst="rect">
+            <a:avLst/>
+          </a:prstGeom>
+          <a:ln>
+            <a:solidFill>
+              <a:schemeClr val="tx1"/>
+            </a:solidFill>
+          </a:ln>
+        </p:spPr>
+      </p:pic>
+      <p:grpSp>
+        <p:nvGrpSpPr>
+          <p:cNvPr id="10" name="Gruppieren 9"/>
+          <p:cNvGrpSpPr/>
+          <p:nvPr/>
+        </p:nvGrpSpPr>
+        <p:grpSpPr>
+          <a:xfrm>
+            <a:off x="7700595" y="1690688"/>
+            <a:ext cx="3505200" cy="3883452"/>
+            <a:chOff x="7392865" y="906523"/>
+            <a:chExt cx="3505200" cy="3883452"/>
+          </a:xfrm>
+        </p:grpSpPr>
+        <p:pic>
+          <p:nvPicPr>
+            <p:cNvPr id="8" name="Grafik 7"/>
+            <p:cNvPicPr>
+              <a:picLocks noChangeAspect="1"/>
+            </p:cNvPicPr>
+            <p:nvPr/>
+          </p:nvPicPr>
+          <p:blipFill rotWithShape="1">
+            <a:blip r:embed="rId4"/>
+            <a:srcRect b="29393"/>
+            <a:stretch/>
+          </p:blipFill>
+          <p:spPr>
+            <a:xfrm>
+              <a:off x="7392865" y="906523"/>
+              <a:ext cx="3505200" cy="3214687"/>
+            </a:xfrm>
+            <a:prstGeom prst="rect">
+              <a:avLst/>
+            </a:prstGeom>
+            <a:ln>
+              <a:solidFill>
+                <a:schemeClr val="tx1"/>
+              </a:solidFill>
+            </a:ln>
+          </p:spPr>
+        </p:pic>
+        <p:pic>
+          <p:nvPicPr>
+            <p:cNvPr id="9" name="Grafik 8"/>
+            <p:cNvPicPr>
+              <a:picLocks noChangeAspect="1"/>
+            </p:cNvPicPr>
+            <p:nvPr/>
+          </p:nvPicPr>
+          <p:blipFill rotWithShape="1">
+            <a:blip r:embed="rId4"/>
+            <a:srcRect t="85311"/>
+            <a:stretch/>
+          </p:blipFill>
+          <p:spPr>
+            <a:xfrm>
+              <a:off x="7392865" y="4121210"/>
+              <a:ext cx="3505200" cy="668765"/>
+            </a:xfrm>
+            <a:prstGeom prst="rect">
+              <a:avLst/>
+            </a:prstGeom>
+            <a:ln>
+              <a:solidFill>
+                <a:schemeClr val="tx1"/>
+              </a:solidFill>
+            </a:ln>
+          </p:spPr>
+        </p:pic>
+      </p:grpSp>
+      <p:sp>
+        <p:nvSpPr>
+          <p:cNvPr id="41" name="Rechteck 40"/>
+          <p:cNvSpPr/>
+          <p:nvPr/>
+        </p:nvSpPr>
+        <p:spPr>
+          <a:xfrm>
+            <a:off x="7705726" y="4826977"/>
+            <a:ext cx="3493294" cy="165832"/>
           </a:xfrm>
           <a:prstGeom prst="rect">
             <a:avLst/>
           </a:prstGeom>
           <a:solidFill>
-            <a:schemeClr val="bg1">
-              <a:alpha val="90000"/>
-            </a:schemeClr>
+            <a:schemeClr val="bg1"/>
           </a:solidFill>
-          <a:ln w="127000" cap="sq" cmpd="thinThick">
+          <a:ln>
             <a:solidFill>
               <a:schemeClr val="bg1"/>
             </a:solidFill>
@@ -39972,10 +39040,721 @@
           <a:lstStyle/>
           <a:p>
             <a:pPr algn="ctr"/>
-            <a:endParaRPr lang="en-US"/>
+            <a:endParaRPr lang="de-DE" dirty="0"/>
           </a:p>
         </p:txBody>
       </p:sp>
+      <p:sp>
+        <p:nvSpPr>
+          <p:cNvPr id="21" name="Ellipse 20"/>
+          <p:cNvSpPr/>
+          <p:nvPr/>
+        </p:nvSpPr>
+        <p:spPr>
+          <a:xfrm>
+            <a:off x="2530856" y="2224454"/>
+            <a:ext cx="1397977" cy="439615"/>
+          </a:xfrm>
+          <a:prstGeom prst="ellipse">
+            <a:avLst/>
+          </a:prstGeom>
+          <a:noFill/>
+          <a:ln w="28575">
+            <a:solidFill>
+              <a:srgbClr val="FF0000"/>
+            </a:solidFill>
+          </a:ln>
+        </p:spPr>
+        <p:style>
+          <a:lnRef idx="2">
+            <a:schemeClr val="accent1">
+              <a:shade val="50000"/>
+            </a:schemeClr>
+          </a:lnRef>
+          <a:fillRef idx="1">
+            <a:schemeClr val="accent1"/>
+          </a:fillRef>
+          <a:effectRef idx="0">
+            <a:schemeClr val="accent1"/>
+          </a:effectRef>
+          <a:fontRef idx="minor">
+            <a:schemeClr val="lt1"/>
+          </a:fontRef>
+        </p:style>
+        <p:txBody>
+          <a:bodyPr rtlCol="0" anchor="ctr"/>
+          <a:lstStyle/>
+          <a:p>
+            <a:pPr algn="ctr"/>
+            <a:endParaRPr lang="de-DE" dirty="0"/>
+          </a:p>
+        </p:txBody>
+      </p:sp>
+      <p:sp>
+        <p:nvSpPr>
+          <p:cNvPr id="22" name="Ellipse 21"/>
+          <p:cNvSpPr/>
+          <p:nvPr/>
+        </p:nvSpPr>
+        <p:spPr>
+          <a:xfrm>
+            <a:off x="8670817" y="4905375"/>
+            <a:ext cx="2534978" cy="668765"/>
+          </a:xfrm>
+          <a:prstGeom prst="ellipse">
+            <a:avLst/>
+          </a:prstGeom>
+          <a:noFill/>
+          <a:ln w="28575">
+            <a:solidFill>
+              <a:srgbClr val="FF0000"/>
+            </a:solidFill>
+          </a:ln>
+        </p:spPr>
+        <p:style>
+          <a:lnRef idx="2">
+            <a:schemeClr val="accent1">
+              <a:shade val="50000"/>
+            </a:schemeClr>
+          </a:lnRef>
+          <a:fillRef idx="1">
+            <a:schemeClr val="accent1"/>
+          </a:fillRef>
+          <a:effectRef idx="0">
+            <a:schemeClr val="accent1"/>
+          </a:effectRef>
+          <a:fontRef idx="minor">
+            <a:schemeClr val="lt1"/>
+          </a:fontRef>
+        </p:style>
+        <p:txBody>
+          <a:bodyPr rtlCol="0" anchor="ctr"/>
+          <a:lstStyle/>
+          <a:p>
+            <a:pPr algn="ctr"/>
+            <a:endParaRPr lang="de-DE" dirty="0"/>
+          </a:p>
+        </p:txBody>
+      </p:sp>
+      <p:sp>
+        <p:nvSpPr>
+          <p:cNvPr id="23" name="Ellipse 22"/>
+          <p:cNvSpPr/>
+          <p:nvPr/>
+        </p:nvSpPr>
+        <p:spPr>
+          <a:xfrm>
+            <a:off x="916003" y="5807318"/>
+            <a:ext cx="3902182" cy="439615"/>
+          </a:xfrm>
+          <a:prstGeom prst="ellipse">
+            <a:avLst/>
+          </a:prstGeom>
+          <a:noFill/>
+          <a:ln w="28575">
+            <a:solidFill>
+              <a:srgbClr val="FF0000"/>
+            </a:solidFill>
+          </a:ln>
+        </p:spPr>
+        <p:style>
+          <a:lnRef idx="2">
+            <a:schemeClr val="accent1">
+              <a:shade val="50000"/>
+            </a:schemeClr>
+          </a:lnRef>
+          <a:fillRef idx="1">
+            <a:schemeClr val="accent1"/>
+          </a:fillRef>
+          <a:effectRef idx="0">
+            <a:schemeClr val="accent1"/>
+          </a:effectRef>
+          <a:fontRef idx="minor">
+            <a:schemeClr val="lt1"/>
+          </a:fontRef>
+        </p:style>
+        <p:txBody>
+          <a:bodyPr rtlCol="0" anchor="ctr"/>
+          <a:lstStyle/>
+          <a:p>
+            <a:pPr algn="ctr"/>
+            <a:endParaRPr lang="de-DE" dirty="0"/>
+          </a:p>
+        </p:txBody>
+      </p:sp>
+      <p:sp>
+        <p:nvSpPr>
+          <p:cNvPr id="25" name="Ellipse 24"/>
+          <p:cNvSpPr/>
+          <p:nvPr/>
+        </p:nvSpPr>
+        <p:spPr>
+          <a:xfrm>
+            <a:off x="7700595" y="1594890"/>
+            <a:ext cx="1397977" cy="439615"/>
+          </a:xfrm>
+          <a:prstGeom prst="ellipse">
+            <a:avLst/>
+          </a:prstGeom>
+          <a:noFill/>
+          <a:ln w="28575">
+            <a:solidFill>
+              <a:srgbClr val="FF0000"/>
+            </a:solidFill>
+          </a:ln>
+        </p:spPr>
+        <p:style>
+          <a:lnRef idx="2">
+            <a:schemeClr val="accent1">
+              <a:shade val="50000"/>
+            </a:schemeClr>
+          </a:lnRef>
+          <a:fillRef idx="1">
+            <a:schemeClr val="accent1"/>
+          </a:fillRef>
+          <a:effectRef idx="0">
+            <a:schemeClr val="accent1"/>
+          </a:effectRef>
+          <a:fontRef idx="minor">
+            <a:schemeClr val="lt1"/>
+          </a:fontRef>
+        </p:style>
+        <p:txBody>
+          <a:bodyPr rtlCol="0" anchor="ctr"/>
+          <a:lstStyle/>
+          <a:p>
+            <a:pPr algn="ctr"/>
+            <a:endParaRPr lang="de-DE" dirty="0"/>
+          </a:p>
+        </p:txBody>
+      </p:sp>
+      <p:cxnSp>
+        <p:nvCxnSpPr>
+          <p:cNvPr id="27" name="Gerade Verbindung mit Pfeil 26"/>
+          <p:cNvCxnSpPr>
+            <a:endCxn id="9" idx="0"/>
+          </p:cNvCxnSpPr>
+          <p:nvPr/>
+        </p:nvCxnSpPr>
+        <p:spPr>
+          <a:xfrm>
+            <a:off x="8510954" y="2224454"/>
+            <a:ext cx="942241" cy="2680921"/>
+          </a:xfrm>
+          <a:prstGeom prst="straightConnector1">
+            <a:avLst/>
+          </a:prstGeom>
+          <a:ln w="76200">
+            <a:solidFill>
+              <a:srgbClr val="FF0000"/>
+            </a:solidFill>
+            <a:tailEnd type="triangle"/>
+          </a:ln>
+        </p:spPr>
+        <p:style>
+          <a:lnRef idx="1">
+            <a:schemeClr val="accent1"/>
+          </a:lnRef>
+          <a:fillRef idx="0">
+            <a:schemeClr val="accent1"/>
+          </a:fillRef>
+          <a:effectRef idx="0">
+            <a:schemeClr val="accent1"/>
+          </a:effectRef>
+          <a:fontRef idx="minor">
+            <a:schemeClr val="tx1"/>
+          </a:fontRef>
+        </p:style>
+      </p:cxnSp>
+      <p:cxnSp>
+        <p:nvCxnSpPr>
+          <p:cNvPr id="30" name="Gerade Verbindung mit Pfeil 29"/>
+          <p:cNvCxnSpPr/>
+          <p:nvPr/>
+        </p:nvCxnSpPr>
+        <p:spPr>
+          <a:xfrm flipV="1">
+            <a:off x="3817327" y="2034505"/>
+            <a:ext cx="4051788" cy="3662910"/>
+          </a:xfrm>
+          <a:prstGeom prst="straightConnector1">
+            <a:avLst/>
+          </a:prstGeom>
+          <a:ln w="76200">
+            <a:solidFill>
+              <a:srgbClr val="FF0000"/>
+            </a:solidFill>
+            <a:tailEnd type="triangle"/>
+          </a:ln>
+        </p:spPr>
+        <p:style>
+          <a:lnRef idx="1">
+            <a:schemeClr val="accent1"/>
+          </a:lnRef>
+          <a:fillRef idx="0">
+            <a:schemeClr val="accent1"/>
+          </a:fillRef>
+          <a:effectRef idx="0">
+            <a:schemeClr val="accent1"/>
+          </a:effectRef>
+          <a:fontRef idx="minor">
+            <a:schemeClr val="tx1"/>
+          </a:fontRef>
+        </p:style>
+      </p:cxnSp>
+      <p:cxnSp>
+        <p:nvCxnSpPr>
+          <p:cNvPr id="35" name="Gerade Verbindung mit Pfeil 34"/>
+          <p:cNvCxnSpPr/>
+          <p:nvPr/>
+        </p:nvCxnSpPr>
+        <p:spPr>
+          <a:xfrm flipH="1" flipV="1">
+            <a:off x="4133851" y="2567355"/>
+            <a:ext cx="4377103" cy="2575048"/>
+          </a:xfrm>
+          <a:prstGeom prst="straightConnector1">
+            <a:avLst/>
+          </a:prstGeom>
+          <a:ln w="76200">
+            <a:solidFill>
+              <a:srgbClr val="FF0000"/>
+            </a:solidFill>
+            <a:tailEnd type="triangle"/>
+          </a:ln>
+        </p:spPr>
+        <p:style>
+          <a:lnRef idx="1">
+            <a:schemeClr val="accent1"/>
+          </a:lnRef>
+          <a:fillRef idx="0">
+            <a:schemeClr val="accent1"/>
+          </a:fillRef>
+          <a:effectRef idx="0">
+            <a:schemeClr val="accent1"/>
+          </a:effectRef>
+          <a:fontRef idx="minor">
+            <a:schemeClr val="tx1"/>
+          </a:fontRef>
+        </p:style>
+      </p:cxnSp>
+      <p:sp>
+        <p:nvSpPr>
+          <p:cNvPr id="43" name="Textfeld 42"/>
+          <p:cNvSpPr txBox="1"/>
+          <p:nvPr/>
+        </p:nvSpPr>
+        <p:spPr>
+          <a:xfrm>
+            <a:off x="4462934" y="1269941"/>
+            <a:ext cx="1237839" cy="400110"/>
+          </a:xfrm>
+          <a:prstGeom prst="rect">
+            <a:avLst/>
+          </a:prstGeom>
+          <a:noFill/>
+        </p:spPr>
+        <p:txBody>
+          <a:bodyPr wrap="none" rtlCol="0">
+            <a:spAutoFit/>
+          </a:bodyPr>
+          <a:lstStyle/>
+          <a:p>
+            <a:r>
+              <a:rPr lang="de-DE" sz="2000" dirty="0"/>
+              <a:t>Bibliothek</a:t>
+            </a:r>
+            <a:endParaRPr lang="de-DE" dirty="0"/>
+          </a:p>
+        </p:txBody>
+      </p:sp>
+      <p:sp>
+        <p:nvSpPr>
+          <p:cNvPr id="44" name="Textfeld 43"/>
+          <p:cNvSpPr txBox="1"/>
+          <p:nvPr/>
+        </p:nvSpPr>
+        <p:spPr>
+          <a:xfrm>
+            <a:off x="10535612" y="1269941"/>
+            <a:ext cx="670183" cy="400110"/>
+          </a:xfrm>
+          <a:prstGeom prst="rect">
+            <a:avLst/>
+          </a:prstGeom>
+          <a:noFill/>
+        </p:spPr>
+        <p:txBody>
+          <a:bodyPr wrap="none" rtlCol="0">
+            <a:spAutoFit/>
+          </a:bodyPr>
+          <a:lstStyle/>
+          <a:p>
+            <a:r>
+              <a:rPr lang="de-DE" sz="2000" dirty="0"/>
+              <a:t>Core</a:t>
+            </a:r>
+            <a:endParaRPr lang="de-DE" dirty="0"/>
+          </a:p>
+        </p:txBody>
+      </p:sp>
+      <p:sp>
+        <p:nvSpPr>
+          <p:cNvPr id="45" name="Textfeld 44"/>
+          <p:cNvSpPr txBox="1"/>
+          <p:nvPr/>
+        </p:nvSpPr>
+        <p:spPr>
+          <a:xfrm>
+            <a:off x="6071499" y="5152202"/>
+            <a:ext cx="1231363" cy="400110"/>
+          </a:xfrm>
+          <a:prstGeom prst="rect">
+            <a:avLst/>
+          </a:prstGeom>
+          <a:noFill/>
+        </p:spPr>
+        <p:txBody>
+          <a:bodyPr wrap="none" rtlCol="0">
+            <a:spAutoFit/>
+          </a:bodyPr>
+          <a:lstStyle/>
+          <a:p>
+            <a:r>
+              <a:rPr lang="de-DE" sz="2000" dirty="0"/>
+              <a:t>Controller</a:t>
+            </a:r>
+            <a:endParaRPr lang="de-DE" dirty="0"/>
+          </a:p>
+        </p:txBody>
+      </p:sp>
+    </p:spTree>
+    <p:extLst>
+      <p:ext uri="{BB962C8B-B14F-4D97-AF65-F5344CB8AC3E}">
+        <p14:creationId xmlns:p14="http://schemas.microsoft.com/office/powerpoint/2010/main" val="913643581"/>
+      </p:ext>
+    </p:extLst>
+  </p:cSld>
+  <p:clrMapOvr>
+    <a:masterClrMapping/>
+  </p:clrMapOvr>
+  <p:timing>
+    <p:tnLst>
+      <p:par>
+        <p:cTn id="1" dur="indefinite" restart="never" nodeType="tmRoot">
+          <p:childTnLst>
+            <p:seq concurrent="1" nextAc="seek">
+              <p:cTn id="2" dur="indefinite" nodeType="mainSeq">
+                <p:childTnLst>
+                  <p:par>
+                    <p:cTn id="3" fill="hold">
+                      <p:stCondLst>
+                        <p:cond delay="indefinite"/>
+                      </p:stCondLst>
+                      <p:childTnLst>
+                        <p:par>
+                          <p:cTn id="4" fill="hold">
+                            <p:stCondLst>
+                              <p:cond delay="0"/>
+                            </p:stCondLst>
+                            <p:childTnLst>
+                              <p:par>
+                                <p:cTn id="5" presetID="1" presetClass="entr" presetSubtype="0" fill="hold" grpId="0" nodeType="clickEffect">
+                                  <p:stCondLst>
+                                    <p:cond delay="0"/>
+                                  </p:stCondLst>
+                                  <p:childTnLst>
+                                    <p:set>
+                                      <p:cBhvr>
+                                        <p:cTn id="6" dur="1" fill="hold">
+                                          <p:stCondLst>
+                                            <p:cond delay="0"/>
+                                          </p:stCondLst>
+                                        </p:cTn>
+                                        <p:tgtEl>
+                                          <p:spTgt spid="23"/>
+                                        </p:tgtEl>
+                                        <p:attrNameLst>
+                                          <p:attrName>style.visibility</p:attrName>
+                                        </p:attrNameLst>
+                                      </p:cBhvr>
+                                      <p:to>
+                                        <p:strVal val="visible"/>
+                                      </p:to>
+                                    </p:set>
+                                  </p:childTnLst>
+                                </p:cTn>
+                              </p:par>
+                            </p:childTnLst>
+                          </p:cTn>
+                        </p:par>
+                      </p:childTnLst>
+                    </p:cTn>
+                  </p:par>
+                  <p:par>
+                    <p:cTn id="7" fill="hold">
+                      <p:stCondLst>
+                        <p:cond delay="indefinite"/>
+                      </p:stCondLst>
+                      <p:childTnLst>
+                        <p:par>
+                          <p:cTn id="8" fill="hold">
+                            <p:stCondLst>
+                              <p:cond delay="0"/>
+                            </p:stCondLst>
+                            <p:childTnLst>
+                              <p:par>
+                                <p:cTn id="9" presetID="1" presetClass="entr" presetSubtype="0" fill="hold" nodeType="clickEffect">
+                                  <p:stCondLst>
+                                    <p:cond delay="0"/>
+                                  </p:stCondLst>
+                                  <p:childTnLst>
+                                    <p:set>
+                                      <p:cBhvr>
+                                        <p:cTn id="10" dur="1" fill="hold">
+                                          <p:stCondLst>
+                                            <p:cond delay="0"/>
+                                          </p:stCondLst>
+                                        </p:cTn>
+                                        <p:tgtEl>
+                                          <p:spTgt spid="30"/>
+                                        </p:tgtEl>
+                                        <p:attrNameLst>
+                                          <p:attrName>style.visibility</p:attrName>
+                                        </p:attrNameLst>
+                                      </p:cBhvr>
+                                      <p:to>
+                                        <p:strVal val="visible"/>
+                                      </p:to>
+                                    </p:set>
+                                  </p:childTnLst>
+                                </p:cTn>
+                              </p:par>
+                              <p:par>
+                                <p:cTn id="11" presetID="1" presetClass="entr" presetSubtype="0" fill="hold" grpId="0" nodeType="withEffect">
+                                  <p:stCondLst>
+                                    <p:cond delay="0"/>
+                                  </p:stCondLst>
+                                  <p:childTnLst>
+                                    <p:set>
+                                      <p:cBhvr>
+                                        <p:cTn id="12" dur="1" fill="hold">
+                                          <p:stCondLst>
+                                            <p:cond delay="0"/>
+                                          </p:stCondLst>
+                                        </p:cTn>
+                                        <p:tgtEl>
+                                          <p:spTgt spid="25"/>
+                                        </p:tgtEl>
+                                        <p:attrNameLst>
+                                          <p:attrName>style.visibility</p:attrName>
+                                        </p:attrNameLst>
+                                      </p:cBhvr>
+                                      <p:to>
+                                        <p:strVal val="visible"/>
+                                      </p:to>
+                                    </p:set>
+                                  </p:childTnLst>
+                                </p:cTn>
+                              </p:par>
+                            </p:childTnLst>
+                          </p:cTn>
+                        </p:par>
+                      </p:childTnLst>
+                    </p:cTn>
+                  </p:par>
+                  <p:par>
+                    <p:cTn id="13" fill="hold">
+                      <p:stCondLst>
+                        <p:cond delay="indefinite"/>
+                      </p:stCondLst>
+                      <p:childTnLst>
+                        <p:par>
+                          <p:cTn id="14" fill="hold">
+                            <p:stCondLst>
+                              <p:cond delay="0"/>
+                            </p:stCondLst>
+                            <p:childTnLst>
+                              <p:par>
+                                <p:cTn id="15" presetID="1" presetClass="entr" presetSubtype="0" fill="hold" nodeType="clickEffect">
+                                  <p:stCondLst>
+                                    <p:cond delay="0"/>
+                                  </p:stCondLst>
+                                  <p:childTnLst>
+                                    <p:set>
+                                      <p:cBhvr>
+                                        <p:cTn id="16" dur="1" fill="hold">
+                                          <p:stCondLst>
+                                            <p:cond delay="0"/>
+                                          </p:stCondLst>
+                                        </p:cTn>
+                                        <p:tgtEl>
+                                          <p:spTgt spid="27"/>
+                                        </p:tgtEl>
+                                        <p:attrNameLst>
+                                          <p:attrName>style.visibility</p:attrName>
+                                        </p:attrNameLst>
+                                      </p:cBhvr>
+                                      <p:to>
+                                        <p:strVal val="visible"/>
+                                      </p:to>
+                                    </p:set>
+                                  </p:childTnLst>
+                                </p:cTn>
+                              </p:par>
+                              <p:par>
+                                <p:cTn id="17" presetID="1" presetClass="entr" presetSubtype="0" fill="hold" grpId="0" nodeType="withEffect">
+                                  <p:stCondLst>
+                                    <p:cond delay="0"/>
+                                  </p:stCondLst>
+                                  <p:childTnLst>
+                                    <p:set>
+                                      <p:cBhvr>
+                                        <p:cTn id="18" dur="1" fill="hold">
+                                          <p:stCondLst>
+                                            <p:cond delay="0"/>
+                                          </p:stCondLst>
+                                        </p:cTn>
+                                        <p:tgtEl>
+                                          <p:spTgt spid="22"/>
+                                        </p:tgtEl>
+                                        <p:attrNameLst>
+                                          <p:attrName>style.visibility</p:attrName>
+                                        </p:attrNameLst>
+                                      </p:cBhvr>
+                                      <p:to>
+                                        <p:strVal val="visible"/>
+                                      </p:to>
+                                    </p:set>
+                                  </p:childTnLst>
+                                </p:cTn>
+                              </p:par>
+                            </p:childTnLst>
+                          </p:cTn>
+                        </p:par>
+                      </p:childTnLst>
+                    </p:cTn>
+                  </p:par>
+                  <p:par>
+                    <p:cTn id="19" fill="hold">
+                      <p:stCondLst>
+                        <p:cond delay="indefinite"/>
+                      </p:stCondLst>
+                      <p:childTnLst>
+                        <p:par>
+                          <p:cTn id="20" fill="hold">
+                            <p:stCondLst>
+                              <p:cond delay="0"/>
+                            </p:stCondLst>
+                            <p:childTnLst>
+                              <p:par>
+                                <p:cTn id="21" presetID="1" presetClass="entr" presetSubtype="0" fill="hold" nodeType="clickEffect">
+                                  <p:stCondLst>
+                                    <p:cond delay="0"/>
+                                  </p:stCondLst>
+                                  <p:childTnLst>
+                                    <p:set>
+                                      <p:cBhvr>
+                                        <p:cTn id="22" dur="1" fill="hold">
+                                          <p:stCondLst>
+                                            <p:cond delay="0"/>
+                                          </p:stCondLst>
+                                        </p:cTn>
+                                        <p:tgtEl>
+                                          <p:spTgt spid="35"/>
+                                        </p:tgtEl>
+                                        <p:attrNameLst>
+                                          <p:attrName>style.visibility</p:attrName>
+                                        </p:attrNameLst>
+                                      </p:cBhvr>
+                                      <p:to>
+                                        <p:strVal val="visible"/>
+                                      </p:to>
+                                    </p:set>
+                                  </p:childTnLst>
+                                </p:cTn>
+                              </p:par>
+                              <p:par>
+                                <p:cTn id="23" presetID="1" presetClass="entr" presetSubtype="0" fill="hold" grpId="0" nodeType="withEffect">
+                                  <p:stCondLst>
+                                    <p:cond delay="0"/>
+                                  </p:stCondLst>
+                                  <p:childTnLst>
+                                    <p:set>
+                                      <p:cBhvr>
+                                        <p:cTn id="24" dur="1" fill="hold">
+                                          <p:stCondLst>
+                                            <p:cond delay="0"/>
+                                          </p:stCondLst>
+                                        </p:cTn>
+                                        <p:tgtEl>
+                                          <p:spTgt spid="21"/>
+                                        </p:tgtEl>
+                                        <p:attrNameLst>
+                                          <p:attrName>style.visibility</p:attrName>
+                                        </p:attrNameLst>
+                                      </p:cBhvr>
+                                      <p:to>
+                                        <p:strVal val="visible"/>
+                                      </p:to>
+                                    </p:set>
+                                  </p:childTnLst>
+                                </p:cTn>
+                              </p:par>
+                            </p:childTnLst>
+                          </p:cTn>
+                        </p:par>
+                      </p:childTnLst>
+                    </p:cTn>
+                  </p:par>
+                </p:childTnLst>
+              </p:cTn>
+              <p:prevCondLst>
+                <p:cond evt="onPrev" delay="0">
+                  <p:tgtEl>
+                    <p:sldTgt/>
+                  </p:tgtEl>
+                </p:cond>
+              </p:prevCondLst>
+              <p:nextCondLst>
+                <p:cond evt="onNext" delay="0">
+                  <p:tgtEl>
+                    <p:sldTgt/>
+                  </p:tgtEl>
+                </p:cond>
+              </p:nextCondLst>
+            </p:seq>
+          </p:childTnLst>
+        </p:cTn>
+      </p:par>
+    </p:tnLst>
+    <p:bldLst>
+      <p:bldP spid="21" grpId="0" animBg="1"/>
+      <p:bldP spid="22" grpId="0" animBg="1"/>
+      <p:bldP spid="23" grpId="0" animBg="1"/>
+      <p:bldP spid="25" grpId="0" animBg="1"/>
+    </p:bldLst>
+  </p:timing>
+</p:sld>
+</file>
+
+<file path=ppt/slides/slide3.xml><?xml version="1.0" encoding="utf-8"?>
+<p:sld xmlns:a="http://schemas.openxmlformats.org/drawingml/2006/main" xmlns:r="http://schemas.openxmlformats.org/officeDocument/2006/relationships" xmlns:p="http://schemas.openxmlformats.org/presentationml/2006/main">
+  <p:cSld>
+    <p:spTree>
+      <p:nvGrpSpPr>
+        <p:cNvPr id="1" name=""/>
+        <p:cNvGrpSpPr/>
+        <p:nvPr/>
+      </p:nvGrpSpPr>
+      <p:grpSpPr>
+        <a:xfrm>
+          <a:off x="0" y="0"/>
+          <a:ext cx="0" cy="0"/>
+          <a:chOff x="0" y="0"/>
+          <a:chExt cx="0" cy="0"/>
+        </a:xfrm>
+      </p:grpSpPr>
       <p:pic>
         <p:nvPicPr>
           <p:cNvPr id="2" name="Picture 2" descr="http://www.business-netz.com/sites/default/files/bilder/ploetzlich_chef.png"/>
@@ -40782,7 +40561,7 @@
 </file>
 
 <file path=ppt/theme/theme1.xml><?xml version="1.0" encoding="utf-8"?>
-<a:theme xmlns:a="http://schemas.openxmlformats.org/drawingml/2006/main" name="Office">
+<a:theme xmlns:a="http://schemas.openxmlformats.org/drawingml/2006/main" name="Office Theme">
   <a:themeElements>
     <a:clrScheme name="Office">
       <a:dk1>
@@ -40857,23 +40636,6 @@
         <a:font script="Viet" typeface="Times New Roman"/>
         <a:font script="Uigh" typeface="Microsoft Uighur"/>
         <a:font script="Geor" typeface="Sylfaen"/>
-        <a:font script="Armn" typeface="Arial"/>
-        <a:font script="Bugi" typeface="Leelawadee UI"/>
-        <a:font script="Bopo" typeface="Microsoft JhengHei"/>
-        <a:font script="Java" typeface="Javanese Text"/>
-        <a:font script="Lisu" typeface="Segoe UI"/>
-        <a:font script="Mymr" typeface="Myanmar Text"/>
-        <a:font script="Nkoo" typeface="Ebrima"/>
-        <a:font script="Olck" typeface="Nirmala UI"/>
-        <a:font script="Osma" typeface="Ebrima"/>
-        <a:font script="Phag" typeface="Phagspa"/>
-        <a:font script="Syrn" typeface="Estrangelo Edessa"/>
-        <a:font script="Syrj" typeface="Estrangelo Edessa"/>
-        <a:font script="Syre" typeface="Estrangelo Edessa"/>
-        <a:font script="Sora" typeface="Nirmala UI"/>
-        <a:font script="Tale" typeface="Microsoft Tai Le"/>
-        <a:font script="Talu" typeface="Microsoft New Tai Lue"/>
-        <a:font script="Tfng" typeface="Ebrima"/>
       </a:majorFont>
       <a:minorFont>
         <a:latin typeface="Calibri" panose="020F0502020204030204"/>
@@ -40909,23 +40671,6 @@
         <a:font script="Viet" typeface="Arial"/>
         <a:font script="Uigh" typeface="Microsoft Uighur"/>
         <a:font script="Geor" typeface="Sylfaen"/>
-        <a:font script="Armn" typeface="Arial"/>
-        <a:font script="Bugi" typeface="Leelawadee UI"/>
-        <a:font script="Bopo" typeface="Microsoft JhengHei"/>
-        <a:font script="Java" typeface="Javanese Text"/>
-        <a:font script="Lisu" typeface="Segoe UI"/>
-        <a:font script="Mymr" typeface="Myanmar Text"/>
-        <a:font script="Nkoo" typeface="Ebrima"/>
-        <a:font script="Olck" typeface="Nirmala UI"/>
-        <a:font script="Osma" typeface="Ebrima"/>
-        <a:font script="Phag" typeface="Phagspa"/>
-        <a:font script="Syrn" typeface="Estrangelo Edessa"/>
-        <a:font script="Syrj" typeface="Estrangelo Edessa"/>
-        <a:font script="Syre" typeface="Estrangelo Edessa"/>
-        <a:font script="Sora" typeface="Nirmala UI"/>
-        <a:font script="Tale" typeface="Microsoft Tai Le"/>
-        <a:font script="Talu" typeface="Microsoft New Tai Lue"/>
-        <a:font script="Tfng" typeface="Ebrima"/>
       </a:minorFont>
     </a:fontScheme>
     <a:fmtScheme name="Office">
